--- a/ВКР/Презентация_Димаков_В.С._МП-40.pptx
+++ b/ВКР/Презентация_Димаков_В.С._МП-40.pptx
@@ -5,24 +5,21 @@
     <p:sldMasterId id="2147484426" r:id="rId1"/>
   </p:sldMasterIdLst>
   <p:notesMasterIdLst>
-    <p:notesMasterId r:id="rId17"/>
+    <p:notesMasterId r:id="rId14"/>
   </p:notesMasterIdLst>
   <p:sldIdLst>
     <p:sldId id="256" r:id="rId2"/>
     <p:sldId id="273" r:id="rId3"/>
     <p:sldId id="274" r:id="rId4"/>
-    <p:sldId id="275" r:id="rId5"/>
-    <p:sldId id="259" r:id="rId6"/>
-    <p:sldId id="262" r:id="rId7"/>
-    <p:sldId id="263" r:id="rId8"/>
-    <p:sldId id="265" r:id="rId9"/>
-    <p:sldId id="267" r:id="rId10"/>
-    <p:sldId id="266" r:id="rId11"/>
-    <p:sldId id="268" r:id="rId12"/>
-    <p:sldId id="269" r:id="rId13"/>
-    <p:sldId id="270" r:id="rId14"/>
-    <p:sldId id="271" r:id="rId15"/>
-    <p:sldId id="272" r:id="rId16"/>
+    <p:sldId id="259" r:id="rId5"/>
+    <p:sldId id="262" r:id="rId6"/>
+    <p:sldId id="263" r:id="rId7"/>
+    <p:sldId id="265" r:id="rId8"/>
+    <p:sldId id="267" r:id="rId9"/>
+    <p:sldId id="266" r:id="rId10"/>
+    <p:sldId id="268" r:id="rId11"/>
+    <p:sldId id="270" r:id="rId12"/>
+    <p:sldId id="272" r:id="rId13"/>
   </p:sldIdLst>
   <p:sldSz cx="9144000" cy="6858000" type="screen4x3"/>
   <p:notesSz cx="6858000" cy="9144000"/>
@@ -217,7 +214,7 @@
             <a:pPr>
               <a:defRPr/>
             </a:pPr>
-            <a:endParaRPr lang="ru-RU"/>
+            <a:endParaRPr lang="ru-RU" dirty="0"/>
           </a:p>
         </p:txBody>
       </p:sp>
@@ -264,9 +261,9 @@
               <a:pPr>
                 <a:defRPr/>
               </a:pPr>
-              <a:t>21.05.2017</a:t>
+              <a:t>22.05.2017</a:t>
             </a:fld>
-            <a:endParaRPr lang="ru-RU"/>
+            <a:endParaRPr lang="ru-RU" dirty="0"/>
           </a:p>
         </p:txBody>
       </p:sp>
@@ -300,7 +297,7 @@
           <a:lstStyle/>
           <a:p>
             <a:pPr lvl="0"/>
-            <a:endParaRPr lang="ru-RU" noProof="0" smtClean="0"/>
+            <a:endParaRPr lang="ru-RU" noProof="0" dirty="0" smtClean="0"/>
           </a:p>
         </p:txBody>
       </p:sp>
@@ -403,7 +400,7 @@
             <a:pPr>
               <a:defRPr/>
             </a:pPr>
-            <a:endParaRPr lang="ru-RU"/>
+            <a:endParaRPr lang="ru-RU" dirty="0"/>
           </a:p>
         </p:txBody>
       </p:sp>
@@ -450,7 +447,7 @@
               </a:pPr>
               <a:t>‹#›</a:t>
             </a:fld>
-            <a:endParaRPr lang="ru-RU" altLang="ru-RU"/>
+            <a:endParaRPr lang="ru-RU" altLang="ru-RU" dirty="0"/>
           </a:p>
         </p:txBody>
       </p:sp>
@@ -675,7 +672,7 @@
           </a:bodyPr>
           <a:lstStyle/>
           <a:p>
-            <a:endParaRPr lang="ru-RU" altLang="ru-RU" smtClean="0"/>
+            <a:endParaRPr lang="ru-RU" altLang="ru-RU" dirty="0" smtClean="0"/>
           </a:p>
         </p:txBody>
       </p:sp>
@@ -817,7 +814,7 @@
               <a:pPr/>
               <a:t>1</a:t>
             </a:fld>
-            <a:endParaRPr lang="ru-RU" altLang="ru-RU"/>
+            <a:endParaRPr lang="ru-RU" altLang="ru-RU" dirty="0"/>
           </a:p>
         </p:txBody>
       </p:sp>
@@ -900,16 +897,16 @@
               <a:pPr>
                 <a:defRPr/>
               </a:pPr>
-              <a:t>10</a:t>
+              <a:t>2</a:t>
             </a:fld>
-            <a:endParaRPr lang="ru-RU" altLang="ru-RU"/>
+            <a:endParaRPr lang="ru-RU" altLang="ru-RU" dirty="0"/>
           </a:p>
         </p:txBody>
       </p:sp>
     </p:spTree>
     <p:extLst>
       <p:ext uri="{BB962C8B-B14F-4D97-AF65-F5344CB8AC3E}">
-        <p14:creationId xmlns:p14="http://schemas.microsoft.com/office/powerpoint/2010/main" val="1051975895"/>
+        <p14:creationId xmlns:p14="http://schemas.microsoft.com/office/powerpoint/2010/main" val="1692489639"/>
       </p:ext>
     </p:extLst>
   </p:cSld>
@@ -990,9 +987,9 @@
               <a:pPr>
                 <a:defRPr/>
               </a:pPr>
-              <a:t>11</a:t>
+              <a:t>9</a:t>
             </a:fld>
-            <a:endParaRPr lang="ru-RU" altLang="ru-RU"/>
+            <a:endParaRPr lang="ru-RU" altLang="ru-RU" dirty="0"/>
           </a:p>
         </p:txBody>
       </p:sp>
@@ -1080,9 +1077,9 @@
               <a:pPr>
                 <a:defRPr/>
               </a:pPr>
-              <a:t>12</a:t>
+              <a:t>10</a:t>
             </a:fld>
-            <a:endParaRPr lang="ru-RU" altLang="ru-RU"/>
+            <a:endParaRPr lang="ru-RU" altLang="ru-RU" dirty="0"/>
           </a:p>
         </p:txBody>
       </p:sp>
@@ -1170,9 +1167,9 @@
               <a:pPr>
                 <a:defRPr/>
               </a:pPr>
-              <a:t>13</a:t>
+              <a:t>11</a:t>
             </a:fld>
-            <a:endParaRPr lang="ru-RU" altLang="ru-RU"/>
+            <a:endParaRPr lang="ru-RU" altLang="ru-RU" dirty="0"/>
           </a:p>
         </p:txBody>
       </p:sp>
@@ -1260,99 +1257,9 @@
               <a:pPr>
                 <a:defRPr/>
               </a:pPr>
-              <a:t>14</a:t>
+              <a:t>12</a:t>
             </a:fld>
-            <a:endParaRPr lang="ru-RU" altLang="ru-RU"/>
-          </a:p>
-        </p:txBody>
-      </p:sp>
-    </p:spTree>
-    <p:extLst>
-      <p:ext uri="{BB962C8B-B14F-4D97-AF65-F5344CB8AC3E}">
-        <p14:creationId xmlns:p14="http://schemas.microsoft.com/office/powerpoint/2010/main" val="1051975895"/>
-      </p:ext>
-    </p:extLst>
-  </p:cSld>
-  <p:clrMapOvr>
-    <a:masterClrMapping/>
-  </p:clrMapOvr>
-</p:notes>
-</file>
-
-<file path=ppt/notesSlides/notesSlide7.xml><?xml version="1.0" encoding="utf-8"?>
-<p:notes xmlns:a="http://schemas.openxmlformats.org/drawingml/2006/main" xmlns:r="http://schemas.openxmlformats.org/officeDocument/2006/relationships" xmlns:p="http://schemas.openxmlformats.org/presentationml/2006/main">
-  <p:cSld>
-    <p:spTree>
-      <p:nvGrpSpPr>
-        <p:cNvPr id="1" name=""/>
-        <p:cNvGrpSpPr/>
-        <p:nvPr/>
-      </p:nvGrpSpPr>
-      <p:grpSpPr>
-        <a:xfrm>
-          <a:off x="0" y="0"/>
-          <a:ext cx="0" cy="0"/>
-          <a:chOff x="0" y="0"/>
-          <a:chExt cx="0" cy="0"/>
-        </a:xfrm>
-      </p:grpSpPr>
-      <p:sp>
-        <p:nvSpPr>
-          <p:cNvPr id="2" name="Образ слайда 1"/>
-          <p:cNvSpPr>
-            <a:spLocks noGrp="1" noRot="1" noChangeAspect="1"/>
-          </p:cNvSpPr>
-          <p:nvPr>
-            <p:ph type="sldImg"/>
-          </p:nvPr>
-        </p:nvSpPr>
-        <p:spPr/>
-      </p:sp>
-      <p:sp>
-        <p:nvSpPr>
-          <p:cNvPr id="3" name="Заметки 2"/>
-          <p:cNvSpPr>
-            <a:spLocks noGrp="1"/>
-          </p:cNvSpPr>
-          <p:nvPr>
-            <p:ph type="body" idx="1"/>
-          </p:nvPr>
-        </p:nvSpPr>
-        <p:spPr/>
-        <p:txBody>
-          <a:bodyPr/>
-          <a:lstStyle/>
-          <a:p>
-            <a:endParaRPr lang="ru-RU" dirty="0"/>
-          </a:p>
-        </p:txBody>
-      </p:sp>
-      <p:sp>
-        <p:nvSpPr>
-          <p:cNvPr id="4" name="Номер слайда 3"/>
-          <p:cNvSpPr>
-            <a:spLocks noGrp="1"/>
-          </p:cNvSpPr>
-          <p:nvPr>
-            <p:ph type="sldNum" sz="quarter" idx="10"/>
-          </p:nvPr>
-        </p:nvSpPr>
-        <p:spPr/>
-        <p:txBody>
-          <a:bodyPr/>
-          <a:lstStyle/>
-          <a:p>
-            <a:pPr>
-              <a:defRPr/>
-            </a:pPr>
-            <a:fld id="{DD227DA8-71F8-4800-9094-A7D5DA2F910B}" type="slidenum">
-              <a:rPr lang="ru-RU" altLang="ru-RU" smtClean="0"/>
-              <a:pPr>
-                <a:defRPr/>
-              </a:pPr>
-              <a:t>15</a:t>
-            </a:fld>
-            <a:endParaRPr lang="ru-RU" altLang="ru-RU"/>
+            <a:endParaRPr lang="ru-RU" altLang="ru-RU" dirty="0"/>
           </a:p>
         </p:txBody>
       </p:sp>
@@ -1560,9 +1467,9 @@
               <a:pPr>
                 <a:defRPr/>
               </a:pPr>
-              <a:t>21.05.2017</a:t>
+              <a:t>22.05.2017</a:t>
             </a:fld>
-            <a:endParaRPr lang="ru-RU"/>
+            <a:endParaRPr lang="ru-RU" dirty="0"/>
           </a:p>
         </p:txBody>
       </p:sp>
@@ -1588,7 +1495,7 @@
             <a:pPr>
               <a:defRPr/>
             </a:pPr>
-            <a:endParaRPr lang="ru-RU"/>
+            <a:endParaRPr lang="ru-RU" dirty="0"/>
           </a:p>
         </p:txBody>
       </p:sp>
@@ -1621,7 +1528,7 @@
               </a:pPr>
               <a:t>‹#›</a:t>
             </a:fld>
-            <a:endParaRPr lang="ru-RU" altLang="ru-RU"/>
+            <a:endParaRPr lang="ru-RU" altLang="ru-RU" dirty="0"/>
           </a:p>
         </p:txBody>
       </p:sp>
@@ -1760,9 +1667,9 @@
               <a:pPr>
                 <a:defRPr/>
               </a:pPr>
-              <a:t>21.05.2017</a:t>
+              <a:t>22.05.2017</a:t>
             </a:fld>
-            <a:endParaRPr lang="ru-RU"/>
+            <a:endParaRPr lang="ru-RU" dirty="0"/>
           </a:p>
         </p:txBody>
       </p:sp>
@@ -1788,7 +1695,7 @@
             <a:pPr>
               <a:defRPr/>
             </a:pPr>
-            <a:endParaRPr lang="ru-RU"/>
+            <a:endParaRPr lang="ru-RU" dirty="0"/>
           </a:p>
         </p:txBody>
       </p:sp>
@@ -1821,7 +1728,7 @@
               </a:pPr>
               <a:t>‹#›</a:t>
             </a:fld>
-            <a:endParaRPr lang="ru-RU" altLang="ru-RU"/>
+            <a:endParaRPr lang="ru-RU" altLang="ru-RU" dirty="0"/>
           </a:p>
         </p:txBody>
       </p:sp>
@@ -1970,9 +1877,9 @@
               <a:pPr>
                 <a:defRPr/>
               </a:pPr>
-              <a:t>21.05.2017</a:t>
+              <a:t>22.05.2017</a:t>
             </a:fld>
-            <a:endParaRPr lang="ru-RU"/>
+            <a:endParaRPr lang="ru-RU" dirty="0"/>
           </a:p>
         </p:txBody>
       </p:sp>
@@ -1998,7 +1905,7 @@
             <a:pPr>
               <a:defRPr/>
             </a:pPr>
-            <a:endParaRPr lang="ru-RU"/>
+            <a:endParaRPr lang="ru-RU" dirty="0"/>
           </a:p>
         </p:txBody>
       </p:sp>
@@ -2031,7 +1938,7 @@
               </a:pPr>
               <a:t>‹#›</a:t>
             </a:fld>
-            <a:endParaRPr lang="ru-RU" altLang="ru-RU"/>
+            <a:endParaRPr lang="ru-RU" altLang="ru-RU" dirty="0"/>
           </a:p>
         </p:txBody>
       </p:sp>
@@ -2170,9 +2077,9 @@
               <a:pPr>
                 <a:defRPr/>
               </a:pPr>
-              <a:t>21.05.2017</a:t>
+              <a:t>22.05.2017</a:t>
             </a:fld>
-            <a:endParaRPr lang="ru-RU"/>
+            <a:endParaRPr lang="ru-RU" dirty="0"/>
           </a:p>
         </p:txBody>
       </p:sp>
@@ -2198,7 +2105,7 @@
             <a:pPr>
               <a:defRPr/>
             </a:pPr>
-            <a:endParaRPr lang="ru-RU"/>
+            <a:endParaRPr lang="ru-RU" dirty="0"/>
           </a:p>
         </p:txBody>
       </p:sp>
@@ -2231,7 +2138,7 @@
               </a:pPr>
               <a:t>‹#›</a:t>
             </a:fld>
-            <a:endParaRPr lang="ru-RU" altLang="ru-RU"/>
+            <a:endParaRPr lang="ru-RU" altLang="ru-RU" dirty="0"/>
           </a:p>
         </p:txBody>
       </p:sp>
@@ -2446,9 +2353,9 @@
               <a:pPr>
                 <a:defRPr/>
               </a:pPr>
-              <a:t>21.05.2017</a:t>
+              <a:t>22.05.2017</a:t>
             </a:fld>
-            <a:endParaRPr lang="ru-RU"/>
+            <a:endParaRPr lang="ru-RU" dirty="0"/>
           </a:p>
         </p:txBody>
       </p:sp>
@@ -2474,7 +2381,7 @@
             <a:pPr>
               <a:defRPr/>
             </a:pPr>
-            <a:endParaRPr lang="ru-RU"/>
+            <a:endParaRPr lang="ru-RU" dirty="0"/>
           </a:p>
         </p:txBody>
       </p:sp>
@@ -2507,7 +2414,7 @@
               </a:pPr>
               <a:t>‹#›</a:t>
             </a:fld>
-            <a:endParaRPr lang="ru-RU" altLang="ru-RU"/>
+            <a:endParaRPr lang="ru-RU" altLang="ru-RU" dirty="0"/>
           </a:p>
         </p:txBody>
       </p:sp>
@@ -2764,9 +2671,9 @@
               <a:pPr>
                 <a:defRPr/>
               </a:pPr>
-              <a:t>21.05.2017</a:t>
+              <a:t>22.05.2017</a:t>
             </a:fld>
-            <a:endParaRPr lang="ru-RU"/>
+            <a:endParaRPr lang="ru-RU" dirty="0"/>
           </a:p>
         </p:txBody>
       </p:sp>
@@ -2792,7 +2699,7 @@
             <a:pPr>
               <a:defRPr/>
             </a:pPr>
-            <a:endParaRPr lang="ru-RU"/>
+            <a:endParaRPr lang="ru-RU" dirty="0"/>
           </a:p>
         </p:txBody>
       </p:sp>
@@ -2825,7 +2732,7 @@
               </a:pPr>
               <a:t>‹#›</a:t>
             </a:fld>
-            <a:endParaRPr lang="ru-RU" altLang="ru-RU"/>
+            <a:endParaRPr lang="ru-RU" altLang="ru-RU" dirty="0"/>
           </a:p>
         </p:txBody>
       </p:sp>
@@ -3216,9 +3123,9 @@
               <a:pPr>
                 <a:defRPr/>
               </a:pPr>
-              <a:t>21.05.2017</a:t>
+              <a:t>22.05.2017</a:t>
             </a:fld>
-            <a:endParaRPr lang="ru-RU"/>
+            <a:endParaRPr lang="ru-RU" dirty="0"/>
           </a:p>
         </p:txBody>
       </p:sp>
@@ -3244,7 +3151,7 @@
             <a:pPr>
               <a:defRPr/>
             </a:pPr>
-            <a:endParaRPr lang="ru-RU"/>
+            <a:endParaRPr lang="ru-RU" dirty="0"/>
           </a:p>
         </p:txBody>
       </p:sp>
@@ -3277,7 +3184,7 @@
               </a:pPr>
               <a:t>‹#›</a:t>
             </a:fld>
-            <a:endParaRPr lang="ru-RU" altLang="ru-RU"/>
+            <a:endParaRPr lang="ru-RU" altLang="ru-RU" dirty="0"/>
           </a:p>
         </p:txBody>
       </p:sp>
@@ -3364,9 +3271,9 @@
               <a:pPr>
                 <a:defRPr/>
               </a:pPr>
-              <a:t>21.05.2017</a:t>
+              <a:t>22.05.2017</a:t>
             </a:fld>
-            <a:endParaRPr lang="ru-RU"/>
+            <a:endParaRPr lang="ru-RU" dirty="0"/>
           </a:p>
         </p:txBody>
       </p:sp>
@@ -3392,7 +3299,7 @@
             <a:pPr>
               <a:defRPr/>
             </a:pPr>
-            <a:endParaRPr lang="ru-RU"/>
+            <a:endParaRPr lang="ru-RU" dirty="0"/>
           </a:p>
         </p:txBody>
       </p:sp>
@@ -3425,7 +3332,7 @@
               </a:pPr>
               <a:t>‹#›</a:t>
             </a:fld>
-            <a:endParaRPr lang="ru-RU" altLang="ru-RU"/>
+            <a:endParaRPr lang="ru-RU" altLang="ru-RU" dirty="0"/>
           </a:p>
         </p:txBody>
       </p:sp>
@@ -3489,9 +3396,9 @@
               <a:pPr>
                 <a:defRPr/>
               </a:pPr>
-              <a:t>21.05.2017</a:t>
+              <a:t>22.05.2017</a:t>
             </a:fld>
-            <a:endParaRPr lang="ru-RU"/>
+            <a:endParaRPr lang="ru-RU" dirty="0"/>
           </a:p>
         </p:txBody>
       </p:sp>
@@ -3517,7 +3424,7 @@
             <a:pPr>
               <a:defRPr/>
             </a:pPr>
-            <a:endParaRPr lang="ru-RU"/>
+            <a:endParaRPr lang="ru-RU" dirty="0"/>
           </a:p>
         </p:txBody>
       </p:sp>
@@ -3550,7 +3457,7 @@
               </a:pPr>
               <a:t>‹#›</a:t>
             </a:fld>
-            <a:endParaRPr lang="ru-RU" altLang="ru-RU"/>
+            <a:endParaRPr lang="ru-RU" altLang="ru-RU" dirty="0"/>
           </a:p>
         </p:txBody>
       </p:sp>
@@ -3796,9 +3703,9 @@
               <a:pPr>
                 <a:defRPr/>
               </a:pPr>
-              <a:t>21.05.2017</a:t>
+              <a:t>22.05.2017</a:t>
             </a:fld>
-            <a:endParaRPr lang="ru-RU"/>
+            <a:endParaRPr lang="ru-RU" dirty="0"/>
           </a:p>
         </p:txBody>
       </p:sp>
@@ -3824,7 +3731,7 @@
             <a:pPr>
               <a:defRPr/>
             </a:pPr>
-            <a:endParaRPr lang="ru-RU"/>
+            <a:endParaRPr lang="ru-RU" dirty="0"/>
           </a:p>
         </p:txBody>
       </p:sp>
@@ -3857,7 +3764,7 @@
               </a:pPr>
               <a:t>‹#›</a:t>
             </a:fld>
-            <a:endParaRPr lang="ru-RU" altLang="ru-RU"/>
+            <a:endParaRPr lang="ru-RU" altLang="ru-RU" dirty="0"/>
           </a:p>
         </p:txBody>
       </p:sp>
@@ -3986,7 +3893,7 @@
           </a:lstStyle>
           <a:p>
             <a:pPr lvl="0"/>
-            <a:endParaRPr lang="ru-RU" noProof="0" smtClean="0"/>
+            <a:endParaRPr lang="ru-RU" noProof="0" dirty="0" smtClean="0"/>
           </a:p>
         </p:txBody>
       </p:sp>
@@ -4082,9 +3989,9 @@
               <a:pPr>
                 <a:defRPr/>
               </a:pPr>
-              <a:t>21.05.2017</a:t>
+              <a:t>22.05.2017</a:t>
             </a:fld>
-            <a:endParaRPr lang="ru-RU"/>
+            <a:endParaRPr lang="ru-RU" dirty="0"/>
           </a:p>
         </p:txBody>
       </p:sp>
@@ -4110,7 +4017,7 @@
             <a:pPr>
               <a:defRPr/>
             </a:pPr>
-            <a:endParaRPr lang="ru-RU"/>
+            <a:endParaRPr lang="ru-RU" dirty="0"/>
           </a:p>
         </p:txBody>
       </p:sp>
@@ -4143,7 +4050,7 @@
               </a:pPr>
               <a:t>‹#›</a:t>
             </a:fld>
-            <a:endParaRPr lang="ru-RU" altLang="ru-RU"/>
+            <a:endParaRPr lang="ru-RU" altLang="ru-RU" dirty="0"/>
           </a:p>
         </p:txBody>
       </p:sp>
@@ -4374,9 +4281,9 @@
               <a:pPr>
                 <a:defRPr/>
               </a:pPr>
-              <a:t>21.05.2017</a:t>
+              <a:t>22.05.2017</a:t>
             </a:fld>
-            <a:endParaRPr lang="ru-RU"/>
+            <a:endParaRPr lang="ru-RU" dirty="0"/>
           </a:p>
         </p:txBody>
       </p:sp>
@@ -4417,7 +4324,7 @@
             <a:pPr>
               <a:defRPr/>
             </a:pPr>
-            <a:endParaRPr lang="ru-RU"/>
+            <a:endParaRPr lang="ru-RU" dirty="0"/>
           </a:p>
         </p:txBody>
       </p:sp>
@@ -4466,7 +4373,7 @@
               </a:pPr>
               <a:t>‹#›</a:t>
             </a:fld>
-            <a:endParaRPr lang="ru-RU" altLang="ru-RU"/>
+            <a:endParaRPr lang="ru-RU" altLang="ru-RU" dirty="0"/>
           </a:p>
         </p:txBody>
       </p:sp>
@@ -5354,18 +5261,11 @@
               <a:defRPr/>
             </a:pPr>
             <a:r>
-              <a:rPr lang="ru-RU" sz="1500" cap="all" dirty="0" err="1" smtClean="0">
-                <a:latin typeface="+mj-lt"/>
-                <a:cs typeface="Arial" pitchFamily="34" charset="0"/>
-              </a:rPr>
-              <a:t>Минобрнауки</a:t>
-            </a:r>
-            <a:r>
               <a:rPr lang="ru-RU" sz="1500" cap="all" dirty="0" smtClean="0">
                 <a:latin typeface="+mj-lt"/>
                 <a:cs typeface="Arial" pitchFamily="34" charset="0"/>
               </a:rPr>
-              <a:t> России</a:t>
+              <a:t>Минобрнауки России</a:t>
             </a:r>
             <a:endParaRPr lang="ru-RU" sz="1500" dirty="0" smtClean="0">
               <a:latin typeface="+mj-lt"/>
@@ -5906,18 +5806,11 @@
           <a:p>
             <a:pPr algn="r" eaLnBrk="1" hangingPunct="1"/>
             <a:r>
-              <a:rPr lang="ru-RU" sz="1600" dirty="0" err="1" smtClean="0">
-                <a:latin typeface="+mj-lt"/>
-                <a:cs typeface="Arial" charset="0"/>
-              </a:rPr>
-              <a:t>Козлитин</a:t>
-            </a:r>
-            <a:r>
               <a:rPr lang="ru-RU" sz="1600" dirty="0" smtClean="0">
                 <a:latin typeface="+mj-lt"/>
                 <a:cs typeface="Arial" charset="0"/>
               </a:rPr>
-              <a:t> </a:t>
+              <a:t>Козлитин </a:t>
             </a:r>
             <a:r>
               <a:rPr lang="ru-RU" sz="1600" dirty="0"/>
@@ -6296,15 +6189,7 @@
           <a:p>
             <a:r>
               <a:rPr lang="ru-RU" sz="2800" dirty="0" smtClean="0"/>
-              <a:t>Вероятность </a:t>
-            </a:r>
-            <a:r>
-              <a:rPr lang="ru-RU" sz="2800" dirty="0" smtClean="0"/>
-              <a:t>ошибочной классификации</a:t>
-            </a:r>
-            <a:r>
-              <a:rPr lang="ru-RU" sz="2800" dirty="0" smtClean="0"/>
-              <a:t>.</a:t>
+              <a:t>Результаты обучения классификатора.</a:t>
             </a:r>
             <a:endParaRPr lang="ru-RU" sz="2800" dirty="0"/>
           </a:p>
@@ -6335,655 +6220,10 @@
               </a:pPr>
               <a:t>10</a:t>
             </a:fld>
-            <a:endParaRPr lang="ru-RU" altLang="ru-RU" dirty="0"/>
-          </a:p>
-        </p:txBody>
-      </p:sp>
-      <p:cxnSp>
-        <p:nvCxnSpPr>
-          <p:cNvPr id="9" name="Прямая соединительная линия 8"/>
-          <p:cNvCxnSpPr/>
-          <p:nvPr/>
-        </p:nvCxnSpPr>
-        <p:spPr>
-          <a:xfrm>
-            <a:off x="0" y="620688"/>
-            <a:ext cx="9144000" cy="0"/>
-          </a:xfrm>
-          <a:prstGeom prst="line">
-            <a:avLst/>
-          </a:prstGeom>
-        </p:spPr>
-        <p:style>
-          <a:lnRef idx="2">
-            <a:schemeClr val="dk1"/>
-          </a:lnRef>
-          <a:fillRef idx="0">
-            <a:schemeClr val="dk1"/>
-          </a:fillRef>
-          <a:effectRef idx="1">
-            <a:schemeClr val="dk1"/>
-          </a:effectRef>
-          <a:fontRef idx="minor">
-            <a:schemeClr val="tx1"/>
-          </a:fontRef>
-        </p:style>
-      </p:cxnSp>
-      <mc:AlternateContent xmlns:mc="http://schemas.openxmlformats.org/markup-compatibility/2006">
-        <mc:Choice xmlns:a14="http://schemas.microsoft.com/office/drawing/2010/main" Requires="a14">
-          <p:sp>
-            <p:nvSpPr>
-              <p:cNvPr id="176" name="Объект 2"/>
-              <p:cNvSpPr txBox="1">
-                <a:spLocks/>
-              </p:cNvSpPr>
-              <p:nvPr/>
-            </p:nvSpPr>
-            <p:spPr bwMode="auto">
-              <a:xfrm>
-                <a:off x="107504" y="764704"/>
-                <a:ext cx="8928992" cy="936104"/>
-              </a:xfrm>
-              <a:prstGeom prst="rect">
-                <a:avLst/>
-              </a:prstGeom>
-              <a:noFill/>
-              <a:ln>
-                <a:noFill/>
-              </a:ln>
-              <a:extLst>
-                <a:ext uri="{909E8E84-426E-40DD-AFC4-6F175D3DCCD1}">
-                  <a14:hiddenFill>
-                    <a:solidFill>
-                      <a:srgbClr val="FFFFFF"/>
-                    </a:solidFill>
-                  </a14:hiddenFill>
-                </a:ext>
-                <a:ext uri="{91240B29-F687-4F45-9708-019B960494DF}">
-                  <a14:hiddenLine w="9525">
-                    <a:solidFill>
-                      <a:srgbClr val="000000"/>
-                    </a:solidFill>
-                    <a:miter lim="800000"/>
-                    <a:headEnd/>
-                    <a:tailEnd/>
-                  </a14:hiddenLine>
-                </a:ext>
-              </a:extLst>
-            </p:spPr>
-            <p:txBody>
-              <a:bodyPr vert="horz" wrap="square" lIns="91440" tIns="45720" rIns="91440" bIns="45720" numCol="1" anchor="t" anchorCtr="0" compatLnSpc="1">
-                <a:prstTxWarp prst="textNoShape">
-                  <a:avLst/>
-                </a:prstTxWarp>
-              </a:bodyPr>
-              <a:lstStyle>
-                <a:lvl1pPr marL="342900" indent="-342900" algn="l" rtl="0" eaLnBrk="0" fontAlgn="base" hangingPunct="0">
-                  <a:spcBef>
-                    <a:spcPct val="20000"/>
-                  </a:spcBef>
-                  <a:spcAft>
-                    <a:spcPct val="0"/>
-                  </a:spcAft>
-                  <a:buFont typeface="Arial" charset="0"/>
-                  <a:buChar char="•"/>
-                  <a:defRPr sz="3200" kern="1200">
-                    <a:solidFill>
-                      <a:schemeClr val="tx1"/>
-                    </a:solidFill>
-                    <a:latin typeface="+mn-lt"/>
-                    <a:ea typeface="+mn-ea"/>
-                    <a:cs typeface="+mn-cs"/>
-                  </a:defRPr>
-                </a:lvl1pPr>
-                <a:lvl2pPr marL="742950" indent="-285750" algn="l" rtl="0" eaLnBrk="0" fontAlgn="base" hangingPunct="0">
-                  <a:spcBef>
-                    <a:spcPct val="20000"/>
-                  </a:spcBef>
-                  <a:spcAft>
-                    <a:spcPct val="0"/>
-                  </a:spcAft>
-                  <a:buFont typeface="Arial" charset="0"/>
-                  <a:buChar char="–"/>
-                  <a:defRPr sz="2800" kern="1200">
-                    <a:solidFill>
-                      <a:schemeClr val="tx1"/>
-                    </a:solidFill>
-                    <a:latin typeface="+mn-lt"/>
-                    <a:ea typeface="+mn-ea"/>
-                    <a:cs typeface="+mn-cs"/>
-                  </a:defRPr>
-                </a:lvl2pPr>
-                <a:lvl3pPr marL="1143000" indent="-228600" algn="l" rtl="0" eaLnBrk="0" fontAlgn="base" hangingPunct="0">
-                  <a:spcBef>
-                    <a:spcPct val="20000"/>
-                  </a:spcBef>
-                  <a:spcAft>
-                    <a:spcPct val="0"/>
-                  </a:spcAft>
-                  <a:buFont typeface="Arial" charset="0"/>
-                  <a:buChar char="•"/>
-                  <a:defRPr sz="2400" kern="1200">
-                    <a:solidFill>
-                      <a:schemeClr val="tx1"/>
-                    </a:solidFill>
-                    <a:latin typeface="+mn-lt"/>
-                    <a:ea typeface="+mn-ea"/>
-                    <a:cs typeface="+mn-cs"/>
-                  </a:defRPr>
-                </a:lvl3pPr>
-                <a:lvl4pPr marL="1600200" indent="-228600" algn="l" rtl="0" eaLnBrk="0" fontAlgn="base" hangingPunct="0">
-                  <a:spcBef>
-                    <a:spcPct val="20000"/>
-                  </a:spcBef>
-                  <a:spcAft>
-                    <a:spcPct val="0"/>
-                  </a:spcAft>
-                  <a:buFont typeface="Arial" charset="0"/>
-                  <a:buChar char="–"/>
-                  <a:defRPr sz="2000" kern="1200">
-                    <a:solidFill>
-                      <a:schemeClr val="tx1"/>
-                    </a:solidFill>
-                    <a:latin typeface="+mn-lt"/>
-                    <a:ea typeface="+mn-ea"/>
-                    <a:cs typeface="+mn-cs"/>
-                  </a:defRPr>
-                </a:lvl4pPr>
-                <a:lvl5pPr marL="2057400" indent="-228600" algn="l" rtl="0" eaLnBrk="0" fontAlgn="base" hangingPunct="0">
-                  <a:spcBef>
-                    <a:spcPct val="20000"/>
-                  </a:spcBef>
-                  <a:spcAft>
-                    <a:spcPct val="0"/>
-                  </a:spcAft>
-                  <a:buFont typeface="Arial" charset="0"/>
-                  <a:buChar char="»"/>
-                  <a:defRPr sz="2000" kern="1200">
-                    <a:solidFill>
-                      <a:schemeClr val="tx1"/>
-                    </a:solidFill>
-                    <a:latin typeface="+mn-lt"/>
-                    <a:ea typeface="+mn-ea"/>
-                    <a:cs typeface="+mn-cs"/>
-                  </a:defRPr>
-                </a:lvl5pPr>
-                <a:lvl6pPr marL="2514600" indent="-228600" algn="l" defTabSz="914400" rtl="0" eaLnBrk="1" latinLnBrk="0" hangingPunct="1">
-                  <a:spcBef>
-                    <a:spcPct val="20000"/>
-                  </a:spcBef>
-                  <a:buFont typeface="Arial" pitchFamily="34" charset="0"/>
-                  <a:buChar char="•"/>
-                  <a:defRPr sz="2000" kern="1200">
-                    <a:solidFill>
-                      <a:schemeClr val="tx1"/>
-                    </a:solidFill>
-                    <a:latin typeface="+mn-lt"/>
-                    <a:ea typeface="+mn-ea"/>
-                    <a:cs typeface="+mn-cs"/>
-                  </a:defRPr>
-                </a:lvl6pPr>
-                <a:lvl7pPr marL="2971800" indent="-228600" algn="l" defTabSz="914400" rtl="0" eaLnBrk="1" latinLnBrk="0" hangingPunct="1">
-                  <a:spcBef>
-                    <a:spcPct val="20000"/>
-                  </a:spcBef>
-                  <a:buFont typeface="Arial" pitchFamily="34" charset="0"/>
-                  <a:buChar char="•"/>
-                  <a:defRPr sz="2000" kern="1200">
-                    <a:solidFill>
-                      <a:schemeClr val="tx1"/>
-                    </a:solidFill>
-                    <a:latin typeface="+mn-lt"/>
-                    <a:ea typeface="+mn-ea"/>
-                    <a:cs typeface="+mn-cs"/>
-                  </a:defRPr>
-                </a:lvl7pPr>
-                <a:lvl8pPr marL="3429000" indent="-228600" algn="l" defTabSz="914400" rtl="0" eaLnBrk="1" latinLnBrk="0" hangingPunct="1">
-                  <a:spcBef>
-                    <a:spcPct val="20000"/>
-                  </a:spcBef>
-                  <a:buFont typeface="Arial" pitchFamily="34" charset="0"/>
-                  <a:buChar char="•"/>
-                  <a:defRPr sz="2000" kern="1200">
-                    <a:solidFill>
-                      <a:schemeClr val="tx1"/>
-                    </a:solidFill>
-                    <a:latin typeface="+mn-lt"/>
-                    <a:ea typeface="+mn-ea"/>
-                    <a:cs typeface="+mn-cs"/>
-                  </a:defRPr>
-                </a:lvl8pPr>
-                <a:lvl9pPr marL="3886200" indent="-228600" algn="l" defTabSz="914400" rtl="0" eaLnBrk="1" latinLnBrk="0" hangingPunct="1">
-                  <a:spcBef>
-                    <a:spcPct val="20000"/>
-                  </a:spcBef>
-                  <a:buFont typeface="Arial" pitchFamily="34" charset="0"/>
-                  <a:buChar char="•"/>
-                  <a:defRPr sz="2000" kern="1200">
-                    <a:solidFill>
-                      <a:schemeClr val="tx1"/>
-                    </a:solidFill>
-                    <a:latin typeface="+mn-lt"/>
-                    <a:ea typeface="+mn-ea"/>
-                    <a:cs typeface="+mn-cs"/>
-                  </a:defRPr>
-                </a:lvl9pPr>
-              </a:lstStyle>
-              <a:p>
-                <a:pPr marL="0" indent="0" algn="just">
-                  <a:buNone/>
-                </a:pPr>
-                <a14:m>
-                  <m:oMath xmlns:m="http://schemas.openxmlformats.org/officeDocument/2006/math">
-                    <m:r>
-                      <a:rPr lang="en-US" sz="1800" b="0" i="1" smtClean="0">
-                        <a:latin typeface="Cambria Math"/>
-                      </a:rPr>
-                      <m:t>𝑂𝑂𝐵</m:t>
-                    </m:r>
-                  </m:oMath>
-                </a14:m>
-                <a:r>
-                  <a:rPr lang="en-US" sz="1800" dirty="0" smtClean="0"/>
-                  <a:t> </a:t>
-                </a:r>
-                <a:r>
-                  <a:rPr lang="ru-RU" sz="1800" dirty="0" smtClean="0"/>
-                  <a:t>– метод оценки вероятности ошибочно классификации, основанный на классификации некоторого вектора </a:t>
-                </a:r>
-                <a14:m>
-                  <m:oMath xmlns:m="http://schemas.openxmlformats.org/officeDocument/2006/math">
-                    <m:r>
-                      <a:rPr lang="ru-RU" sz="1800" b="1" i="1">
-                        <a:latin typeface="Cambria Math"/>
-                      </a:rPr>
-                      <m:t>𝐱</m:t>
-                    </m:r>
-                    <m:r>
-                      <a:rPr lang="ru-RU" sz="1800" i="1">
-                        <a:latin typeface="Cambria Math"/>
-                      </a:rPr>
-                      <m:t>∈</m:t>
-                    </m:r>
-                    <m:r>
-                      <a:rPr lang="ru-RU" sz="1800" i="1">
-                        <a:latin typeface="Cambria Math"/>
-                      </a:rPr>
-                      <m:t>𝐷</m:t>
-                    </m:r>
-                  </m:oMath>
-                </a14:m>
-                <a:r>
-                  <a:rPr lang="ru-RU" sz="1800" dirty="0" smtClean="0"/>
-                  <a:t>, используя только те деревья случайного леса, которые строились по </a:t>
-                </a:r>
-                <a:r>
-                  <a:rPr lang="ru-RU" sz="1800" dirty="0" smtClean="0"/>
-                  <a:t>выборкам</a:t>
-                </a:r>
-                <a:r>
-                  <a:rPr lang="ru-RU" sz="1800" dirty="0" smtClean="0"/>
-                  <a:t>, не содержащим </a:t>
-                </a:r>
-                <a14:m>
-                  <m:oMath xmlns:m="http://schemas.openxmlformats.org/officeDocument/2006/math">
-                    <m:r>
-                      <a:rPr lang="ru-RU" sz="1800" b="1" i="1">
-                        <a:latin typeface="Cambria Math"/>
-                      </a:rPr>
-                      <m:t>𝐱</m:t>
-                    </m:r>
-                  </m:oMath>
-                </a14:m>
-                <a:r>
-                  <a:rPr lang="ru-RU" sz="1800" dirty="0" smtClean="0"/>
-                  <a:t>.</a:t>
-                </a:r>
-              </a:p>
-            </p:txBody>
-          </p:sp>
-        </mc:Choice>
-        <mc:Fallback>
-          <p:sp>
-            <p:nvSpPr>
-              <p:cNvPr id="176" name="Объект 2"/>
-              <p:cNvSpPr txBox="1">
-                <a:spLocks noRot="1" noChangeAspect="1" noMove="1" noResize="1" noEditPoints="1" noAdjustHandles="1" noChangeArrowheads="1" noChangeShapeType="1" noTextEdit="1"/>
-              </p:cNvSpPr>
-              <p:nvPr/>
-            </p:nvSpPr>
-            <p:spPr bwMode="auto">
-              <a:xfrm>
-                <a:off x="107504" y="764704"/>
-                <a:ext cx="8928992" cy="936104"/>
-              </a:xfrm>
-              <a:prstGeom prst="rect">
-                <a:avLst/>
-              </a:prstGeom>
-              <a:blipFill rotWithShape="1">
-                <a:blip r:embed="rId3"/>
-                <a:stretch>
-                  <a:fillRect l="-615" t="-3247" r="-615" b="-7792"/>
-                </a:stretch>
-              </a:blipFill>
-              <a:ln>
-                <a:noFill/>
-              </a:ln>
-              <a:extLst>
-                <a:ext uri="{909E8E84-426E-40DD-AFC4-6F175D3DCCD1}">
-                  <a14:hiddenFill xmlns:a14="http://schemas.microsoft.com/office/drawing/2010/main">
-                    <a:solidFill>
-                      <a:srgbClr val="FFFFFF"/>
-                    </a:solidFill>
-                  </a14:hiddenFill>
-                </a:ext>
-                <a:ext uri="{91240B29-F687-4F45-9708-019B960494DF}">
-                  <a14:hiddenLine xmlns:a14="http://schemas.microsoft.com/office/drawing/2010/main" w="9525">
-                    <a:solidFill>
-                      <a:srgbClr val="000000"/>
-                    </a:solidFill>
-                    <a:miter lim="800000"/>
-                    <a:headEnd/>
-                    <a:tailEnd/>
-                  </a14:hiddenLine>
-                </a:ext>
-              </a:extLst>
-            </p:spPr>
-            <p:txBody>
-              <a:bodyPr/>
-              <a:lstStyle/>
-              <a:p>
-                <a:r>
-                  <a:rPr lang="ru-RU">
-                    <a:noFill/>
-                  </a:rPr>
-                  <a:t> </a:t>
-                </a:r>
-              </a:p>
-            </p:txBody>
-          </p:sp>
-        </mc:Fallback>
-      </mc:AlternateContent>
-      <p:pic>
-        <p:nvPicPr>
-          <p:cNvPr id="10" name="Рисунок 9" descr="C:\Users\Vlad\Desktop\ВУЗ\4 курс\8 семестр\Диплом\cv2\ВКР\detector\trees num\1.emf"/>
-          <p:cNvPicPr/>
-          <p:nvPr/>
-        </p:nvPicPr>
-        <p:blipFill rotWithShape="1">
-          <a:blip r:embed="rId4">
-            <a:extLst>
-              <a:ext uri="{28A0092B-C50C-407E-A947-70E740481C1C}">
-                <a14:useLocalDpi xmlns:a14="http://schemas.microsoft.com/office/drawing/2010/main" val="0"/>
-              </a:ext>
-            </a:extLst>
-          </a:blip>
-          <a:srcRect l="4057" t="6444" r="5344"/>
-          <a:stretch/>
-        </p:blipFill>
-        <p:spPr bwMode="auto">
-          <a:xfrm>
-            <a:off x="180240" y="2996952"/>
-            <a:ext cx="4319752" cy="3343642"/>
-          </a:xfrm>
-          <a:prstGeom prst="rect">
-            <a:avLst/>
-          </a:prstGeom>
-          <a:noFill/>
-          <a:ln>
-            <a:noFill/>
-          </a:ln>
-          <a:extLst>
-            <a:ext uri="{53640926-AAD7-44D8-BBD7-CCE9431645EC}">
-              <a14:shadowObscured xmlns:a14="http://schemas.microsoft.com/office/drawing/2010/main"/>
-            </a:ext>
-          </a:extLst>
-        </p:spPr>
-      </p:pic>
-      <p:sp>
-        <p:nvSpPr>
-          <p:cNvPr id="3" name="Прямоугольник 2"/>
-          <p:cNvSpPr/>
-          <p:nvPr/>
-        </p:nvSpPr>
-        <p:spPr>
-          <a:xfrm>
-            <a:off x="395537" y="2093947"/>
-            <a:ext cx="4176463" cy="830997"/>
-          </a:xfrm>
-          <a:prstGeom prst="rect">
-            <a:avLst/>
-          </a:prstGeom>
-        </p:spPr>
-        <p:txBody>
-          <a:bodyPr wrap="square">
-            <a:spAutoFit/>
-          </a:bodyPr>
-          <a:lstStyle/>
-          <a:p>
-            <a:pPr algn="ctr"/>
             <a:r>
-              <a:rPr lang="ru-RU" sz="1600" dirty="0">
-                <a:latin typeface="+mj-lt"/>
-              </a:rPr>
-              <a:t>Зависимость вероятности ошибочной классификации </a:t>
+              <a:rPr lang="en-US" altLang="ru-RU" dirty="0" smtClean="0"/>
+              <a:t>/12</a:t>
             </a:r>
-            <a:r>
-              <a:rPr lang="ru-RU" sz="1600" dirty="0" smtClean="0">
-                <a:latin typeface="+mj-lt"/>
-              </a:rPr>
-              <a:t>от </a:t>
-            </a:r>
-            <a:r>
-              <a:rPr lang="ru-RU" sz="1600" dirty="0">
-                <a:latin typeface="+mj-lt"/>
-              </a:rPr>
-              <a:t>числа деревьев в ансамбле при обучении на однородных </a:t>
-            </a:r>
-            <a:r>
-              <a:rPr lang="ru-RU" sz="1600" dirty="0" smtClean="0">
-                <a:latin typeface="+mj-lt"/>
-              </a:rPr>
-              <a:t>примера</a:t>
-            </a:r>
-            <a:r>
-              <a:rPr lang="en-US" sz="1600" dirty="0" smtClean="0">
-                <a:latin typeface="+mj-lt"/>
-              </a:rPr>
-              <a:t>a</a:t>
-            </a:r>
-            <a:r>
-              <a:rPr lang="ru-RU" sz="1600" dirty="0" smtClean="0">
-                <a:latin typeface="+mj-lt"/>
-              </a:rPr>
-              <a:t>х</a:t>
-            </a:r>
-            <a:endParaRPr lang="ru-RU" sz="1600" dirty="0">
-              <a:latin typeface="+mj-lt"/>
-            </a:endParaRPr>
-          </a:p>
-        </p:txBody>
-      </p:sp>
-      <p:pic>
-        <p:nvPicPr>
-          <p:cNvPr id="12" name="Рисунок 11" descr="C:\Users\Vlad\Desktop\ВУЗ\4 курс\8 семестр\Диплом\cv2\ВКР\detector\trees num\4.emf"/>
-          <p:cNvPicPr/>
-          <p:nvPr/>
-        </p:nvPicPr>
-        <p:blipFill rotWithShape="1">
-          <a:blip r:embed="rId5">
-            <a:extLst>
-              <a:ext uri="{28A0092B-C50C-407E-A947-70E740481C1C}">
-                <a14:useLocalDpi xmlns:a14="http://schemas.microsoft.com/office/drawing/2010/main" val="0"/>
-              </a:ext>
-            </a:extLst>
-          </a:blip>
-          <a:srcRect l="3459" t="5489" r="6742"/>
-          <a:stretch/>
-        </p:blipFill>
-        <p:spPr bwMode="auto">
-          <a:xfrm>
-            <a:off x="4572000" y="3004798"/>
-            <a:ext cx="4311101" cy="3335796"/>
-          </a:xfrm>
-          <a:prstGeom prst="rect">
-            <a:avLst/>
-          </a:prstGeom>
-          <a:noFill/>
-          <a:ln>
-            <a:noFill/>
-          </a:ln>
-          <a:extLst>
-            <a:ext uri="{53640926-AAD7-44D8-BBD7-CCE9431645EC}">
-              <a14:shadowObscured xmlns:a14="http://schemas.microsoft.com/office/drawing/2010/main"/>
-            </a:ext>
-          </a:extLst>
-        </p:spPr>
-      </p:pic>
-      <p:sp>
-        <p:nvSpPr>
-          <p:cNvPr id="5" name="Прямоугольник 4"/>
-          <p:cNvSpPr/>
-          <p:nvPr/>
-        </p:nvSpPr>
-        <p:spPr>
-          <a:xfrm>
-            <a:off x="4572000" y="2340169"/>
-            <a:ext cx="4572000" cy="584775"/>
-          </a:xfrm>
-          <a:prstGeom prst="rect">
-            <a:avLst/>
-          </a:prstGeom>
-        </p:spPr>
-        <p:txBody>
-          <a:bodyPr>
-            <a:spAutoFit/>
-          </a:bodyPr>
-          <a:lstStyle/>
-          <a:p>
-            <a:pPr algn="ctr"/>
-            <a:r>
-              <a:rPr lang="ru-RU" sz="1600" dirty="0">
-                <a:latin typeface="+mj-lt"/>
-              </a:rPr>
-              <a:t>Зависимость производительности алгоритма </a:t>
-            </a:r>
-            <a:r>
-              <a:rPr lang="ru-RU" sz="1600" dirty="0" smtClean="0">
-                <a:latin typeface="+mj-lt"/>
-              </a:rPr>
-              <a:t>классификации </a:t>
-            </a:r>
-            <a:r>
-              <a:rPr lang="ru-RU" sz="1600" dirty="0">
-                <a:latin typeface="+mj-lt"/>
-              </a:rPr>
-              <a:t>от числа деревьев в ансамбле.</a:t>
-            </a:r>
-            <a:endParaRPr lang="ru-RU" sz="1600" dirty="0">
-              <a:latin typeface="+mj-lt"/>
-            </a:endParaRPr>
-          </a:p>
-        </p:txBody>
-      </p:sp>
-    </p:spTree>
-    <p:extLst>
-      <p:ext uri="{BB962C8B-B14F-4D97-AF65-F5344CB8AC3E}">
-        <p14:creationId xmlns:p14="http://schemas.microsoft.com/office/powerpoint/2010/main" val="3539902032"/>
-      </p:ext>
-    </p:extLst>
-  </p:cSld>
-  <p:clrMapOvr>
-    <a:masterClrMapping/>
-  </p:clrMapOvr>
-  <mc:AlternateContent xmlns:mc="http://schemas.openxmlformats.org/markup-compatibility/2006" xmlns:p14="http://schemas.microsoft.com/office/powerpoint/2010/main">
-    <mc:Choice Requires="p14">
-      <p:transition p14:dur="0"/>
-    </mc:Choice>
-    <mc:Fallback xmlns="">
-      <p:transition/>
-    </mc:Fallback>
-  </mc:AlternateContent>
-  <p:timing>
-    <p:tnLst>
-      <p:par>
-        <p:cTn id="1" dur="indefinite" restart="never" nodeType="tmRoot"/>
-      </p:par>
-    </p:tnLst>
-  </p:timing>
-</p:sld>
-</file>
-
-<file path=ppt/slides/slide11.xml><?xml version="1.0" encoding="utf-8"?>
-<p:sld xmlns:a="http://schemas.openxmlformats.org/drawingml/2006/main" xmlns:r="http://schemas.openxmlformats.org/officeDocument/2006/relationships" xmlns:p="http://schemas.openxmlformats.org/presentationml/2006/main">
-  <p:cSld>
-    <p:spTree>
-      <p:nvGrpSpPr>
-        <p:cNvPr id="1" name=""/>
-        <p:cNvGrpSpPr/>
-        <p:nvPr/>
-      </p:nvGrpSpPr>
-      <p:grpSpPr>
-        <a:xfrm>
-          <a:off x="0" y="0"/>
-          <a:ext cx="0" cy="0"/>
-          <a:chOff x="0" y="0"/>
-          <a:chExt cx="0" cy="0"/>
-        </a:xfrm>
-      </p:grpSpPr>
-      <p:sp>
-        <p:nvSpPr>
-          <p:cNvPr id="2" name="Заголовок 1"/>
-          <p:cNvSpPr>
-            <a:spLocks noGrp="1"/>
-          </p:cNvSpPr>
-          <p:nvPr>
-            <p:ph type="title"/>
-          </p:nvPr>
-        </p:nvSpPr>
-        <p:spPr>
-          <a:xfrm>
-            <a:off x="0" y="-18256"/>
-            <a:ext cx="9144000" cy="638944"/>
-          </a:xfrm>
-        </p:spPr>
-        <p:txBody>
-          <a:bodyPr/>
-          <a:lstStyle/>
-          <a:p>
-            <a:r>
-              <a:rPr lang="ru-RU" sz="2800" dirty="0" smtClean="0"/>
-              <a:t>Результаты обучения классификатора.</a:t>
-            </a:r>
-            <a:endParaRPr lang="ru-RU" sz="2800" dirty="0"/>
-          </a:p>
-        </p:txBody>
-      </p:sp>
-      <p:sp>
-        <p:nvSpPr>
-          <p:cNvPr id="4" name="Номер слайда 3"/>
-          <p:cNvSpPr>
-            <a:spLocks noGrp="1"/>
-          </p:cNvSpPr>
-          <p:nvPr>
-            <p:ph type="sldNum" sz="quarter" idx="12"/>
-          </p:nvPr>
-        </p:nvSpPr>
-        <p:spPr/>
-        <p:txBody>
-          <a:bodyPr/>
-          <a:lstStyle/>
-          <a:p>
-            <a:pPr>
-              <a:defRPr/>
-            </a:pPr>
-            <a:fld id="{D9A5B0CD-1A21-4D6E-8B68-A7BE40C63E29}" type="slidenum">
-              <a:rPr lang="ru-RU" altLang="ru-RU" smtClean="0"/>
-              <a:pPr>
-                <a:defRPr/>
-              </a:pPr>
-              <a:t>11</a:t>
-            </a:fld>
             <a:endParaRPr lang="ru-RU" altLang="ru-RU" dirty="0"/>
           </a:p>
         </p:txBody>
@@ -7206,7 +6446,13 @@
                 <a:rPr lang="ru-RU" sz="1600" dirty="0">
                   <a:latin typeface="+mj-lt"/>
                 </a:rPr>
-                <a:t>работы классификатора.</a:t>
+                <a:t>работы </a:t>
+              </a:r>
+              <a:r>
+                <a:rPr lang="ru-RU" sz="1600" dirty="0" smtClean="0">
+                  <a:latin typeface="+mj-lt"/>
+                </a:rPr>
+                <a:t>классификатора</a:t>
               </a:r>
               <a:endParaRPr lang="ru-RU" sz="1600" dirty="0">
                 <a:latin typeface="+mj-lt"/>
@@ -7243,7 +6489,7 @@
 </p:sld>
 </file>
 
-<file path=ppt/slides/slide12.xml><?xml version="1.0" encoding="utf-8"?>
+<file path=ppt/slides/slide11.xml><?xml version="1.0" encoding="utf-8"?>
 <p:sld xmlns:a="http://schemas.openxmlformats.org/drawingml/2006/main" xmlns:r="http://schemas.openxmlformats.org/officeDocument/2006/relationships" xmlns:p="http://schemas.openxmlformats.org/presentationml/2006/main">
   <p:cSld>
     <p:spTree>
@@ -7282,7 +6528,23 @@
           <a:p>
             <a:r>
               <a:rPr lang="ru-RU" sz="2800" dirty="0" smtClean="0"/>
-              <a:t>Адаптивное исключение деревьев из ансамбля.</a:t>
+              <a:t>Результаты </a:t>
+            </a:r>
+            <a:r>
+              <a:rPr lang="ru-RU" sz="2800" dirty="0" smtClean="0"/>
+              <a:t>использования </a:t>
+            </a:r>
+            <a:r>
+              <a:rPr lang="ru-RU" sz="2800" dirty="0" smtClean="0"/>
+              <a:t>детектора, в</a:t>
+            </a:r>
+            <a:r>
+              <a:rPr lang="ru-RU" sz="2800" dirty="0" smtClean="0"/>
+              <a:t>ыводы</a:t>
+            </a:r>
+            <a:r>
+              <a:rPr lang="ru-RU" sz="2800" dirty="0"/>
+              <a:t>.</a:t>
             </a:r>
             <a:endParaRPr lang="ru-RU" sz="2800" dirty="0"/>
           </a:p>
@@ -7311,176 +6573,12 @@
               <a:pPr>
                 <a:defRPr/>
               </a:pPr>
-              <a:t>12</a:t>
+              <a:t>11</a:t>
             </a:fld>
-            <a:endParaRPr lang="ru-RU" altLang="ru-RU" dirty="0"/>
-          </a:p>
-        </p:txBody>
-      </p:sp>
-      <p:cxnSp>
-        <p:nvCxnSpPr>
-          <p:cNvPr id="9" name="Прямая соединительная линия 8"/>
-          <p:cNvCxnSpPr/>
-          <p:nvPr/>
-        </p:nvCxnSpPr>
-        <p:spPr>
-          <a:xfrm>
-            <a:off x="0" y="620688"/>
-            <a:ext cx="9144000" cy="0"/>
-          </a:xfrm>
-          <a:prstGeom prst="line">
-            <a:avLst/>
-          </a:prstGeom>
-        </p:spPr>
-        <p:style>
-          <a:lnRef idx="2">
-            <a:schemeClr val="dk1"/>
-          </a:lnRef>
-          <a:fillRef idx="0">
-            <a:schemeClr val="dk1"/>
-          </a:fillRef>
-          <a:effectRef idx="1">
-            <a:schemeClr val="dk1"/>
-          </a:effectRef>
-          <a:fontRef idx="minor">
-            <a:schemeClr val="tx1"/>
-          </a:fontRef>
-        </p:style>
-      </p:cxnSp>
-      <p:pic>
-        <p:nvPicPr>
-          <p:cNvPr id="10" name="Рисунок 9" descr="C:\Users\Vlad\Desktop\ВУЗ\4 курс\8 семестр\Диплом\cv2\ВКР\detector\discard\1.emf"/>
-          <p:cNvPicPr/>
-          <p:nvPr/>
-        </p:nvPicPr>
-        <p:blipFill rotWithShape="1">
-          <a:blip r:embed="rId3">
-            <a:extLst>
-              <a:ext uri="{28A0092B-C50C-407E-A947-70E740481C1C}">
-                <a14:useLocalDpi xmlns:a14="http://schemas.microsoft.com/office/drawing/2010/main" val="0"/>
-              </a:ext>
-            </a:extLst>
-          </a:blip>
-          <a:srcRect t="5728"/>
-          <a:stretch/>
-        </p:blipFill>
-        <p:spPr bwMode="auto">
-          <a:xfrm>
-            <a:off x="899592" y="980728"/>
-            <a:ext cx="7344816" cy="5189986"/>
-          </a:xfrm>
-          <a:prstGeom prst="rect">
-            <a:avLst/>
-          </a:prstGeom>
-          <a:noFill/>
-          <a:ln>
-            <a:noFill/>
-          </a:ln>
-          <a:extLst>
-            <a:ext uri="{53640926-AAD7-44D8-BBD7-CCE9431645EC}">
-              <a14:shadowObscured xmlns:a14="http://schemas.microsoft.com/office/drawing/2010/main"/>
-            </a:ext>
-          </a:extLst>
-        </p:spPr>
-      </p:pic>
-    </p:spTree>
-    <p:extLst>
-      <p:ext uri="{BB962C8B-B14F-4D97-AF65-F5344CB8AC3E}">
-        <p14:creationId xmlns:p14="http://schemas.microsoft.com/office/powerpoint/2010/main" val="3923665447"/>
-      </p:ext>
-    </p:extLst>
-  </p:cSld>
-  <p:clrMapOvr>
-    <a:masterClrMapping/>
-  </p:clrMapOvr>
-  <mc:AlternateContent xmlns:mc="http://schemas.openxmlformats.org/markup-compatibility/2006" xmlns:p14="http://schemas.microsoft.com/office/powerpoint/2010/main">
-    <mc:Choice Requires="p14">
-      <p:transition p14:dur="0"/>
-    </mc:Choice>
-    <mc:Fallback xmlns="">
-      <p:transition/>
-    </mc:Fallback>
-  </mc:AlternateContent>
-  <p:timing>
-    <p:tnLst>
-      <p:par>
-        <p:cTn id="1" dur="indefinite" restart="never" nodeType="tmRoot"/>
-      </p:par>
-    </p:tnLst>
-  </p:timing>
-</p:sld>
-</file>
-
-<file path=ppt/slides/slide13.xml><?xml version="1.0" encoding="utf-8"?>
-<p:sld xmlns:a="http://schemas.openxmlformats.org/drawingml/2006/main" xmlns:r="http://schemas.openxmlformats.org/officeDocument/2006/relationships" xmlns:p="http://schemas.openxmlformats.org/presentationml/2006/main">
-  <p:cSld>
-    <p:spTree>
-      <p:nvGrpSpPr>
-        <p:cNvPr id="1" name=""/>
-        <p:cNvGrpSpPr/>
-        <p:nvPr/>
-      </p:nvGrpSpPr>
-      <p:grpSpPr>
-        <a:xfrm>
-          <a:off x="0" y="0"/>
-          <a:ext cx="0" cy="0"/>
-          <a:chOff x="0" y="0"/>
-          <a:chExt cx="0" cy="0"/>
-        </a:xfrm>
-      </p:grpSpPr>
-      <p:sp>
-        <p:nvSpPr>
-          <p:cNvPr id="2" name="Заголовок 1"/>
-          <p:cNvSpPr>
-            <a:spLocks noGrp="1"/>
-          </p:cNvSpPr>
-          <p:nvPr>
-            <p:ph type="title"/>
-          </p:nvPr>
-        </p:nvSpPr>
-        <p:spPr>
-          <a:xfrm>
-            <a:off x="0" y="-18256"/>
-            <a:ext cx="9144000" cy="638944"/>
-          </a:xfrm>
-        </p:spPr>
-        <p:txBody>
-          <a:bodyPr/>
-          <a:lstStyle/>
-          <a:p>
             <a:r>
-              <a:rPr lang="ru-RU" sz="2800" dirty="0" smtClean="0"/>
-              <a:t>Результат использования детектора.</a:t>
+              <a:rPr lang="en-US" altLang="ru-RU" dirty="0" smtClean="0"/>
+              <a:t>/12</a:t>
             </a:r>
-            <a:endParaRPr lang="ru-RU" sz="2800" dirty="0"/>
-          </a:p>
-        </p:txBody>
-      </p:sp>
-      <p:sp>
-        <p:nvSpPr>
-          <p:cNvPr id="4" name="Номер слайда 3"/>
-          <p:cNvSpPr>
-            <a:spLocks noGrp="1"/>
-          </p:cNvSpPr>
-          <p:nvPr>
-            <p:ph type="sldNum" sz="quarter" idx="12"/>
-          </p:nvPr>
-        </p:nvSpPr>
-        <p:spPr/>
-        <p:txBody>
-          <a:bodyPr/>
-          <a:lstStyle/>
-          <a:p>
-            <a:pPr>
-              <a:defRPr/>
-            </a:pPr>
-            <a:fld id="{D9A5B0CD-1A21-4D6E-8B68-A7BE40C63E29}" type="slidenum">
-              <a:rPr lang="ru-RU" altLang="ru-RU" smtClean="0"/>
-              <a:pPr>
-                <a:defRPr/>
-              </a:pPr>
-              <a:t>13</a:t>
-            </a:fld>
             <a:endParaRPr lang="ru-RU" altLang="ru-RU" dirty="0"/>
           </a:p>
         </p:txBody>
@@ -7529,13 +6627,13 @@
               </a:ext>
             </a:extLst>
           </a:blip>
-          <a:srcRect t="6205"/>
+          <a:srcRect l="1938" t="6205" r="6885"/>
           <a:stretch/>
         </p:blipFill>
         <p:spPr bwMode="auto">
           <a:xfrm>
-            <a:off x="971600" y="975319"/>
-            <a:ext cx="7200800" cy="5189985"/>
+            <a:off x="107504" y="1047327"/>
+            <a:ext cx="5108028" cy="4037857"/>
           </a:xfrm>
           <a:prstGeom prst="rect">
             <a:avLst/>
@@ -7551,138 +6649,6 @@
           </a:extLst>
         </p:spPr>
       </p:pic>
-    </p:spTree>
-    <p:extLst>
-      <p:ext uri="{BB962C8B-B14F-4D97-AF65-F5344CB8AC3E}">
-        <p14:creationId xmlns:p14="http://schemas.microsoft.com/office/powerpoint/2010/main" val="2178158726"/>
-      </p:ext>
-    </p:extLst>
-  </p:cSld>
-  <p:clrMapOvr>
-    <a:masterClrMapping/>
-  </p:clrMapOvr>
-  <mc:AlternateContent xmlns:mc="http://schemas.openxmlformats.org/markup-compatibility/2006" xmlns:p14="http://schemas.microsoft.com/office/powerpoint/2010/main">
-    <mc:Choice Requires="p14">
-      <p:transition p14:dur="0"/>
-    </mc:Choice>
-    <mc:Fallback xmlns="">
-      <p:transition/>
-    </mc:Fallback>
-  </mc:AlternateContent>
-  <p:timing>
-    <p:tnLst>
-      <p:par>
-        <p:cTn id="1" dur="indefinite" restart="never" nodeType="tmRoot"/>
-      </p:par>
-    </p:tnLst>
-  </p:timing>
-</p:sld>
-</file>
-
-<file path=ppt/slides/slide14.xml><?xml version="1.0" encoding="utf-8"?>
-<p:sld xmlns:a="http://schemas.openxmlformats.org/drawingml/2006/main" xmlns:r="http://schemas.openxmlformats.org/officeDocument/2006/relationships" xmlns:p="http://schemas.openxmlformats.org/presentationml/2006/main">
-  <p:cSld>
-    <p:spTree>
-      <p:nvGrpSpPr>
-        <p:cNvPr id="1" name=""/>
-        <p:cNvGrpSpPr/>
-        <p:nvPr/>
-      </p:nvGrpSpPr>
-      <p:grpSpPr>
-        <a:xfrm>
-          <a:off x="0" y="0"/>
-          <a:ext cx="0" cy="0"/>
-          <a:chOff x="0" y="0"/>
-          <a:chExt cx="0" cy="0"/>
-        </a:xfrm>
-      </p:grpSpPr>
-      <p:sp>
-        <p:nvSpPr>
-          <p:cNvPr id="2" name="Заголовок 1"/>
-          <p:cNvSpPr>
-            <a:spLocks noGrp="1"/>
-          </p:cNvSpPr>
-          <p:nvPr>
-            <p:ph type="title"/>
-          </p:nvPr>
-        </p:nvSpPr>
-        <p:spPr>
-          <a:xfrm>
-            <a:off x="0" y="-18256"/>
-            <a:ext cx="9144000" cy="638944"/>
-          </a:xfrm>
-        </p:spPr>
-        <p:txBody>
-          <a:bodyPr/>
-          <a:lstStyle/>
-          <a:p>
-            <a:r>
-              <a:rPr lang="ru-RU" sz="2800" dirty="0" smtClean="0"/>
-              <a:t>Выводы.</a:t>
-            </a:r>
-            <a:endParaRPr lang="ru-RU" sz="2800" dirty="0"/>
-          </a:p>
-        </p:txBody>
-      </p:sp>
-      <p:sp>
-        <p:nvSpPr>
-          <p:cNvPr id="4" name="Номер слайда 3"/>
-          <p:cNvSpPr>
-            <a:spLocks noGrp="1"/>
-          </p:cNvSpPr>
-          <p:nvPr>
-            <p:ph type="sldNum" sz="quarter" idx="12"/>
-          </p:nvPr>
-        </p:nvSpPr>
-        <p:spPr/>
-        <p:txBody>
-          <a:bodyPr/>
-          <a:lstStyle/>
-          <a:p>
-            <a:pPr>
-              <a:defRPr/>
-            </a:pPr>
-            <a:fld id="{D9A5B0CD-1A21-4D6E-8B68-A7BE40C63E29}" type="slidenum">
-              <a:rPr lang="ru-RU" altLang="ru-RU" smtClean="0"/>
-              <a:pPr>
-                <a:defRPr/>
-              </a:pPr>
-              <a:t>14</a:t>
-            </a:fld>
-            <a:endParaRPr lang="ru-RU" altLang="ru-RU" dirty="0"/>
-          </a:p>
-        </p:txBody>
-      </p:sp>
-      <p:cxnSp>
-        <p:nvCxnSpPr>
-          <p:cNvPr id="9" name="Прямая соединительная линия 8"/>
-          <p:cNvCxnSpPr/>
-          <p:nvPr/>
-        </p:nvCxnSpPr>
-        <p:spPr>
-          <a:xfrm>
-            <a:off x="0" y="620688"/>
-            <a:ext cx="9144000" cy="0"/>
-          </a:xfrm>
-          <a:prstGeom prst="line">
-            <a:avLst/>
-          </a:prstGeom>
-        </p:spPr>
-        <p:style>
-          <a:lnRef idx="2">
-            <a:schemeClr val="dk1"/>
-          </a:lnRef>
-          <a:fillRef idx="0">
-            <a:schemeClr val="dk1"/>
-          </a:fillRef>
-          <a:effectRef idx="1">
-            <a:schemeClr val="dk1"/>
-          </a:effectRef>
-          <a:fontRef idx="minor">
-            <a:schemeClr val="tx1"/>
-          </a:fontRef>
-        </p:style>
-      </p:cxnSp>
       <p:sp>
         <p:nvSpPr>
           <p:cNvPr id="7" name="Объект 2"/>
@@ -7693,8 +6659,8 @@
         </p:nvSpPr>
         <p:spPr bwMode="auto">
           <a:xfrm>
-            <a:off x="179512" y="1628800"/>
-            <a:ext cx="8568952" cy="3672408"/>
+            <a:off x="251520" y="5229200"/>
+            <a:ext cx="8568952" cy="936104"/>
           </a:xfrm>
           <a:prstGeom prst="rect">
             <a:avLst/>
@@ -7882,75 +6848,23 @@
             </a:lvl9pPr>
           </a:lstStyle>
           <a:p>
-            <a:pPr algn="just"/>
+            <a:pPr marL="0" indent="0" algn="just">
+              <a:buNone/>
+            </a:pPr>
             <a:r>
-              <a:rPr lang="ru-RU" sz="2200" dirty="0" smtClean="0"/>
-              <a:t>Разработанный метод долгосрочного слежения </a:t>
+              <a:rPr lang="ru-RU" sz="1800" dirty="0" smtClean="0"/>
+              <a:t>Разработанный </a:t>
             </a:r>
             <a:r>
-              <a:rPr lang="ru-RU" sz="2200" dirty="0" smtClean="0"/>
-              <a:t>показал свою устойчивость </a:t>
+              <a:rPr lang="ru-RU" sz="1800" dirty="0"/>
+              <a:t>метод показал более высокую точность определения координат отслеживаемого объекта по сравнению </a:t>
             </a:r>
             <a:r>
-              <a:rPr lang="ru-RU" sz="2200" dirty="0"/>
-              <a:t>к изменениям окружающей обстановки сцены, перекрытию объекта слежения другими объектами и исчезновению отслеживаемого объекта из области наблюдения</a:t>
-            </a:r>
-            <a:r>
-              <a:rPr lang="ru-RU" sz="2200" dirty="0" smtClean="0"/>
-              <a:t>.</a:t>
-            </a:r>
-          </a:p>
-          <a:p>
-            <a:pPr algn="just"/>
-            <a:r>
-              <a:rPr lang="ru-RU" sz="2200" dirty="0" smtClean="0"/>
-              <a:t>Было установлено</a:t>
-            </a:r>
-            <a:r>
-              <a:rPr lang="ru-RU" sz="2200" dirty="0"/>
-              <a:t>, что интеграция </a:t>
-            </a:r>
-            <a:r>
-              <a:rPr lang="ru-RU" sz="2200" dirty="0" smtClean="0"/>
-              <a:t>детектора, основанного на самообучающимся классификаторе, </a:t>
-            </a:r>
-            <a:r>
-              <a:rPr lang="ru-RU" sz="2200" dirty="0"/>
-              <a:t>в алгоритм обнаружения и </a:t>
-            </a:r>
-            <a:r>
-              <a:rPr lang="ru-RU" sz="2200" dirty="0" smtClean="0"/>
-              <a:t>слежения, </a:t>
-            </a:r>
-            <a:r>
-              <a:rPr lang="ru-RU" sz="2200" dirty="0"/>
-              <a:t>значительно увеличивает устойчивость </a:t>
-            </a:r>
-            <a:r>
-              <a:rPr lang="ru-RU" sz="2200" dirty="0" smtClean="0"/>
-              <a:t>к </a:t>
-            </a:r>
-            <a:r>
-              <a:rPr lang="ru-RU" sz="2200" dirty="0"/>
-              <a:t>сбоям</a:t>
-            </a:r>
-            <a:r>
-              <a:rPr lang="ru-RU" sz="2200" dirty="0" smtClean="0"/>
-              <a:t>.</a:t>
-            </a:r>
-          </a:p>
-          <a:p>
-            <a:pPr algn="just"/>
-            <a:r>
-              <a:rPr lang="ru-RU" sz="2200" dirty="0"/>
-              <a:t>Разработанный метод показал более высокую точность определения координат отслеживаемого объекта по сравнению </a:t>
-            </a:r>
-            <a:r>
-              <a:rPr lang="ru-RU" sz="2200" dirty="0" smtClean="0"/>
+              <a:rPr lang="ru-RU" sz="1800" dirty="0" smtClean="0"/>
               <a:t>с классическими методами </a:t>
             </a:r>
             <a:r>
-              <a:rPr lang="ru-RU" sz="2200" dirty="0"/>
+              <a:rPr lang="ru-RU" sz="1800" dirty="0"/>
               <a:t>обнаружения и слежения.</a:t>
             </a:r>
           </a:p>
@@ -7958,21 +6872,247 @@
             <a:pPr marL="0" indent="0" algn="just">
               <a:buNone/>
             </a:pPr>
-            <a:endParaRPr lang="ru-RU" sz="2200" dirty="0" smtClean="0"/>
+            <a:endParaRPr lang="ru-RU" sz="1800" dirty="0" smtClean="0"/>
           </a:p>
           <a:p>
             <a:pPr marL="0" indent="0">
               <a:buFont typeface="Arial" charset="0"/>
               <a:buNone/>
             </a:pPr>
-            <a:endParaRPr lang="ru-RU" sz="2200" dirty="0" smtClean="0"/>
+            <a:endParaRPr lang="ru-RU" sz="1800" dirty="0" smtClean="0"/>
+          </a:p>
+        </p:txBody>
+      </p:sp>
+      <p:sp>
+        <p:nvSpPr>
+          <p:cNvPr id="8" name="Объект 2"/>
+          <p:cNvSpPr txBox="1">
+            <a:spLocks/>
+          </p:cNvSpPr>
+          <p:nvPr/>
+        </p:nvSpPr>
+        <p:spPr bwMode="auto">
+          <a:xfrm>
+            <a:off x="5292080" y="1124744"/>
+            <a:ext cx="3680792" cy="3672408"/>
+          </a:xfrm>
+          <a:prstGeom prst="rect">
+            <a:avLst/>
+          </a:prstGeom>
+          <a:noFill/>
+          <a:ln>
+            <a:noFill/>
+          </a:ln>
+          <a:extLst>
+            <a:ext uri="{909E8E84-426E-40DD-AFC4-6F175D3DCCD1}">
+              <a14:hiddenFill xmlns:a14="http://schemas.microsoft.com/office/drawing/2010/main">
+                <a:solidFill>
+                  <a:srgbClr val="FFFFFF"/>
+                </a:solidFill>
+              </a14:hiddenFill>
+            </a:ext>
+            <a:ext uri="{91240B29-F687-4F45-9708-019B960494DF}">
+              <a14:hiddenLine xmlns:a14="http://schemas.microsoft.com/office/drawing/2010/main" w="9525">
+                <a:solidFill>
+                  <a:srgbClr val="000000"/>
+                </a:solidFill>
+                <a:miter lim="800000"/>
+                <a:headEnd/>
+                <a:tailEnd/>
+              </a14:hiddenLine>
+            </a:ext>
+          </a:extLst>
+        </p:spPr>
+        <p:txBody>
+          <a:bodyPr vert="horz" wrap="square" lIns="91440" tIns="45720" rIns="91440" bIns="45720" numCol="1" anchor="t" anchorCtr="0" compatLnSpc="1">
+            <a:prstTxWarp prst="textNoShape">
+              <a:avLst/>
+            </a:prstTxWarp>
+          </a:bodyPr>
+          <a:lstStyle>
+            <a:lvl1pPr marL="342900" indent="-342900" algn="l" rtl="0" eaLnBrk="0" fontAlgn="base" hangingPunct="0">
+              <a:spcBef>
+                <a:spcPct val="20000"/>
+              </a:spcBef>
+              <a:spcAft>
+                <a:spcPct val="0"/>
+              </a:spcAft>
+              <a:buFont typeface="Arial" charset="0"/>
+              <a:buChar char="•"/>
+              <a:defRPr sz="3200" kern="1200">
+                <a:solidFill>
+                  <a:schemeClr val="tx1"/>
+                </a:solidFill>
+                <a:latin typeface="+mn-lt"/>
+                <a:ea typeface="+mn-ea"/>
+                <a:cs typeface="+mn-cs"/>
+              </a:defRPr>
+            </a:lvl1pPr>
+            <a:lvl2pPr marL="742950" indent="-285750" algn="l" rtl="0" eaLnBrk="0" fontAlgn="base" hangingPunct="0">
+              <a:spcBef>
+                <a:spcPct val="20000"/>
+              </a:spcBef>
+              <a:spcAft>
+                <a:spcPct val="0"/>
+              </a:spcAft>
+              <a:buFont typeface="Arial" charset="0"/>
+              <a:buChar char="–"/>
+              <a:defRPr sz="2800" kern="1200">
+                <a:solidFill>
+                  <a:schemeClr val="tx1"/>
+                </a:solidFill>
+                <a:latin typeface="+mn-lt"/>
+                <a:ea typeface="+mn-ea"/>
+                <a:cs typeface="+mn-cs"/>
+              </a:defRPr>
+            </a:lvl2pPr>
+            <a:lvl3pPr marL="1143000" indent="-228600" algn="l" rtl="0" eaLnBrk="0" fontAlgn="base" hangingPunct="0">
+              <a:spcBef>
+                <a:spcPct val="20000"/>
+              </a:spcBef>
+              <a:spcAft>
+                <a:spcPct val="0"/>
+              </a:spcAft>
+              <a:buFont typeface="Arial" charset="0"/>
+              <a:buChar char="•"/>
+              <a:defRPr sz="2400" kern="1200">
+                <a:solidFill>
+                  <a:schemeClr val="tx1"/>
+                </a:solidFill>
+                <a:latin typeface="+mn-lt"/>
+                <a:ea typeface="+mn-ea"/>
+                <a:cs typeface="+mn-cs"/>
+              </a:defRPr>
+            </a:lvl3pPr>
+            <a:lvl4pPr marL="1600200" indent="-228600" algn="l" rtl="0" eaLnBrk="0" fontAlgn="base" hangingPunct="0">
+              <a:spcBef>
+                <a:spcPct val="20000"/>
+              </a:spcBef>
+              <a:spcAft>
+                <a:spcPct val="0"/>
+              </a:spcAft>
+              <a:buFont typeface="Arial" charset="0"/>
+              <a:buChar char="–"/>
+              <a:defRPr sz="2000" kern="1200">
+                <a:solidFill>
+                  <a:schemeClr val="tx1"/>
+                </a:solidFill>
+                <a:latin typeface="+mn-lt"/>
+                <a:ea typeface="+mn-ea"/>
+                <a:cs typeface="+mn-cs"/>
+              </a:defRPr>
+            </a:lvl4pPr>
+            <a:lvl5pPr marL="2057400" indent="-228600" algn="l" rtl="0" eaLnBrk="0" fontAlgn="base" hangingPunct="0">
+              <a:spcBef>
+                <a:spcPct val="20000"/>
+              </a:spcBef>
+              <a:spcAft>
+                <a:spcPct val="0"/>
+              </a:spcAft>
+              <a:buFont typeface="Arial" charset="0"/>
+              <a:buChar char="»"/>
+              <a:defRPr sz="2000" kern="1200">
+                <a:solidFill>
+                  <a:schemeClr val="tx1"/>
+                </a:solidFill>
+                <a:latin typeface="+mn-lt"/>
+                <a:ea typeface="+mn-ea"/>
+                <a:cs typeface="+mn-cs"/>
+              </a:defRPr>
+            </a:lvl5pPr>
+            <a:lvl6pPr marL="2514600" indent="-228600" algn="l" defTabSz="914400" rtl="0" eaLnBrk="1" latinLnBrk="0" hangingPunct="1">
+              <a:spcBef>
+                <a:spcPct val="20000"/>
+              </a:spcBef>
+              <a:buFont typeface="Arial" pitchFamily="34" charset="0"/>
+              <a:buChar char="•"/>
+              <a:defRPr sz="2000" kern="1200">
+                <a:solidFill>
+                  <a:schemeClr val="tx1"/>
+                </a:solidFill>
+                <a:latin typeface="+mn-lt"/>
+                <a:ea typeface="+mn-ea"/>
+                <a:cs typeface="+mn-cs"/>
+              </a:defRPr>
+            </a:lvl6pPr>
+            <a:lvl7pPr marL="2971800" indent="-228600" algn="l" defTabSz="914400" rtl="0" eaLnBrk="1" latinLnBrk="0" hangingPunct="1">
+              <a:spcBef>
+                <a:spcPct val="20000"/>
+              </a:spcBef>
+              <a:buFont typeface="Arial" pitchFamily="34" charset="0"/>
+              <a:buChar char="•"/>
+              <a:defRPr sz="2000" kern="1200">
+                <a:solidFill>
+                  <a:schemeClr val="tx1"/>
+                </a:solidFill>
+                <a:latin typeface="+mn-lt"/>
+                <a:ea typeface="+mn-ea"/>
+                <a:cs typeface="+mn-cs"/>
+              </a:defRPr>
+            </a:lvl7pPr>
+            <a:lvl8pPr marL="3429000" indent="-228600" algn="l" defTabSz="914400" rtl="0" eaLnBrk="1" latinLnBrk="0" hangingPunct="1">
+              <a:spcBef>
+                <a:spcPct val="20000"/>
+              </a:spcBef>
+              <a:buFont typeface="Arial" pitchFamily="34" charset="0"/>
+              <a:buChar char="•"/>
+              <a:defRPr sz="2000" kern="1200">
+                <a:solidFill>
+                  <a:schemeClr val="tx1"/>
+                </a:solidFill>
+                <a:latin typeface="+mn-lt"/>
+                <a:ea typeface="+mn-ea"/>
+                <a:cs typeface="+mn-cs"/>
+              </a:defRPr>
+            </a:lvl8pPr>
+            <a:lvl9pPr marL="3886200" indent="-228600" algn="l" defTabSz="914400" rtl="0" eaLnBrk="1" latinLnBrk="0" hangingPunct="1">
+              <a:spcBef>
+                <a:spcPct val="20000"/>
+              </a:spcBef>
+              <a:buFont typeface="Arial" pitchFamily="34" charset="0"/>
+              <a:buChar char="•"/>
+              <a:defRPr sz="2000" kern="1200">
+                <a:solidFill>
+                  <a:schemeClr val="tx1"/>
+                </a:solidFill>
+                <a:latin typeface="+mn-lt"/>
+                <a:ea typeface="+mn-ea"/>
+                <a:cs typeface="+mn-cs"/>
+              </a:defRPr>
+            </a:lvl9pPr>
+          </a:lstStyle>
+          <a:p>
+            <a:pPr marL="0" indent="0">
+              <a:buNone/>
+            </a:pPr>
+            <a:r>
+              <a:rPr lang="ru-RU" sz="1800" dirty="0" smtClean="0"/>
+              <a:t>Разработанный метод долгосрочного слежения показал </a:t>
+            </a:r>
+            <a:r>
+              <a:rPr lang="ru-RU" sz="1800" dirty="0" smtClean="0"/>
+              <a:t>устойчивость </a:t>
+            </a:r>
+            <a:r>
+              <a:rPr lang="ru-RU" sz="1800" dirty="0"/>
+              <a:t>к изменениям окружающей обстановки сцены, перекрытию объекта слежения другими объектами и исчезновению отслеживаемого объекта из области наблюдения</a:t>
+            </a:r>
+            <a:r>
+              <a:rPr lang="ru-RU" sz="1800" dirty="0"/>
+              <a:t>. </a:t>
+            </a:r>
+            <a:r>
+              <a:rPr lang="ru-RU" sz="1800" dirty="0" smtClean="0"/>
+              <a:t>Данные результаты обусловлены интеграцией детектора, основанного на самообучающемся классификаторе, в алгоритм обнаружения и слежения.</a:t>
+            </a:r>
+            <a:endParaRPr lang="ru-RU" sz="1800" dirty="0" smtClean="0"/>
           </a:p>
         </p:txBody>
       </p:sp>
     </p:spTree>
     <p:extLst>
       <p:ext uri="{BB962C8B-B14F-4D97-AF65-F5344CB8AC3E}">
-        <p14:creationId xmlns:p14="http://schemas.microsoft.com/office/powerpoint/2010/main" val="2460847544"/>
+        <p14:creationId xmlns:p14="http://schemas.microsoft.com/office/powerpoint/2010/main" val="2178158726"/>
       </p:ext>
     </p:extLst>
   </p:cSld>
@@ -7997,7 +7137,7 @@
 </p:sld>
 </file>
 
-<file path=ppt/slides/slide15.xml><?xml version="1.0" encoding="utf-8"?>
+<file path=ppt/slides/slide12.xml><?xml version="1.0" encoding="utf-8"?>
 <p:sld xmlns:a="http://schemas.openxmlformats.org/drawingml/2006/main" xmlns:r="http://schemas.openxmlformats.org/officeDocument/2006/relationships" xmlns:p="http://schemas.openxmlformats.org/presentationml/2006/main">
   <p:cSld>
     <p:spTree>
@@ -8039,35 +7179,6 @@
               <a:t>Спасибо за внимание!</a:t>
             </a:r>
             <a:endParaRPr lang="ru-RU" sz="3800" dirty="0"/>
-          </a:p>
-        </p:txBody>
-      </p:sp>
-      <p:sp>
-        <p:nvSpPr>
-          <p:cNvPr id="4" name="Номер слайда 3"/>
-          <p:cNvSpPr>
-            <a:spLocks noGrp="1"/>
-          </p:cNvSpPr>
-          <p:nvPr>
-            <p:ph type="sldNum" sz="quarter" idx="12"/>
-          </p:nvPr>
-        </p:nvSpPr>
-        <p:spPr/>
-        <p:txBody>
-          <a:bodyPr/>
-          <a:lstStyle/>
-          <a:p>
-            <a:pPr>
-              <a:defRPr/>
-            </a:pPr>
-            <a:fld id="{D9A5B0CD-1A21-4D6E-8B68-A7BE40C63E29}" type="slidenum">
-              <a:rPr lang="ru-RU" altLang="ru-RU" smtClean="0"/>
-              <a:pPr>
-                <a:defRPr/>
-              </a:pPr>
-              <a:t>15</a:t>
-            </a:fld>
-            <a:endParaRPr lang="ru-RU" altLang="ru-RU" dirty="0"/>
           </a:p>
         </p:txBody>
       </p:sp>
@@ -8156,8 +7267,8 @@
         </p:nvSpPr>
         <p:spPr>
           <a:xfrm>
-            <a:off x="251520" y="764705"/>
-            <a:ext cx="8496944" cy="5616623"/>
+            <a:off x="251520" y="980729"/>
+            <a:ext cx="8496944" cy="2952327"/>
           </a:xfrm>
         </p:spPr>
         <p:txBody>
@@ -8179,7 +7290,15 @@
             </a:r>
             <a:r>
               <a:rPr lang="ru-RU" sz="1900" dirty="0"/>
-              <a:t>широкое распространение они получили при создании бортовых и стационарных систем,  способных в режиме реального времени решать множество задач, связанных с автоматическим обнаружением, слежением и сопровождением объектов. </a:t>
+              <a:t>широкое распространение они получили при создании бортовых и стационарных </a:t>
+            </a:r>
+            <a:r>
+              <a:rPr lang="ru-RU" sz="1900" dirty="0" smtClean="0"/>
+              <a:t>систем обнаружения, слежения и сопровождения </a:t>
+            </a:r>
+            <a:r>
+              <a:rPr lang="ru-RU" sz="1900" dirty="0"/>
+              <a:t>объектов. </a:t>
             </a:r>
             <a:endParaRPr lang="ru-RU" sz="1900" dirty="0" smtClean="0"/>
           </a:p>
@@ -8191,7 +7310,23 @@
             </a:pPr>
             <a:r>
               <a:rPr lang="ru-RU" sz="1900" dirty="0" smtClean="0"/>
-              <a:t>С ростом потребности в системах обнаружения и слежения растет и требование к подобным системам. Поэтому одной из наиболее актуальных является задача долгосрочного слежения, предполагающая корректную работу в условиях изменения окружающей обстановки сцены, перекрытия объекта слежения другими объектами или же в случае исчезновения отслеживаемого объекта из области видимости.</a:t>
+              <a:t>Одной из </a:t>
+            </a:r>
+            <a:r>
+              <a:rPr lang="ru-RU" sz="1900" dirty="0" smtClean="0"/>
+              <a:t>актуальных </a:t>
+            </a:r>
+            <a:r>
+              <a:rPr lang="ru-RU" sz="1900" dirty="0" smtClean="0"/>
+              <a:t>задач, требующих решения при </a:t>
+            </a:r>
+            <a:r>
+              <a:rPr lang="ru-RU" sz="1900" dirty="0" smtClean="0"/>
+              <a:t>создании </a:t>
+            </a:r>
+            <a:r>
+              <a:rPr lang="ru-RU" sz="1900" dirty="0" smtClean="0"/>
+              <a:t>подобных систем, является задача долгосрочного слежения, предполагающая корректную работу в условиях изменения окружающей обстановки сцены, перекрытия объекта слежения другими объектами или же в случае исчезновения отслеживаемого объекта из области видимости.</a:t>
             </a:r>
           </a:p>
         </p:txBody>
@@ -8221,6 +7356,10 @@
               </a:pPr>
               <a:t>2</a:t>
             </a:fld>
+            <a:r>
+              <a:rPr lang="en-US" altLang="ru-RU" dirty="0" smtClean="0"/>
+              <a:t>/12</a:t>
+            </a:r>
             <a:endParaRPr lang="ru-RU" altLang="ru-RU" dirty="0"/>
           </a:p>
         </p:txBody>
@@ -8263,7 +7402,7 @@
         </p:nvGrpSpPr>
         <p:grpSpPr>
           <a:xfrm>
-            <a:off x="683568" y="4445937"/>
+            <a:off x="683568" y="4085897"/>
             <a:ext cx="7920880" cy="1863383"/>
             <a:chOff x="597797" y="4509120"/>
             <a:chExt cx="7920880" cy="1863383"/>
@@ -8292,11 +7431,11 @@
               <p:nvPr/>
             </p:nvPicPr>
             <p:blipFill rotWithShape="1">
-              <a:blip r:embed="rId2">
+              <a:blip r:embed="rId3">
                 <a:extLst>
                   <a:ext uri="{BEBA8EAE-BF5A-486C-A8C5-ECC9F3942E4B}">
                     <a14:imgProps xmlns:a14="http://schemas.microsoft.com/office/drawing/2010/main">
-                      <a14:imgLayer r:embed="rId3">
+                      <a14:imgLayer r:embed="rId4">
                         <a14:imgEffect>
                           <a14:saturation sat="0"/>
                         </a14:imgEffect>
@@ -8373,7 +7512,7 @@
               <a:lstStyle/>
               <a:p>
                 <a:pPr algn="ctr"/>
-                <a:endParaRPr lang="ru-RU"/>
+                <a:endParaRPr lang="ru-RU" dirty="0"/>
               </a:p>
             </p:txBody>
           </p:sp>
@@ -8401,7 +7540,7 @@
               <p:nvPr/>
             </p:nvPicPr>
             <p:blipFill rotWithShape="1">
-              <a:blip r:embed="rId4" cstate="print">
+              <a:blip r:embed="rId5" cstate="print">
                 <a:extLst>
                   <a:ext uri="{28A0092B-C50C-407E-A947-70E740481C1C}">
                     <a14:useLocalDpi xmlns:a14="http://schemas.microsoft.com/office/drawing/2010/main" val="0"/>
@@ -8473,7 +7612,7 @@
               <a:lstStyle/>
               <a:p>
                 <a:pPr algn="ctr"/>
-                <a:endParaRPr lang="ru-RU"/>
+                <a:endParaRPr lang="ru-RU" dirty="0"/>
               </a:p>
             </p:txBody>
           </p:sp>
@@ -8501,11 +7640,11 @@
               <p:nvPr/>
             </p:nvPicPr>
             <p:blipFill rotWithShape="1">
-              <a:blip r:embed="rId5">
+              <a:blip r:embed="rId6">
                 <a:extLst>
                   <a:ext uri="{BEBA8EAE-BF5A-486C-A8C5-ECC9F3942E4B}">
                     <a14:imgProps xmlns:a14="http://schemas.microsoft.com/office/drawing/2010/main">
-                      <a14:imgLayer r:embed="rId6">
+                      <a14:imgLayer r:embed="rId7">
                         <a14:imgEffect>
                           <a14:saturation sat="0"/>
                         </a14:imgEffect>
@@ -8582,7 +7721,7 @@
               <a:lstStyle/>
               <a:p>
                 <a:pPr algn="ctr"/>
-                <a:endParaRPr lang="ru-RU"/>
+                <a:endParaRPr lang="ru-RU" dirty="0"/>
               </a:p>
             </p:txBody>
           </p:sp>
@@ -8598,11 +7737,11 @@
   <p:clrMapOvr>
     <a:masterClrMapping/>
   </p:clrMapOvr>
-  <mc:AlternateContent xmlns:mc="http://schemas.openxmlformats.org/markup-compatibility/2006" xmlns:p14="http://schemas.microsoft.com/office/powerpoint/2010/main">
-    <mc:Choice Requires="p14">
-      <p:transition p14:dur="0"/>
+  <mc:AlternateContent xmlns:mc="http://schemas.openxmlformats.org/markup-compatibility/2006">
+    <mc:Choice xmlns:p14="http://schemas.microsoft.com/office/powerpoint/2010/main" Requires="p14">
+      <p:transition p14:dur="10"/>
     </mc:Choice>
-    <mc:Fallback xmlns="">
+    <mc:Fallback>
       <p:transition/>
     </mc:Fallback>
   </mc:AlternateContent>
@@ -8655,7 +7794,15 @@
           <a:p>
             <a:r>
               <a:rPr lang="ru-RU" sz="2800" dirty="0" smtClean="0"/>
-              <a:t>Цель и задачи работы.</a:t>
+              <a:t>Цель </a:t>
+            </a:r>
+            <a:r>
+              <a:rPr lang="ru-RU" sz="2800" dirty="0" smtClean="0"/>
+              <a:t>работы</a:t>
+            </a:r>
+            <a:r>
+              <a:rPr lang="ru-RU" sz="2800" dirty="0" smtClean="0"/>
+              <a:t>.</a:t>
             </a:r>
             <a:endParaRPr lang="ru-RU" sz="2800" dirty="0"/>
           </a:p>
@@ -8673,8 +7820,8 @@
         </p:nvSpPr>
         <p:spPr>
           <a:xfrm>
-            <a:off x="420688" y="1340768"/>
-            <a:ext cx="8229600" cy="4824536"/>
+            <a:off x="251520" y="764704"/>
+            <a:ext cx="8712968" cy="1008112"/>
           </a:xfrm>
         </p:spPr>
         <p:txBody>
@@ -8694,72 +7841,13 @@
             </a:r>
             <a:r>
               <a:rPr lang="ru-RU" sz="2000" dirty="0" smtClean="0"/>
-              <a:t>азработка и реализаци</a:t>
-            </a:r>
-            <a:r>
-              <a:rPr lang="ru-RU" sz="2000" dirty="0" smtClean="0"/>
-              <a:t>я метода, способного </a:t>
+              <a:t>азработка и реализация метода, способного </a:t>
             </a:r>
             <a:r>
               <a:rPr lang="ru-RU" sz="2000" dirty="0"/>
               <a:t>решать задачу долгосрочного слежения, предполагающего наличие минимальной начальной информации. </a:t>
             </a:r>
             <a:endParaRPr lang="ru-RU" sz="2000" dirty="0" smtClean="0"/>
-          </a:p>
-          <a:p>
-            <a:pPr marL="0" indent="0" algn="just">
-              <a:spcBef>
-                <a:spcPts val="600"/>
-              </a:spcBef>
-              <a:buNone/>
-            </a:pPr>
-            <a:r>
-              <a:rPr lang="ru-RU" sz="2000" b="1" dirty="0" smtClean="0"/>
-              <a:t>Задачи:</a:t>
-            </a:r>
-          </a:p>
-          <a:p>
-            <a:pPr algn="just"/>
-            <a:r>
-              <a:rPr lang="ru-RU" sz="2000" dirty="0"/>
-              <a:t>Изучение классических подходов к решению задачи обнаружения и слежения за объектами видеопоследовательности.</a:t>
-            </a:r>
-          </a:p>
-          <a:p>
-            <a:pPr algn="just"/>
-            <a:r>
-              <a:rPr lang="ru-RU" sz="2000" dirty="0"/>
-              <a:t>Разработка методов, способных улучшить результаты классических алгоритмов обнаружения и слежения.</a:t>
-            </a:r>
-          </a:p>
-          <a:p>
-            <a:pPr algn="just"/>
-            <a:r>
-              <a:rPr lang="ru-RU" sz="2000" dirty="0"/>
-              <a:t>Исследование эффективности применения методов распознавания образов </a:t>
-            </a:r>
-            <a:r>
-              <a:rPr lang="ru-RU" sz="2000" dirty="0" smtClean="0"/>
-              <a:t>к </a:t>
-            </a:r>
-            <a:r>
-              <a:rPr lang="ru-RU" sz="2000" dirty="0"/>
-              <a:t>задаче обнаружения и слежения.</a:t>
-            </a:r>
-          </a:p>
-          <a:p>
-            <a:pPr algn="just"/>
-            <a:r>
-              <a:rPr lang="ru-RU" sz="2000" dirty="0"/>
-              <a:t>Разработка самообучающегося классификатора, способного решать задачу распознавания образов.</a:t>
-            </a:r>
-          </a:p>
-          <a:p>
-            <a:pPr algn="just"/>
-            <a:r>
-              <a:rPr lang="ru-RU" sz="2000" dirty="0"/>
-              <a:t>Оценка эффективности разрабатываемого метода на тестовых видеопоследовательностях.</a:t>
-            </a:r>
           </a:p>
           <a:p>
             <a:pPr marL="0" indent="0" algn="just">
@@ -8794,6 +7882,10 @@
               </a:pPr>
               <a:t>3</a:t>
             </a:fld>
+            <a:r>
+              <a:rPr lang="en-US" altLang="ru-RU" dirty="0" smtClean="0"/>
+              <a:t>/12</a:t>
+            </a:r>
             <a:endParaRPr lang="ru-RU" altLang="ru-RU" dirty="0"/>
           </a:p>
         </p:txBody>
@@ -8807,6 +7899,552 @@
         <p:spPr>
           <a:xfrm>
             <a:off x="0" y="620688"/>
+            <a:ext cx="9144000" cy="0"/>
+          </a:xfrm>
+          <a:prstGeom prst="line">
+            <a:avLst/>
+          </a:prstGeom>
+        </p:spPr>
+        <p:style>
+          <a:lnRef idx="2">
+            <a:schemeClr val="dk1"/>
+          </a:lnRef>
+          <a:fillRef idx="0">
+            <a:schemeClr val="dk1"/>
+          </a:fillRef>
+          <a:effectRef idx="1">
+            <a:schemeClr val="dk1"/>
+          </a:effectRef>
+          <a:fontRef idx="minor">
+            <a:schemeClr val="tx1"/>
+          </a:fontRef>
+        </p:style>
+      </p:cxnSp>
+      <p:sp>
+        <p:nvSpPr>
+          <p:cNvPr id="6" name="Объект 2"/>
+          <p:cNvSpPr txBox="1">
+            <a:spLocks/>
+          </p:cNvSpPr>
+          <p:nvPr/>
+        </p:nvSpPr>
+        <p:spPr bwMode="auto">
+          <a:xfrm>
+            <a:off x="251520" y="2852937"/>
+            <a:ext cx="8712968" cy="3168352"/>
+          </a:xfrm>
+          <a:prstGeom prst="rect">
+            <a:avLst/>
+          </a:prstGeom>
+          <a:noFill/>
+          <a:ln>
+            <a:noFill/>
+          </a:ln>
+          <a:extLst>
+            <a:ext uri="{909E8E84-426E-40DD-AFC4-6F175D3DCCD1}">
+              <a14:hiddenFill xmlns:a14="http://schemas.microsoft.com/office/drawing/2010/main">
+                <a:solidFill>
+                  <a:srgbClr val="FFFFFF"/>
+                </a:solidFill>
+              </a14:hiddenFill>
+            </a:ext>
+            <a:ext uri="{91240B29-F687-4F45-9708-019B960494DF}">
+              <a14:hiddenLine xmlns:a14="http://schemas.microsoft.com/office/drawing/2010/main" w="9525">
+                <a:solidFill>
+                  <a:srgbClr val="000000"/>
+                </a:solidFill>
+                <a:miter lim="800000"/>
+                <a:headEnd/>
+                <a:tailEnd/>
+              </a14:hiddenLine>
+            </a:ext>
+          </a:extLst>
+        </p:spPr>
+        <p:txBody>
+          <a:bodyPr vert="horz" wrap="square" lIns="91440" tIns="45720" rIns="91440" bIns="45720" numCol="1" anchor="t" anchorCtr="0" compatLnSpc="1">
+            <a:prstTxWarp prst="textNoShape">
+              <a:avLst/>
+            </a:prstTxWarp>
+          </a:bodyPr>
+          <a:lstStyle>
+            <a:lvl1pPr marL="342900" indent="-342900" algn="l" rtl="0" eaLnBrk="0" fontAlgn="base" hangingPunct="0">
+              <a:spcBef>
+                <a:spcPct val="20000"/>
+              </a:spcBef>
+              <a:spcAft>
+                <a:spcPct val="0"/>
+              </a:spcAft>
+              <a:buFont typeface="Arial" charset="0"/>
+              <a:buChar char="•"/>
+              <a:defRPr sz="3200" kern="1200">
+                <a:solidFill>
+                  <a:schemeClr val="tx1"/>
+                </a:solidFill>
+                <a:latin typeface="+mn-lt"/>
+                <a:ea typeface="+mn-ea"/>
+                <a:cs typeface="+mn-cs"/>
+              </a:defRPr>
+            </a:lvl1pPr>
+            <a:lvl2pPr marL="742950" indent="-285750" algn="l" rtl="0" eaLnBrk="0" fontAlgn="base" hangingPunct="0">
+              <a:spcBef>
+                <a:spcPct val="20000"/>
+              </a:spcBef>
+              <a:spcAft>
+                <a:spcPct val="0"/>
+              </a:spcAft>
+              <a:buFont typeface="Arial" charset="0"/>
+              <a:buChar char="–"/>
+              <a:defRPr sz="2800" kern="1200">
+                <a:solidFill>
+                  <a:schemeClr val="tx1"/>
+                </a:solidFill>
+                <a:latin typeface="+mn-lt"/>
+                <a:ea typeface="+mn-ea"/>
+                <a:cs typeface="+mn-cs"/>
+              </a:defRPr>
+            </a:lvl2pPr>
+            <a:lvl3pPr marL="1143000" indent="-228600" algn="l" rtl="0" eaLnBrk="0" fontAlgn="base" hangingPunct="0">
+              <a:spcBef>
+                <a:spcPct val="20000"/>
+              </a:spcBef>
+              <a:spcAft>
+                <a:spcPct val="0"/>
+              </a:spcAft>
+              <a:buFont typeface="Arial" charset="0"/>
+              <a:buChar char="•"/>
+              <a:defRPr sz="2400" kern="1200">
+                <a:solidFill>
+                  <a:schemeClr val="tx1"/>
+                </a:solidFill>
+                <a:latin typeface="+mn-lt"/>
+                <a:ea typeface="+mn-ea"/>
+                <a:cs typeface="+mn-cs"/>
+              </a:defRPr>
+            </a:lvl3pPr>
+            <a:lvl4pPr marL="1600200" indent="-228600" algn="l" rtl="0" eaLnBrk="0" fontAlgn="base" hangingPunct="0">
+              <a:spcBef>
+                <a:spcPct val="20000"/>
+              </a:spcBef>
+              <a:spcAft>
+                <a:spcPct val="0"/>
+              </a:spcAft>
+              <a:buFont typeface="Arial" charset="0"/>
+              <a:buChar char="–"/>
+              <a:defRPr sz="2000" kern="1200">
+                <a:solidFill>
+                  <a:schemeClr val="tx1"/>
+                </a:solidFill>
+                <a:latin typeface="+mn-lt"/>
+                <a:ea typeface="+mn-ea"/>
+                <a:cs typeface="+mn-cs"/>
+              </a:defRPr>
+            </a:lvl4pPr>
+            <a:lvl5pPr marL="2057400" indent="-228600" algn="l" rtl="0" eaLnBrk="0" fontAlgn="base" hangingPunct="0">
+              <a:spcBef>
+                <a:spcPct val="20000"/>
+              </a:spcBef>
+              <a:spcAft>
+                <a:spcPct val="0"/>
+              </a:spcAft>
+              <a:buFont typeface="Arial" charset="0"/>
+              <a:buChar char="»"/>
+              <a:defRPr sz="2000" kern="1200">
+                <a:solidFill>
+                  <a:schemeClr val="tx1"/>
+                </a:solidFill>
+                <a:latin typeface="+mn-lt"/>
+                <a:ea typeface="+mn-ea"/>
+                <a:cs typeface="+mn-cs"/>
+              </a:defRPr>
+            </a:lvl5pPr>
+            <a:lvl6pPr marL="2514600" indent="-228600" algn="l" defTabSz="914400" rtl="0" eaLnBrk="1" latinLnBrk="0" hangingPunct="1">
+              <a:spcBef>
+                <a:spcPct val="20000"/>
+              </a:spcBef>
+              <a:buFont typeface="Arial" pitchFamily="34" charset="0"/>
+              <a:buChar char="•"/>
+              <a:defRPr sz="2000" kern="1200">
+                <a:solidFill>
+                  <a:schemeClr val="tx1"/>
+                </a:solidFill>
+                <a:latin typeface="+mn-lt"/>
+                <a:ea typeface="+mn-ea"/>
+                <a:cs typeface="+mn-cs"/>
+              </a:defRPr>
+            </a:lvl6pPr>
+            <a:lvl7pPr marL="2971800" indent="-228600" algn="l" defTabSz="914400" rtl="0" eaLnBrk="1" latinLnBrk="0" hangingPunct="1">
+              <a:spcBef>
+                <a:spcPct val="20000"/>
+              </a:spcBef>
+              <a:buFont typeface="Arial" pitchFamily="34" charset="0"/>
+              <a:buChar char="•"/>
+              <a:defRPr sz="2000" kern="1200">
+                <a:solidFill>
+                  <a:schemeClr val="tx1"/>
+                </a:solidFill>
+                <a:latin typeface="+mn-lt"/>
+                <a:ea typeface="+mn-ea"/>
+                <a:cs typeface="+mn-cs"/>
+              </a:defRPr>
+            </a:lvl7pPr>
+            <a:lvl8pPr marL="3429000" indent="-228600" algn="l" defTabSz="914400" rtl="0" eaLnBrk="1" latinLnBrk="0" hangingPunct="1">
+              <a:spcBef>
+                <a:spcPct val="20000"/>
+              </a:spcBef>
+              <a:buFont typeface="Arial" pitchFamily="34" charset="0"/>
+              <a:buChar char="•"/>
+              <a:defRPr sz="2000" kern="1200">
+                <a:solidFill>
+                  <a:schemeClr val="tx1"/>
+                </a:solidFill>
+                <a:latin typeface="+mn-lt"/>
+                <a:ea typeface="+mn-ea"/>
+                <a:cs typeface="+mn-cs"/>
+              </a:defRPr>
+            </a:lvl8pPr>
+            <a:lvl9pPr marL="3886200" indent="-228600" algn="l" defTabSz="914400" rtl="0" eaLnBrk="1" latinLnBrk="0" hangingPunct="1">
+              <a:spcBef>
+                <a:spcPct val="20000"/>
+              </a:spcBef>
+              <a:buFont typeface="Arial" pitchFamily="34" charset="0"/>
+              <a:buChar char="•"/>
+              <a:defRPr sz="2000" kern="1200">
+                <a:solidFill>
+                  <a:schemeClr val="tx1"/>
+                </a:solidFill>
+                <a:latin typeface="+mn-lt"/>
+                <a:ea typeface="+mn-ea"/>
+                <a:cs typeface="+mn-cs"/>
+              </a:defRPr>
+            </a:lvl9pPr>
+          </a:lstStyle>
+          <a:p>
+            <a:pPr marL="0" indent="0" algn="just">
+              <a:spcBef>
+                <a:spcPts val="600"/>
+              </a:spcBef>
+              <a:spcAft>
+                <a:spcPts val="0"/>
+              </a:spcAft>
+              <a:buFont typeface="Arial" charset="0"/>
+              <a:buNone/>
+            </a:pPr>
+            <a:r>
+              <a:rPr lang="ru-RU" sz="2000" b="1" dirty="0" smtClean="0"/>
+              <a:t>Основная идея предлагаемого метода: </a:t>
+            </a:r>
+            <a:r>
+              <a:rPr lang="ru-RU" sz="2000" dirty="0" smtClean="0"/>
+              <a:t>интеграция детектора, основанного на самообучающемся классификаторе, в метод трекинга на основе вычитания фонового изображения.</a:t>
+            </a:r>
+          </a:p>
+          <a:p>
+            <a:pPr marL="0" indent="0" algn="just">
+              <a:spcBef>
+                <a:spcPts val="600"/>
+              </a:spcBef>
+              <a:spcAft>
+                <a:spcPts val="0"/>
+              </a:spcAft>
+              <a:buFont typeface="Arial" charset="0"/>
+              <a:buNone/>
+            </a:pPr>
+            <a:r>
+              <a:rPr lang="ru-RU" sz="2000" b="1" dirty="0" smtClean="0"/>
+              <a:t>Задачи трекера: </a:t>
+            </a:r>
+            <a:r>
+              <a:rPr lang="ru-RU" sz="2000" dirty="0" smtClean="0"/>
+              <a:t>сегментация кадров, вычисление пространственных параметров объектов и отслеживание траекторий их движения. </a:t>
+            </a:r>
+          </a:p>
+          <a:p>
+            <a:pPr marL="0" indent="0" algn="just">
+              <a:spcBef>
+                <a:spcPts val="600"/>
+              </a:spcBef>
+              <a:spcAft>
+                <a:spcPts val="0"/>
+              </a:spcAft>
+              <a:buFont typeface="Arial" charset="0"/>
+              <a:buNone/>
+            </a:pPr>
+            <a:r>
+              <a:rPr lang="ru-RU" sz="2000" b="1" dirty="0" smtClean="0"/>
+              <a:t>Задача детектора: </a:t>
+            </a:r>
+            <a:r>
+              <a:rPr lang="ru-RU" sz="2000" dirty="0" smtClean="0"/>
+              <a:t>поиск отслеживаемого объекта в случае сбоя трекера.</a:t>
+            </a:r>
+            <a:endParaRPr lang="en-US" sz="2000" b="1" dirty="0" smtClean="0"/>
+          </a:p>
+          <a:p>
+            <a:pPr marL="0" indent="0" algn="just">
+              <a:spcBef>
+                <a:spcPts val="600"/>
+              </a:spcBef>
+              <a:spcAft>
+                <a:spcPts val="0"/>
+              </a:spcAft>
+              <a:buFont typeface="Arial" charset="0"/>
+              <a:buNone/>
+            </a:pPr>
+            <a:r>
+              <a:rPr lang="ru-RU" sz="2000" b="1" dirty="0" smtClean="0"/>
+              <a:t>Основная идея используемого метода трекинга: </a:t>
+            </a:r>
+            <a:r>
+              <a:rPr lang="ru-RU" sz="2000" dirty="0" smtClean="0"/>
+              <a:t>выполнение сегментации кадров видеопоследовательности с помощью построения изображения фона с последующим его вычитанием из изображения текущего кадра. </a:t>
+            </a:r>
+          </a:p>
+          <a:p>
+            <a:pPr marL="0" indent="0" algn="just">
+              <a:spcAft>
+                <a:spcPts val="0"/>
+              </a:spcAft>
+              <a:buFont typeface="Arial" charset="0"/>
+              <a:buNone/>
+            </a:pPr>
+            <a:endParaRPr lang="ru-RU" sz="2000" dirty="0" smtClean="0"/>
+          </a:p>
+          <a:p>
+            <a:pPr marL="0" indent="0">
+              <a:spcAft>
+                <a:spcPts val="0"/>
+              </a:spcAft>
+              <a:buFont typeface="Arial" charset="0"/>
+              <a:buNone/>
+            </a:pPr>
+            <a:endParaRPr lang="ru-RU" sz="2000" dirty="0"/>
+          </a:p>
+        </p:txBody>
+      </p:sp>
+      <p:sp>
+        <p:nvSpPr>
+          <p:cNvPr id="7" name="Заголовок 1"/>
+          <p:cNvSpPr txBox="1">
+            <a:spLocks/>
+          </p:cNvSpPr>
+          <p:nvPr/>
+        </p:nvSpPr>
+        <p:spPr bwMode="auto">
+          <a:xfrm>
+            <a:off x="36512" y="2060848"/>
+            <a:ext cx="9144000" cy="638944"/>
+          </a:xfrm>
+          <a:prstGeom prst="rect">
+            <a:avLst/>
+          </a:prstGeom>
+          <a:noFill/>
+          <a:ln>
+            <a:noFill/>
+          </a:ln>
+          <a:extLst>
+            <a:ext uri="{909E8E84-426E-40DD-AFC4-6F175D3DCCD1}">
+              <a14:hiddenFill xmlns:a14="http://schemas.microsoft.com/office/drawing/2010/main">
+                <a:solidFill>
+                  <a:srgbClr val="FFFFFF"/>
+                </a:solidFill>
+              </a14:hiddenFill>
+            </a:ext>
+            <a:ext uri="{91240B29-F687-4F45-9708-019B960494DF}">
+              <a14:hiddenLine xmlns:a14="http://schemas.microsoft.com/office/drawing/2010/main" w="9525">
+                <a:solidFill>
+                  <a:srgbClr val="000000"/>
+                </a:solidFill>
+                <a:miter lim="800000"/>
+                <a:headEnd/>
+                <a:tailEnd/>
+              </a14:hiddenLine>
+            </a:ext>
+          </a:extLst>
+        </p:spPr>
+        <p:txBody>
+          <a:bodyPr vert="horz" wrap="square" lIns="91440" tIns="45720" rIns="91440" bIns="45720" numCol="1" anchor="ctr" anchorCtr="0" compatLnSpc="1">
+            <a:prstTxWarp prst="textNoShape">
+              <a:avLst/>
+            </a:prstTxWarp>
+          </a:bodyPr>
+          <a:lstStyle>
+            <a:lvl1pPr algn="ctr" rtl="0" eaLnBrk="0" fontAlgn="base" hangingPunct="0">
+              <a:spcBef>
+                <a:spcPct val="0"/>
+              </a:spcBef>
+              <a:spcAft>
+                <a:spcPct val="0"/>
+              </a:spcAft>
+              <a:defRPr sz="4400" kern="1200">
+                <a:solidFill>
+                  <a:schemeClr val="tx1"/>
+                </a:solidFill>
+                <a:latin typeface="+mj-lt"/>
+                <a:ea typeface="+mj-ea"/>
+                <a:cs typeface="+mj-cs"/>
+              </a:defRPr>
+            </a:lvl1pPr>
+            <a:lvl2pPr algn="ctr" rtl="0" eaLnBrk="0" fontAlgn="base" hangingPunct="0">
+              <a:spcBef>
+                <a:spcPct val="0"/>
+              </a:spcBef>
+              <a:spcAft>
+                <a:spcPct val="0"/>
+              </a:spcAft>
+              <a:defRPr sz="4400">
+                <a:solidFill>
+                  <a:schemeClr val="tx1"/>
+                </a:solidFill>
+                <a:latin typeface="Calibri" pitchFamily="34" charset="0"/>
+              </a:defRPr>
+            </a:lvl2pPr>
+            <a:lvl3pPr algn="ctr" rtl="0" eaLnBrk="0" fontAlgn="base" hangingPunct="0">
+              <a:spcBef>
+                <a:spcPct val="0"/>
+              </a:spcBef>
+              <a:spcAft>
+                <a:spcPct val="0"/>
+              </a:spcAft>
+              <a:defRPr sz="4400">
+                <a:solidFill>
+                  <a:schemeClr val="tx1"/>
+                </a:solidFill>
+                <a:latin typeface="Calibri" pitchFamily="34" charset="0"/>
+              </a:defRPr>
+            </a:lvl3pPr>
+            <a:lvl4pPr algn="ctr" rtl="0" eaLnBrk="0" fontAlgn="base" hangingPunct="0">
+              <a:spcBef>
+                <a:spcPct val="0"/>
+              </a:spcBef>
+              <a:spcAft>
+                <a:spcPct val="0"/>
+              </a:spcAft>
+              <a:defRPr sz="4400">
+                <a:solidFill>
+                  <a:schemeClr val="tx1"/>
+                </a:solidFill>
+                <a:latin typeface="Calibri" pitchFamily="34" charset="0"/>
+              </a:defRPr>
+            </a:lvl4pPr>
+            <a:lvl5pPr algn="ctr" rtl="0" eaLnBrk="0" fontAlgn="base" hangingPunct="0">
+              <a:spcBef>
+                <a:spcPct val="0"/>
+              </a:spcBef>
+              <a:spcAft>
+                <a:spcPct val="0"/>
+              </a:spcAft>
+              <a:defRPr sz="4400">
+                <a:solidFill>
+                  <a:schemeClr val="tx1"/>
+                </a:solidFill>
+                <a:latin typeface="Calibri" pitchFamily="34" charset="0"/>
+              </a:defRPr>
+            </a:lvl5pPr>
+            <a:lvl6pPr marL="457200" algn="ctr" rtl="0" fontAlgn="base">
+              <a:spcBef>
+                <a:spcPct val="0"/>
+              </a:spcBef>
+              <a:spcAft>
+                <a:spcPct val="0"/>
+              </a:spcAft>
+              <a:defRPr sz="4400">
+                <a:solidFill>
+                  <a:schemeClr val="tx1"/>
+                </a:solidFill>
+                <a:latin typeface="Calibri" pitchFamily="34" charset="0"/>
+              </a:defRPr>
+            </a:lvl6pPr>
+            <a:lvl7pPr marL="914400" algn="ctr" rtl="0" fontAlgn="base">
+              <a:spcBef>
+                <a:spcPct val="0"/>
+              </a:spcBef>
+              <a:spcAft>
+                <a:spcPct val="0"/>
+              </a:spcAft>
+              <a:defRPr sz="4400">
+                <a:solidFill>
+                  <a:schemeClr val="tx1"/>
+                </a:solidFill>
+                <a:latin typeface="Calibri" pitchFamily="34" charset="0"/>
+              </a:defRPr>
+            </a:lvl7pPr>
+            <a:lvl8pPr marL="1371600" algn="ctr" rtl="0" fontAlgn="base">
+              <a:spcBef>
+                <a:spcPct val="0"/>
+              </a:spcBef>
+              <a:spcAft>
+                <a:spcPct val="0"/>
+              </a:spcAft>
+              <a:defRPr sz="4400">
+                <a:solidFill>
+                  <a:schemeClr val="tx1"/>
+                </a:solidFill>
+                <a:latin typeface="Calibri" pitchFamily="34" charset="0"/>
+              </a:defRPr>
+            </a:lvl8pPr>
+            <a:lvl9pPr marL="1828800" algn="ctr" rtl="0" fontAlgn="base">
+              <a:spcBef>
+                <a:spcPct val="0"/>
+              </a:spcBef>
+              <a:spcAft>
+                <a:spcPct val="0"/>
+              </a:spcAft>
+              <a:defRPr sz="4400">
+                <a:solidFill>
+                  <a:schemeClr val="tx1"/>
+                </a:solidFill>
+                <a:latin typeface="Calibri" pitchFamily="34" charset="0"/>
+              </a:defRPr>
+            </a:lvl9pPr>
+          </a:lstStyle>
+          <a:p>
+            <a:r>
+              <a:rPr lang="ru-RU" sz="2800" dirty="0" smtClean="0"/>
+              <a:t>Предлагаемый метод долгосрочного слежения.</a:t>
+            </a:r>
+            <a:endParaRPr lang="ru-RU" sz="2800" dirty="0"/>
+          </a:p>
+        </p:txBody>
+      </p:sp>
+      <p:cxnSp>
+        <p:nvCxnSpPr>
+          <p:cNvPr id="8" name="Прямая соединительная линия 7"/>
+          <p:cNvCxnSpPr/>
+          <p:nvPr/>
+        </p:nvCxnSpPr>
+        <p:spPr>
+          <a:xfrm>
+            <a:off x="36512" y="2708920"/>
+            <a:ext cx="9144000" cy="0"/>
+          </a:xfrm>
+          <a:prstGeom prst="line">
+            <a:avLst/>
+          </a:prstGeom>
+        </p:spPr>
+        <p:style>
+          <a:lnRef idx="2">
+            <a:schemeClr val="dk1"/>
+          </a:lnRef>
+          <a:fillRef idx="0">
+            <a:schemeClr val="dk1"/>
+          </a:fillRef>
+          <a:effectRef idx="1">
+            <a:schemeClr val="dk1"/>
+          </a:effectRef>
+          <a:fontRef idx="minor">
+            <a:schemeClr val="tx1"/>
+          </a:fontRef>
+        </p:style>
+      </p:cxnSp>
+      <p:cxnSp>
+        <p:nvCxnSpPr>
+          <p:cNvPr id="10" name="Прямая соединительная линия 9"/>
+          <p:cNvCxnSpPr/>
+          <p:nvPr/>
+        </p:nvCxnSpPr>
+        <p:spPr>
+          <a:xfrm>
+            <a:off x="35496" y="2060848"/>
             <a:ext cx="9144000" cy="0"/>
           </a:xfrm>
           <a:prstGeom prst="line">
@@ -8895,685 +8533,6 @@
           <a:p>
             <a:r>
               <a:rPr lang="ru-RU" sz="2800" dirty="0" smtClean="0"/>
-              <a:t>Предлагаемый метод долгосрочного слежения.</a:t>
-            </a:r>
-            <a:endParaRPr lang="ru-RU" sz="2800" dirty="0"/>
-          </a:p>
-        </p:txBody>
-      </p:sp>
-      <p:sp>
-        <p:nvSpPr>
-          <p:cNvPr id="3" name="Объект 2"/>
-          <p:cNvSpPr>
-            <a:spLocks noGrp="1"/>
-          </p:cNvSpPr>
-          <p:nvPr>
-            <p:ph idx="1"/>
-          </p:nvPr>
-        </p:nvSpPr>
-        <p:spPr>
-          <a:xfrm>
-            <a:off x="251520" y="764705"/>
-            <a:ext cx="8712968" cy="1152127"/>
-          </a:xfrm>
-        </p:spPr>
-        <p:txBody>
-          <a:bodyPr/>
-          <a:lstStyle/>
-          <a:p>
-            <a:pPr marL="0" indent="0" algn="just">
-              <a:spcAft>
-                <a:spcPts val="1200"/>
-              </a:spcAft>
-              <a:buNone/>
-            </a:pPr>
-            <a:r>
-              <a:rPr lang="ru-RU" sz="2000" b="1" dirty="0" smtClean="0"/>
-              <a:t>Основная идея предлагаемого метода: </a:t>
-            </a:r>
-            <a:r>
-              <a:rPr lang="ru-RU" sz="2000" dirty="0" smtClean="0"/>
-              <a:t>интеграция детектора, основанного на самообучающимся классификаторе, в метод обнаружения и слежения на основе вычитания фонового изображения.</a:t>
-            </a:r>
-          </a:p>
-          <a:p>
-            <a:pPr marL="0" indent="0">
-              <a:buNone/>
-            </a:pPr>
-            <a:endParaRPr lang="ru-RU" sz="2000" dirty="0"/>
-          </a:p>
-          <a:p>
-            <a:pPr marL="0" indent="0" algn="just">
-              <a:spcAft>
-                <a:spcPts val="1200"/>
-              </a:spcAft>
-              <a:buNone/>
-            </a:pPr>
-            <a:endParaRPr lang="ru-RU" sz="2000" dirty="0" smtClean="0"/>
-          </a:p>
-          <a:p>
-            <a:pPr marL="0" indent="0">
-              <a:spcAft>
-                <a:spcPts val="1200"/>
-              </a:spcAft>
-              <a:buNone/>
-            </a:pPr>
-            <a:r>
-              <a:rPr lang="ru-RU" sz="2000" b="1" dirty="0" smtClean="0"/>
-              <a:t> </a:t>
-            </a:r>
-            <a:endParaRPr lang="ru-RU" sz="2000" b="1" dirty="0" smtClean="0"/>
-          </a:p>
-          <a:p>
-            <a:pPr marL="0" indent="0">
-              <a:buNone/>
-            </a:pPr>
-            <a:endParaRPr lang="ru-RU" sz="2000" dirty="0"/>
-          </a:p>
-        </p:txBody>
-      </p:sp>
-      <p:sp>
-        <p:nvSpPr>
-          <p:cNvPr id="4" name="Номер слайда 3"/>
-          <p:cNvSpPr>
-            <a:spLocks noGrp="1"/>
-          </p:cNvSpPr>
-          <p:nvPr>
-            <p:ph type="sldNum" sz="quarter" idx="12"/>
-          </p:nvPr>
-        </p:nvSpPr>
-        <p:spPr/>
-        <p:txBody>
-          <a:bodyPr/>
-          <a:lstStyle/>
-          <a:p>
-            <a:pPr>
-              <a:defRPr/>
-            </a:pPr>
-            <a:fld id="{D9A5B0CD-1A21-4D6E-8B68-A7BE40C63E29}" type="slidenum">
-              <a:rPr lang="ru-RU" altLang="ru-RU" smtClean="0"/>
-              <a:pPr>
-                <a:defRPr/>
-              </a:pPr>
-              <a:t>4</a:t>
-            </a:fld>
-            <a:endParaRPr lang="ru-RU" altLang="ru-RU" dirty="0"/>
-          </a:p>
-        </p:txBody>
-      </p:sp>
-      <p:cxnSp>
-        <p:nvCxnSpPr>
-          <p:cNvPr id="9" name="Прямая соединительная линия 8"/>
-          <p:cNvCxnSpPr/>
-          <p:nvPr/>
-        </p:nvCxnSpPr>
-        <p:spPr>
-          <a:xfrm>
-            <a:off x="0" y="620688"/>
-            <a:ext cx="9144000" cy="0"/>
-          </a:xfrm>
-          <a:prstGeom prst="line">
-            <a:avLst/>
-          </a:prstGeom>
-        </p:spPr>
-        <p:style>
-          <a:lnRef idx="2">
-            <a:schemeClr val="dk1"/>
-          </a:lnRef>
-          <a:fillRef idx="0">
-            <a:schemeClr val="dk1"/>
-          </a:fillRef>
-          <a:effectRef idx="1">
-            <a:schemeClr val="dk1"/>
-          </a:effectRef>
-          <a:fontRef idx="minor">
-            <a:schemeClr val="tx1"/>
-          </a:fontRef>
-        </p:style>
-      </p:cxnSp>
-      <mc:AlternateContent xmlns:mc="http://schemas.openxmlformats.org/markup-compatibility/2006">
-        <mc:Choice xmlns:a14="http://schemas.microsoft.com/office/drawing/2010/main" Requires="a14">
-          <p:sp>
-            <p:nvSpPr>
-              <p:cNvPr id="8" name="Прямоугольник 7"/>
-              <p:cNvSpPr/>
-              <p:nvPr/>
-            </p:nvSpPr>
-            <p:spPr>
-              <a:xfrm>
-                <a:off x="323528" y="2861062"/>
-                <a:ext cx="8568952" cy="2708434"/>
-              </a:xfrm>
-              <a:prstGeom prst="rect">
-                <a:avLst/>
-              </a:prstGeom>
-            </p:spPr>
-            <p:txBody>
-              <a:bodyPr wrap="square">
-                <a:spAutoFit/>
-              </a:bodyPr>
-              <a:lstStyle/>
-              <a:p>
-                <a:pPr marL="0" indent="0" algn="just">
-                  <a:spcAft>
-                    <a:spcPts val="600"/>
-                  </a:spcAft>
-                  <a:buNone/>
-                </a:pPr>
-                <a:r>
-                  <a:rPr lang="ru-RU" sz="2000" b="1" dirty="0" smtClean="0">
-                    <a:latin typeface="+mj-lt"/>
-                  </a:rPr>
-                  <a:t>Задачи: </a:t>
-                </a:r>
-                <a:r>
-                  <a:rPr lang="ru-RU" sz="2000" dirty="0">
-                    <a:latin typeface="+mj-lt"/>
-                  </a:rPr>
-                  <a:t>сегментация кадров,  вычисление пространственных параметров объектов, отслеживание траекторий  их движения. </a:t>
-                </a:r>
-                <a:endParaRPr lang="en-US" sz="2000" dirty="0">
-                  <a:latin typeface="+mj-lt"/>
-                </a:endParaRPr>
-              </a:p>
-              <a:p>
-                <a:pPr marL="0" indent="0" algn="just">
-                  <a:spcAft>
-                    <a:spcPts val="600"/>
-                  </a:spcAft>
-                  <a:buNone/>
-                </a:pPr>
-                <a:r>
-                  <a:rPr lang="ru-RU" sz="2000" b="1" dirty="0" smtClean="0">
-                    <a:latin typeface="+mj-lt"/>
-                  </a:rPr>
-                  <a:t>Основная </a:t>
-                </a:r>
-                <a:r>
-                  <a:rPr lang="ru-RU" sz="2000" b="1" dirty="0">
-                    <a:latin typeface="+mj-lt"/>
-                  </a:rPr>
-                  <a:t>идея: </a:t>
-                </a:r>
-                <a:r>
-                  <a:rPr lang="ru-RU" sz="2000" dirty="0">
-                    <a:latin typeface="+mj-lt"/>
-                  </a:rPr>
-                  <a:t>выполнение сегментации кадров видеопоследовательности  с помощью построения </a:t>
-                </a:r>
-                <a:r>
-                  <a:rPr lang="ru-RU" sz="2000" dirty="0">
-                    <a:latin typeface="+mj-lt"/>
-                  </a:rPr>
-                  <a:t>изображения фона с последующим его вычитанием из изображения текущего кадра. </a:t>
-                </a:r>
-                <a:endParaRPr lang="ru-RU" sz="2000" dirty="0">
-                  <a:latin typeface="+mj-lt"/>
-                </a:endParaRPr>
-              </a:p>
-              <a:p>
-                <a:pPr marL="0" indent="0" algn="just">
-                  <a:spcAft>
-                    <a:spcPts val="0"/>
-                  </a:spcAft>
-                  <a:buNone/>
-                </a:pPr>
-                <a:r>
-                  <a:rPr lang="ru-RU" sz="2000" b="1" dirty="0">
-                    <a:latin typeface="+mj-lt"/>
-                  </a:rPr>
-                  <a:t>Модель фона:</a:t>
-                </a:r>
-              </a:p>
-              <a:p>
-                <a:pPr marL="285750" indent="-285750" algn="just">
-                  <a:spcAft>
-                    <a:spcPts val="0"/>
-                  </a:spcAft>
-                  <a:buFont typeface="Arial" pitchFamily="34" charset="0"/>
-                  <a:buChar char="•"/>
-                </a:pPr>
-                <a:r>
-                  <a:rPr lang="ru-RU" sz="2000" dirty="0">
-                    <a:latin typeface="+mj-lt"/>
-                  </a:rPr>
-                  <a:t>Среднее фоновое изображение </a:t>
-                </a:r>
-                <a14:m>
-                  <m:oMath xmlns:m="http://schemas.openxmlformats.org/officeDocument/2006/math">
-                    <m:r>
-                      <a:rPr lang="en-US" sz="2000" i="1">
-                        <a:latin typeface="+mj-lt"/>
-                      </a:rPr>
-                      <m:t>𝐵</m:t>
-                    </m:r>
-                  </m:oMath>
-                </a14:m>
-                <a:r>
-                  <a:rPr lang="en-US" sz="2000" dirty="0">
-                    <a:latin typeface="+mj-lt"/>
-                  </a:rPr>
-                  <a:t>;</a:t>
-                </a:r>
-              </a:p>
-              <a:p>
-                <a:pPr marL="285750" indent="-285750" algn="just">
-                  <a:spcAft>
-                    <a:spcPts val="0"/>
-                  </a:spcAft>
-                  <a:buFont typeface="Arial" pitchFamily="34" charset="0"/>
-                  <a:buChar char="•"/>
-                </a:pPr>
-                <a:r>
-                  <a:rPr lang="ru-RU" sz="2000" dirty="0">
-                    <a:latin typeface="+mj-lt"/>
-                  </a:rPr>
-                  <a:t>Изображение средних абсолютных отклонений </a:t>
-                </a:r>
-                <a14:m>
-                  <m:oMath xmlns:m="http://schemas.openxmlformats.org/officeDocument/2006/math">
-                    <m:r>
-                      <a:rPr lang="en-US" sz="2000" i="1">
-                        <a:latin typeface="+mj-lt"/>
-                      </a:rPr>
-                      <m:t>𝐷</m:t>
-                    </m:r>
-                  </m:oMath>
-                </a14:m>
-                <a:r>
-                  <a:rPr lang="en-US" sz="2000" dirty="0">
-                    <a:latin typeface="+mj-lt"/>
-                  </a:rPr>
-                  <a:t>.</a:t>
-                </a:r>
-                <a:r>
-                  <a:rPr lang="ru-RU" sz="2000" dirty="0">
-                    <a:latin typeface="+mj-lt"/>
-                  </a:rPr>
-                  <a:t> </a:t>
-                </a:r>
-              </a:p>
-            </p:txBody>
-          </p:sp>
-        </mc:Choice>
-        <mc:Fallback>
-          <p:sp>
-            <p:nvSpPr>
-              <p:cNvPr id="8" name="Прямоугольник 7"/>
-              <p:cNvSpPr>
-                <a:spLocks noRot="1" noChangeAspect="1" noMove="1" noResize="1" noEditPoints="1" noAdjustHandles="1" noChangeArrowheads="1" noChangeShapeType="1" noTextEdit="1"/>
-              </p:cNvSpPr>
-              <p:nvPr/>
-            </p:nvSpPr>
-            <p:spPr>
-              <a:xfrm>
-                <a:off x="323528" y="2861062"/>
-                <a:ext cx="8568952" cy="2708434"/>
-              </a:xfrm>
-              <a:prstGeom prst="rect">
-                <a:avLst/>
-              </a:prstGeom>
-              <a:blipFill rotWithShape="1">
-                <a:blip r:embed="rId2"/>
-                <a:stretch>
-                  <a:fillRect l="-711" t="-1124" r="-782" b="-2921"/>
-                </a:stretch>
-              </a:blipFill>
-            </p:spPr>
-            <p:txBody>
-              <a:bodyPr/>
-              <a:lstStyle/>
-              <a:p>
-                <a:r>
-                  <a:rPr lang="ru-RU">
-                    <a:noFill/>
-                  </a:rPr>
-                  <a:t> </a:t>
-                </a:r>
-              </a:p>
-            </p:txBody>
-          </p:sp>
-        </mc:Fallback>
-      </mc:AlternateContent>
-      <p:grpSp>
-        <p:nvGrpSpPr>
-          <p:cNvPr id="13" name="Группа 12"/>
-          <p:cNvGrpSpPr/>
-          <p:nvPr/>
-        </p:nvGrpSpPr>
-        <p:grpSpPr>
-          <a:xfrm>
-            <a:off x="-36512" y="2060848"/>
-            <a:ext cx="9217024" cy="648072"/>
-            <a:chOff x="-36512" y="1844824"/>
-            <a:chExt cx="9217024" cy="648072"/>
-          </a:xfrm>
-        </p:grpSpPr>
-        <p:sp>
-          <p:nvSpPr>
-            <p:cNvPr id="33" name="Заголовок 1"/>
-            <p:cNvSpPr txBox="1">
-              <a:spLocks/>
-            </p:cNvSpPr>
-            <p:nvPr/>
-          </p:nvSpPr>
-          <p:spPr bwMode="auto">
-            <a:xfrm>
-              <a:off x="36512" y="1853952"/>
-              <a:ext cx="9144000" cy="638944"/>
-            </a:xfrm>
-            <a:prstGeom prst="rect">
-              <a:avLst/>
-            </a:prstGeom>
-            <a:noFill/>
-            <a:ln>
-              <a:noFill/>
-            </a:ln>
-            <a:extLst>
-              <a:ext uri="{909E8E84-426E-40DD-AFC4-6F175D3DCCD1}">
-                <a14:hiddenFill xmlns:a14="http://schemas.microsoft.com/office/drawing/2010/main">
-                  <a:solidFill>
-                    <a:srgbClr val="FFFFFF"/>
-                  </a:solidFill>
-                </a14:hiddenFill>
-              </a:ext>
-              <a:ext uri="{91240B29-F687-4F45-9708-019B960494DF}">
-                <a14:hiddenLine xmlns:a14="http://schemas.microsoft.com/office/drawing/2010/main" w="9525">
-                  <a:solidFill>
-                    <a:srgbClr val="000000"/>
-                  </a:solidFill>
-                  <a:miter lim="800000"/>
-                  <a:headEnd/>
-                  <a:tailEnd/>
-                </a14:hiddenLine>
-              </a:ext>
-            </a:extLst>
-          </p:spPr>
-          <p:txBody>
-            <a:bodyPr vert="horz" wrap="square" lIns="91440" tIns="45720" rIns="91440" bIns="45720" numCol="1" anchor="ctr" anchorCtr="0" compatLnSpc="1">
-              <a:prstTxWarp prst="textNoShape">
-                <a:avLst/>
-              </a:prstTxWarp>
-            </a:bodyPr>
-            <a:lstStyle>
-              <a:lvl1pPr algn="ctr" rtl="0" eaLnBrk="0" fontAlgn="base" hangingPunct="0">
-                <a:spcBef>
-                  <a:spcPct val="0"/>
-                </a:spcBef>
-                <a:spcAft>
-                  <a:spcPct val="0"/>
-                </a:spcAft>
-                <a:defRPr sz="4400" kern="1200">
-                  <a:solidFill>
-                    <a:schemeClr val="tx1"/>
-                  </a:solidFill>
-                  <a:latin typeface="+mj-lt"/>
-                  <a:ea typeface="+mj-ea"/>
-                  <a:cs typeface="+mj-cs"/>
-                </a:defRPr>
-              </a:lvl1pPr>
-              <a:lvl2pPr algn="ctr" rtl="0" eaLnBrk="0" fontAlgn="base" hangingPunct="0">
-                <a:spcBef>
-                  <a:spcPct val="0"/>
-                </a:spcBef>
-                <a:spcAft>
-                  <a:spcPct val="0"/>
-                </a:spcAft>
-                <a:defRPr sz="4400">
-                  <a:solidFill>
-                    <a:schemeClr val="tx1"/>
-                  </a:solidFill>
-                  <a:latin typeface="Calibri" pitchFamily="34" charset="0"/>
-                </a:defRPr>
-              </a:lvl2pPr>
-              <a:lvl3pPr algn="ctr" rtl="0" eaLnBrk="0" fontAlgn="base" hangingPunct="0">
-                <a:spcBef>
-                  <a:spcPct val="0"/>
-                </a:spcBef>
-                <a:spcAft>
-                  <a:spcPct val="0"/>
-                </a:spcAft>
-                <a:defRPr sz="4400">
-                  <a:solidFill>
-                    <a:schemeClr val="tx1"/>
-                  </a:solidFill>
-                  <a:latin typeface="Calibri" pitchFamily="34" charset="0"/>
-                </a:defRPr>
-              </a:lvl3pPr>
-              <a:lvl4pPr algn="ctr" rtl="0" eaLnBrk="0" fontAlgn="base" hangingPunct="0">
-                <a:spcBef>
-                  <a:spcPct val="0"/>
-                </a:spcBef>
-                <a:spcAft>
-                  <a:spcPct val="0"/>
-                </a:spcAft>
-                <a:defRPr sz="4400">
-                  <a:solidFill>
-                    <a:schemeClr val="tx1"/>
-                  </a:solidFill>
-                  <a:latin typeface="Calibri" pitchFamily="34" charset="0"/>
-                </a:defRPr>
-              </a:lvl4pPr>
-              <a:lvl5pPr algn="ctr" rtl="0" eaLnBrk="0" fontAlgn="base" hangingPunct="0">
-                <a:spcBef>
-                  <a:spcPct val="0"/>
-                </a:spcBef>
-                <a:spcAft>
-                  <a:spcPct val="0"/>
-                </a:spcAft>
-                <a:defRPr sz="4400">
-                  <a:solidFill>
-                    <a:schemeClr val="tx1"/>
-                  </a:solidFill>
-                  <a:latin typeface="Calibri" pitchFamily="34" charset="0"/>
-                </a:defRPr>
-              </a:lvl5pPr>
-              <a:lvl6pPr marL="457200" algn="ctr" rtl="0" fontAlgn="base">
-                <a:spcBef>
-                  <a:spcPct val="0"/>
-                </a:spcBef>
-                <a:spcAft>
-                  <a:spcPct val="0"/>
-                </a:spcAft>
-                <a:defRPr sz="4400">
-                  <a:solidFill>
-                    <a:schemeClr val="tx1"/>
-                  </a:solidFill>
-                  <a:latin typeface="Calibri" pitchFamily="34" charset="0"/>
-                </a:defRPr>
-              </a:lvl6pPr>
-              <a:lvl7pPr marL="914400" algn="ctr" rtl="0" fontAlgn="base">
-                <a:spcBef>
-                  <a:spcPct val="0"/>
-                </a:spcBef>
-                <a:spcAft>
-                  <a:spcPct val="0"/>
-                </a:spcAft>
-                <a:defRPr sz="4400">
-                  <a:solidFill>
-                    <a:schemeClr val="tx1"/>
-                  </a:solidFill>
-                  <a:latin typeface="Calibri" pitchFamily="34" charset="0"/>
-                </a:defRPr>
-              </a:lvl7pPr>
-              <a:lvl8pPr marL="1371600" algn="ctr" rtl="0" fontAlgn="base">
-                <a:spcBef>
-                  <a:spcPct val="0"/>
-                </a:spcBef>
-                <a:spcAft>
-                  <a:spcPct val="0"/>
-                </a:spcAft>
-                <a:defRPr sz="4400">
-                  <a:solidFill>
-                    <a:schemeClr val="tx1"/>
-                  </a:solidFill>
-                  <a:latin typeface="Calibri" pitchFamily="34" charset="0"/>
-                </a:defRPr>
-              </a:lvl8pPr>
-              <a:lvl9pPr marL="1828800" algn="ctr" rtl="0" fontAlgn="base">
-                <a:spcBef>
-                  <a:spcPct val="0"/>
-                </a:spcBef>
-                <a:spcAft>
-                  <a:spcPct val="0"/>
-                </a:spcAft>
-                <a:defRPr sz="4400">
-                  <a:solidFill>
-                    <a:schemeClr val="tx1"/>
-                  </a:solidFill>
-                  <a:latin typeface="Calibri" pitchFamily="34" charset="0"/>
-                </a:defRPr>
-              </a:lvl9pPr>
-            </a:lstStyle>
-            <a:p>
-              <a:r>
-                <a:rPr lang="ru-RU" sz="2800" dirty="0"/>
-                <a:t>Метод </a:t>
-              </a:r>
-              <a:r>
-                <a:rPr lang="ru-RU" sz="2800" dirty="0" smtClean="0"/>
-                <a:t>трекинга на </a:t>
-              </a:r>
-              <a:r>
-                <a:rPr lang="ru-RU" sz="2800" dirty="0"/>
-                <a:t>основе вычитания изображения фона</a:t>
-              </a:r>
-              <a:r>
-                <a:rPr lang="ru-RU" sz="2800" dirty="0" smtClean="0"/>
-                <a:t>.</a:t>
-              </a:r>
-              <a:endParaRPr lang="ru-RU" sz="2800" dirty="0"/>
-            </a:p>
-          </p:txBody>
-        </p:sp>
-        <p:cxnSp>
-          <p:nvCxnSpPr>
-            <p:cNvPr id="34" name="Прямая соединительная линия 33"/>
-            <p:cNvCxnSpPr/>
-            <p:nvPr/>
-          </p:nvCxnSpPr>
-          <p:spPr>
-            <a:xfrm>
-              <a:off x="-36512" y="1844824"/>
-              <a:ext cx="9180512" cy="0"/>
-            </a:xfrm>
-            <a:prstGeom prst="line">
-              <a:avLst/>
-            </a:prstGeom>
-          </p:spPr>
-          <p:style>
-            <a:lnRef idx="2">
-              <a:schemeClr val="dk1"/>
-            </a:lnRef>
-            <a:fillRef idx="0">
-              <a:schemeClr val="dk1"/>
-            </a:fillRef>
-            <a:effectRef idx="1">
-              <a:schemeClr val="dk1"/>
-            </a:effectRef>
-            <a:fontRef idx="minor">
-              <a:schemeClr val="tx1"/>
-            </a:fontRef>
-          </p:style>
-        </p:cxnSp>
-        <p:cxnSp>
-          <p:nvCxnSpPr>
-            <p:cNvPr id="35" name="Прямая соединительная линия 34"/>
-            <p:cNvCxnSpPr/>
-            <p:nvPr/>
-          </p:nvCxnSpPr>
-          <p:spPr>
-            <a:xfrm>
-              <a:off x="-36512" y="2492896"/>
-              <a:ext cx="9180512" cy="0"/>
-            </a:xfrm>
-            <a:prstGeom prst="line">
-              <a:avLst/>
-            </a:prstGeom>
-          </p:spPr>
-          <p:style>
-            <a:lnRef idx="2">
-              <a:schemeClr val="dk1"/>
-            </a:lnRef>
-            <a:fillRef idx="0">
-              <a:schemeClr val="dk1"/>
-            </a:fillRef>
-            <a:effectRef idx="1">
-              <a:schemeClr val="dk1"/>
-            </a:effectRef>
-            <a:fontRef idx="minor">
-              <a:schemeClr val="tx1"/>
-            </a:fontRef>
-          </p:style>
-        </p:cxnSp>
-      </p:grpSp>
-    </p:spTree>
-    <p:extLst>
-      <p:ext uri="{BB962C8B-B14F-4D97-AF65-F5344CB8AC3E}">
-        <p14:creationId xmlns:p14="http://schemas.microsoft.com/office/powerpoint/2010/main" val="2160187978"/>
-      </p:ext>
-    </p:extLst>
-  </p:cSld>
-  <p:clrMapOvr>
-    <a:masterClrMapping/>
-  </p:clrMapOvr>
-  <mc:AlternateContent xmlns:mc="http://schemas.openxmlformats.org/markup-compatibility/2006" xmlns:p14="http://schemas.microsoft.com/office/powerpoint/2010/main">
-    <mc:Choice Requires="p14">
-      <p:transition p14:dur="0"/>
-    </mc:Choice>
-    <mc:Fallback xmlns="">
-      <p:transition/>
-    </mc:Fallback>
-  </mc:AlternateContent>
-  <p:timing>
-    <p:tnLst>
-      <p:par>
-        <p:cTn id="1" dur="indefinite" restart="never" nodeType="tmRoot"/>
-      </p:par>
-    </p:tnLst>
-  </p:timing>
-</p:sld>
-</file>
-
-<file path=ppt/slides/slide5.xml><?xml version="1.0" encoding="utf-8"?>
-<p:sld xmlns:a="http://schemas.openxmlformats.org/drawingml/2006/main" xmlns:r="http://schemas.openxmlformats.org/officeDocument/2006/relationships" xmlns:p="http://schemas.openxmlformats.org/presentationml/2006/main">
-  <p:cSld>
-    <p:spTree>
-      <p:nvGrpSpPr>
-        <p:cNvPr id="1" name=""/>
-        <p:cNvGrpSpPr/>
-        <p:nvPr/>
-      </p:nvGrpSpPr>
-      <p:grpSpPr>
-        <a:xfrm>
-          <a:off x="0" y="0"/>
-          <a:ext cx="0" cy="0"/>
-          <a:chOff x="0" y="0"/>
-          <a:chExt cx="0" cy="0"/>
-        </a:xfrm>
-      </p:grpSpPr>
-      <p:sp>
-        <p:nvSpPr>
-          <p:cNvPr id="2" name="Заголовок 1"/>
-          <p:cNvSpPr>
-            <a:spLocks noGrp="1"/>
-          </p:cNvSpPr>
-          <p:nvPr>
-            <p:ph type="title"/>
-          </p:nvPr>
-        </p:nvSpPr>
-        <p:spPr>
-          <a:xfrm>
-            <a:off x="0" y="-18256"/>
-            <a:ext cx="9144000" cy="638944"/>
-          </a:xfrm>
-        </p:spPr>
-        <p:txBody>
-          <a:bodyPr/>
-          <a:lstStyle/>
-          <a:p>
-            <a:r>
-              <a:rPr lang="ru-RU" sz="2800" dirty="0" smtClean="0"/>
               <a:t>Сегментация на основе </a:t>
             </a:r>
             <a:r>
@@ -9583,8 +8542,8 @@
           </a:p>
         </p:txBody>
       </p:sp>
-      <mc:AlternateContent xmlns:mc="http://schemas.openxmlformats.org/markup-compatibility/2006" xmlns:a14="http://schemas.microsoft.com/office/drawing/2010/main">
-        <mc:Choice Requires="a14">
+      <mc:AlternateContent xmlns:mc="http://schemas.openxmlformats.org/markup-compatibility/2006">
+        <mc:Choice xmlns:a14="http://schemas.microsoft.com/office/drawing/2010/main" Requires="a14">
           <p:sp>
             <p:nvSpPr>
               <p:cNvPr id="3" name="Объект 2"/>
@@ -9607,7 +8566,7 @@
               <a:p>
                 <a:pPr marL="0" indent="0">
                   <a:spcAft>
-                    <a:spcPts val="600"/>
+                    <a:spcPts val="0"/>
                   </a:spcAft>
                   <a:buNone/>
                 </a:pPr>
@@ -9821,48 +8780,11 @@
                             </m:sub>
                           </m:sSub>
                           <m:r>
-                            <a:rPr lang="ru-RU" sz="1800" i="1">
+                            <a:rPr lang="ru-RU" sz="1800" i="1" smtClean="0">
                               <a:latin typeface="Cambria Math"/>
                             </a:rPr>
-                            <m:t>,</m:t>
+                            <m:t> </m:t>
                           </m:r>
-                          <m:sSub>
-                            <m:sSubPr>
-                              <m:ctrlPr>
-                                <a:rPr lang="ru-RU" sz="1800" i="1">
-                                  <a:latin typeface="Cambria Math"/>
-                                </a:rPr>
-                              </m:ctrlPr>
-                            </m:sSubPr>
-                            <m:e>
-                              <m:r>
-                                <a:rPr lang="en-US" sz="1800" b="0" i="1" smtClean="0">
-                                  <a:latin typeface="Cambria Math"/>
-                                </a:rPr>
-                                <m:t> </m:t>
-                              </m:r>
-                              <m:r>
-                                <a:rPr lang="ru-RU" sz="1800" i="1">
-                                  <a:latin typeface="Cambria Math"/>
-                                </a:rPr>
-                                <m:t>𝐵</m:t>
-                              </m:r>
-                            </m:e>
-                            <m:sub>
-                              <m:r>
-                                <a:rPr lang="ru-RU" sz="1800" i="1">
-                                  <a:latin typeface="Cambria Math"/>
-                                </a:rPr>
-                                <m:t>𝑡</m:t>
-                              </m:r>
-                              <m:r>
-                                <a:rPr lang="ru-RU" sz="1800" i="1">
-                                  <a:latin typeface="Cambria Math"/>
-                                </a:rPr>
-                                <m:t>−1</m:t>
-                              </m:r>
-                            </m:sub>
-                          </m:sSub>
                         </m:e>
                       </m:d>
                     </m:oMath>
@@ -10137,49 +9059,6 @@
                               </m:sSub>
                             </m:e>
                           </m:d>
-                          <m:r>
-                            <a:rPr lang="ru-RU" sz="1800" i="1">
-                              <a:latin typeface="Cambria Math"/>
-                            </a:rPr>
-                            <m:t>, </m:t>
-                          </m:r>
-                          <m:sSub>
-                            <m:sSubPr>
-                              <m:ctrlPr>
-                                <a:rPr lang="ru-RU" sz="1800" i="1">
-                                  <a:latin typeface="Cambria Math"/>
-                                </a:rPr>
-                              </m:ctrlPr>
-                            </m:sSubPr>
-                            <m:e>
-                              <m:r>
-                                <a:rPr lang="en-US" sz="1800" b="0" i="1" smtClean="0">
-                                  <a:latin typeface="Cambria Math"/>
-                                </a:rPr>
-                                <m:t> </m:t>
-                              </m:r>
-                              <m:r>
-                                <a:rPr lang="ru-RU" sz="1800" i="1">
-                                  <a:latin typeface="Cambria Math"/>
-                                </a:rPr>
-                                <m:t>𝐷</m:t>
-                              </m:r>
-                            </m:e>
-                            <m:sub>
-                              <m:r>
-                                <a:rPr lang="ru-RU" sz="1800" i="1">
-                                  <a:latin typeface="Cambria Math"/>
-                                </a:rPr>
-                                <m:t>𝑡</m:t>
-                              </m:r>
-                              <m:r>
-                                <a:rPr lang="ru-RU" sz="1800" i="1">
-                                  <a:latin typeface="Cambria Math"/>
-                                </a:rPr>
-                                <m:t>−1</m:t>
-                              </m:r>
-                            </m:sub>
-                          </m:sSub>
                         </m:e>
                       </m:d>
                     </m:oMath>
@@ -10220,42 +9099,6 @@
                           </m:ctrlPr>
                         </m:dPr>
                         <m:e>
-                          <m:r>
-                            <a:rPr lang="en-US" sz="1800" b="0" i="1" smtClean="0">
-                              <a:latin typeface="Cambria Math"/>
-                            </a:rPr>
-                            <m:t>𝐼</m:t>
-                          </m:r>
-                          <m:r>
-                            <a:rPr lang="en-US" sz="1800" i="1" smtClean="0">
-                              <a:latin typeface="Cambria Math"/>
-                            </a:rPr>
-                            <m:t>(</m:t>
-                          </m:r>
-                          <m:r>
-                            <a:rPr lang="en-US" sz="1800" i="1" smtClean="0">
-                              <a:latin typeface="Cambria Math"/>
-                            </a:rPr>
-                            <m:t>𝑥</m:t>
-                          </m:r>
-                          <m:r>
-                            <a:rPr lang="en-US" sz="1800" i="1" smtClean="0">
-                              <a:latin typeface="Cambria Math"/>
-                            </a:rPr>
-                            <m:t>,</m:t>
-                          </m:r>
-                          <m:r>
-                            <a:rPr lang="en-US" sz="1800" i="1" smtClean="0">
-                              <a:latin typeface="Cambria Math"/>
-                            </a:rPr>
-                            <m:t>𝑦</m:t>
-                          </m:r>
-                          <m:r>
-                            <a:rPr lang="en-US" sz="1800" i="1" smtClean="0">
-                              <a:latin typeface="Cambria Math"/>
-                            </a:rPr>
-                            <m:t>), </m:t>
-                          </m:r>
                           <m:sSub>
                             <m:sSubPr>
                               <m:ctrlPr>
@@ -10269,12 +9112,6 @@
                                 <a:rPr lang="en-US" sz="1800" b="0" i="1" smtClean="0">
                                   <a:latin typeface="Cambria Math"/>
                                 </a:rPr>
-                                <m:t> </m:t>
-                              </m:r>
-                              <m:r>
-                                <a:rPr lang="en-US" sz="1800" b="0" i="1" smtClean="0">
-                                  <a:latin typeface="Cambria Math"/>
-                                </a:rPr>
                                 <m:t>𝐼</m:t>
                               </m:r>
                             </m:e>
@@ -10283,7 +9120,7 @@
                                 <a:rPr lang="en-US" sz="1800" b="0" i="1" smtClean="0">
                                   <a:latin typeface="Cambria Math"/>
                                 </a:rPr>
-                                <m:t>0</m:t>
+                                <m:t>𝑡</m:t>
                               </m:r>
                             </m:sub>
                           </m:sSub>
@@ -10351,18 +9188,37 @@
                               </m:ctrlPr>
                             </m:eqArrPr>
                             <m:e>
-                              <m:r>
-                                <a:rPr lang="en-US" sz="1800" b="0" i="1" smtClean="0">
-                                  <a:latin typeface="Cambria Math"/>
-                                </a:rPr>
-                                <m:t> </m:t>
-                              </m:r>
-                              <m:r>
-                                <a:rPr lang="en-US" sz="1800" b="0" i="1" smtClean="0">
-                                  <a:latin typeface="Cambria Math"/>
-                                </a:rPr>
-                                <m:t>𝐼</m:t>
-                              </m:r>
+                              <m:sSub>
+                                <m:sSubPr>
+                                  <m:ctrlPr>
+                                    <a:rPr lang="ru-RU" sz="1800" b="0" i="1" smtClean="0">
+                                      <a:latin typeface="Cambria Math"/>
+                                    </a:rPr>
+                                  </m:ctrlPr>
+                                </m:sSubPr>
+                                <m:e>
+                                  <m:r>
+                                    <a:rPr lang="en-US" sz="1800" b="0" i="1" smtClean="0">
+                                      <a:latin typeface="Cambria Math"/>
+                                    </a:rPr>
+                                    <m:t>                                 </m:t>
+                                  </m:r>
+                                  <m:r>
+                                    <a:rPr lang="en-US" sz="1800" b="0" i="1" smtClean="0">
+                                      <a:latin typeface="Cambria Math"/>
+                                    </a:rPr>
+                                    <m:t>𝐼</m:t>
+                                  </m:r>
+                                </m:e>
+                                <m:sub>
+                                  <m:r>
+                                    <a:rPr lang="en-US" sz="1800" b="0" i="1" smtClean="0">
+                                      <a:latin typeface="Cambria Math"/>
+                                    </a:rPr>
+                                    <m:t>𝑡</m:t>
+                                  </m:r>
+                                </m:sub>
+                              </m:sSub>
                               <m:d>
                                 <m:dPr>
                                   <m:ctrlPr>
@@ -10636,207 +9492,6 @@
                               <m:sSub>
                                 <m:sSubPr>
                                   <m:ctrlPr>
-                                    <a:rPr lang="en-US" sz="1800" b="0" i="1" smtClean="0">
-                                      <a:latin typeface="Cambria Math"/>
-                                    </a:rPr>
-                                  </m:ctrlPr>
-                                </m:sSubPr>
-                                <m:e>
-                                  <m:r>
-                                    <a:rPr lang="en-US" sz="1800" i="1">
-                                      <a:latin typeface="Cambria Math"/>
-                                    </a:rPr>
-                                    <m:t>𝐼</m:t>
-                                  </m:r>
-                                </m:e>
-                                <m:sub>
-                                  <m:r>
-                                    <a:rPr lang="en-US" sz="1800" b="0" i="1" smtClean="0">
-                                      <a:latin typeface="Cambria Math"/>
-                                    </a:rPr>
-                                    <m:t>0</m:t>
-                                  </m:r>
-                                </m:sub>
-                              </m:sSub>
-                              <m:d>
-                                <m:dPr>
-                                  <m:ctrlPr>
-                                    <a:rPr lang="ru-RU" sz="1800" i="1">
-                                      <a:latin typeface="Cambria Math"/>
-                                    </a:rPr>
-                                  </m:ctrlPr>
-                                </m:dPr>
-                                <m:e>
-                                  <m:r>
-                                    <a:rPr lang="en-US" sz="1800" i="1">
-                                      <a:latin typeface="Cambria Math"/>
-                                    </a:rPr>
-                                    <m:t>𝑥</m:t>
-                                  </m:r>
-                                  <m:r>
-                                    <a:rPr lang="en-US" sz="1800" i="1">
-                                      <a:latin typeface="Cambria Math"/>
-                                    </a:rPr>
-                                    <m:t>,</m:t>
-                                  </m:r>
-                                  <m:r>
-                                    <a:rPr lang="en-US" sz="1800" i="1">
-                                      <a:latin typeface="Cambria Math"/>
-                                    </a:rPr>
-                                    <m:t>𝑦</m:t>
-                                  </m:r>
-                                </m:e>
-                              </m:d>
-                              <m:r>
-                                <a:rPr lang="en-US" sz="1800" i="1">
-                                  <a:latin typeface="Cambria Math"/>
-                                </a:rPr>
-                                <m:t>,</m:t>
-                              </m:r>
-                              <m:r>
-                                <a:rPr lang="en-US" sz="1800" b="0" i="1" smtClean="0">
-                                  <a:latin typeface="Cambria Math"/>
-                                </a:rPr>
-                                <m:t>  </m:t>
-                              </m:r>
-                              <m:d>
-                                <m:dPr>
-                                  <m:begChr m:val="|"/>
-                                  <m:endChr m:val="|"/>
-                                  <m:ctrlPr>
-                                    <a:rPr lang="ru-RU" sz="1800" i="1">
-                                      <a:latin typeface="Cambria Math"/>
-                                    </a:rPr>
-                                  </m:ctrlPr>
-                                </m:dPr>
-                                <m:e>
-                                  <m:sSub>
-                                    <m:sSubPr>
-                                      <m:ctrlPr>
-                                        <a:rPr lang="ru-RU" sz="1800" i="1">
-                                          <a:latin typeface="Cambria Math"/>
-                                        </a:rPr>
-                                      </m:ctrlPr>
-                                    </m:sSubPr>
-                                    <m:e>
-                                      <m:r>
-                                        <a:rPr lang="en-US" sz="1800" i="1">
-                                          <a:latin typeface="Cambria Math"/>
-                                        </a:rPr>
-                                        <m:t>𝐼</m:t>
-                                      </m:r>
-                                    </m:e>
-                                    <m:sub>
-                                      <m:r>
-                                        <a:rPr lang="en-US" sz="1800" b="0" i="1" smtClean="0">
-                                          <a:latin typeface="Cambria Math"/>
-                                        </a:rPr>
-                                        <m:t>𝑡</m:t>
-                                      </m:r>
-                                    </m:sub>
-                                  </m:sSub>
-                                  <m:r>
-                                    <a:rPr lang="ru-RU" sz="1800" i="1">
-                                      <a:latin typeface="Cambria Math"/>
-                                    </a:rPr>
-                                    <m:t>(</m:t>
-                                  </m:r>
-                                  <m:r>
-                                    <a:rPr lang="en-US" sz="1800" i="1">
-                                      <a:latin typeface="Cambria Math"/>
-                                    </a:rPr>
-                                    <m:t>𝑥</m:t>
-                                  </m:r>
-                                  <m:r>
-                                    <a:rPr lang="ru-RU" sz="1800" i="1">
-                                      <a:latin typeface="Cambria Math"/>
-                                    </a:rPr>
-                                    <m:t>,</m:t>
-                                  </m:r>
-                                  <m:r>
-                                    <a:rPr lang="en-US" sz="1800" i="1">
-                                      <a:latin typeface="Cambria Math"/>
-                                    </a:rPr>
-                                    <m:t>𝑦</m:t>
-                                  </m:r>
-                                  <m:r>
-                                    <a:rPr lang="ru-RU" sz="1800" i="1">
-                                      <a:latin typeface="Cambria Math"/>
-                                    </a:rPr>
-                                    <m:t>)−</m:t>
-                                  </m:r>
-                                  <m:sSub>
-                                    <m:sSubPr>
-                                      <m:ctrlPr>
-                                        <a:rPr lang="ru-RU" sz="1800" i="1">
-                                          <a:latin typeface="Cambria Math"/>
-                                        </a:rPr>
-                                      </m:ctrlPr>
-                                    </m:sSubPr>
-                                    <m:e>
-                                      <m:r>
-                                        <a:rPr lang="ru-RU" sz="1800" i="1">
-                                          <a:latin typeface="Cambria Math"/>
-                                        </a:rPr>
-                                        <m:t>𝐵</m:t>
-                                      </m:r>
-                                    </m:e>
-                                    <m:sub>
-                                      <m:r>
-                                        <a:rPr lang="en-US" sz="1800" b="0" i="1" smtClean="0">
-                                          <a:latin typeface="Cambria Math"/>
-                                        </a:rPr>
-                                        <m:t>𝑡</m:t>
-                                      </m:r>
-                                      <m:r>
-                                        <a:rPr lang="ru-RU" sz="1800" i="1">
-                                          <a:latin typeface="Cambria Math"/>
-                                        </a:rPr>
-                                        <m:t>−1</m:t>
-                                      </m:r>
-                                    </m:sub>
-                                  </m:sSub>
-                                  <m:r>
-                                    <a:rPr lang="ru-RU" sz="1800" i="1">
-                                      <a:latin typeface="Cambria Math"/>
-                                    </a:rPr>
-                                    <m:t>(</m:t>
-                                  </m:r>
-                                  <m:r>
-                                    <a:rPr lang="ru-RU" sz="1800" i="1">
-                                      <a:latin typeface="Cambria Math"/>
-                                    </a:rPr>
-                                    <m:t>𝑥</m:t>
-                                  </m:r>
-                                  <m:r>
-                                    <a:rPr lang="ru-RU" sz="1800" i="1">
-                                      <a:latin typeface="Cambria Math"/>
-                                    </a:rPr>
-                                    <m:t>,</m:t>
-                                  </m:r>
-                                  <m:r>
-                                    <a:rPr lang="ru-RU" sz="1800" i="1">
-                                      <a:latin typeface="Cambria Math"/>
-                                    </a:rPr>
-                                    <m:t>𝑦</m:t>
-                                  </m:r>
-                                  <m:r>
-                                    <a:rPr lang="ru-RU" sz="1800" i="1">
-                                      <a:latin typeface="Cambria Math"/>
-                                    </a:rPr>
-                                    <m:t>)</m:t>
-                                  </m:r>
-                                </m:e>
-                              </m:d>
-                              <m:r>
-                                <a:rPr lang="en-US" sz="1800" b="0" i="1" smtClean="0">
-                                  <a:latin typeface="Cambria Math"/>
-                                </a:rPr>
-                                <m:t>&gt;</m:t>
-                              </m:r>
-                              <m:sSub>
-                                <m:sSubPr>
-                                  <m:ctrlPr>
                                     <a:rPr lang="ru-RU" sz="1800" i="1">
                                       <a:latin typeface="Cambria Math"/>
                                     </a:rPr>
@@ -10847,7 +9502,7 @@
                                     <a:rPr lang="ru-RU" sz="1800" i="1">
                                       <a:latin typeface="Cambria Math"/>
                                     </a:rPr>
-                                    <m:t>𝑘</m:t>
+                                    <m:t>𝐵</m:t>
                                   </m:r>
                                 </m:e>
                                 <m:sub>
@@ -10855,15 +9510,75 @@
                                     <a:rPr lang="ru-RU" sz="1800" i="1">
                                       <a:latin typeface="Cambria Math"/>
                                     </a:rPr>
-                                    <m:t>1</m:t>
+                                    <m:t>𝑡</m:t>
+                                  </m:r>
+                                  <m:r>
+                                    <a:rPr lang="en-US" sz="1800" b="0" i="1" smtClean="0">
+                                      <a:latin typeface="Cambria Math"/>
+                                    </a:rPr>
+                                    <m:t>−1</m:t>
                                   </m:r>
                                 </m:sub>
                               </m:sSub>
                               <m:r>
-                                <a:rPr lang="ru-RU" sz="1800" i="1">
+                                <m:rPr>
+                                  <m:nor/>
+                                </m:rPr>
+                                <a:rPr lang="en-US" sz="1800" b="0" i="0" smtClean="0">
                                   <a:latin typeface="Cambria Math"/>
                                 </a:rPr>
-                                <m:t>∙</m:t>
+                                <m:t>(</m:t>
+                              </m:r>
+                              <m:r>
+                                <a:rPr lang="en-US" sz="1800" i="1">
+                                  <a:latin typeface="Cambria Math"/>
+                                </a:rPr>
+                                <m:t>𝑥</m:t>
+                              </m:r>
+                              <m:r>
+                                <a:rPr lang="en-US" sz="1800" i="1">
+                                  <a:latin typeface="Cambria Math"/>
+                                </a:rPr>
+                                <m:t>,</m:t>
+                              </m:r>
+                              <m:r>
+                                <a:rPr lang="en-US" sz="1800" i="1">
+                                  <a:latin typeface="Cambria Math"/>
+                                </a:rPr>
+                                <m:t>𝑦</m:t>
+                              </m:r>
+                              <m:r>
+                                <m:rPr>
+                                  <m:nor/>
+                                </m:rPr>
+                                <a:rPr lang="en-US" sz="1800" b="0" i="0" smtClean="0">
+                                  <a:latin typeface="Cambria Math"/>
+                                </a:rPr>
+                                <m:t>)</m:t>
+                              </m:r>
+                              <m:r>
+                                <m:rPr>
+                                  <m:nor/>
+                                </m:rPr>
+                                <a:rPr lang="en-US" sz="1800" b="0" i="1" smtClean="0">
+                                  <a:latin typeface="Cambria Math"/>
+                                </a:rPr>
+                                <m:t> </m:t>
+                              </m:r>
+                              <m:r>
+                                <m:rPr>
+                                  <m:nor/>
+                                </m:rPr>
+                                <a:rPr lang="ru-RU" sz="1800" b="0" smtClean="0">
+                                  <a:latin typeface="Cambria Math"/>
+                                </a:rPr>
+                                <m:t>или</m:t>
+                              </m:r>
+                              <m:r>
+                                <a:rPr lang="en-US" sz="1800" b="0" i="0" smtClean="0">
+                                  <a:latin typeface="Cambria Math"/>
+                                </a:rPr>
+                                <m:t> </m:t>
                               </m:r>
                               <m:sSub>
                                 <m:sSubPr>
@@ -10883,13 +9598,13 @@
                                 </m:e>
                                 <m:sub>
                                   <m:r>
-                                    <a:rPr lang="en-US" sz="1800" b="0" i="1" smtClean="0">
+                                    <a:rPr lang="ru-RU" sz="1800" i="1">
                                       <a:latin typeface="Cambria Math"/>
                                     </a:rPr>
                                     <m:t>𝑡</m:t>
                                   </m:r>
                                   <m:r>
-                                    <a:rPr lang="ru-RU" sz="1800" i="1">
+                                    <a:rPr lang="en-US" sz="1800" b="0" i="1" smtClean="0">
                                       <a:latin typeface="Cambria Math"/>
                                     </a:rPr>
                                     <m:t>−1</m:t>
@@ -10897,34 +9612,84 @@
                                 </m:sub>
                               </m:sSub>
                               <m:r>
-                                <a:rPr lang="ru-RU" sz="1800" i="1">
+                                <m:rPr>
+                                  <m:nor/>
+                                </m:rPr>
+                                <a:rPr lang="en-US" sz="1800" b="0" i="0" smtClean="0">
                                   <a:latin typeface="Cambria Math"/>
                                 </a:rPr>
                                 <m:t>(</m:t>
                               </m:r>
                               <m:r>
-                                <a:rPr lang="ru-RU" sz="1800" i="1">
+                                <a:rPr lang="en-US" sz="1800" i="1">
                                   <a:latin typeface="Cambria Math"/>
                                 </a:rPr>
                                 <m:t>𝑥</m:t>
                               </m:r>
                               <m:r>
-                                <a:rPr lang="ru-RU" sz="1800" i="1">
+                                <a:rPr lang="en-US" sz="1800" i="1">
                                   <a:latin typeface="Cambria Math"/>
                                 </a:rPr>
                                 <m:t>,</m:t>
                               </m:r>
                               <m:r>
-                                <a:rPr lang="ru-RU" sz="1800" i="1">
+                                <a:rPr lang="en-US" sz="1800" i="1">
                                   <a:latin typeface="Cambria Math"/>
                                 </a:rPr>
                                 <m:t>𝑦</m:t>
                               </m:r>
                               <m:r>
-                                <a:rPr lang="ru-RU" sz="1800" i="1">
+                                <m:rPr>
+                                  <m:nor/>
+                                </m:rPr>
+                                <a:rPr lang="en-US" sz="1800" b="0" i="0" smtClean="0">
                                   <a:latin typeface="Cambria Math"/>
                                 </a:rPr>
                                 <m:t>)</m:t>
+                              </m:r>
+                              <m:r>
+                                <m:rPr>
+                                  <m:nor/>
+                                </m:rPr>
+                                <a:rPr lang="ru-RU" sz="1800" b="0" i="0" smtClean="0">
+                                  <a:latin typeface="Cambria Math"/>
+                                </a:rPr>
+                                <m:t>,        в</m:t>
+                              </m:r>
+                              <m:r>
+                                <m:rPr>
+                                  <m:nor/>
+                                </m:rPr>
+                                <a:rPr lang="ru-RU" sz="1800"/>
+                                <m:t> противном случае </m:t>
+                              </m:r>
+                              <m:r>
+                                <m:rPr>
+                                  <m:nor/>
+                                </m:rPr>
+                                <a:rPr lang="ru-RU" sz="1800" b="0" i="0" smtClean="0"/>
+                                <m:t>    </m:t>
+                              </m:r>
+                              <m:r>
+                                <m:rPr>
+                                  <m:nor/>
+                                </m:rPr>
+                                <a:rPr lang="en-US" sz="1800" b="0" i="0" smtClean="0"/>
+                                <m:t>                        </m:t>
+                              </m:r>
+                              <m:r>
+                                <m:rPr>
+                                  <m:nor/>
+                                </m:rPr>
+                                <a:rPr lang="ru-RU" sz="1800" b="0" i="0" smtClean="0"/>
+                                <m:t>  </m:t>
+                              </m:r>
+                              <m:r>
+                                <m:rPr>
+                                  <m:nor/>
+                                </m:rPr>
+                                <a:rPr lang="ru-RU" sz="1800" b="0" i="0" smtClean="0"/>
+                                <m:t>      </m:t>
                               </m:r>
                             </m:e>
                           </m:eqArr>
@@ -10938,7 +9703,7 @@
               <a:p>
                 <a:pPr marL="0" indent="0">
                   <a:spcBef>
-                    <a:spcPts val="600"/>
+                    <a:spcPts val="1200"/>
                   </a:spcBef>
                   <a:spcAft>
                     <a:spcPts val="600"/>
@@ -11280,226 +10045,40 @@
                                 <a:rPr lang="ru-RU" sz="1800" i="1">
                                   <a:latin typeface="Cambria Math"/>
                                 </a:rPr>
-                                <m:t>1,  </m:t>
+                                <m:t>1</m:t>
                               </m:r>
-                              <m:d>
-                                <m:dPr>
-                                  <m:begChr m:val="|"/>
-                                  <m:endChr m:val="|"/>
-                                  <m:ctrlPr>
-                                    <a:rPr lang="ru-RU" sz="1800" i="1">
-                                      <a:latin typeface="Cambria Math"/>
-                                    </a:rPr>
-                                  </m:ctrlPr>
-                                </m:dPr>
-                                <m:e>
-                                  <m:sSub>
-                                    <m:sSubPr>
-                                      <m:ctrlPr>
-                                        <a:rPr lang="ru-RU" sz="1800" i="1">
-                                          <a:latin typeface="Cambria Math"/>
-                                        </a:rPr>
-                                      </m:ctrlPr>
-                                    </m:sSubPr>
-                                    <m:e>
-                                      <m:r>
-                                        <a:rPr lang="en-US" sz="1800" i="1">
-                                          <a:latin typeface="Cambria Math"/>
-                                        </a:rPr>
-                                        <m:t>𝐼</m:t>
-                                      </m:r>
-                                    </m:e>
-                                    <m:sub>
-                                      <m:r>
-                                        <a:rPr lang="en-US" sz="1800" i="1">
-                                          <a:latin typeface="Cambria Math"/>
-                                        </a:rPr>
-                                        <m:t>𝑡</m:t>
-                                      </m:r>
-                                    </m:sub>
-                                  </m:sSub>
-                                  <m:d>
-                                    <m:dPr>
-                                      <m:ctrlPr>
-                                        <a:rPr lang="ru-RU" sz="1800" i="1">
-                                          <a:latin typeface="Cambria Math"/>
-                                        </a:rPr>
-                                      </m:ctrlPr>
-                                    </m:dPr>
-                                    <m:e>
-                                      <m:r>
-                                        <a:rPr lang="ru-RU" sz="1800" i="1">
-                                          <a:latin typeface="Cambria Math"/>
-                                        </a:rPr>
-                                        <m:t>𝑥</m:t>
-                                      </m:r>
-                                      <m:r>
-                                        <a:rPr lang="ru-RU" sz="1800" i="1">
-                                          <a:latin typeface="Cambria Math"/>
-                                        </a:rPr>
-                                        <m:t>,</m:t>
-                                      </m:r>
-                                      <m:r>
-                                        <a:rPr lang="ru-RU" sz="1800" i="1">
-                                          <a:latin typeface="Cambria Math"/>
-                                        </a:rPr>
-                                        <m:t>𝑦</m:t>
-                                      </m:r>
-                                    </m:e>
-                                  </m:d>
-                                  <m:r>
-                                    <a:rPr lang="ru-RU" sz="1800" i="1">
-                                      <a:latin typeface="Cambria Math"/>
-                                    </a:rPr>
-                                    <m:t>−</m:t>
-                                  </m:r>
-                                  <m:sSub>
-                                    <m:sSubPr>
-                                      <m:ctrlPr>
-                                        <a:rPr lang="ru-RU" sz="1800" i="1">
-                                          <a:latin typeface="Cambria Math"/>
-                                        </a:rPr>
-                                      </m:ctrlPr>
-                                    </m:sSubPr>
-                                    <m:e>
-                                      <m:r>
-                                        <a:rPr lang="ru-RU" sz="1800" i="1">
-                                          <a:latin typeface="Cambria Math"/>
-                                        </a:rPr>
-                                        <m:t>𝐵</m:t>
-                                      </m:r>
-                                    </m:e>
-                                    <m:sub>
-                                      <m:r>
-                                        <a:rPr lang="ru-RU" sz="1800" i="1">
-                                          <a:latin typeface="Cambria Math"/>
-                                        </a:rPr>
-                                        <m:t>𝑡</m:t>
-                                      </m:r>
-                                    </m:sub>
-                                  </m:sSub>
-                                  <m:d>
-                                    <m:dPr>
-                                      <m:ctrlPr>
-                                        <a:rPr lang="ru-RU" sz="1800" i="1">
-                                          <a:latin typeface="Cambria Math"/>
-                                        </a:rPr>
-                                      </m:ctrlPr>
-                                    </m:dPr>
-                                    <m:e>
-                                      <m:r>
-                                        <a:rPr lang="ru-RU" sz="1800" i="1">
-                                          <a:latin typeface="Cambria Math"/>
-                                        </a:rPr>
-                                        <m:t>𝑥</m:t>
-                                      </m:r>
-                                      <m:r>
-                                        <a:rPr lang="ru-RU" sz="1800" i="1">
-                                          <a:latin typeface="Cambria Math"/>
-                                        </a:rPr>
-                                        <m:t>,</m:t>
-                                      </m:r>
-                                      <m:r>
-                                        <a:rPr lang="ru-RU" sz="1800" i="1">
-                                          <a:latin typeface="Cambria Math"/>
-                                        </a:rPr>
-                                        <m:t>𝑦</m:t>
-                                      </m:r>
-                                    </m:e>
-                                  </m:d>
-                                </m:e>
-                              </m:d>
                               <m:r>
-                                <a:rPr lang="en-US" sz="1800" i="1">
+                                <m:rPr>
+                                  <m:nor/>
+                                </m:rPr>
+                                <a:rPr lang="ru-RU" sz="1800" b="0" i="0" smtClean="0">
                                   <a:latin typeface="Cambria Math"/>
                                 </a:rPr>
-                                <m:t>&gt;</m:t>
+                                <m:t>,         </m:t>
                               </m:r>
-                              <m:sSub>
-                                <m:sSubPr>
-                                  <m:ctrlPr>
-                                    <a:rPr lang="ru-RU" sz="1800" i="1">
-                                      <a:latin typeface="Cambria Math"/>
-                                    </a:rPr>
-                                  </m:ctrlPr>
-                                </m:sSubPr>
-                                <m:e>
-                                  <m:r>
-                                    <a:rPr lang="en-US" sz="1800" i="1">
-                                      <a:latin typeface="Cambria Math"/>
-                                    </a:rPr>
-                                    <m:t>𝑘</m:t>
-                                  </m:r>
-                                </m:e>
-                                <m:sub>
-                                  <m:r>
-                                    <a:rPr lang="en-US" sz="1800" i="1">
-                                      <a:latin typeface="Cambria Math"/>
-                                    </a:rPr>
-                                    <m:t>2</m:t>
-                                  </m:r>
-                                </m:sub>
-                              </m:sSub>
                               <m:r>
-                                <a:rPr lang="ru-RU" sz="1800" i="1">
+                                <m:rPr>
+                                  <m:nor/>
+                                </m:rPr>
+                                <a:rPr lang="ru-RU" sz="1800">
                                   <a:latin typeface="Cambria Math"/>
                                 </a:rPr>
-                                <m:t> ∙</m:t>
+                                <m:t>в</m:t>
                               </m:r>
-                              <m:sSub>
-                                <m:sSubPr>
-                                  <m:ctrlPr>
-                                    <a:rPr lang="ru-RU" sz="1800" i="1">
-                                      <a:latin typeface="Cambria Math"/>
-                                    </a:rPr>
-                                  </m:ctrlPr>
-                                </m:sSubPr>
-                                <m:e>
-                                  <m:r>
-                                    <a:rPr lang="ru-RU" sz="1800" i="1">
-                                      <a:latin typeface="Cambria Math"/>
-                                    </a:rPr>
-                                    <m:t>𝐷</m:t>
-                                  </m:r>
-                                </m:e>
-                                <m:sub>
-                                  <m:r>
-                                    <a:rPr lang="ru-RU" sz="1800" i="1">
-                                      <a:latin typeface="Cambria Math"/>
-                                    </a:rPr>
-                                    <m:t>𝑡</m:t>
-                                  </m:r>
-                                </m:sub>
-                              </m:sSub>
-                              <m:d>
-                                <m:dPr>
-                                  <m:ctrlPr>
-                                    <a:rPr lang="ru-RU" sz="1800" i="1">
-                                      <a:latin typeface="Cambria Math"/>
-                                    </a:rPr>
-                                  </m:ctrlPr>
-                                </m:dPr>
-                                <m:e>
-                                  <m:r>
-                                    <a:rPr lang="ru-RU" sz="1800" i="1">
-                                      <a:latin typeface="Cambria Math"/>
-                                    </a:rPr>
-                                    <m:t>𝑥</m:t>
-                                  </m:r>
-                                  <m:r>
-                                    <a:rPr lang="ru-RU" sz="1800" i="1">
-                                      <a:latin typeface="Cambria Math"/>
-                                    </a:rPr>
-                                    <m:t>,</m:t>
-                                  </m:r>
-                                  <m:r>
-                                    <a:rPr lang="ru-RU" sz="1800" i="1">
-                                      <a:latin typeface="Cambria Math"/>
-                                    </a:rPr>
-                                    <m:t>𝑦</m:t>
-                                  </m:r>
-                                </m:e>
-                              </m:d>
+                              <m:r>
+                                <m:rPr>
+                                  <m:nor/>
+                                </m:rPr>
+                                <a:rPr lang="ru-RU" sz="1800"/>
+                                <m:t> противном случае</m:t>
+                              </m:r>
+                              <m:r>
+                                <m:rPr>
+                                  <m:nor/>
+                                </m:rPr>
+                                <a:rPr lang="ru-RU" sz="1800" b="0" i="0" smtClean="0"/>
+                                <m:t>                           </m:t>
+                              </m:r>
                             </m:e>
                           </m:eqArr>
                         </m:e>
@@ -11607,7 +10186,7 @@
             </p:txBody>
           </p:sp>
         </mc:Choice>
-        <mc:Fallback xmlns="">
+        <mc:Fallback>
           <p:sp>
             <p:nvSpPr>
               <p:cNvPr id="3" name="Объект 2"/>
@@ -11668,8 +10247,12 @@
               <a:pPr>
                 <a:defRPr/>
               </a:pPr>
-              <a:t>5</a:t>
+              <a:t>4</a:t>
             </a:fld>
+            <a:r>
+              <a:rPr lang="en-US" altLang="ru-RU" dirty="0" smtClean="0"/>
+              <a:t>/12</a:t>
+            </a:r>
             <a:endParaRPr lang="ru-RU" altLang="ru-RU" dirty="0"/>
           </a:p>
         </p:txBody>
@@ -12305,7 +10888,7 @@
                 <a:lstStyle/>
                 <a:p>
                   <a:pPr algn="ctr"/>
-                  <a:endParaRPr lang="ru-RU"/>
+                  <a:endParaRPr lang="ru-RU" dirty="0"/>
                 </a:p>
               </p:txBody>
             </p:sp>
@@ -12443,7 +11026,7 @@
 </p:sld>
 </file>
 
-<file path=ppt/slides/slide6.xml><?xml version="1.0" encoding="utf-8"?>
+<file path=ppt/slides/slide5.xml><?xml version="1.0" encoding="utf-8"?>
 <p:sld xmlns:a="http://schemas.openxmlformats.org/drawingml/2006/main" xmlns:r="http://schemas.openxmlformats.org/officeDocument/2006/relationships" xmlns:p="http://schemas.openxmlformats.org/presentationml/2006/main">
   <p:cSld>
     <p:spTree>
@@ -12496,8 +11079,8 @@
           </a:p>
         </p:txBody>
       </p:sp>
-      <mc:AlternateContent xmlns:mc="http://schemas.openxmlformats.org/markup-compatibility/2006" xmlns:a14="http://schemas.microsoft.com/office/drawing/2010/main">
-        <mc:Choice Requires="a14">
+      <mc:AlternateContent xmlns:mc="http://schemas.openxmlformats.org/markup-compatibility/2006">
+        <mc:Choice xmlns:a14="http://schemas.microsoft.com/office/drawing/2010/main" Requires="a14">
           <p:sp>
             <p:nvSpPr>
               <p:cNvPr id="3" name="Объект 2"/>
@@ -12990,7 +11573,7 @@
             </p:txBody>
           </p:sp>
         </mc:Choice>
-        <mc:Fallback xmlns="">
+        <mc:Fallback>
           <p:sp>
             <p:nvSpPr>
               <p:cNvPr id="3" name="Объект 2"/>
@@ -13051,8 +11634,12 @@
               <a:pPr>
                 <a:defRPr/>
               </a:pPr>
-              <a:t>6</a:t>
+              <a:t>5</a:t>
             </a:fld>
+            <a:r>
+              <a:rPr lang="en-US" altLang="ru-RU" dirty="0" smtClean="0"/>
+              <a:t>/12</a:t>
+            </a:r>
             <a:endParaRPr lang="ru-RU" altLang="ru-RU" dirty="0"/>
           </a:p>
         </p:txBody>
@@ -13095,7 +11682,7 @@
         </p:nvGrpSpPr>
         <p:grpSpPr>
           <a:xfrm>
-            <a:off x="251520" y="1556792"/>
+            <a:off x="251520" y="1628800"/>
             <a:ext cx="8684720" cy="2491255"/>
             <a:chOff x="251520" y="4571383"/>
             <a:chExt cx="8684720" cy="2491255"/>
@@ -13537,7 +12124,7 @@
                 <a:lstStyle/>
                 <a:p>
                   <a:pPr algn="ctr"/>
-                  <a:endParaRPr lang="ru-RU"/>
+                  <a:endParaRPr lang="ru-RU" dirty="0"/>
                 </a:p>
               </p:txBody>
             </p:sp>
@@ -13815,7 +12402,7 @@
                     <a:lstStyle/>
                     <a:p>
                       <a:pPr algn="ctr"/>
-                      <a:endParaRPr lang="ru-RU"/>
+                      <a:endParaRPr lang="ru-RU" dirty="0"/>
                     </a:p>
                   </p:txBody>
                 </p:sp>
@@ -13855,7 +12442,7 @@
                   <a:lstStyle/>
                   <a:p>
                     <a:pPr algn="ctr"/>
-                    <a:endParaRPr lang="ru-RU"/>
+                    <a:endParaRPr lang="ru-RU" dirty="0"/>
                   </a:p>
                 </p:txBody>
               </p:sp>
@@ -14146,7 +12733,7 @@
         </p:nvSpPr>
         <p:spPr bwMode="auto">
           <a:xfrm>
-            <a:off x="420688" y="3789040"/>
+            <a:off x="420688" y="3933056"/>
             <a:ext cx="8229600" cy="792088"/>
           </a:xfrm>
           <a:prstGeom prst="rect">
@@ -14329,7 +12916,7 @@
         </p:nvCxnSpPr>
         <p:spPr>
           <a:xfrm>
-            <a:off x="-36512" y="4509120"/>
+            <a:off x="-36512" y="4653136"/>
             <a:ext cx="9217024" cy="0"/>
           </a:xfrm>
           <a:prstGeom prst="line">
@@ -14359,7 +12946,7 @@
         </p:nvCxnSpPr>
         <p:spPr>
           <a:xfrm>
-            <a:off x="-36512" y="3861048"/>
+            <a:off x="-36512" y="4005064"/>
             <a:ext cx="9217024" cy="0"/>
           </a:xfrm>
           <a:prstGeom prst="line">
@@ -14391,7 +12978,7 @@
         </p:nvSpPr>
         <p:spPr bwMode="auto">
           <a:xfrm>
-            <a:off x="107504" y="4581128"/>
+            <a:off x="107504" y="4725144"/>
             <a:ext cx="8928992" cy="1656184"/>
           </a:xfrm>
           <a:prstGeom prst="rect">
@@ -14586,14 +13173,30 @@
             </a:pPr>
             <a:r>
               <a:rPr lang="ru-RU" sz="1800" dirty="0" smtClean="0"/>
-              <a:t>Метод оценки параметров геометрических преобразование на основе опорных элементов: </a:t>
+              <a:t>Использован м</a:t>
+            </a:r>
+            <a:r>
+              <a:rPr lang="ru-RU" sz="1800" dirty="0" smtClean="0"/>
+              <a:t>етод </a:t>
+            </a:r>
+            <a:r>
+              <a:rPr lang="ru-RU" sz="1800" dirty="0" smtClean="0"/>
+              <a:t>оценки параметров геометрических преобразование на основе опорных элементов: </a:t>
             </a:r>
           </a:p>
           <a:p>
             <a:pPr algn="just"/>
             <a:r>
               <a:rPr lang="ru-RU" sz="1800" dirty="0" smtClean="0"/>
-              <a:t>Опорные элементы – угловые особые точки, найденные детектором Харриса.</a:t>
+              <a:t>Опорные </a:t>
+            </a:r>
+            <a:r>
+              <a:rPr lang="ru-RU" sz="1800" dirty="0" smtClean="0"/>
+              <a:t>элементы – угловые </a:t>
+            </a:r>
+            <a:r>
+              <a:rPr lang="ru-RU" sz="1800" dirty="0" smtClean="0"/>
+              <a:t>особые точки, найденные детектором Харриса.</a:t>
             </a:r>
           </a:p>
           <a:p>
@@ -14640,7 +13243,7 @@
 </p:sld>
 </file>
 
-<file path=ppt/slides/slide7.xml><?xml version="1.0" encoding="utf-8"?>
+<file path=ppt/slides/slide6.xml><?xml version="1.0" encoding="utf-8"?>
 <p:sld xmlns:a="http://schemas.openxmlformats.org/drawingml/2006/main" xmlns:r="http://schemas.openxmlformats.org/officeDocument/2006/relationships" xmlns:p="http://schemas.openxmlformats.org/presentationml/2006/main">
   <p:cSld>
     <p:spTree>
@@ -14680,9 +13283,13 @@
               <a:pPr>
                 <a:defRPr/>
               </a:pPr>
-              <a:t>7</a:t>
+              <a:t>6</a:t>
             </a:fld>
-            <a:endParaRPr lang="ru-RU" altLang="ru-RU"/>
+            <a:r>
+              <a:rPr lang="en-US" altLang="ru-RU" dirty="0" smtClean="0"/>
+              <a:t>/12</a:t>
+            </a:r>
+            <a:endParaRPr lang="ru-RU" altLang="ru-RU" dirty="0"/>
           </a:p>
         </p:txBody>
       </p:sp>
@@ -14957,7 +13564,7 @@
             <a:lstStyle/>
             <a:p>
               <a:pPr algn="ctr"/>
-              <a:endParaRPr lang="ru-RU"/>
+              <a:endParaRPr lang="ru-RU" dirty="0"/>
             </a:p>
           </p:txBody>
         </p:sp>
@@ -15067,7 +13674,7 @@
             <a:lstStyle/>
             <a:p>
               <a:pPr algn="ctr"/>
-              <a:endParaRPr lang="ru-RU"/>
+              <a:endParaRPr lang="ru-RU" dirty="0"/>
             </a:p>
           </p:txBody>
         </p:sp>
@@ -15157,7 +13764,7 @@
           <a:lstStyle/>
           <a:p>
             <a:pPr algn="ctr"/>
-            <a:endParaRPr lang="ru-RU"/>
+            <a:endParaRPr lang="ru-RU" dirty="0"/>
           </a:p>
         </p:txBody>
       </p:sp>
@@ -15366,8 +13973,13 @@
             </a:pPr>
             <a:r>
               <a:rPr lang="ru-RU" sz="1800" dirty="0" smtClean="0"/>
-              <a:t>Изменение положений опорных элементов при движении камеры</a:t>
+              <a:t>Изменение положений опорных элементов при движении </a:t>
             </a:r>
+            <a:r>
+              <a:rPr lang="ru-RU" sz="1800" dirty="0" smtClean="0"/>
+              <a:t>камеры</a:t>
+            </a:r>
+            <a:endParaRPr lang="ru-RU" sz="1800" dirty="0" smtClean="0"/>
           </a:p>
         </p:txBody>
       </p:sp>
@@ -15381,8 +13993,8 @@
         </p:nvSpPr>
         <p:spPr bwMode="auto">
           <a:xfrm>
-            <a:off x="7560332" y="4149080"/>
-            <a:ext cx="1548172" cy="942708"/>
+            <a:off x="7560332" y="4149079"/>
+            <a:ext cx="1548172" cy="1321343"/>
           </a:xfrm>
           <a:prstGeom prst="rect">
             <a:avLst/>
@@ -16219,7 +14831,7 @@
           <a:lstStyle/>
           <a:p>
             <a:pPr algn="ctr"/>
-            <a:endParaRPr lang="ru-RU">
+            <a:endParaRPr lang="ru-RU" dirty="0">
               <a:solidFill>
                 <a:schemeClr val="tx1"/>
               </a:solidFill>
@@ -16255,7 +14867,7 @@
 </p:sld>
 </file>
 
-<file path=ppt/slides/slide8.xml><?xml version="1.0" encoding="utf-8"?>
+<file path=ppt/slides/slide7.xml><?xml version="1.0" encoding="utf-8"?>
 <p:sld xmlns:a="http://schemas.openxmlformats.org/drawingml/2006/main" xmlns:r="http://schemas.openxmlformats.org/officeDocument/2006/relationships" xmlns:p="http://schemas.openxmlformats.org/presentationml/2006/main">
   <p:cSld>
     <p:spTree>
@@ -16294,7 +14906,7 @@
           <a:p>
             <a:r>
               <a:rPr lang="ru-RU" sz="2800" dirty="0" smtClean="0"/>
-              <a:t>Классификатор на основе случайного леса решений.</a:t>
+              <a:t>Классификатор на основе случайного леса.</a:t>
             </a:r>
             <a:endParaRPr lang="ru-RU" sz="2800" dirty="0"/>
           </a:p>
@@ -16323,8 +14935,12 @@
               <a:pPr>
                 <a:defRPr/>
               </a:pPr>
-              <a:t>8</a:t>
+              <a:t>7</a:t>
             </a:fld>
+            <a:r>
+              <a:rPr lang="en-US" altLang="ru-RU" dirty="0" smtClean="0"/>
+              <a:t>/12</a:t>
+            </a:r>
             <a:endParaRPr lang="ru-RU" altLang="ru-RU" dirty="0"/>
           </a:p>
         </p:txBody>
@@ -16367,7 +14983,7 @@
         </p:nvGrpSpPr>
         <p:grpSpPr>
           <a:xfrm>
-            <a:off x="2494406" y="866170"/>
+            <a:off x="2483768" y="866170"/>
             <a:ext cx="4010845" cy="2202790"/>
             <a:chOff x="899593" y="1196752"/>
             <a:chExt cx="4608513" cy="2529573"/>
@@ -16408,7 +15024,7 @@
             <a:lstStyle/>
             <a:p>
               <a:pPr algn="ctr"/>
-              <a:endParaRPr lang="ru-RU"/>
+              <a:endParaRPr lang="ru-RU" dirty="0"/>
             </a:p>
           </p:txBody>
         </p:sp>
@@ -16510,7 +15126,7 @@
                 <a:lstStyle/>
                 <a:p>
                   <a:pPr algn="ctr"/>
-                  <a:endParaRPr lang="ru-RU"/>
+                  <a:endParaRPr lang="ru-RU" dirty="0"/>
                 </a:p>
               </p:txBody>
             </p:sp>
@@ -16562,7 +15178,7 @@
                   <a:lstStyle/>
                   <a:p>
                     <a:pPr algn="ctr"/>
-                    <a:endParaRPr lang="ru-RU"/>
+                    <a:endParaRPr lang="ru-RU" dirty="0"/>
                   </a:p>
                 </p:txBody>
               </p:sp>
@@ -16614,7 +15230,7 @@
                     <a:lstStyle/>
                     <a:p>
                       <a:pPr algn="ctr"/>
-                      <a:endParaRPr lang="ru-RU"/>
+                      <a:endParaRPr lang="ru-RU" dirty="0"/>
                     </a:p>
                   </p:txBody>
                 </p:sp>
@@ -16652,7 +15268,7 @@
                     <a:lstStyle/>
                     <a:p>
                       <a:pPr algn="ctr"/>
-                      <a:endParaRPr lang="ru-RU"/>
+                      <a:endParaRPr lang="ru-RU" dirty="0"/>
                     </a:p>
                   </p:txBody>
                 </p:sp>
@@ -16690,7 +15306,7 @@
                     <a:lstStyle/>
                     <a:p>
                       <a:pPr algn="ctr"/>
-                      <a:endParaRPr lang="ru-RU"/>
+                      <a:endParaRPr lang="ru-RU" dirty="0"/>
                     </a:p>
                   </p:txBody>
                 </p:sp>
@@ -16728,7 +15344,7 @@
                     <a:lstStyle/>
                     <a:p>
                       <a:pPr algn="ctr"/>
-                      <a:endParaRPr lang="ru-RU"/>
+                      <a:endParaRPr lang="ru-RU" dirty="0"/>
                     </a:p>
                   </p:txBody>
                 </p:sp>
@@ -16766,7 +15382,7 @@
                     <a:lstStyle/>
                     <a:p>
                       <a:pPr algn="ctr"/>
-                      <a:endParaRPr lang="ru-RU"/>
+                      <a:endParaRPr lang="ru-RU" dirty="0"/>
                     </a:p>
                   </p:txBody>
                 </p:sp>
@@ -17360,7 +15976,7 @@
                 <a:lstStyle/>
                 <a:p>
                   <a:pPr algn="ctr"/>
-                  <a:endParaRPr lang="ru-RU"/>
+                  <a:endParaRPr lang="ru-RU" dirty="0"/>
                 </a:p>
               </p:txBody>
             </p:sp>
@@ -17412,7 +16028,7 @@
                   <a:lstStyle/>
                   <a:p>
                     <a:pPr algn="ctr"/>
-                    <a:endParaRPr lang="ru-RU"/>
+                    <a:endParaRPr lang="ru-RU" dirty="0"/>
                   </a:p>
                 </p:txBody>
               </p:sp>
@@ -17464,7 +16080,7 @@
                     <a:lstStyle/>
                     <a:p>
                       <a:pPr algn="ctr"/>
-                      <a:endParaRPr lang="ru-RU"/>
+                      <a:endParaRPr lang="ru-RU" dirty="0"/>
                     </a:p>
                   </p:txBody>
                 </p:sp>
@@ -17502,7 +16118,7 @@
                     <a:lstStyle/>
                     <a:p>
                       <a:pPr algn="ctr"/>
-                      <a:endParaRPr lang="ru-RU"/>
+                      <a:endParaRPr lang="ru-RU" dirty="0"/>
                     </a:p>
                   </p:txBody>
                 </p:sp>
@@ -17540,7 +16156,7 @@
                     <a:lstStyle/>
                     <a:p>
                       <a:pPr algn="ctr"/>
-                      <a:endParaRPr lang="ru-RU"/>
+                      <a:endParaRPr lang="ru-RU" dirty="0"/>
                     </a:p>
                   </p:txBody>
                 </p:sp>
@@ -17578,7 +16194,7 @@
                     <a:lstStyle/>
                     <a:p>
                       <a:pPr algn="ctr"/>
-                      <a:endParaRPr lang="ru-RU"/>
+                      <a:endParaRPr lang="ru-RU" dirty="0"/>
                     </a:p>
                   </p:txBody>
                 </p:sp>
@@ -17616,7 +16232,7 @@
                     <a:lstStyle/>
                     <a:p>
                       <a:pPr algn="ctr"/>
-                      <a:endParaRPr lang="ru-RU"/>
+                      <a:endParaRPr lang="ru-RU" dirty="0"/>
                     </a:p>
                   </p:txBody>
                 </p:sp>
@@ -18210,7 +16826,7 @@
                 <a:lstStyle/>
                 <a:p>
                   <a:pPr algn="ctr"/>
-                  <a:endParaRPr lang="ru-RU"/>
+                  <a:endParaRPr lang="ru-RU" dirty="0"/>
                 </a:p>
               </p:txBody>
             </p:sp>
@@ -18262,7 +16878,7 @@
                   <a:lstStyle/>
                   <a:p>
                     <a:pPr algn="ctr"/>
-                    <a:endParaRPr lang="ru-RU"/>
+                    <a:endParaRPr lang="ru-RU" dirty="0"/>
                   </a:p>
                 </p:txBody>
               </p:sp>
@@ -18314,7 +16930,7 @@
                     <a:lstStyle/>
                     <a:p>
                       <a:pPr algn="ctr"/>
-                      <a:endParaRPr lang="ru-RU"/>
+                      <a:endParaRPr lang="ru-RU" dirty="0"/>
                     </a:p>
                   </p:txBody>
                 </p:sp>
@@ -18352,7 +16968,7 @@
                     <a:lstStyle/>
                     <a:p>
                       <a:pPr algn="ctr"/>
-                      <a:endParaRPr lang="ru-RU"/>
+                      <a:endParaRPr lang="ru-RU" dirty="0"/>
                     </a:p>
                   </p:txBody>
                 </p:sp>
@@ -18390,7 +17006,7 @@
                     <a:lstStyle/>
                     <a:p>
                       <a:pPr algn="ctr"/>
-                      <a:endParaRPr lang="ru-RU"/>
+                      <a:endParaRPr lang="ru-RU" dirty="0"/>
                     </a:p>
                   </p:txBody>
                 </p:sp>
@@ -18428,7 +17044,7 @@
                     <a:lstStyle/>
                     <a:p>
                       <a:pPr algn="ctr"/>
-                      <a:endParaRPr lang="ru-RU"/>
+                      <a:endParaRPr lang="ru-RU" dirty="0"/>
                     </a:p>
                   </p:txBody>
                 </p:sp>
@@ -18466,7 +17082,7 @@
                     <a:lstStyle/>
                     <a:p>
                       <a:pPr algn="ctr"/>
-                      <a:endParaRPr lang="ru-RU"/>
+                      <a:endParaRPr lang="ru-RU" dirty="0"/>
                     </a:p>
                   </p:txBody>
                 </p:sp>
@@ -19060,7 +17676,7 @@
                 <a:lstStyle/>
                 <a:p>
                   <a:pPr algn="ctr"/>
-                  <a:endParaRPr lang="ru-RU"/>
+                  <a:endParaRPr lang="ru-RU" dirty="0"/>
                 </a:p>
               </p:txBody>
             </p:sp>
@@ -19112,7 +17728,7 @@
                   <a:lstStyle/>
                   <a:p>
                     <a:pPr algn="ctr"/>
-                    <a:endParaRPr lang="ru-RU"/>
+                    <a:endParaRPr lang="ru-RU" dirty="0"/>
                   </a:p>
                 </p:txBody>
               </p:sp>
@@ -19164,7 +17780,7 @@
                     <a:lstStyle/>
                     <a:p>
                       <a:pPr algn="ctr"/>
-                      <a:endParaRPr lang="ru-RU"/>
+                      <a:endParaRPr lang="ru-RU" dirty="0"/>
                     </a:p>
                   </p:txBody>
                 </p:sp>
@@ -19202,7 +17818,7 @@
                     <a:lstStyle/>
                     <a:p>
                       <a:pPr algn="ctr"/>
-                      <a:endParaRPr lang="ru-RU"/>
+                      <a:endParaRPr lang="ru-RU" dirty="0"/>
                     </a:p>
                   </p:txBody>
                 </p:sp>
@@ -19240,7 +17856,7 @@
                     <a:lstStyle/>
                     <a:p>
                       <a:pPr algn="ctr"/>
-                      <a:endParaRPr lang="ru-RU"/>
+                      <a:endParaRPr lang="ru-RU" dirty="0"/>
                     </a:p>
                   </p:txBody>
                 </p:sp>
@@ -19278,7 +17894,7 @@
                     <a:lstStyle/>
                     <a:p>
                       <a:pPr algn="ctr"/>
-                      <a:endParaRPr lang="ru-RU"/>
+                      <a:endParaRPr lang="ru-RU" dirty="0"/>
                     </a:p>
                   </p:txBody>
                 </p:sp>
@@ -19316,7 +17932,7 @@
                     <a:lstStyle/>
                     <a:p>
                       <a:pPr algn="ctr"/>
-                      <a:endParaRPr lang="ru-RU"/>
+                      <a:endParaRPr lang="ru-RU" dirty="0"/>
                     </a:p>
                   </p:txBody>
                 </p:sp>
@@ -19825,7 +18441,7 @@
             </p:nvSpPr>
             <p:spPr bwMode="auto">
               <a:xfrm>
-                <a:off x="30843" y="728700"/>
+                <a:off x="-36512" y="728700"/>
                 <a:ext cx="2308909" cy="1116124"/>
               </a:xfrm>
               <a:prstGeom prst="rect">
@@ -20025,6 +18641,9 @@
               </a:p>
               <a:p>
                 <a:pPr marL="0" indent="0" algn="just">
+                  <a:spcAft>
+                    <a:spcPts val="1200"/>
+                  </a:spcAft>
                   <a:buNone/>
                 </a:pPr>
                 <a14:m>
@@ -20161,6 +18780,63 @@
                     </m:oMath>
                   </m:oMathPara>
                 </a14:m>
+                <a:endParaRPr lang="en-US" sz="1800" dirty="0" smtClean="0"/>
+              </a:p>
+              <a:p>
+                <a:pPr marL="0" indent="0" algn="just">
+                  <a:spcBef>
+                    <a:spcPts val="1200"/>
+                  </a:spcBef>
+                  <a:buNone/>
+                </a:pPr>
+                <a14:m>
+                  <m:oMathPara xmlns:m="http://schemas.openxmlformats.org/officeDocument/2006/math">
+                    <m:oMathParaPr>
+                      <m:jc m:val="centerGroup"/>
+                    </m:oMathParaPr>
+                    <m:oMath xmlns:m="http://schemas.openxmlformats.org/officeDocument/2006/math">
+                      <m:sSub>
+                        <m:sSubPr>
+                          <m:ctrlPr>
+                            <a:rPr lang="ru-RU" sz="1800" b="1" i="1">
+                              <a:latin typeface="Cambria Math"/>
+                            </a:rPr>
+                          </m:ctrlPr>
+                        </m:sSubPr>
+                        <m:e>
+                          <m:r>
+                            <a:rPr lang="en-US" sz="1800" b="1" i="1">
+                              <a:latin typeface="Cambria Math"/>
+                            </a:rPr>
+                            <m:t>𝐱</m:t>
+                          </m:r>
+                        </m:e>
+                        <m:sub>
+                          <m:r>
+                            <a:rPr lang="ru-RU" sz="1800" i="1">
+                              <a:latin typeface="Cambria Math"/>
+                            </a:rPr>
+                            <m:t>𝑖</m:t>
+                          </m:r>
+                        </m:sub>
+                      </m:sSub>
+                      <m:r>
+                        <a:rPr lang="ru-RU" sz="1800" b="0" i="1" smtClean="0">
+                          <a:latin typeface="Cambria Math"/>
+                          <a:ea typeface="Cambria Math"/>
+                        </a:rPr>
+                        <m:t>∈</m:t>
+                      </m:r>
+                      <m:r>
+                        <a:rPr lang="en-US" sz="1800" b="0" i="1" smtClean="0">
+                          <a:latin typeface="Cambria Math"/>
+                          <a:ea typeface="Cambria Math"/>
+                        </a:rPr>
+                        <m:t>𝑋</m:t>
+                      </m:r>
+                    </m:oMath>
+                  </m:oMathPara>
+                </a14:m>
                 <a:endParaRPr lang="ru-RU" sz="1800" dirty="0" smtClean="0"/>
               </a:p>
             </p:txBody>
@@ -20177,7 +18853,7 @@
             </p:nvSpPr>
             <p:spPr bwMode="auto">
               <a:xfrm>
-                <a:off x="30843" y="728700"/>
+                <a:off x="-36512" y="728700"/>
                 <a:ext cx="2308909" cy="1116124"/>
               </a:xfrm>
               <a:prstGeom prst="rect">
@@ -20227,8 +18903,8 @@
           </p:sp>
         </mc:Fallback>
       </mc:AlternateContent>
-      <mc:AlternateContent xmlns:mc="http://schemas.openxmlformats.org/markup-compatibility/2006" xmlns:a14="http://schemas.microsoft.com/office/drawing/2010/main">
-        <mc:Choice Requires="a14">
+      <mc:AlternateContent xmlns:mc="http://schemas.openxmlformats.org/markup-compatibility/2006">
+        <mc:Choice xmlns:a14="http://schemas.microsoft.com/office/drawing/2010/main" Requires="a14">
           <p:sp>
             <p:nvSpPr>
               <p:cNvPr id="174" name="Объект 2"/>
@@ -20239,7 +18915,7 @@
             </p:nvSpPr>
             <p:spPr bwMode="auto">
               <a:xfrm>
-                <a:off x="107504" y="2132856"/>
+                <a:off x="35496" y="2060848"/>
                 <a:ext cx="2154255" cy="558062"/>
               </a:xfrm>
               <a:prstGeom prst="rect">
@@ -20492,7 +19168,7 @@
             </p:txBody>
           </p:sp>
         </mc:Choice>
-        <mc:Fallback xmlns="">
+        <mc:Fallback>
           <p:sp>
             <p:nvSpPr>
               <p:cNvPr id="174" name="Объект 2"/>
@@ -20503,7 +19179,7 @@
             </p:nvSpPr>
             <p:spPr bwMode="auto">
               <a:xfrm>
-                <a:off x="107504" y="2132856"/>
+                <a:off x="35496" y="2060848"/>
                 <a:ext cx="2154255" cy="558062"/>
               </a:xfrm>
               <a:prstGeom prst="rect">
@@ -20512,7 +19188,7 @@
               <a:blipFill rotWithShape="1">
                 <a:blip r:embed="rId10"/>
                 <a:stretch>
-                  <a:fillRect t="-5495" b="-16484"/>
+                  <a:fillRect t="-5435" b="-15217"/>
                 </a:stretch>
               </a:blipFill>
               <a:ln>
@@ -20589,7 +19265,7 @@
           <a:lstStyle/>
           <a:p>
             <a:pPr algn="ctr"/>
-            <a:endParaRPr lang="ru-RU"/>
+            <a:endParaRPr lang="ru-RU" dirty="0"/>
           </a:p>
         </p:txBody>
       </p:sp>
@@ -20629,7 +19305,7 @@
           <a:lstStyle/>
           <a:p>
             <a:pPr algn="ctr"/>
-            <a:endParaRPr lang="ru-RU"/>
+            <a:endParaRPr lang="ru-RU" dirty="0"/>
           </a:p>
         </p:txBody>
       </p:sp>
@@ -20669,7 +19345,7 @@
           <a:lstStyle/>
           <a:p>
             <a:pPr algn="ctr"/>
-            <a:endParaRPr lang="ru-RU"/>
+            <a:endParaRPr lang="ru-RU" dirty="0"/>
           </a:p>
         </p:txBody>
       </p:sp>
@@ -20709,7 +19385,7 @@
           <a:lstStyle/>
           <a:p>
             <a:pPr algn="ctr"/>
-            <a:endParaRPr lang="ru-RU"/>
+            <a:endParaRPr lang="ru-RU" dirty="0"/>
           </a:p>
         </p:txBody>
       </p:sp>
@@ -20723,7 +19399,7 @@
         </p:nvSpPr>
         <p:spPr bwMode="auto">
           <a:xfrm>
-            <a:off x="6738225" y="998730"/>
+            <a:off x="6810233" y="836712"/>
             <a:ext cx="2154255" cy="558062"/>
           </a:xfrm>
           <a:prstGeom prst="rect">
@@ -20935,7 +19611,7 @@
             </p:nvSpPr>
             <p:spPr bwMode="auto">
               <a:xfrm>
-                <a:off x="6660232" y="2132856"/>
+                <a:off x="6735972" y="2060848"/>
                 <a:ext cx="2372532" cy="640844"/>
               </a:xfrm>
               <a:prstGeom prst="rect">
@@ -21223,7 +19899,7 @@
             </p:nvSpPr>
             <p:spPr bwMode="auto">
               <a:xfrm>
-                <a:off x="6660232" y="2132856"/>
+                <a:off x="6735972" y="2060848"/>
                 <a:ext cx="2372532" cy="640844"/>
               </a:xfrm>
               <a:prstGeom prst="rect">
@@ -21232,7 +19908,7 @@
               <a:blipFill rotWithShape="1">
                 <a:blip r:embed="rId11"/>
                 <a:stretch>
-                  <a:fillRect l="-2057" t="-4762" r="-3342" b="-15238"/>
+                  <a:fillRect l="-1799" t="-4762" r="-3599" b="-15238"/>
                 </a:stretch>
               </a:blipFill>
               <a:ln>
@@ -21281,10 +19957,10 @@
         </p:nvGrpSpPr>
         <p:grpSpPr>
           <a:xfrm>
-            <a:off x="368301" y="3449298"/>
-            <a:ext cx="8740203" cy="2067934"/>
-            <a:chOff x="368301" y="3212977"/>
-            <a:chExt cx="8740203" cy="2067934"/>
+            <a:off x="323528" y="3374994"/>
+            <a:ext cx="8568952" cy="1926214"/>
+            <a:chOff x="656333" y="3230978"/>
+            <a:chExt cx="8568952" cy="1926214"/>
           </a:xfrm>
         </p:grpSpPr>
         <mc:AlternateContent xmlns:mc="http://schemas.openxmlformats.org/markup-compatibility/2006">
@@ -21299,8 +19975,8 @@
               </p:nvSpPr>
               <p:spPr bwMode="auto">
                 <a:xfrm>
-                  <a:off x="5618140" y="3212977"/>
-                  <a:ext cx="3490364" cy="2016224"/>
+                  <a:off x="5552877" y="3553621"/>
+                  <a:ext cx="3672408" cy="1583274"/>
                 </a:xfrm>
                 <a:prstGeom prst="rect">
                   <a:avLst/>
@@ -21490,7 +20166,7 @@
                 <a:p>
                   <a:pPr marL="0" indent="0" algn="just">
                     <a:spcAft>
-                      <a:spcPts val="400"/>
+                      <a:spcPts val="600"/>
                     </a:spcAft>
                     <a:buNone/>
                   </a:pPr>
@@ -21504,276 +20180,6 @@
                           <m:sSubPr>
                             <m:ctrlPr>
                               <a:rPr lang="ru-RU" sz="1800" i="1" smtClean="0">
-                                <a:latin typeface="Cambria Math"/>
-                              </a:rPr>
-                            </m:ctrlPr>
-                          </m:sSubPr>
-                          <m:e>
-                            <m:r>
-                              <a:rPr lang="en-US" sz="1800" i="1">
-                                <a:latin typeface="Cambria Math"/>
-                              </a:rPr>
-                              <m:t>𝑋</m:t>
-                            </m:r>
-                          </m:e>
-                          <m:sub>
-                            <m:r>
-                              <a:rPr lang="en-US" sz="1800" b="0" i="1" smtClean="0">
-                                <a:latin typeface="Cambria Math"/>
-                              </a:rPr>
-                              <m:t>𝑡</m:t>
-                            </m:r>
-                          </m:sub>
-                        </m:sSub>
-                        <m:r>
-                          <a:rPr lang="ru-RU" sz="1800" i="1">
-                            <a:latin typeface="Cambria Math"/>
-                          </a:rPr>
-                          <m:t>⊂</m:t>
-                        </m:r>
-                        <m:r>
-                          <a:rPr lang="ru-RU" sz="1800" i="1">
-                            <a:latin typeface="Cambria Math"/>
-                          </a:rPr>
-                          <m:t>𝑋</m:t>
-                        </m:r>
-                      </m:oMath>
-                    </m:oMathPara>
-                  </a14:m>
-                  <a:endParaRPr lang="en-US" sz="1800" dirty="0" smtClean="0"/>
-                </a:p>
-                <a:p>
-                  <a:pPr marL="0" indent="0" algn="just">
-                    <a:spcAft>
-                      <a:spcPts val="400"/>
-                    </a:spcAft>
-                    <a:buNone/>
-                  </a:pPr>
-                  <a14:m>
-                    <m:oMathPara xmlns:m="http://schemas.openxmlformats.org/officeDocument/2006/math">
-                      <m:oMathParaPr>
-                        <m:jc m:val="left"/>
-                      </m:oMathParaPr>
-                      <m:oMath xmlns:m="http://schemas.openxmlformats.org/officeDocument/2006/math">
-                        <m:sSub>
-                          <m:sSubPr>
-                            <m:ctrlPr>
-                              <a:rPr lang="ru-RU" sz="1800" i="1">
-                                <a:latin typeface="Cambria Math"/>
-                              </a:rPr>
-                            </m:ctrlPr>
-                          </m:sSubPr>
-                          <m:e>
-                            <m:r>
-                              <a:rPr lang="ru-RU" sz="1800" i="1">
-                                <a:latin typeface="Cambria Math"/>
-                              </a:rPr>
-                              <m:t>𝐷</m:t>
-                            </m:r>
-                          </m:e>
-                          <m:sub>
-                            <m:r>
-                              <a:rPr lang="en-US" sz="1800" b="0" i="1" smtClean="0">
-                                <a:latin typeface="Cambria Math"/>
-                              </a:rPr>
-                              <m:t>𝑡</m:t>
-                            </m:r>
-                          </m:sub>
-                        </m:sSub>
-                        <m:r>
-                          <a:rPr lang="ru-RU" sz="1800" i="1">
-                            <a:latin typeface="Cambria Math"/>
-                          </a:rPr>
-                          <m:t>=</m:t>
-                        </m:r>
-                        <m:d>
-                          <m:dPr>
-                            <m:begChr m:val="{"/>
-                            <m:endChr m:val="}"/>
-                            <m:ctrlPr>
-                              <a:rPr lang="ru-RU" sz="1800" i="1">
-                                <a:latin typeface="Cambria Math"/>
-                              </a:rPr>
-                            </m:ctrlPr>
-                          </m:dPr>
-                          <m:e>
-                            <m:d>
-                              <m:dPr>
-                                <m:ctrlPr>
-                                  <a:rPr lang="ru-RU" sz="1800" i="1">
-                                    <a:latin typeface="Cambria Math"/>
-                                  </a:rPr>
-                                </m:ctrlPr>
-                              </m:dPr>
-                              <m:e>
-                                <m:sSub>
-                                  <m:sSubPr>
-                                    <m:ctrlPr>
-                                      <a:rPr lang="en-US" sz="1800" b="0" i="1" smtClean="0">
-                                        <a:latin typeface="Cambria Math"/>
-                                      </a:rPr>
-                                    </m:ctrlPr>
-                                  </m:sSubPr>
-                                  <m:e>
-                                    <m:r>
-                                      <a:rPr lang="ru-RU" sz="1800" b="1" i="1">
-                                        <a:latin typeface="Cambria Math"/>
-                                      </a:rPr>
-                                      <m:t>𝐱</m:t>
-                                    </m:r>
-                                  </m:e>
-                                  <m:sub>
-                                    <m:r>
-                                      <a:rPr lang="en-US" sz="1800" b="0" i="1" smtClean="0">
-                                        <a:latin typeface="Cambria Math"/>
-                                      </a:rPr>
-                                      <m:t>𝑖</m:t>
-                                    </m:r>
-                                  </m:sub>
-                                </m:sSub>
-                                <m:r>
-                                  <a:rPr lang="ru-RU" sz="1800" i="1">
-                                    <a:latin typeface="Cambria Math"/>
-                                  </a:rPr>
-                                  <m:t>,</m:t>
-                                </m:r>
-                                <m:sSub>
-                                  <m:sSubPr>
-                                    <m:ctrlPr>
-                                      <a:rPr lang="en-US" sz="1800" b="0" i="1" smtClean="0">
-                                        <a:latin typeface="Cambria Math"/>
-                                      </a:rPr>
-                                    </m:ctrlPr>
-                                  </m:sSubPr>
-                                  <m:e>
-                                    <m:r>
-                                      <a:rPr lang="ru-RU" sz="1800" i="1">
-                                        <a:latin typeface="Cambria Math"/>
-                                      </a:rPr>
-                                      <m:t>𝑦</m:t>
-                                    </m:r>
-                                  </m:e>
-                                  <m:sub>
-                                    <m:r>
-                                      <a:rPr lang="en-US" sz="1800" b="0" i="1" smtClean="0">
-                                        <a:latin typeface="Cambria Math"/>
-                                      </a:rPr>
-                                      <m:t>𝑖</m:t>
-                                    </m:r>
-                                  </m:sub>
-                                </m:sSub>
-                              </m:e>
-                            </m:d>
-                            <m:r>
-                              <a:rPr lang="ru-RU" sz="1800" i="1">
-                                <a:latin typeface="Cambria Math"/>
-                              </a:rPr>
-                              <m:t>∈</m:t>
-                            </m:r>
-                            <m:r>
-                              <a:rPr lang="en-US" sz="1800" b="0" i="1" smtClean="0">
-                                <a:latin typeface="Cambria Math"/>
-                              </a:rPr>
-                              <m:t>𝑆</m:t>
-                            </m:r>
-                            <m:r>
-                              <a:rPr lang="ru-RU" sz="1800" i="1">
-                                <a:latin typeface="Cambria Math"/>
-                              </a:rPr>
-                              <m:t> | </m:t>
-                            </m:r>
-                            <m:sSub>
-                              <m:sSubPr>
-                                <m:ctrlPr>
-                                  <a:rPr lang="en-US" sz="1800" b="0" i="1" smtClean="0">
-                                    <a:latin typeface="Cambria Math"/>
-                                  </a:rPr>
-                                </m:ctrlPr>
-                              </m:sSubPr>
-                              <m:e>
-                                <m:r>
-                                  <a:rPr lang="ru-RU" sz="1800" b="1" i="1">
-                                    <a:latin typeface="Cambria Math"/>
-                                  </a:rPr>
-                                  <m:t>𝐱</m:t>
-                                </m:r>
-                              </m:e>
-                              <m:sub>
-                                <m:r>
-                                  <a:rPr lang="en-US" sz="1800" b="0" i="1" smtClean="0">
-                                    <a:latin typeface="Cambria Math"/>
-                                  </a:rPr>
-                                  <m:t>𝑖</m:t>
-                                </m:r>
-                              </m:sub>
-                            </m:sSub>
-                            <m:r>
-                              <a:rPr lang="ru-RU" sz="1800" i="1">
-                                <a:latin typeface="Cambria Math"/>
-                              </a:rPr>
-                              <m:t>∈</m:t>
-                            </m:r>
-                            <m:sSub>
-                              <m:sSubPr>
-                                <m:ctrlPr>
-                                  <a:rPr lang="ru-RU" sz="1800" i="1">
-                                    <a:latin typeface="Cambria Math"/>
-                                  </a:rPr>
-                                </m:ctrlPr>
-                              </m:sSubPr>
-                              <m:e>
-                                <m:r>
-                                  <a:rPr lang="ru-RU" sz="1800" i="1">
-                                    <a:latin typeface="Cambria Math"/>
-                                  </a:rPr>
-                                  <m:t>𝑋</m:t>
-                                </m:r>
-                              </m:e>
-                              <m:sub>
-                                <m:r>
-                                  <a:rPr lang="en-US" sz="1800" b="0" i="1" smtClean="0">
-                                    <a:latin typeface="Cambria Math"/>
-                                  </a:rPr>
-                                  <m:t>𝑡</m:t>
-                                </m:r>
-                              </m:sub>
-                            </m:sSub>
-                          </m:e>
-                        </m:d>
-                        <m:r>
-                          <a:rPr lang="ru-RU" sz="1800" i="1">
-                            <a:latin typeface="Cambria Math"/>
-                          </a:rPr>
-                          <m:t>⊂</m:t>
-                        </m:r>
-                        <m:r>
-                          <a:rPr lang="en-US" sz="1800" b="0" i="1" smtClean="0">
-                            <a:latin typeface="Cambria Math"/>
-                          </a:rPr>
-                          <m:t>𝑆</m:t>
-                        </m:r>
-                      </m:oMath>
-                    </m:oMathPara>
-                  </a14:m>
-                  <a:endParaRPr lang="en-US" sz="1800" dirty="0" smtClean="0"/>
-                </a:p>
-                <a:p>
-                  <a:pPr marL="0" indent="0" algn="just">
-                    <a:spcAft>
-                      <a:spcPts val="600"/>
-                    </a:spcAft>
-                    <a:buNone/>
-                  </a:pPr>
-                  <a14:m>
-                    <m:oMathPara xmlns:m="http://schemas.openxmlformats.org/officeDocument/2006/math">
-                      <m:oMathParaPr>
-                        <m:jc m:val="left"/>
-                      </m:oMathParaPr>
-                      <m:oMath xmlns:m="http://schemas.openxmlformats.org/officeDocument/2006/math">
-                        <m:sSub>
-                          <m:sSubPr>
-                            <m:ctrlPr>
-                              <a:rPr lang="ru-RU" sz="1800" i="1">
                                 <a:latin typeface="Cambria Math"/>
                               </a:rPr>
                             </m:ctrlPr>
@@ -21801,12 +20207,31 @@
                           </a:rPr>
                           <m:t>:</m:t>
                         </m:r>
-                        <m:r>
-                          <a:rPr lang="ru-RU" sz="1800" i="1">
-                            <a:latin typeface="Cambria Math"/>
-                          </a:rPr>
-                          <m:t>𝑋</m:t>
-                        </m:r>
+                        <m:sSub>
+                          <m:sSubPr>
+                            <m:ctrlPr>
+                              <a:rPr lang="ru-RU" sz="1800" b="0" i="1" smtClean="0">
+                                <a:latin typeface="Cambria Math"/>
+                              </a:rPr>
+                            </m:ctrlPr>
+                          </m:sSubPr>
+                          <m:e>
+                            <m:r>
+                              <a:rPr lang="ru-RU" sz="1800" i="1">
+                                <a:latin typeface="Cambria Math"/>
+                              </a:rPr>
+                              <m:t>𝑋</m:t>
+                            </m:r>
+                          </m:e>
+                          <m:sub>
+                            <m:r>
+                              <a:rPr lang="en-US" sz="1800" b="0" i="1" smtClean="0">
+                                <a:latin typeface="Cambria Math"/>
+                              </a:rPr>
+                              <m:t>𝑡</m:t>
+                            </m:r>
+                          </m:sub>
+                        </m:sSub>
                         <m:r>
                           <a:rPr lang="ru-RU" sz="1800" i="1">
                             <a:latin typeface="Cambria Math"/>
@@ -21879,11 +20304,63 @@
                   </a:r>
                   <a:r>
                     <a:rPr lang="ru-RU" sz="1800" dirty="0" smtClean="0"/>
-                    <a:t>минимизировать</a:t>
+                    <a:t>обеспечить в каждой подвыборке </a:t>
+                  </a:r>
+                  <a14:m>
+                    <m:oMath xmlns:m="http://schemas.openxmlformats.org/officeDocument/2006/math">
+                      <m:sSub>
+                        <m:sSubPr>
+                          <m:ctrlPr>
+                            <a:rPr lang="en-US" sz="1800" b="0" i="1" smtClean="0">
+                              <a:latin typeface="Cambria Math"/>
+                            </a:rPr>
+                          </m:ctrlPr>
+                        </m:sSubPr>
+                        <m:e>
+                          <m:r>
+                            <a:rPr lang="en-US" sz="1800" b="0" i="1" smtClean="0">
+                              <a:latin typeface="Cambria Math"/>
+                            </a:rPr>
+                            <m:t>𝑆</m:t>
+                          </m:r>
+                        </m:e>
+                        <m:sub>
+                          <m:sSub>
+                            <m:sSubPr>
+                              <m:ctrlPr>
+                                <a:rPr lang="en-US" sz="1800" b="0" i="1" smtClean="0">
+                                  <a:latin typeface="Cambria Math"/>
+                                </a:rPr>
+                              </m:ctrlPr>
+                            </m:sSubPr>
+                            <m:e>
+                              <m:r>
+                                <a:rPr lang="en-US" sz="1800" b="0" i="1" smtClean="0">
+                                  <a:latin typeface="Cambria Math"/>
+                                </a:rPr>
+                                <m:t>𝑡</m:t>
+                              </m:r>
+                            </m:e>
+                            <m:sub>
+                              <m:r>
+                                <a:rPr lang="en-US" sz="1800" b="0" i="1" smtClean="0">
+                                  <a:latin typeface="Cambria Math"/>
+                                </a:rPr>
+                                <m:t>𝑖</m:t>
+                              </m:r>
+                            </m:sub>
+                          </m:sSub>
+                        </m:sub>
+                      </m:sSub>
+                    </m:oMath>
+                  </a14:m>
+                  <a:r>
+                    <a:rPr lang="en-US" sz="1800" dirty="0" smtClean="0"/>
+                    <a:t> </a:t>
                   </a:r>
                   <a:r>
                     <a:rPr lang="ru-RU" sz="1800" dirty="0" smtClean="0"/>
-                    <a:t> «загрязненность»  вершины.</a:t>
+                    <a:t>максимальное число прецедентов одного класса.  </a:t>
                   </a:r>
                   <a:endParaRPr lang="ru-RU" sz="1800" dirty="0" smtClean="0"/>
                 </a:p>
@@ -21919,8 +20396,8 @@
               </p:nvSpPr>
               <p:spPr bwMode="auto">
                 <a:xfrm>
-                  <a:off x="5618140" y="3212977"/>
-                  <a:ext cx="3490364" cy="2016224"/>
+                  <a:off x="5552877" y="3553621"/>
+                  <a:ext cx="3672408" cy="1583274"/>
                 </a:xfrm>
                 <a:prstGeom prst="rect">
                   <a:avLst/>
@@ -21928,7 +20405,7 @@
                 <a:blipFill rotWithShape="1">
                   <a:blip r:embed="rId12"/>
                   <a:stretch>
-                    <a:fillRect l="-1573" b="-2417"/>
+                    <a:fillRect l="-1327" b="-8880"/>
                   </a:stretch>
                 </a:blipFill>
                 <a:ln>
@@ -22696,8 +21173,8 @@
               </p:nvSpPr>
               <p:spPr bwMode="auto">
                 <a:xfrm>
-                  <a:off x="539552" y="4725144"/>
-                  <a:ext cx="3329358" cy="555767"/>
+                  <a:off x="800349" y="4077974"/>
+                  <a:ext cx="3329358" cy="1058921"/>
                 </a:xfrm>
                 <a:prstGeom prst="rect">
                   <a:avLst/>
@@ -22886,6 +21363,269 @@
                 </a:lstStyle>
                 <a:p>
                   <a:pPr marL="0" indent="0" algn="just">
+                    <a:spcAft>
+                      <a:spcPts val="400"/>
+                    </a:spcAft>
+                    <a:buNone/>
+                  </a:pPr>
+                  <a14:m>
+                    <m:oMathPara xmlns:m="http://schemas.openxmlformats.org/officeDocument/2006/math">
+                      <m:oMathParaPr>
+                        <m:jc m:val="left"/>
+                      </m:oMathParaPr>
+                      <m:oMath xmlns:m="http://schemas.openxmlformats.org/officeDocument/2006/math">
+                        <m:sSub>
+                          <m:sSubPr>
+                            <m:ctrlPr>
+                              <a:rPr lang="ru-RU" sz="1800" i="1" smtClean="0">
+                                <a:latin typeface="Cambria Math"/>
+                              </a:rPr>
+                            </m:ctrlPr>
+                          </m:sSubPr>
+                          <m:e>
+                            <m:r>
+                              <a:rPr lang="en-US" sz="1800" i="1">
+                                <a:latin typeface="Cambria Math"/>
+                              </a:rPr>
+                              <m:t>𝑋</m:t>
+                            </m:r>
+                          </m:e>
+                          <m:sub>
+                            <m:r>
+                              <a:rPr lang="en-US" sz="1800" i="1">
+                                <a:latin typeface="Cambria Math"/>
+                              </a:rPr>
+                              <m:t>𝑡</m:t>
+                            </m:r>
+                          </m:sub>
+                        </m:sSub>
+                        <m:r>
+                          <a:rPr lang="ru-RU" sz="1800" i="1">
+                            <a:latin typeface="Cambria Math"/>
+                          </a:rPr>
+                          <m:t>⊂</m:t>
+                        </m:r>
+                        <m:r>
+                          <a:rPr lang="ru-RU" sz="1800" i="1">
+                            <a:latin typeface="Cambria Math"/>
+                          </a:rPr>
+                          <m:t>𝑋</m:t>
+                        </m:r>
+                      </m:oMath>
+                    </m:oMathPara>
+                  </a14:m>
+                  <a:endParaRPr lang="en-US" sz="1800" dirty="0"/>
+                </a:p>
+                <a:p>
+                  <a:pPr marL="0" indent="0" algn="just">
+                    <a:spcAft>
+                      <a:spcPts val="400"/>
+                    </a:spcAft>
+                    <a:buNone/>
+                  </a:pPr>
+                  <a14:m>
+                    <m:oMathPara xmlns:m="http://schemas.openxmlformats.org/officeDocument/2006/math">
+                      <m:oMathParaPr>
+                        <m:jc m:val="left"/>
+                      </m:oMathParaPr>
+                      <m:oMath xmlns:m="http://schemas.openxmlformats.org/officeDocument/2006/math">
+                        <m:sSub>
+                          <m:sSubPr>
+                            <m:ctrlPr>
+                              <a:rPr lang="ru-RU" sz="1800" i="1">
+                                <a:latin typeface="Cambria Math"/>
+                              </a:rPr>
+                            </m:ctrlPr>
+                          </m:sSubPr>
+                          <m:e>
+                            <m:r>
+                              <a:rPr lang="en-US" sz="1800" i="1">
+                                <a:latin typeface="Cambria Math"/>
+                              </a:rPr>
+                              <m:t>𝑆</m:t>
+                            </m:r>
+                          </m:e>
+                          <m:sub>
+                            <m:r>
+                              <a:rPr lang="en-US" sz="1800" i="1">
+                                <a:latin typeface="Cambria Math"/>
+                              </a:rPr>
+                              <m:t>𝑡</m:t>
+                            </m:r>
+                          </m:sub>
+                        </m:sSub>
+                        <m:r>
+                          <a:rPr lang="ru-RU" sz="1800" i="1">
+                            <a:latin typeface="Cambria Math"/>
+                          </a:rPr>
+                          <m:t>=</m:t>
+                        </m:r>
+                        <m:d>
+                          <m:dPr>
+                            <m:begChr m:val="{"/>
+                            <m:endChr m:val="}"/>
+                            <m:ctrlPr>
+                              <a:rPr lang="ru-RU" sz="1800" i="1">
+                                <a:latin typeface="Cambria Math"/>
+                              </a:rPr>
+                            </m:ctrlPr>
+                          </m:dPr>
+                          <m:e>
+                            <m:d>
+                              <m:dPr>
+                                <m:ctrlPr>
+                                  <a:rPr lang="ru-RU" sz="1800" i="1">
+                                    <a:latin typeface="Cambria Math"/>
+                                  </a:rPr>
+                                </m:ctrlPr>
+                              </m:dPr>
+                              <m:e>
+                                <m:sSub>
+                                  <m:sSubPr>
+                                    <m:ctrlPr>
+                                      <a:rPr lang="en-US" sz="1800" i="1">
+                                        <a:latin typeface="Cambria Math"/>
+                                      </a:rPr>
+                                    </m:ctrlPr>
+                                  </m:sSubPr>
+                                  <m:e>
+                                    <m:r>
+                                      <a:rPr lang="ru-RU" sz="1800" b="1" i="1">
+                                        <a:latin typeface="Cambria Math"/>
+                                      </a:rPr>
+                                      <m:t>𝐱</m:t>
+                                    </m:r>
+                                  </m:e>
+                                  <m:sub>
+                                    <m:r>
+                                      <a:rPr lang="en-US" sz="1800" i="1">
+                                        <a:latin typeface="Cambria Math"/>
+                                      </a:rPr>
+                                      <m:t>𝑖</m:t>
+                                    </m:r>
+                                  </m:sub>
+                                </m:sSub>
+                                <m:r>
+                                  <a:rPr lang="ru-RU" sz="1800" i="1">
+                                    <a:latin typeface="Cambria Math"/>
+                                  </a:rPr>
+                                  <m:t>,</m:t>
+                                </m:r>
+                                <m:sSub>
+                                  <m:sSubPr>
+                                    <m:ctrlPr>
+                                      <a:rPr lang="en-US" sz="1800" i="1">
+                                        <a:latin typeface="Cambria Math"/>
+                                      </a:rPr>
+                                    </m:ctrlPr>
+                                  </m:sSubPr>
+                                  <m:e>
+                                    <m:r>
+                                      <a:rPr lang="ru-RU" sz="1800" i="1">
+                                        <a:latin typeface="Cambria Math"/>
+                                      </a:rPr>
+                                      <m:t>𝑦</m:t>
+                                    </m:r>
+                                  </m:e>
+                                  <m:sub>
+                                    <m:r>
+                                      <a:rPr lang="en-US" sz="1800" i="1">
+                                        <a:latin typeface="Cambria Math"/>
+                                      </a:rPr>
+                                      <m:t>𝑖</m:t>
+                                    </m:r>
+                                  </m:sub>
+                                </m:sSub>
+                              </m:e>
+                            </m:d>
+                            <m:r>
+                              <a:rPr lang="ru-RU" sz="1800" i="1">
+                                <a:latin typeface="Cambria Math"/>
+                              </a:rPr>
+                              <m:t>∈</m:t>
+                            </m:r>
+                            <m:r>
+                              <a:rPr lang="en-US" sz="1800" i="1">
+                                <a:latin typeface="Cambria Math"/>
+                              </a:rPr>
+                              <m:t>𝑆</m:t>
+                            </m:r>
+                            <m:r>
+                              <a:rPr lang="ru-RU" sz="1800" i="1">
+                                <a:latin typeface="Cambria Math"/>
+                              </a:rPr>
+                              <m:t> | </m:t>
+                            </m:r>
+                            <m:sSub>
+                              <m:sSubPr>
+                                <m:ctrlPr>
+                                  <a:rPr lang="en-US" sz="1800" i="1">
+                                    <a:latin typeface="Cambria Math"/>
+                                  </a:rPr>
+                                </m:ctrlPr>
+                              </m:sSubPr>
+                              <m:e>
+                                <m:r>
+                                  <a:rPr lang="ru-RU" sz="1800" b="1" i="1">
+                                    <a:latin typeface="Cambria Math"/>
+                                  </a:rPr>
+                                  <m:t>𝐱</m:t>
+                                </m:r>
+                              </m:e>
+                              <m:sub>
+                                <m:r>
+                                  <a:rPr lang="en-US" sz="1800" i="1">
+                                    <a:latin typeface="Cambria Math"/>
+                                  </a:rPr>
+                                  <m:t>𝑖</m:t>
+                                </m:r>
+                              </m:sub>
+                            </m:sSub>
+                            <m:r>
+                              <a:rPr lang="ru-RU" sz="1800" i="1">
+                                <a:latin typeface="Cambria Math"/>
+                              </a:rPr>
+                              <m:t>∈</m:t>
+                            </m:r>
+                            <m:sSub>
+                              <m:sSubPr>
+                                <m:ctrlPr>
+                                  <a:rPr lang="ru-RU" sz="1800" i="1">
+                                    <a:latin typeface="Cambria Math"/>
+                                  </a:rPr>
+                                </m:ctrlPr>
+                              </m:sSubPr>
+                              <m:e>
+                                <m:r>
+                                  <a:rPr lang="ru-RU" sz="1800" i="1">
+                                    <a:latin typeface="Cambria Math"/>
+                                  </a:rPr>
+                                  <m:t>𝑋</m:t>
+                                </m:r>
+                              </m:e>
+                              <m:sub>
+                                <m:r>
+                                  <a:rPr lang="en-US" sz="1800" i="1">
+                                    <a:latin typeface="Cambria Math"/>
+                                  </a:rPr>
+                                  <m:t>𝑡</m:t>
+                                </m:r>
+                              </m:sub>
+                            </m:sSub>
+                          </m:e>
+                        </m:d>
+                      </m:oMath>
+                    </m:oMathPara>
+                  </a14:m>
+                  <a:endParaRPr lang="ru-RU" sz="1800" i="1" dirty="0" smtClean="0">
+                    <a:latin typeface="Cambria Math"/>
+                  </a:endParaRPr>
+                </a:p>
+                <a:p>
+                  <a:pPr marL="0" indent="0" algn="just">
+                    <a:spcAft>
+                      <a:spcPts val="400"/>
+                    </a:spcAft>
                     <a:buNone/>
                   </a:pPr>
                   <a14:m>
@@ -23129,8 +21869,8 @@
               </p:nvSpPr>
               <p:spPr bwMode="auto">
                 <a:xfrm>
-                  <a:off x="539552" y="4725144"/>
-                  <a:ext cx="3329358" cy="555767"/>
+                  <a:off x="800349" y="4077974"/>
+                  <a:ext cx="3329358" cy="1058921"/>
                 </a:xfrm>
                 <a:prstGeom prst="rect">
                   <a:avLst/>
@@ -23138,7 +21878,7 @@
                 <a:blipFill rotWithShape="1">
                   <a:blip r:embed="rId18"/>
                   <a:stretch>
-                    <a:fillRect/>
+                    <a:fillRect b="-1156"/>
                   </a:stretch>
                 </a:blipFill>
                 <a:ln>
@@ -23187,10 +21927,10 @@
           </p:nvGrpSpPr>
           <p:grpSpPr>
             <a:xfrm>
-              <a:off x="368301" y="3230978"/>
-              <a:ext cx="2979563" cy="558062"/>
-              <a:chOff x="80269" y="3933056"/>
-              <a:chExt cx="2979563" cy="558062"/>
+              <a:off x="656333" y="3230978"/>
+              <a:ext cx="3024336" cy="558062"/>
+              <a:chOff x="368301" y="3933056"/>
+              <a:chExt cx="3024336" cy="558062"/>
             </a:xfrm>
           </p:grpSpPr>
           <mc:AlternateContent xmlns:mc="http://schemas.openxmlformats.org/markup-compatibility/2006">
@@ -23205,7 +21945,7 @@
                 </p:nvSpPr>
                 <p:spPr bwMode="auto">
                   <a:xfrm>
-                    <a:off x="80269" y="3967382"/>
+                    <a:off x="368301" y="3967382"/>
                     <a:ext cx="603299" cy="431431"/>
                   </a:xfrm>
                   <a:prstGeom prst="rect">
@@ -23428,7 +22168,7 @@
                 </p:nvSpPr>
                 <p:spPr bwMode="auto">
                   <a:xfrm>
-                    <a:off x="80269" y="3967382"/>
+                    <a:off x="368301" y="3967382"/>
                     <a:ext cx="603299" cy="431431"/>
                   </a:xfrm>
                   <a:prstGeom prst="rect">
@@ -23478,8 +22218,8 @@
               </p:sp>
             </mc:Fallback>
           </mc:AlternateContent>
-          <mc:AlternateContent xmlns:mc="http://schemas.openxmlformats.org/markup-compatibility/2006" xmlns:a14="http://schemas.microsoft.com/office/drawing/2010/main">
-            <mc:Choice Requires="a14">
+          <mc:AlternateContent xmlns:mc="http://schemas.openxmlformats.org/markup-compatibility/2006">
+            <mc:Choice xmlns:a14="http://schemas.microsoft.com/office/drawing/2010/main" Requires="a14">
               <p:sp>
                 <p:nvSpPr>
                   <p:cNvPr id="186" name="Объект 2"/>
@@ -23490,7 +22230,7 @@
                 </p:nvSpPr>
                 <p:spPr bwMode="auto">
                   <a:xfrm>
-                    <a:off x="872357" y="3933056"/>
+                    <a:off x="1205162" y="3933056"/>
                     <a:ext cx="1827435" cy="558062"/>
                   </a:xfrm>
                   <a:prstGeom prst="rect">
@@ -23821,7 +22561,7 @@
                 </p:txBody>
               </p:sp>
             </mc:Choice>
-            <mc:Fallback xmlns="">
+            <mc:Fallback>
               <p:sp>
                 <p:nvSpPr>
                   <p:cNvPr id="186" name="Объект 2"/>
@@ -23832,7 +22572,7 @@
                 </p:nvSpPr>
                 <p:spPr bwMode="auto">
                   <a:xfrm>
-                    <a:off x="872357" y="3933056"/>
+                    <a:off x="1205162" y="3933056"/>
                     <a:ext cx="1827435" cy="558062"/>
                   </a:xfrm>
                   <a:prstGeom prst="rect">
@@ -23890,7 +22630,7 @@
             </p:nvSpPr>
             <p:spPr>
               <a:xfrm>
-                <a:off x="539552" y="4038773"/>
+                <a:off x="872357" y="4038773"/>
                 <a:ext cx="360040" cy="226918"/>
               </a:xfrm>
               <a:prstGeom prst="rightArrow">
@@ -23918,7 +22658,7 @@
               <a:lstStyle/>
               <a:p>
                 <a:pPr algn="ctr"/>
-                <a:endParaRPr lang="ru-RU"/>
+                <a:endParaRPr lang="ru-RU" dirty="0"/>
               </a:p>
             </p:txBody>
           </p:sp>
@@ -23930,7 +22670,7 @@
             </p:nvSpPr>
             <p:spPr>
               <a:xfrm>
-                <a:off x="2699792" y="4115224"/>
+                <a:off x="3032597" y="4038773"/>
                 <a:ext cx="360040" cy="226918"/>
               </a:xfrm>
               <a:prstGeom prst="rightArrow">
@@ -23958,384 +22698,7 @@
               <a:lstStyle/>
               <a:p>
                 <a:pPr algn="ctr"/>
-                <a:endParaRPr lang="ru-RU"/>
-              </a:p>
-            </p:txBody>
-          </p:sp>
-        </p:grpSp>
-        <p:grpSp>
-          <p:nvGrpSpPr>
-            <p:cNvPr id="250" name="Группа 249"/>
-            <p:cNvGrpSpPr/>
-            <p:nvPr/>
-          </p:nvGrpSpPr>
-          <p:grpSpPr>
-            <a:xfrm>
-              <a:off x="2085855" y="3717649"/>
-              <a:ext cx="1262009" cy="431431"/>
-              <a:chOff x="1797823" y="4365721"/>
-              <a:chExt cx="1262009" cy="431431"/>
-            </a:xfrm>
-          </p:grpSpPr>
-          <mc:AlternateContent xmlns:mc="http://schemas.openxmlformats.org/markup-compatibility/2006" xmlns:a14="http://schemas.microsoft.com/office/drawing/2010/main">
-            <mc:Choice Requires="a14">
-              <p:sp>
-                <p:nvSpPr>
-                  <p:cNvPr id="245" name="Объект 2"/>
-                  <p:cNvSpPr txBox="1">
-                    <a:spLocks/>
-                  </p:cNvSpPr>
-                  <p:nvPr/>
-                </p:nvSpPr>
-                <p:spPr bwMode="auto">
-                  <a:xfrm>
-                    <a:off x="1797823" y="4365721"/>
-                    <a:ext cx="829961" cy="431431"/>
-                  </a:xfrm>
-                  <a:prstGeom prst="rect">
-                    <a:avLst/>
-                  </a:prstGeom>
-                  <a:noFill/>
-                  <a:ln>
-                    <a:noFill/>
-                  </a:ln>
-                  <a:extLst>
-                    <a:ext uri="{909E8E84-426E-40DD-AFC4-6F175D3DCCD1}">
-                      <a14:hiddenFill>
-                        <a:solidFill>
-                          <a:srgbClr val="FFFFFF"/>
-                        </a:solidFill>
-                      </a14:hiddenFill>
-                    </a:ext>
-                    <a:ext uri="{91240B29-F687-4F45-9708-019B960494DF}">
-                      <a14:hiddenLine w="9525">
-                        <a:solidFill>
-                          <a:srgbClr val="000000"/>
-                        </a:solidFill>
-                        <a:miter lim="800000"/>
-                        <a:headEnd/>
-                        <a:tailEnd/>
-                      </a14:hiddenLine>
-                    </a:ext>
-                  </a:extLst>
-                </p:spPr>
-                <p:txBody>
-                  <a:bodyPr vert="horz" wrap="square" lIns="91440" tIns="45720" rIns="91440" bIns="45720" numCol="1" anchor="t" anchorCtr="0" compatLnSpc="1">
-                    <a:prstTxWarp prst="textNoShape">
-                      <a:avLst/>
-                    </a:prstTxWarp>
-                  </a:bodyPr>
-                  <a:lstStyle>
-                    <a:lvl1pPr marL="342900" indent="-342900" algn="l" rtl="0" eaLnBrk="0" fontAlgn="base" hangingPunct="0">
-                      <a:spcBef>
-                        <a:spcPct val="20000"/>
-                      </a:spcBef>
-                      <a:spcAft>
-                        <a:spcPct val="0"/>
-                      </a:spcAft>
-                      <a:buFont typeface="Arial" charset="0"/>
-                      <a:buChar char="•"/>
-                      <a:defRPr sz="3200" kern="1200">
-                        <a:solidFill>
-                          <a:schemeClr val="tx1"/>
-                        </a:solidFill>
-                        <a:latin typeface="+mn-lt"/>
-                        <a:ea typeface="+mn-ea"/>
-                        <a:cs typeface="+mn-cs"/>
-                      </a:defRPr>
-                    </a:lvl1pPr>
-                    <a:lvl2pPr marL="742950" indent="-285750" algn="l" rtl="0" eaLnBrk="0" fontAlgn="base" hangingPunct="0">
-                      <a:spcBef>
-                        <a:spcPct val="20000"/>
-                      </a:spcBef>
-                      <a:spcAft>
-                        <a:spcPct val="0"/>
-                      </a:spcAft>
-                      <a:buFont typeface="Arial" charset="0"/>
-                      <a:buChar char="–"/>
-                      <a:defRPr sz="2800" kern="1200">
-                        <a:solidFill>
-                          <a:schemeClr val="tx1"/>
-                        </a:solidFill>
-                        <a:latin typeface="+mn-lt"/>
-                        <a:ea typeface="+mn-ea"/>
-                        <a:cs typeface="+mn-cs"/>
-                      </a:defRPr>
-                    </a:lvl2pPr>
-                    <a:lvl3pPr marL="1143000" indent="-228600" algn="l" rtl="0" eaLnBrk="0" fontAlgn="base" hangingPunct="0">
-                      <a:spcBef>
-                        <a:spcPct val="20000"/>
-                      </a:spcBef>
-                      <a:spcAft>
-                        <a:spcPct val="0"/>
-                      </a:spcAft>
-                      <a:buFont typeface="Arial" charset="0"/>
-                      <a:buChar char="•"/>
-                      <a:defRPr sz="2400" kern="1200">
-                        <a:solidFill>
-                          <a:schemeClr val="tx1"/>
-                        </a:solidFill>
-                        <a:latin typeface="+mn-lt"/>
-                        <a:ea typeface="+mn-ea"/>
-                        <a:cs typeface="+mn-cs"/>
-                      </a:defRPr>
-                    </a:lvl3pPr>
-                    <a:lvl4pPr marL="1600200" indent="-228600" algn="l" rtl="0" eaLnBrk="0" fontAlgn="base" hangingPunct="0">
-                      <a:spcBef>
-                        <a:spcPct val="20000"/>
-                      </a:spcBef>
-                      <a:spcAft>
-                        <a:spcPct val="0"/>
-                      </a:spcAft>
-                      <a:buFont typeface="Arial" charset="0"/>
-                      <a:buChar char="–"/>
-                      <a:defRPr sz="2000" kern="1200">
-                        <a:solidFill>
-                          <a:schemeClr val="tx1"/>
-                        </a:solidFill>
-                        <a:latin typeface="+mn-lt"/>
-                        <a:ea typeface="+mn-ea"/>
-                        <a:cs typeface="+mn-cs"/>
-                      </a:defRPr>
-                    </a:lvl4pPr>
-                    <a:lvl5pPr marL="2057400" indent="-228600" algn="l" rtl="0" eaLnBrk="0" fontAlgn="base" hangingPunct="0">
-                      <a:spcBef>
-                        <a:spcPct val="20000"/>
-                      </a:spcBef>
-                      <a:spcAft>
-                        <a:spcPct val="0"/>
-                      </a:spcAft>
-                      <a:buFont typeface="Arial" charset="0"/>
-                      <a:buChar char="»"/>
-                      <a:defRPr sz="2000" kern="1200">
-                        <a:solidFill>
-                          <a:schemeClr val="tx1"/>
-                        </a:solidFill>
-                        <a:latin typeface="+mn-lt"/>
-                        <a:ea typeface="+mn-ea"/>
-                        <a:cs typeface="+mn-cs"/>
-                      </a:defRPr>
-                    </a:lvl5pPr>
-                    <a:lvl6pPr marL="2514600" indent="-228600" algn="l" defTabSz="914400" rtl="0" eaLnBrk="1" latinLnBrk="0" hangingPunct="1">
-                      <a:spcBef>
-                        <a:spcPct val="20000"/>
-                      </a:spcBef>
-                      <a:buFont typeface="Arial" pitchFamily="34" charset="0"/>
-                      <a:buChar char="•"/>
-                      <a:defRPr sz="2000" kern="1200">
-                        <a:solidFill>
-                          <a:schemeClr val="tx1"/>
-                        </a:solidFill>
-                        <a:latin typeface="+mn-lt"/>
-                        <a:ea typeface="+mn-ea"/>
-                        <a:cs typeface="+mn-cs"/>
-                      </a:defRPr>
-                    </a:lvl6pPr>
-                    <a:lvl7pPr marL="2971800" indent="-228600" algn="l" defTabSz="914400" rtl="0" eaLnBrk="1" latinLnBrk="0" hangingPunct="1">
-                      <a:spcBef>
-                        <a:spcPct val="20000"/>
-                      </a:spcBef>
-                      <a:buFont typeface="Arial" pitchFamily="34" charset="0"/>
-                      <a:buChar char="•"/>
-                      <a:defRPr sz="2000" kern="1200">
-                        <a:solidFill>
-                          <a:schemeClr val="tx1"/>
-                        </a:solidFill>
-                        <a:latin typeface="+mn-lt"/>
-                        <a:ea typeface="+mn-ea"/>
-                        <a:cs typeface="+mn-cs"/>
-                      </a:defRPr>
-                    </a:lvl7pPr>
-                    <a:lvl8pPr marL="3429000" indent="-228600" algn="l" defTabSz="914400" rtl="0" eaLnBrk="1" latinLnBrk="0" hangingPunct="1">
-                      <a:spcBef>
-                        <a:spcPct val="20000"/>
-                      </a:spcBef>
-                      <a:buFont typeface="Arial" pitchFamily="34" charset="0"/>
-                      <a:buChar char="•"/>
-                      <a:defRPr sz="2000" kern="1200">
-                        <a:solidFill>
-                          <a:schemeClr val="tx1"/>
-                        </a:solidFill>
-                        <a:latin typeface="+mn-lt"/>
-                        <a:ea typeface="+mn-ea"/>
-                        <a:cs typeface="+mn-cs"/>
-                      </a:defRPr>
-                    </a:lvl8pPr>
-                    <a:lvl9pPr marL="3886200" indent="-228600" algn="l" defTabSz="914400" rtl="0" eaLnBrk="1" latinLnBrk="0" hangingPunct="1">
-                      <a:spcBef>
-                        <a:spcPct val="20000"/>
-                      </a:spcBef>
-                      <a:buFont typeface="Arial" pitchFamily="34" charset="0"/>
-                      <a:buChar char="•"/>
-                      <a:defRPr sz="2000" kern="1200">
-                        <a:solidFill>
-                          <a:schemeClr val="tx1"/>
-                        </a:solidFill>
-                        <a:latin typeface="+mn-lt"/>
-                        <a:ea typeface="+mn-ea"/>
-                        <a:cs typeface="+mn-cs"/>
-                      </a:defRPr>
-                    </a:lvl9pPr>
-                  </a:lstStyle>
-                  <a:p>
-                    <a:pPr marL="0" indent="0" algn="just">
-                      <a:buNone/>
-                    </a:pPr>
-                    <a14:m>
-                      <m:oMathPara xmlns:m="http://schemas.openxmlformats.org/officeDocument/2006/math">
-                        <m:oMathParaPr>
-                          <m:jc m:val="centerGroup"/>
-                        </m:oMathParaPr>
-                        <m:oMath xmlns:m="http://schemas.openxmlformats.org/officeDocument/2006/math">
-                          <m:sSub>
-                            <m:sSubPr>
-                              <m:ctrlPr>
-                                <a:rPr lang="en-US" sz="1800" i="1">
-                                  <a:latin typeface="Cambria Math"/>
-                                </a:rPr>
-                              </m:ctrlPr>
-                            </m:sSubPr>
-                            <m:e>
-                              <m:r>
-                                <a:rPr lang="ru-RU" sz="1800" b="1" i="1">
-                                  <a:latin typeface="Cambria Math"/>
-                                </a:rPr>
-                                <m:t>𝐱</m:t>
-                              </m:r>
-                            </m:e>
-                            <m:sub>
-                              <m:r>
-                                <a:rPr lang="en-US" sz="1800" i="1">
-                                  <a:latin typeface="Cambria Math"/>
-                                </a:rPr>
-                                <m:t>𝑖</m:t>
-                              </m:r>
-                            </m:sub>
-                          </m:sSub>
-                          <m:r>
-                            <a:rPr lang="ru-RU" sz="1800">
-                              <a:latin typeface="Cambria Math"/>
-                            </a:rPr>
-                            <m:t>∉</m:t>
-                          </m:r>
-                          <m:r>
-                            <a:rPr lang="en-US" sz="1800" i="1">
-                              <a:latin typeface="Cambria Math"/>
-                            </a:rPr>
-                            <m:t>𝐷</m:t>
-                          </m:r>
-                        </m:oMath>
-                      </m:oMathPara>
-                    </a14:m>
-                    <a:endParaRPr lang="ru-RU" sz="1800" dirty="0"/>
-                  </a:p>
-                  <a:p>
-                    <a:pPr marL="0" indent="0" algn="just">
-                      <a:buNone/>
-                    </a:pPr>
-                    <a:endParaRPr lang="ru-RU" sz="1800" dirty="0" smtClean="0"/>
-                  </a:p>
-                </p:txBody>
-              </p:sp>
-            </mc:Choice>
-            <mc:Fallback xmlns="">
-              <p:sp>
-                <p:nvSpPr>
-                  <p:cNvPr id="245" name="Объект 2"/>
-                  <p:cNvSpPr txBox="1">
-                    <a:spLocks noRot="1" noChangeAspect="1" noMove="1" noResize="1" noEditPoints="1" noAdjustHandles="1" noChangeArrowheads="1" noChangeShapeType="1" noTextEdit="1"/>
-                  </p:cNvSpPr>
-                  <p:nvPr/>
-                </p:nvSpPr>
-                <p:spPr bwMode="auto">
-                  <a:xfrm>
-                    <a:off x="1797823" y="4365721"/>
-                    <a:ext cx="829961" cy="431431"/>
-                  </a:xfrm>
-                  <a:prstGeom prst="rect">
-                    <a:avLst/>
-                  </a:prstGeom>
-                  <a:blipFill rotWithShape="1">
-                    <a:blip r:embed="rId21"/>
-                    <a:stretch>
-                      <a:fillRect/>
-                    </a:stretch>
-                  </a:blipFill>
-                  <a:ln>
-                    <a:noFill/>
-                  </a:ln>
-                  <a:extLst>
-                    <a:ext uri="{909E8E84-426E-40DD-AFC4-6F175D3DCCD1}">
-                      <a14:hiddenFill xmlns:a14="http://schemas.microsoft.com/office/drawing/2010/main">
-                        <a:solidFill>
-                          <a:srgbClr val="FFFFFF"/>
-                        </a:solidFill>
-                      </a14:hiddenFill>
-                    </a:ext>
-                    <a:ext uri="{91240B29-F687-4F45-9708-019B960494DF}">
-                      <a14:hiddenLine xmlns:a14="http://schemas.microsoft.com/office/drawing/2010/main" w="9525">
-                        <a:solidFill>
-                          <a:srgbClr val="000000"/>
-                        </a:solidFill>
-                        <a:miter lim="800000"/>
-                        <a:headEnd/>
-                        <a:tailEnd/>
-                      </a14:hiddenLine>
-                    </a:ext>
-                  </a:extLst>
-                </p:spPr>
-                <p:txBody>
-                  <a:bodyPr/>
-                  <a:lstStyle/>
-                  <a:p>
-                    <a:r>
-                      <a:rPr lang="ru-RU">
-                        <a:noFill/>
-                      </a:rPr>
-                      <a:t> </a:t>
-                    </a:r>
-                  </a:p>
-                </p:txBody>
-              </p:sp>
-            </mc:Fallback>
-          </mc:AlternateContent>
-          <p:sp>
-            <p:nvSpPr>
-              <p:cNvPr id="248" name="Стрелка вправо 247"/>
-              <p:cNvSpPr/>
-              <p:nvPr/>
-            </p:nvSpPr>
-            <p:spPr>
-              <a:xfrm>
-                <a:off x="2699792" y="4437112"/>
-                <a:ext cx="360040" cy="226918"/>
-              </a:xfrm>
-              <a:prstGeom prst="rightArrow">
-                <a:avLst/>
-              </a:prstGeom>
-            </p:spPr>
-            <p:style>
-              <a:lnRef idx="2">
-                <a:schemeClr val="accent2">
-                  <a:shade val="50000"/>
-                </a:schemeClr>
-              </a:lnRef>
-              <a:fillRef idx="1">
-                <a:schemeClr val="accent2"/>
-              </a:fillRef>
-              <a:effectRef idx="0">
-                <a:schemeClr val="accent2"/>
-              </a:effectRef>
-              <a:fontRef idx="minor">
-                <a:schemeClr val="lt1"/>
-              </a:fontRef>
-            </p:style>
-            <p:txBody>
-              <a:bodyPr rtlCol="0" anchor="ctr"/>
-              <a:lstStyle/>
-              <a:p>
-                <a:pPr algn="ctr"/>
-                <a:endParaRPr lang="ru-RU"/>
+                <a:endParaRPr lang="ru-RU" dirty="0"/>
               </a:p>
             </p:txBody>
           </p:sp>
@@ -24353,8 +22716,8 @@
             </p:nvSpPr>
             <p:spPr bwMode="auto">
               <a:xfrm>
-                <a:off x="539552" y="5589240"/>
-                <a:ext cx="8352928" cy="936104"/>
+                <a:off x="467544" y="5589240"/>
+                <a:ext cx="8325693" cy="936104"/>
               </a:xfrm>
               <a:prstGeom prst="rect">
                 <a:avLst/>
@@ -24550,15 +22913,11 @@
                 </a:pPr>
                 <a:r>
                   <a:rPr lang="ru-RU" sz="1800" dirty="0" smtClean="0"/>
-                  <a:t>При </a:t>
+                  <a:t>На каждом шаге рекурсивного разбиения выборки используются </a:t>
                 </a:r>
                 <a:r>
                   <a:rPr lang="ru-RU" sz="1800" dirty="0" smtClean="0"/>
-                  <a:t>расщеплении </a:t>
-                </a:r>
-                <a:r>
-                  <a:rPr lang="ru-RU" sz="1800" dirty="0" smtClean="0"/>
-                  <a:t>вершины используются не все </a:t>
+                  <a:t>не все </a:t>
                 </a:r>
                 <a14:m>
                   <m:oMath xmlns:m="http://schemas.openxmlformats.org/officeDocument/2006/math">
@@ -24657,7 +23016,6 @@
                   <a:rPr lang="ru-RU" sz="1800" dirty="0" smtClean="0"/>
                   <a:t>.</a:t>
                 </a:r>
-                <a:endParaRPr lang="ru-RU" sz="1800" dirty="0" smtClean="0"/>
               </a:p>
             </p:txBody>
           </p:sp>
@@ -24673,16 +23031,16 @@
             </p:nvSpPr>
             <p:spPr bwMode="auto">
               <a:xfrm>
-                <a:off x="539552" y="5589240"/>
-                <a:ext cx="8352928" cy="936104"/>
+                <a:off x="467544" y="5589240"/>
+                <a:ext cx="8325693" cy="936104"/>
               </a:xfrm>
               <a:prstGeom prst="rect">
                 <a:avLst/>
               </a:prstGeom>
               <a:blipFill rotWithShape="1">
-                <a:blip r:embed="rId22"/>
+                <a:blip r:embed="rId21"/>
                 <a:stretch>
-                  <a:fillRect l="-657" t="-3268" r="-73"/>
+                  <a:fillRect l="-659" t="-3268"/>
                 </a:stretch>
               </a:blipFill>
               <a:ln>
@@ -24751,7 +23109,7 @@
 </p:sld>
 </file>
 
-<file path=ppt/slides/slide9.xml><?xml version="1.0" encoding="utf-8"?>
+<file path=ppt/slides/slide8.xml><?xml version="1.0" encoding="utf-8"?>
 <p:sld xmlns:a="http://schemas.openxmlformats.org/drawingml/2006/main" xmlns:r="http://schemas.openxmlformats.org/officeDocument/2006/relationships" xmlns:p="http://schemas.openxmlformats.org/presentationml/2006/main">
   <p:cSld>
     <p:spTree>
@@ -24823,8 +23181,12 @@
               <a:pPr>
                 <a:defRPr/>
               </a:pPr>
-              <a:t>9</a:t>
+              <a:t>8</a:t>
             </a:fld>
+            <a:r>
+              <a:rPr lang="en-US" altLang="ru-RU" dirty="0" smtClean="0"/>
+              <a:t>/12</a:t>
+            </a:r>
             <a:endParaRPr lang="ru-RU" altLang="ru-RU" dirty="0"/>
           </a:p>
         </p:txBody>
@@ -24929,302 +23291,223 @@
           </a:fontRef>
         </p:style>
       </p:cxnSp>
-      <mc:AlternateContent xmlns:mc="http://schemas.openxmlformats.org/markup-compatibility/2006">
-        <mc:Choice xmlns:a14="http://schemas.microsoft.com/office/drawing/2010/main" Requires="a14">
-          <p:sp>
-            <p:nvSpPr>
-              <p:cNvPr id="205" name="Объект 2"/>
-              <p:cNvSpPr txBox="1">
-                <a:spLocks/>
-              </p:cNvSpPr>
-              <p:nvPr/>
-            </p:nvSpPr>
-            <p:spPr bwMode="auto">
-              <a:xfrm>
-                <a:off x="107504" y="764704"/>
-                <a:ext cx="8928992" cy="792088"/>
-              </a:xfrm>
-              <a:prstGeom prst="rect">
-                <a:avLst/>
-              </a:prstGeom>
-              <a:noFill/>
-              <a:ln>
-                <a:noFill/>
-              </a:ln>
-              <a:extLst>
-                <a:ext uri="{909E8E84-426E-40DD-AFC4-6F175D3DCCD1}">
-                  <a14:hiddenFill>
-                    <a:solidFill>
-                      <a:srgbClr val="FFFFFF"/>
-                    </a:solidFill>
-                  </a14:hiddenFill>
-                </a:ext>
-                <a:ext uri="{91240B29-F687-4F45-9708-019B960494DF}">
-                  <a14:hiddenLine w="9525">
-                    <a:solidFill>
-                      <a:srgbClr val="000000"/>
-                    </a:solidFill>
-                    <a:miter lim="800000"/>
-                    <a:headEnd/>
-                    <a:tailEnd/>
-                  </a14:hiddenLine>
-                </a:ext>
-              </a:extLst>
-            </p:spPr>
-            <p:txBody>
-              <a:bodyPr vert="horz" wrap="square" lIns="91440" tIns="45720" rIns="91440" bIns="45720" numCol="1" anchor="t" anchorCtr="0" compatLnSpc="1">
-                <a:prstTxWarp prst="textNoShape">
-                  <a:avLst/>
-                </a:prstTxWarp>
-              </a:bodyPr>
-              <a:lstStyle>
-                <a:lvl1pPr marL="342900" indent="-342900" algn="l" rtl="0" eaLnBrk="0" fontAlgn="base" hangingPunct="0">
-                  <a:spcBef>
-                    <a:spcPct val="20000"/>
-                  </a:spcBef>
-                  <a:spcAft>
-                    <a:spcPct val="0"/>
-                  </a:spcAft>
-                  <a:buFont typeface="Arial" charset="0"/>
-                  <a:buChar char="•"/>
-                  <a:defRPr sz="3200" kern="1200">
-                    <a:solidFill>
-                      <a:schemeClr val="tx1"/>
-                    </a:solidFill>
-                    <a:latin typeface="+mn-lt"/>
-                    <a:ea typeface="+mn-ea"/>
-                    <a:cs typeface="+mn-cs"/>
-                  </a:defRPr>
-                </a:lvl1pPr>
-                <a:lvl2pPr marL="742950" indent="-285750" algn="l" rtl="0" eaLnBrk="0" fontAlgn="base" hangingPunct="0">
-                  <a:spcBef>
-                    <a:spcPct val="20000"/>
-                  </a:spcBef>
-                  <a:spcAft>
-                    <a:spcPct val="0"/>
-                  </a:spcAft>
-                  <a:buFont typeface="Arial" charset="0"/>
-                  <a:buChar char="–"/>
-                  <a:defRPr sz="2800" kern="1200">
-                    <a:solidFill>
-                      <a:schemeClr val="tx1"/>
-                    </a:solidFill>
-                    <a:latin typeface="+mn-lt"/>
-                    <a:ea typeface="+mn-ea"/>
-                    <a:cs typeface="+mn-cs"/>
-                  </a:defRPr>
-                </a:lvl2pPr>
-                <a:lvl3pPr marL="1143000" indent="-228600" algn="l" rtl="0" eaLnBrk="0" fontAlgn="base" hangingPunct="0">
-                  <a:spcBef>
-                    <a:spcPct val="20000"/>
-                  </a:spcBef>
-                  <a:spcAft>
-                    <a:spcPct val="0"/>
-                  </a:spcAft>
-                  <a:buFont typeface="Arial" charset="0"/>
-                  <a:buChar char="•"/>
-                  <a:defRPr sz="2400" kern="1200">
-                    <a:solidFill>
-                      <a:schemeClr val="tx1"/>
-                    </a:solidFill>
-                    <a:latin typeface="+mn-lt"/>
-                    <a:ea typeface="+mn-ea"/>
-                    <a:cs typeface="+mn-cs"/>
-                  </a:defRPr>
-                </a:lvl3pPr>
-                <a:lvl4pPr marL="1600200" indent="-228600" algn="l" rtl="0" eaLnBrk="0" fontAlgn="base" hangingPunct="0">
-                  <a:spcBef>
-                    <a:spcPct val="20000"/>
-                  </a:spcBef>
-                  <a:spcAft>
-                    <a:spcPct val="0"/>
-                  </a:spcAft>
-                  <a:buFont typeface="Arial" charset="0"/>
-                  <a:buChar char="–"/>
-                  <a:defRPr sz="2000" kern="1200">
-                    <a:solidFill>
-                      <a:schemeClr val="tx1"/>
-                    </a:solidFill>
-                    <a:latin typeface="+mn-lt"/>
-                    <a:ea typeface="+mn-ea"/>
-                    <a:cs typeface="+mn-cs"/>
-                  </a:defRPr>
-                </a:lvl4pPr>
-                <a:lvl5pPr marL="2057400" indent="-228600" algn="l" rtl="0" eaLnBrk="0" fontAlgn="base" hangingPunct="0">
-                  <a:spcBef>
-                    <a:spcPct val="20000"/>
-                  </a:spcBef>
-                  <a:spcAft>
-                    <a:spcPct val="0"/>
-                  </a:spcAft>
-                  <a:buFont typeface="Arial" charset="0"/>
-                  <a:buChar char="»"/>
-                  <a:defRPr sz="2000" kern="1200">
-                    <a:solidFill>
-                      <a:schemeClr val="tx1"/>
-                    </a:solidFill>
-                    <a:latin typeface="+mn-lt"/>
-                    <a:ea typeface="+mn-ea"/>
-                    <a:cs typeface="+mn-cs"/>
-                  </a:defRPr>
-                </a:lvl5pPr>
-                <a:lvl6pPr marL="2514600" indent="-228600" algn="l" defTabSz="914400" rtl="0" eaLnBrk="1" latinLnBrk="0" hangingPunct="1">
-                  <a:spcBef>
-                    <a:spcPct val="20000"/>
-                  </a:spcBef>
-                  <a:buFont typeface="Arial" pitchFamily="34" charset="0"/>
-                  <a:buChar char="•"/>
-                  <a:defRPr sz="2000" kern="1200">
-                    <a:solidFill>
-                      <a:schemeClr val="tx1"/>
-                    </a:solidFill>
-                    <a:latin typeface="+mn-lt"/>
-                    <a:ea typeface="+mn-ea"/>
-                    <a:cs typeface="+mn-cs"/>
-                  </a:defRPr>
-                </a:lvl6pPr>
-                <a:lvl7pPr marL="2971800" indent="-228600" algn="l" defTabSz="914400" rtl="0" eaLnBrk="1" latinLnBrk="0" hangingPunct="1">
-                  <a:spcBef>
-                    <a:spcPct val="20000"/>
-                  </a:spcBef>
-                  <a:buFont typeface="Arial" pitchFamily="34" charset="0"/>
-                  <a:buChar char="•"/>
-                  <a:defRPr sz="2000" kern="1200">
-                    <a:solidFill>
-                      <a:schemeClr val="tx1"/>
-                    </a:solidFill>
-                    <a:latin typeface="+mn-lt"/>
-                    <a:ea typeface="+mn-ea"/>
-                    <a:cs typeface="+mn-cs"/>
-                  </a:defRPr>
-                </a:lvl7pPr>
-                <a:lvl8pPr marL="3429000" indent="-228600" algn="l" defTabSz="914400" rtl="0" eaLnBrk="1" latinLnBrk="0" hangingPunct="1">
-                  <a:spcBef>
-                    <a:spcPct val="20000"/>
-                  </a:spcBef>
-                  <a:buFont typeface="Arial" pitchFamily="34" charset="0"/>
-                  <a:buChar char="•"/>
-                  <a:defRPr sz="2000" kern="1200">
-                    <a:solidFill>
-                      <a:schemeClr val="tx1"/>
-                    </a:solidFill>
-                    <a:latin typeface="+mn-lt"/>
-                    <a:ea typeface="+mn-ea"/>
-                    <a:cs typeface="+mn-cs"/>
-                  </a:defRPr>
-                </a:lvl8pPr>
-                <a:lvl9pPr marL="3886200" indent="-228600" algn="l" defTabSz="914400" rtl="0" eaLnBrk="1" latinLnBrk="0" hangingPunct="1">
-                  <a:spcBef>
-                    <a:spcPct val="20000"/>
-                  </a:spcBef>
-                  <a:buFont typeface="Arial" pitchFamily="34" charset="0"/>
-                  <a:buChar char="•"/>
-                  <a:defRPr sz="2000" kern="1200">
-                    <a:solidFill>
-                      <a:schemeClr val="tx1"/>
-                    </a:solidFill>
-                    <a:latin typeface="+mn-lt"/>
-                    <a:ea typeface="+mn-ea"/>
-                    <a:cs typeface="+mn-cs"/>
-                  </a:defRPr>
-                </a:lvl9pPr>
-              </a:lstStyle>
-              <a:p>
-                <a:pPr marL="0" indent="0" algn="just">
-                  <a:lnSpc>
-                    <a:spcPct val="110000"/>
-                  </a:lnSpc>
-                  <a:buNone/>
-                </a:pPr>
-                <a:r>
-                  <a:rPr lang="ru-RU" sz="1800" dirty="0" smtClean="0"/>
-                  <a:t>Последовательно поступающие данные моделируются при помощи распределения Пуассона с параметром </a:t>
-                </a:r>
-                <a14:m>
-                  <m:oMath xmlns:m="http://schemas.openxmlformats.org/officeDocument/2006/math">
-                    <m:r>
-                      <a:rPr lang="ru-RU" sz="1800" i="1">
-                        <a:latin typeface="Cambria Math"/>
-                      </a:rPr>
-                      <m:t>𝜆</m:t>
-                    </m:r>
-                    <m:r>
-                      <a:rPr lang="ru-RU" sz="1800" i="1">
-                        <a:latin typeface="Cambria Math"/>
-                      </a:rPr>
-                      <m:t>=1</m:t>
-                    </m:r>
-                  </m:oMath>
-                </a14:m>
-                <a:r>
-                  <a:rPr lang="ru-RU" sz="1800" dirty="0" smtClean="0"/>
-                  <a:t>.</a:t>
-                </a:r>
-              </a:p>
-            </p:txBody>
-          </p:sp>
-        </mc:Choice>
-        <mc:Fallback>
-          <p:sp>
-            <p:nvSpPr>
-              <p:cNvPr id="205" name="Объект 2"/>
-              <p:cNvSpPr txBox="1">
-                <a:spLocks noRot="1" noChangeAspect="1" noMove="1" noResize="1" noEditPoints="1" noAdjustHandles="1" noChangeArrowheads="1" noChangeShapeType="1" noTextEdit="1"/>
-              </p:cNvSpPr>
-              <p:nvPr/>
-            </p:nvSpPr>
-            <p:spPr bwMode="auto">
-              <a:xfrm>
-                <a:off x="107504" y="764704"/>
-                <a:ext cx="8928992" cy="792088"/>
-              </a:xfrm>
-              <a:prstGeom prst="rect">
-                <a:avLst/>
-              </a:prstGeom>
-              <a:blipFill rotWithShape="1">
-                <a:blip r:embed="rId2"/>
-                <a:stretch>
-                  <a:fillRect l="-615" t="-2308" r="-615"/>
-                </a:stretch>
-              </a:blipFill>
-              <a:ln>
-                <a:noFill/>
-              </a:ln>
-              <a:extLst>
-                <a:ext uri="{909E8E84-426E-40DD-AFC4-6F175D3DCCD1}">
-                  <a14:hiddenFill xmlns:a14="http://schemas.microsoft.com/office/drawing/2010/main">
-                    <a:solidFill>
-                      <a:srgbClr val="FFFFFF"/>
-                    </a:solidFill>
-                  </a14:hiddenFill>
-                </a:ext>
-                <a:ext uri="{91240B29-F687-4F45-9708-019B960494DF}">
-                  <a14:hiddenLine xmlns:a14="http://schemas.microsoft.com/office/drawing/2010/main" w="9525">
-                    <a:solidFill>
-                      <a:srgbClr val="000000"/>
-                    </a:solidFill>
-                    <a:miter lim="800000"/>
-                    <a:headEnd/>
-                    <a:tailEnd/>
-                  </a14:hiddenLine>
-                </a:ext>
-              </a:extLst>
-            </p:spPr>
-            <p:txBody>
-              <a:bodyPr/>
-              <a:lstStyle/>
-              <a:p>
-                <a:r>
-                  <a:rPr lang="ru-RU">
-                    <a:noFill/>
-                  </a:rPr>
-                  <a:t> </a:t>
-                </a:r>
-              </a:p>
-            </p:txBody>
-          </p:sp>
-        </mc:Fallback>
-      </mc:AlternateContent>
+      <p:sp>
+        <p:nvSpPr>
+          <p:cNvPr id="205" name="Объект 2"/>
+          <p:cNvSpPr txBox="1">
+            <a:spLocks/>
+          </p:cNvSpPr>
+          <p:nvPr/>
+        </p:nvSpPr>
+        <p:spPr bwMode="auto">
+          <a:xfrm>
+            <a:off x="107504" y="764704"/>
+            <a:ext cx="8928992" cy="792088"/>
+          </a:xfrm>
+          <a:prstGeom prst="rect">
+            <a:avLst/>
+          </a:prstGeom>
+          <a:noFill/>
+          <a:ln>
+            <a:noFill/>
+          </a:ln>
+          <a:extLst>
+            <a:ext uri="{909E8E84-426E-40DD-AFC4-6F175D3DCCD1}">
+              <a14:hiddenFill xmlns:a14="http://schemas.microsoft.com/office/drawing/2010/main">
+                <a:solidFill>
+                  <a:srgbClr val="FFFFFF"/>
+                </a:solidFill>
+              </a14:hiddenFill>
+            </a:ext>
+            <a:ext uri="{91240B29-F687-4F45-9708-019B960494DF}">
+              <a14:hiddenLine xmlns:a14="http://schemas.microsoft.com/office/drawing/2010/main" w="9525">
+                <a:solidFill>
+                  <a:srgbClr val="000000"/>
+                </a:solidFill>
+                <a:miter lim="800000"/>
+                <a:headEnd/>
+                <a:tailEnd/>
+              </a14:hiddenLine>
+            </a:ext>
+          </a:extLst>
+        </p:spPr>
+        <p:txBody>
+          <a:bodyPr vert="horz" wrap="square" lIns="91440" tIns="45720" rIns="91440" bIns="45720" numCol="1" anchor="t" anchorCtr="0" compatLnSpc="1">
+            <a:prstTxWarp prst="textNoShape">
+              <a:avLst/>
+            </a:prstTxWarp>
+          </a:bodyPr>
+          <a:lstStyle>
+            <a:lvl1pPr marL="342900" indent="-342900" algn="l" rtl="0" eaLnBrk="0" fontAlgn="base" hangingPunct="0">
+              <a:spcBef>
+                <a:spcPct val="20000"/>
+              </a:spcBef>
+              <a:spcAft>
+                <a:spcPct val="0"/>
+              </a:spcAft>
+              <a:buFont typeface="Arial" charset="0"/>
+              <a:buChar char="•"/>
+              <a:defRPr sz="3200" kern="1200">
+                <a:solidFill>
+                  <a:schemeClr val="tx1"/>
+                </a:solidFill>
+                <a:latin typeface="+mn-lt"/>
+                <a:ea typeface="+mn-ea"/>
+                <a:cs typeface="+mn-cs"/>
+              </a:defRPr>
+            </a:lvl1pPr>
+            <a:lvl2pPr marL="742950" indent="-285750" algn="l" rtl="0" eaLnBrk="0" fontAlgn="base" hangingPunct="0">
+              <a:spcBef>
+                <a:spcPct val="20000"/>
+              </a:spcBef>
+              <a:spcAft>
+                <a:spcPct val="0"/>
+              </a:spcAft>
+              <a:buFont typeface="Arial" charset="0"/>
+              <a:buChar char="–"/>
+              <a:defRPr sz="2800" kern="1200">
+                <a:solidFill>
+                  <a:schemeClr val="tx1"/>
+                </a:solidFill>
+                <a:latin typeface="+mn-lt"/>
+                <a:ea typeface="+mn-ea"/>
+                <a:cs typeface="+mn-cs"/>
+              </a:defRPr>
+            </a:lvl2pPr>
+            <a:lvl3pPr marL="1143000" indent="-228600" algn="l" rtl="0" eaLnBrk="0" fontAlgn="base" hangingPunct="0">
+              <a:spcBef>
+                <a:spcPct val="20000"/>
+              </a:spcBef>
+              <a:spcAft>
+                <a:spcPct val="0"/>
+              </a:spcAft>
+              <a:buFont typeface="Arial" charset="0"/>
+              <a:buChar char="•"/>
+              <a:defRPr sz="2400" kern="1200">
+                <a:solidFill>
+                  <a:schemeClr val="tx1"/>
+                </a:solidFill>
+                <a:latin typeface="+mn-lt"/>
+                <a:ea typeface="+mn-ea"/>
+                <a:cs typeface="+mn-cs"/>
+              </a:defRPr>
+            </a:lvl3pPr>
+            <a:lvl4pPr marL="1600200" indent="-228600" algn="l" rtl="0" eaLnBrk="0" fontAlgn="base" hangingPunct="0">
+              <a:spcBef>
+                <a:spcPct val="20000"/>
+              </a:spcBef>
+              <a:spcAft>
+                <a:spcPct val="0"/>
+              </a:spcAft>
+              <a:buFont typeface="Arial" charset="0"/>
+              <a:buChar char="–"/>
+              <a:defRPr sz="2000" kern="1200">
+                <a:solidFill>
+                  <a:schemeClr val="tx1"/>
+                </a:solidFill>
+                <a:latin typeface="+mn-lt"/>
+                <a:ea typeface="+mn-ea"/>
+                <a:cs typeface="+mn-cs"/>
+              </a:defRPr>
+            </a:lvl4pPr>
+            <a:lvl5pPr marL="2057400" indent="-228600" algn="l" rtl="0" eaLnBrk="0" fontAlgn="base" hangingPunct="0">
+              <a:spcBef>
+                <a:spcPct val="20000"/>
+              </a:spcBef>
+              <a:spcAft>
+                <a:spcPct val="0"/>
+              </a:spcAft>
+              <a:buFont typeface="Arial" charset="0"/>
+              <a:buChar char="»"/>
+              <a:defRPr sz="2000" kern="1200">
+                <a:solidFill>
+                  <a:schemeClr val="tx1"/>
+                </a:solidFill>
+                <a:latin typeface="+mn-lt"/>
+                <a:ea typeface="+mn-ea"/>
+                <a:cs typeface="+mn-cs"/>
+              </a:defRPr>
+            </a:lvl5pPr>
+            <a:lvl6pPr marL="2514600" indent="-228600" algn="l" defTabSz="914400" rtl="0" eaLnBrk="1" latinLnBrk="0" hangingPunct="1">
+              <a:spcBef>
+                <a:spcPct val="20000"/>
+              </a:spcBef>
+              <a:buFont typeface="Arial" pitchFamily="34" charset="0"/>
+              <a:buChar char="•"/>
+              <a:defRPr sz="2000" kern="1200">
+                <a:solidFill>
+                  <a:schemeClr val="tx1"/>
+                </a:solidFill>
+                <a:latin typeface="+mn-lt"/>
+                <a:ea typeface="+mn-ea"/>
+                <a:cs typeface="+mn-cs"/>
+              </a:defRPr>
+            </a:lvl6pPr>
+            <a:lvl7pPr marL="2971800" indent="-228600" algn="l" defTabSz="914400" rtl="0" eaLnBrk="1" latinLnBrk="0" hangingPunct="1">
+              <a:spcBef>
+                <a:spcPct val="20000"/>
+              </a:spcBef>
+              <a:buFont typeface="Arial" pitchFamily="34" charset="0"/>
+              <a:buChar char="•"/>
+              <a:defRPr sz="2000" kern="1200">
+                <a:solidFill>
+                  <a:schemeClr val="tx1"/>
+                </a:solidFill>
+                <a:latin typeface="+mn-lt"/>
+                <a:ea typeface="+mn-ea"/>
+                <a:cs typeface="+mn-cs"/>
+              </a:defRPr>
+            </a:lvl7pPr>
+            <a:lvl8pPr marL="3429000" indent="-228600" algn="l" defTabSz="914400" rtl="0" eaLnBrk="1" latinLnBrk="0" hangingPunct="1">
+              <a:spcBef>
+                <a:spcPct val="20000"/>
+              </a:spcBef>
+              <a:buFont typeface="Arial" pitchFamily="34" charset="0"/>
+              <a:buChar char="•"/>
+              <a:defRPr sz="2000" kern="1200">
+                <a:solidFill>
+                  <a:schemeClr val="tx1"/>
+                </a:solidFill>
+                <a:latin typeface="+mn-lt"/>
+                <a:ea typeface="+mn-ea"/>
+                <a:cs typeface="+mn-cs"/>
+              </a:defRPr>
+            </a:lvl8pPr>
+            <a:lvl9pPr marL="3886200" indent="-228600" algn="l" defTabSz="914400" rtl="0" eaLnBrk="1" latinLnBrk="0" hangingPunct="1">
+              <a:spcBef>
+                <a:spcPct val="20000"/>
+              </a:spcBef>
+              <a:buFont typeface="Arial" pitchFamily="34" charset="0"/>
+              <a:buChar char="•"/>
+              <a:defRPr sz="2000" kern="1200">
+                <a:solidFill>
+                  <a:schemeClr val="tx1"/>
+                </a:solidFill>
+                <a:latin typeface="+mn-lt"/>
+                <a:ea typeface="+mn-ea"/>
+                <a:cs typeface="+mn-cs"/>
+              </a:defRPr>
+            </a:lvl9pPr>
+          </a:lstStyle>
+          <a:p>
+            <a:pPr marL="0" indent="0" algn="just">
+              <a:lnSpc>
+                <a:spcPct val="110000"/>
+              </a:lnSpc>
+              <a:buNone/>
+            </a:pPr>
+            <a:r>
+              <a:rPr lang="ru-RU" sz="1800" dirty="0" smtClean="0"/>
+              <a:t>При обучении в режиме реального времени последовательно поступающие данные моделируются при помощи распределения Пуассона </a:t>
+            </a:r>
+            <a:r>
+              <a:rPr lang="ru-RU" sz="1800" dirty="0"/>
+              <a:t>.</a:t>
+            </a:r>
+            <a:endParaRPr lang="ru-RU" sz="1800" dirty="0" smtClean="0"/>
+          </a:p>
+        </p:txBody>
+      </p:sp>
       <p:grpSp>
         <p:nvGrpSpPr>
           <p:cNvPr id="84" name="Группа 83"/>
@@ -25379,7 +23662,7 @@
                       <a:lstStyle/>
                       <a:p>
                         <a:pPr algn="ctr"/>
-                        <a:endParaRPr lang="ru-RU"/>
+                        <a:endParaRPr lang="ru-RU" dirty="0"/>
                       </a:p>
                     </p:txBody>
                   </p:sp>
@@ -25431,7 +23714,7 @@
                         <a:lstStyle/>
                         <a:p>
                           <a:pPr algn="ctr"/>
-                          <a:endParaRPr lang="ru-RU"/>
+                          <a:endParaRPr lang="ru-RU" dirty="0"/>
                         </a:p>
                       </p:txBody>
                     </p:sp>
@@ -25483,7 +23766,7 @@
                           <a:lstStyle/>
                           <a:p>
                             <a:pPr algn="ctr"/>
-                            <a:endParaRPr lang="ru-RU"/>
+                            <a:endParaRPr lang="ru-RU" dirty="0"/>
                           </a:p>
                         </p:txBody>
                       </p:sp>
@@ -25521,7 +23804,7 @@
                           <a:lstStyle/>
                           <a:p>
                             <a:pPr algn="ctr"/>
-                            <a:endParaRPr lang="ru-RU"/>
+                            <a:endParaRPr lang="ru-RU" dirty="0"/>
                           </a:p>
                         </p:txBody>
                       </p:sp>
@@ -25559,7 +23842,7 @@
                           <a:lstStyle/>
                           <a:p>
                             <a:pPr algn="ctr"/>
-                            <a:endParaRPr lang="ru-RU"/>
+                            <a:endParaRPr lang="ru-RU" dirty="0"/>
                           </a:p>
                         </p:txBody>
                       </p:sp>
@@ -25597,7 +23880,7 @@
                           <a:lstStyle/>
                           <a:p>
                             <a:pPr algn="ctr"/>
-                            <a:endParaRPr lang="ru-RU"/>
+                            <a:endParaRPr lang="ru-RU" dirty="0"/>
                           </a:p>
                         </p:txBody>
                       </p:sp>
@@ -25635,7 +23918,7 @@
                           <a:lstStyle/>
                           <a:p>
                             <a:pPr algn="ctr"/>
-                            <a:endParaRPr lang="ru-RU"/>
+                            <a:endParaRPr lang="ru-RU" dirty="0"/>
                           </a:p>
                         </p:txBody>
                       </p:sp>
@@ -26167,12 +24450,12 @@
                   <a:lstStyle/>
                   <a:p>
                     <a:pPr algn="ctr"/>
-                    <a:endParaRPr lang="ru-RU"/>
+                    <a:endParaRPr lang="ru-RU" dirty="0"/>
                   </a:p>
                 </p:txBody>
               </p:sp>
-              <mc:AlternateContent xmlns:mc="http://schemas.openxmlformats.org/markup-compatibility/2006">
-                <mc:Choice xmlns:a14="http://schemas.microsoft.com/office/drawing/2010/main" Requires="a14">
+              <mc:AlternateContent xmlns:mc="http://schemas.openxmlformats.org/markup-compatibility/2006" xmlns:a14="http://schemas.microsoft.com/office/drawing/2010/main">
+                <mc:Choice Requires="a14">
                   <p:sp>
                     <p:nvSpPr>
                       <p:cNvPr id="71" name="TextBox 70"/>
@@ -26195,6 +24478,7 @@
                       </a:bodyPr>
                       <a:lstStyle/>
                       <a:p>
+                        <a:pPr/>
                         <a14:m>
                           <m:oMathPara xmlns:m="http://schemas.openxmlformats.org/officeDocument/2006/math">
                             <m:oMathParaPr>
@@ -26234,7 +24518,7 @@
                     </p:txBody>
                   </p:sp>
                 </mc:Choice>
-                <mc:Fallback>
+                <mc:Fallback xmlns="">
                   <p:sp>
                     <p:nvSpPr>
                       <p:cNvPr id="71" name="TextBox 70"/>
@@ -26386,7 +24670,7 @@
                       <a:lstStyle/>
                       <a:p>
                         <a:pPr algn="ctr"/>
-                        <a:endParaRPr lang="ru-RU"/>
+                        <a:endParaRPr lang="ru-RU" dirty="0"/>
                       </a:p>
                     </p:txBody>
                   </p:sp>
@@ -26438,7 +24722,7 @@
                         <a:lstStyle/>
                         <a:p>
                           <a:pPr algn="ctr"/>
-                          <a:endParaRPr lang="ru-RU"/>
+                          <a:endParaRPr lang="ru-RU" dirty="0"/>
                         </a:p>
                       </p:txBody>
                     </p:sp>
@@ -26490,7 +24774,7 @@
                           <a:lstStyle/>
                           <a:p>
                             <a:pPr algn="ctr"/>
-                            <a:endParaRPr lang="ru-RU"/>
+                            <a:endParaRPr lang="ru-RU" dirty="0"/>
                           </a:p>
                         </p:txBody>
                       </p:sp>
@@ -26528,7 +24812,7 @@
                           <a:lstStyle/>
                           <a:p>
                             <a:pPr algn="ctr"/>
-                            <a:endParaRPr lang="ru-RU"/>
+                            <a:endParaRPr lang="ru-RU" dirty="0"/>
                           </a:p>
                         </p:txBody>
                       </p:sp>
@@ -26566,7 +24850,7 @@
                           <a:lstStyle/>
                           <a:p>
                             <a:pPr algn="ctr"/>
-                            <a:endParaRPr lang="ru-RU"/>
+                            <a:endParaRPr lang="ru-RU" dirty="0"/>
                           </a:p>
                         </p:txBody>
                       </p:sp>
@@ -26604,7 +24888,7 @@
                           <a:lstStyle/>
                           <a:p>
                             <a:pPr algn="ctr"/>
-                            <a:endParaRPr lang="ru-RU"/>
+                            <a:endParaRPr lang="ru-RU" dirty="0"/>
                           </a:p>
                         </p:txBody>
                       </p:sp>
@@ -26642,7 +24926,7 @@
                           <a:lstStyle/>
                           <a:p>
                             <a:pPr algn="ctr"/>
-                            <a:endParaRPr lang="ru-RU"/>
+                            <a:endParaRPr lang="ru-RU" dirty="0"/>
                           </a:p>
                         </p:txBody>
                       </p:sp>
@@ -27174,12 +25458,12 @@
                   <a:lstStyle/>
                   <a:p>
                     <a:pPr algn="ctr"/>
-                    <a:endParaRPr lang="ru-RU"/>
+                    <a:endParaRPr lang="ru-RU" dirty="0"/>
                   </a:p>
                 </p:txBody>
               </p:sp>
-              <mc:AlternateContent xmlns:mc="http://schemas.openxmlformats.org/markup-compatibility/2006">
-                <mc:Choice xmlns:a14="http://schemas.microsoft.com/office/drawing/2010/main" Requires="a14">
+              <mc:AlternateContent xmlns:mc="http://schemas.openxmlformats.org/markup-compatibility/2006" xmlns:a14="http://schemas.microsoft.com/office/drawing/2010/main">
+                <mc:Choice Requires="a14">
                   <p:sp>
                     <p:nvSpPr>
                       <p:cNvPr id="194" name="TextBox 193"/>
@@ -27202,6 +25486,7 @@
                       </a:bodyPr>
                       <a:lstStyle/>
                       <a:p>
+                        <a:pPr/>
                         <a14:m>
                           <m:oMathPara xmlns:m="http://schemas.openxmlformats.org/officeDocument/2006/math">
                             <m:oMathParaPr>
@@ -27241,7 +25526,7 @@
                     </p:txBody>
                   </p:sp>
                 </mc:Choice>
-                <mc:Fallback>
+                <mc:Fallback xmlns="">
                   <p:sp>
                     <p:nvSpPr>
                       <p:cNvPr id="194" name="TextBox 193"/>
@@ -27295,8 +25580,8 @@
                   <a:chExt cx="729687" cy="1139354"/>
                 </a:xfrm>
               </p:grpSpPr>
-              <mc:AlternateContent xmlns:mc="http://schemas.openxmlformats.org/markup-compatibility/2006">
-                <mc:Choice xmlns:a14="http://schemas.microsoft.com/office/drawing/2010/main" Requires="a14">
+              <mc:AlternateContent xmlns:mc="http://schemas.openxmlformats.org/markup-compatibility/2006" xmlns:a14="http://schemas.microsoft.com/office/drawing/2010/main">
+                <mc:Choice Requires="a14">
                   <p:sp>
                     <p:nvSpPr>
                       <p:cNvPr id="192" name="TextBox 191"/>
@@ -27319,6 +25604,7 @@
                       </a:bodyPr>
                       <a:lstStyle/>
                       <a:p>
+                        <a:pPr/>
                         <a14:m>
                           <m:oMathPara xmlns:m="http://schemas.openxmlformats.org/officeDocument/2006/math">
                             <m:oMathParaPr>
@@ -27339,7 +25625,7 @@
                     </p:txBody>
                   </p:sp>
                 </mc:Choice>
-                <mc:Fallback>
+                <mc:Fallback xmlns="">
                   <p:sp>
                     <p:nvSpPr>
                       <p:cNvPr id="192" name="TextBox 191"/>
@@ -27378,8 +25664,8 @@
                   </p:sp>
                 </mc:Fallback>
               </mc:AlternateContent>
-              <mc:AlternateContent xmlns:mc="http://schemas.openxmlformats.org/markup-compatibility/2006">
-                <mc:Choice xmlns:a14="http://schemas.microsoft.com/office/drawing/2010/main" Requires="a14">
+              <mc:AlternateContent xmlns:mc="http://schemas.openxmlformats.org/markup-compatibility/2006" xmlns:a14="http://schemas.microsoft.com/office/drawing/2010/main">
+                <mc:Choice Requires="a14">
                   <p:sp>
                     <p:nvSpPr>
                       <p:cNvPr id="195" name="TextBox 194"/>
@@ -27406,7 +25692,7 @@
                           <m:oMath xmlns:m="http://schemas.openxmlformats.org/officeDocument/2006/math">
                             <m:r>
                               <a:rPr lang="en-US" b="0" i="1" smtClean="0">
-                                <a:latin typeface="+mj-lt"/>
+                                <a:latin typeface="Cambria Math"/>
                               </a:rPr>
                               <m:t>𝐾</m:t>
                             </m:r>
@@ -27431,7 +25717,7 @@
                     </p:txBody>
                   </p:sp>
                 </mc:Choice>
-                <mc:Fallback>
+                <mc:Fallback xmlns="">
                   <p:sp>
                     <p:nvSpPr>
                       <p:cNvPr id="195" name="TextBox 194"/>
@@ -27603,7 +25889,7 @@
                       <a:lstStyle/>
                       <a:p>
                         <a:pPr algn="ctr"/>
-                        <a:endParaRPr lang="ru-RU"/>
+                        <a:endParaRPr lang="ru-RU" dirty="0"/>
                       </a:p>
                     </p:txBody>
                   </p:sp>
@@ -27643,7 +25929,7 @@
                       <a:lstStyle/>
                       <a:p>
                         <a:pPr algn="ctr"/>
-                        <a:endParaRPr lang="ru-RU"/>
+                        <a:endParaRPr lang="ru-RU" dirty="0"/>
                       </a:p>
                     </p:txBody>
                   </p:sp>
@@ -27683,7 +25969,7 @@
                       <a:lstStyle/>
                       <a:p>
                         <a:pPr algn="ctr"/>
-                        <a:endParaRPr lang="ru-RU"/>
+                        <a:endParaRPr lang="ru-RU" dirty="0"/>
                       </a:p>
                     </p:txBody>
                   </p:sp>
@@ -28062,7 +26348,7 @@
                           </a:bodyPr>
                           <a:lstStyle/>
                           <a:p>
-                            <a:endParaRPr lang="ru-RU"/>
+                            <a:endParaRPr lang="ru-RU" dirty="0"/>
                           </a:p>
                         </p:txBody>
                       </p:sp>
@@ -28118,7 +26404,7 @@
                             </a:bodyPr>
                             <a:lstStyle/>
                             <a:p>
-                              <a:endParaRPr lang="ru-RU"/>
+                              <a:endParaRPr lang="ru-RU" dirty="0"/>
                             </a:p>
                           </p:txBody>
                         </p:sp>
@@ -28162,7 +26448,7 @@
                             </a:bodyPr>
                             <a:lstStyle/>
                             <a:p>
-                              <a:endParaRPr lang="ru-RU"/>
+                              <a:endParaRPr lang="ru-RU" dirty="0"/>
                             </a:p>
                           </p:txBody>
                         </p:sp>
@@ -28219,7 +26505,7 @@
                             </a:bodyPr>
                             <a:lstStyle/>
                             <a:p>
-                              <a:endParaRPr lang="ru-RU"/>
+                              <a:endParaRPr lang="ru-RU" dirty="0"/>
                             </a:p>
                           </p:txBody>
                         </p:sp>
@@ -28263,7 +26549,7 @@
                             </a:bodyPr>
                             <a:lstStyle/>
                             <a:p>
-                              <a:endParaRPr lang="ru-RU"/>
+                              <a:endParaRPr lang="ru-RU" dirty="0"/>
                             </a:p>
                           </p:txBody>
                         </p:sp>
@@ -28305,7 +26591,7 @@
                             </a:bodyPr>
                             <a:lstStyle/>
                             <a:p>
-                              <a:endParaRPr lang="ru-RU"/>
+                              <a:endParaRPr lang="ru-RU" dirty="0"/>
                             </a:p>
                           </p:txBody>
                         </p:sp>
@@ -28364,7 +26650,7 @@
                             </a:bodyPr>
                             <a:lstStyle/>
                             <a:p>
-                              <a:endParaRPr lang="ru-RU"/>
+                              <a:endParaRPr lang="ru-RU" dirty="0"/>
                             </a:p>
                           </p:txBody>
                         </p:sp>
@@ -28406,7 +26692,7 @@
                             </a:bodyPr>
                             <a:lstStyle/>
                             <a:p>
-                              <a:endParaRPr lang="ru-RU"/>
+                              <a:endParaRPr lang="ru-RU" dirty="0"/>
                             </a:p>
                           </p:txBody>
                         </p:sp>
@@ -28450,7 +26736,7 @@
                             </a:bodyPr>
                             <a:lstStyle/>
                             <a:p>
-                              <a:endParaRPr lang="ru-RU"/>
+                              <a:endParaRPr lang="ru-RU" dirty="0"/>
                             </a:p>
                           </p:txBody>
                         </p:sp>
@@ -28492,7 +26778,7 @@
                             </a:bodyPr>
                             <a:lstStyle/>
                             <a:p>
-                              <a:endParaRPr lang="ru-RU"/>
+                              <a:endParaRPr lang="ru-RU" dirty="0"/>
                             </a:p>
                           </p:txBody>
                         </p:sp>
@@ -28549,7 +26835,7 @@
                             </a:bodyPr>
                             <a:lstStyle/>
                             <a:p>
-                              <a:endParaRPr lang="ru-RU"/>
+                              <a:endParaRPr lang="ru-RU" dirty="0"/>
                             </a:p>
                           </p:txBody>
                         </p:sp>
@@ -28593,7 +26879,7 @@
                             </a:bodyPr>
                             <a:lstStyle/>
                             <a:p>
-                              <a:endParaRPr lang="ru-RU"/>
+                              <a:endParaRPr lang="ru-RU" dirty="0"/>
                             </a:p>
                           </p:txBody>
                         </p:sp>
@@ -28652,7 +26938,7 @@
                           </a:bodyPr>
                           <a:lstStyle/>
                           <a:p>
-                            <a:endParaRPr lang="ru-RU"/>
+                            <a:endParaRPr lang="ru-RU" dirty="0"/>
                           </a:p>
                         </p:txBody>
                       </p:sp>
@@ -28708,7 +26994,7 @@
                             </a:bodyPr>
                             <a:lstStyle/>
                             <a:p>
-                              <a:endParaRPr lang="ru-RU"/>
+                              <a:endParaRPr lang="ru-RU" dirty="0"/>
                             </a:p>
                           </p:txBody>
                         </p:sp>
@@ -28752,7 +27038,7 @@
                             </a:bodyPr>
                             <a:lstStyle/>
                             <a:p>
-                              <a:endParaRPr lang="ru-RU"/>
+                              <a:endParaRPr lang="ru-RU" dirty="0"/>
                             </a:p>
                           </p:txBody>
                         </p:sp>
@@ -28809,7 +27095,7 @@
                             </a:bodyPr>
                             <a:lstStyle/>
                             <a:p>
-                              <a:endParaRPr lang="ru-RU"/>
+                              <a:endParaRPr lang="ru-RU" dirty="0"/>
                             </a:p>
                           </p:txBody>
                         </p:sp>
@@ -28853,7 +27139,7 @@
                             </a:bodyPr>
                             <a:lstStyle/>
                             <a:p>
-                              <a:endParaRPr lang="ru-RU"/>
+                              <a:endParaRPr lang="ru-RU" dirty="0"/>
                             </a:p>
                           </p:txBody>
                         </p:sp>
@@ -28895,7 +27181,7 @@
                             </a:bodyPr>
                             <a:lstStyle/>
                             <a:p>
-                              <a:endParaRPr lang="ru-RU"/>
+                              <a:endParaRPr lang="ru-RU" dirty="0"/>
                             </a:p>
                           </p:txBody>
                         </p:sp>
@@ -28954,7 +27240,7 @@
                             </a:bodyPr>
                             <a:lstStyle/>
                             <a:p>
-                              <a:endParaRPr lang="ru-RU"/>
+                              <a:endParaRPr lang="ru-RU" dirty="0"/>
                             </a:p>
                           </p:txBody>
                         </p:sp>
@@ -28996,7 +27282,7 @@
                             </a:bodyPr>
                             <a:lstStyle/>
                             <a:p>
-                              <a:endParaRPr lang="ru-RU"/>
+                              <a:endParaRPr lang="ru-RU" dirty="0"/>
                             </a:p>
                           </p:txBody>
                         </p:sp>
@@ -29040,7 +27326,7 @@
                             </a:bodyPr>
                             <a:lstStyle/>
                             <a:p>
-                              <a:endParaRPr lang="ru-RU"/>
+                              <a:endParaRPr lang="ru-RU" dirty="0"/>
                             </a:p>
                           </p:txBody>
                         </p:sp>
@@ -29082,7 +27368,7 @@
                             </a:bodyPr>
                             <a:lstStyle/>
                             <a:p>
-                              <a:endParaRPr lang="ru-RU"/>
+                              <a:endParaRPr lang="ru-RU" dirty="0"/>
                             </a:p>
                           </p:txBody>
                         </p:sp>
@@ -29139,7 +27425,7 @@
                             </a:bodyPr>
                             <a:lstStyle/>
                             <a:p>
-                              <a:endParaRPr lang="ru-RU"/>
+                              <a:endParaRPr lang="ru-RU" dirty="0"/>
                             </a:p>
                           </p:txBody>
                         </p:sp>
@@ -29183,14 +27469,14 @@
                             </a:bodyPr>
                             <a:lstStyle/>
                             <a:p>
-                              <a:endParaRPr lang="ru-RU"/>
+                              <a:endParaRPr lang="ru-RU" dirty="0"/>
                             </a:p>
                           </p:txBody>
                         </p:sp>
                       </p:grpSp>
                     </p:grpSp>
-                    <mc:AlternateContent xmlns:mc="http://schemas.openxmlformats.org/markup-compatibility/2006">
-                      <mc:Choice xmlns:a14="http://schemas.microsoft.com/office/drawing/2010/main" Requires="a14">
+                    <mc:AlternateContent xmlns:mc="http://schemas.openxmlformats.org/markup-compatibility/2006" xmlns:a14="http://schemas.microsoft.com/office/drawing/2010/main">
+                      <mc:Choice Requires="a14">
                         <p:sp>
                           <p:nvSpPr>
                             <p:cNvPr id="10" name="TextBox 9"/>
@@ -29213,6 +27499,7 @@
                             </a:bodyPr>
                             <a:lstStyle/>
                             <a:p>
+                              <a:pPr/>
                               <a14:m>
                                 <m:oMathPara xmlns:m="http://schemas.openxmlformats.org/officeDocument/2006/math">
                                   <m:oMathParaPr>
@@ -29233,7 +27520,7 @@
                           </p:txBody>
                         </p:sp>
                       </mc:Choice>
-                      <mc:Fallback>
+                      <mc:Fallback xmlns="">
                         <p:sp>
                           <p:nvSpPr>
                             <p:cNvPr id="10" name="TextBox 9"/>
@@ -29309,7 +27596,7 @@
                       <a:lstStyle/>
                       <a:p>
                         <a:pPr algn="ctr"/>
-                        <a:endParaRPr lang="ru-RU"/>
+                        <a:endParaRPr lang="ru-RU" dirty="0"/>
                       </a:p>
                     </p:txBody>
                   </p:sp>
@@ -29349,7 +27636,7 @@
                       <a:lstStyle/>
                       <a:p>
                         <a:pPr algn="ctr"/>
-                        <a:endParaRPr lang="ru-RU"/>
+                        <a:endParaRPr lang="ru-RU" dirty="0"/>
                       </a:p>
                     </p:txBody>
                   </p:sp>
@@ -29389,7 +27676,7 @@
                       <a:lstStyle/>
                       <a:p>
                         <a:pPr algn="ctr"/>
-                        <a:endParaRPr lang="ru-RU"/>
+                        <a:endParaRPr lang="ru-RU" dirty="0"/>
                       </a:p>
                     </p:txBody>
                   </p:sp>
@@ -29429,7 +27716,7 @@
                       <a:lstStyle/>
                       <a:p>
                         <a:pPr algn="ctr"/>
-                        <a:endParaRPr lang="ru-RU"/>
+                        <a:endParaRPr lang="ru-RU" dirty="0"/>
                       </a:p>
                     </p:txBody>
                   </p:sp>
@@ -29469,7 +27756,7 @@
                       <a:lstStyle/>
                       <a:p>
                         <a:pPr algn="ctr"/>
-                        <a:endParaRPr lang="ru-RU"/>
+                        <a:endParaRPr lang="ru-RU" dirty="0"/>
                       </a:p>
                     </p:txBody>
                   </p:sp>
@@ -29509,7 +27796,7 @@
                       <a:lstStyle/>
                       <a:p>
                         <a:pPr algn="ctr"/>
-                        <a:endParaRPr lang="ru-RU"/>
+                        <a:endParaRPr lang="ru-RU" dirty="0"/>
                       </a:p>
                     </p:txBody>
                   </p:sp>
@@ -29549,7 +27836,7 @@
                       <a:lstStyle/>
                       <a:p>
                         <a:pPr algn="ctr"/>
-                        <a:endParaRPr lang="ru-RU"/>
+                        <a:endParaRPr lang="ru-RU" dirty="0"/>
                       </a:p>
                     </p:txBody>
                   </p:sp>
@@ -29589,7 +27876,7 @@
                       <a:lstStyle/>
                       <a:p>
                         <a:pPr algn="ctr"/>
-                        <a:endParaRPr lang="ru-RU"/>
+                        <a:endParaRPr lang="ru-RU" dirty="0"/>
                       </a:p>
                     </p:txBody>
                   </p:sp>
@@ -29629,14 +27916,14 @@
                       <a:lstStyle/>
                       <a:p>
                         <a:pPr algn="ctr"/>
-                        <a:endParaRPr lang="ru-RU"/>
+                        <a:endParaRPr lang="ru-RU" dirty="0"/>
                       </a:p>
                     </p:txBody>
                   </p:sp>
                 </p:grpSp>
               </p:grpSp>
-              <mc:AlternateContent xmlns:mc="http://schemas.openxmlformats.org/markup-compatibility/2006">
-                <mc:Choice xmlns:a14="http://schemas.microsoft.com/office/drawing/2010/main" Requires="a14">
+              <mc:AlternateContent xmlns:mc="http://schemas.openxmlformats.org/markup-compatibility/2006" xmlns:a14="http://schemas.microsoft.com/office/drawing/2010/main">
+                <mc:Choice Requires="a14">
                   <p:sp>
                     <p:nvSpPr>
                       <p:cNvPr id="107" name="Объект 2"/>
@@ -30024,7 +28311,7 @@
                     </p:txBody>
                   </p:sp>
                 </mc:Choice>
-                <mc:Fallback>
+                <mc:Fallback xmlns="">
                   <p:sp>
                     <p:nvSpPr>
                       <p:cNvPr id="107" name="Объект 2"/>
@@ -30085,8 +28372,8 @@
                   </p:sp>
                 </mc:Fallback>
               </mc:AlternateContent>
-              <mc:AlternateContent xmlns:mc="http://schemas.openxmlformats.org/markup-compatibility/2006">
-                <mc:Choice xmlns:a14="http://schemas.microsoft.com/office/drawing/2010/main" Requires="a14">
+              <mc:AlternateContent xmlns:mc="http://schemas.openxmlformats.org/markup-compatibility/2006" xmlns:a14="http://schemas.microsoft.com/office/drawing/2010/main">
+                <mc:Choice Requires="a14">
                   <p:sp>
                     <p:nvSpPr>
                       <p:cNvPr id="112" name="Объект 2"/>
@@ -30474,7 +28761,7 @@
                     </p:txBody>
                   </p:sp>
                 </mc:Choice>
-                <mc:Fallback>
+                <mc:Fallback xmlns="">
                   <p:sp>
                     <p:nvSpPr>
                       <p:cNvPr id="112" name="Объект 2"/>
@@ -30571,7 +28858,7 @@
                   <a:lstStyle/>
                   <a:p>
                     <a:pPr algn="ctr"/>
-                    <a:endParaRPr lang="ru-RU"/>
+                    <a:endParaRPr lang="ru-RU" dirty="0"/>
                   </a:p>
                 </p:txBody>
               </p:sp>
@@ -30611,13 +28898,13 @@
                   <a:lstStyle/>
                   <a:p>
                     <a:pPr algn="ctr"/>
-                    <a:endParaRPr lang="ru-RU"/>
+                    <a:endParaRPr lang="ru-RU" dirty="0"/>
                   </a:p>
                 </p:txBody>
               </p:sp>
             </p:grpSp>
-            <mc:AlternateContent xmlns:mc="http://schemas.openxmlformats.org/markup-compatibility/2006">
-              <mc:Choice xmlns:a14="http://schemas.microsoft.com/office/drawing/2010/main" Requires="a14">
+            <mc:AlternateContent xmlns:mc="http://schemas.openxmlformats.org/markup-compatibility/2006" xmlns:a14="http://schemas.microsoft.com/office/drawing/2010/main">
+              <mc:Choice Requires="a14">
                 <p:sp>
                   <p:nvSpPr>
                     <p:cNvPr id="74" name="TextBox 73"/>
@@ -30640,6 +28927,7 @@
                     </a:bodyPr>
                     <a:lstStyle/>
                     <a:p>
+                      <a:pPr/>
                       <a14:m>
                         <m:oMathPara xmlns:m="http://schemas.openxmlformats.org/officeDocument/2006/math">
                           <m:oMathParaPr>
@@ -30679,7 +28967,7 @@
                   </p:txBody>
                 </p:sp>
               </mc:Choice>
-              <mc:Fallback>
+              <mc:Fallback xmlns="">
                 <p:sp>
                   <p:nvSpPr>
                     <p:cNvPr id="74" name="TextBox 73"/>
@@ -30718,8 +29006,8 @@
                 </p:sp>
               </mc:Fallback>
             </mc:AlternateContent>
-            <mc:AlternateContent xmlns:mc="http://schemas.openxmlformats.org/markup-compatibility/2006">
-              <mc:Choice xmlns:a14="http://schemas.microsoft.com/office/drawing/2010/main" Requires="a14">
+            <mc:AlternateContent xmlns:mc="http://schemas.openxmlformats.org/markup-compatibility/2006" xmlns:a14="http://schemas.microsoft.com/office/drawing/2010/main">
+              <mc:Choice Requires="a14">
                 <p:sp>
                   <p:nvSpPr>
                     <p:cNvPr id="197" name="TextBox 196"/>
@@ -30742,6 +29030,7 @@
                     </a:bodyPr>
                     <a:lstStyle/>
                     <a:p>
+                      <a:pPr/>
                       <a14:m>
                         <m:oMathPara xmlns:m="http://schemas.openxmlformats.org/officeDocument/2006/math">
                           <m:oMathParaPr>
@@ -30781,7 +29070,7 @@
                   </p:txBody>
                 </p:sp>
               </mc:Choice>
-              <mc:Fallback>
+              <mc:Fallback xmlns="">
                 <p:sp>
                   <p:nvSpPr>
                     <p:cNvPr id="197" name="TextBox 196"/>
@@ -30832,7 +29121,7 @@
               </p:nvSpPr>
               <p:spPr>
                 <a:xfrm>
-                  <a:off x="107504" y="5301208"/>
+                  <a:off x="107504" y="5415128"/>
                   <a:ext cx="3240360" cy="946093"/>
                 </a:xfrm>
                 <a:prstGeom prst="rect">
@@ -30858,19 +29147,19 @@
                     <m:oMath xmlns:m="http://schemas.openxmlformats.org/officeDocument/2006/math">
                       <m:r>
                         <a:rPr lang="en-US" b="0" i="1" smtClean="0">
-                          <a:latin typeface="+mj-lt"/>
+                          <a:latin typeface="Cambria Math"/>
                         </a:rPr>
                         <m:t>𝐾</m:t>
                       </m:r>
                       <m:r>
                         <a:rPr lang="ru-RU" i="1">
-                          <a:latin typeface="+mj-lt"/>
+                          <a:latin typeface="Cambria Math"/>
                         </a:rPr>
                         <m:t>~</m:t>
                       </m:r>
                       <m:r>
                         <a:rPr lang="ru-RU" i="1">
-                          <a:latin typeface="+mj-lt"/>
+                          <a:latin typeface="Cambria Math"/>
                         </a:rPr>
                         <m:t>𝑃𝑜𝑖𝑠𝑠𝑜𝑛</m:t>
                       </m:r>
@@ -30878,14 +29167,14 @@
                         <m:dPr>
                           <m:ctrlPr>
                             <a:rPr lang="ru-RU" i="1">
-                              <a:latin typeface="+mj-lt"/>
+                              <a:latin typeface="Cambria Math"/>
                             </a:rPr>
                           </m:ctrlPr>
                         </m:dPr>
                         <m:e>
                           <m:r>
                             <a:rPr lang="ru-RU" i="1">
-                              <a:latin typeface="+mj-lt"/>
+                              <a:latin typeface="Cambria Math"/>
                             </a:rPr>
                             <m:t>1</m:t>
                           </m:r>
@@ -30911,14 +29200,14 @@
                         <m:sSubSupPr>
                           <m:ctrlPr>
                             <a:rPr lang="en-US" b="0" i="1" smtClean="0">
-                              <a:latin typeface="+mj-lt"/>
+                              <a:latin typeface="Cambria Math"/>
                             </a:rPr>
                           </m:ctrlPr>
                         </m:sSubSupPr>
                         <m:e>
                           <m:r>
                             <a:rPr lang="en-US" i="1">
-                              <a:latin typeface="+mj-lt"/>
+                              <a:latin typeface="Cambria Math"/>
                             </a:rPr>
                             <m:t>𝑄</m:t>
                           </m:r>
@@ -30926,7 +29215,7 @@
                         <m:sub>
                           <m:r>
                             <a:rPr lang="en-US" b="0" i="1" smtClean="0">
-                              <a:latin typeface="+mj-lt"/>
+                              <a:latin typeface="Cambria Math"/>
                             </a:rPr>
                             <m:t>𝑡</m:t>
                           </m:r>
@@ -30934,7 +29223,7 @@
                         <m:sup>
                           <m:r>
                             <a:rPr lang="en-US" b="0" i="1" smtClean="0">
-                              <a:latin typeface="+mj-lt"/>
+                              <a:latin typeface="Cambria Math"/>
                             </a:rPr>
                             <m:t>𝑛</m:t>
                           </m:r>
@@ -30972,7 +29261,7 @@
               </p:nvSpPr>
               <p:spPr>
                 <a:xfrm>
-                  <a:off x="107504" y="5301208"/>
+                  <a:off x="107504" y="5415128"/>
                   <a:ext cx="3240360" cy="946093"/>
                 </a:xfrm>
                 <a:prstGeom prst="rect">
@@ -30981,7 +29270,7 @@
                 <a:blipFill rotWithShape="1">
                   <a:blip r:embed="rId16"/>
                   <a:stretch>
-                    <a:fillRect l="-1504" t="-3226" b="-7742"/>
+                    <a:fillRect l="-1504" t="-3226" b="-7097"/>
                   </a:stretch>
                 </a:blipFill>
               </p:spPr>
@@ -31000,8 +29289,8 @@
             </p:sp>
           </mc:Fallback>
         </mc:AlternateContent>
-        <mc:AlternateContent xmlns:mc="http://schemas.openxmlformats.org/markup-compatibility/2006">
-          <mc:Choice xmlns:a14="http://schemas.microsoft.com/office/drawing/2010/main" Requires="a14">
+        <mc:AlternateContent xmlns:mc="http://schemas.openxmlformats.org/markup-compatibility/2006" xmlns:a14="http://schemas.microsoft.com/office/drawing/2010/main">
+          <mc:Choice Requires="a14">
             <p:sp>
               <p:nvSpPr>
                 <p:cNvPr id="83" name="TextBox 82"/>
@@ -31024,6 +29313,7 @@
                 </a:bodyPr>
                 <a:lstStyle/>
                 <a:p>
+                  <a:pPr/>
                   <a14:m>
                     <m:oMathPara xmlns:m="http://schemas.openxmlformats.org/officeDocument/2006/math">
                       <m:oMathParaPr>
@@ -31063,7 +29353,7 @@
               </p:txBody>
             </p:sp>
           </mc:Choice>
-          <mc:Fallback>
+          <mc:Fallback xmlns="">
             <p:sp>
               <p:nvSpPr>
                 <p:cNvPr id="83" name="TextBox 82"/>
@@ -31116,6 +29406,653 @@
   <mc:AlternateContent xmlns:mc="http://schemas.openxmlformats.org/markup-compatibility/2006" xmlns:p14="http://schemas.microsoft.com/office/powerpoint/2010/main">
     <mc:Choice Requires="p14">
       <p:transition p14:dur="10"/>
+    </mc:Choice>
+    <mc:Fallback xmlns="">
+      <p:transition/>
+    </mc:Fallback>
+  </mc:AlternateContent>
+  <p:timing>
+    <p:tnLst>
+      <p:par>
+        <p:cTn id="1" dur="indefinite" restart="never" nodeType="tmRoot"/>
+      </p:par>
+    </p:tnLst>
+  </p:timing>
+</p:sld>
+</file>
+
+<file path=ppt/slides/slide9.xml><?xml version="1.0" encoding="utf-8"?>
+<p:sld xmlns:a="http://schemas.openxmlformats.org/drawingml/2006/main" xmlns:r="http://schemas.openxmlformats.org/officeDocument/2006/relationships" xmlns:p="http://schemas.openxmlformats.org/presentationml/2006/main">
+  <p:cSld>
+    <p:spTree>
+      <p:nvGrpSpPr>
+        <p:cNvPr id="1" name=""/>
+        <p:cNvGrpSpPr/>
+        <p:nvPr/>
+      </p:nvGrpSpPr>
+      <p:grpSpPr>
+        <a:xfrm>
+          <a:off x="0" y="0"/>
+          <a:ext cx="0" cy="0"/>
+          <a:chOff x="0" y="0"/>
+          <a:chExt cx="0" cy="0"/>
+        </a:xfrm>
+      </p:grpSpPr>
+      <p:sp>
+        <p:nvSpPr>
+          <p:cNvPr id="2" name="Заголовок 1"/>
+          <p:cNvSpPr>
+            <a:spLocks noGrp="1"/>
+          </p:cNvSpPr>
+          <p:nvPr>
+            <p:ph type="title"/>
+          </p:nvPr>
+        </p:nvSpPr>
+        <p:spPr>
+          <a:xfrm>
+            <a:off x="0" y="-18256"/>
+            <a:ext cx="9144000" cy="638944"/>
+          </a:xfrm>
+        </p:spPr>
+        <p:txBody>
+          <a:bodyPr/>
+          <a:lstStyle/>
+          <a:p>
+            <a:r>
+              <a:rPr lang="ru-RU" sz="2800" dirty="0" smtClean="0"/>
+              <a:t>Вероятность ошибочной классификации.</a:t>
+            </a:r>
+            <a:endParaRPr lang="ru-RU" sz="2800" dirty="0"/>
+          </a:p>
+        </p:txBody>
+      </p:sp>
+      <p:sp>
+        <p:nvSpPr>
+          <p:cNvPr id="4" name="Номер слайда 3"/>
+          <p:cNvSpPr>
+            <a:spLocks noGrp="1"/>
+          </p:cNvSpPr>
+          <p:nvPr>
+            <p:ph type="sldNum" sz="quarter" idx="12"/>
+          </p:nvPr>
+        </p:nvSpPr>
+        <p:spPr/>
+        <p:txBody>
+          <a:bodyPr/>
+          <a:lstStyle/>
+          <a:p>
+            <a:pPr>
+              <a:defRPr/>
+            </a:pPr>
+            <a:fld id="{D9A5B0CD-1A21-4D6E-8B68-A7BE40C63E29}" type="slidenum">
+              <a:rPr lang="ru-RU" altLang="ru-RU" smtClean="0"/>
+              <a:pPr>
+                <a:defRPr/>
+              </a:pPr>
+              <a:t>9</a:t>
+            </a:fld>
+            <a:r>
+              <a:rPr lang="en-US" altLang="ru-RU" dirty="0" smtClean="0"/>
+              <a:t>/12</a:t>
+            </a:r>
+            <a:endParaRPr lang="ru-RU" altLang="ru-RU" dirty="0"/>
+          </a:p>
+        </p:txBody>
+      </p:sp>
+      <p:cxnSp>
+        <p:nvCxnSpPr>
+          <p:cNvPr id="9" name="Прямая соединительная линия 8"/>
+          <p:cNvCxnSpPr/>
+          <p:nvPr/>
+        </p:nvCxnSpPr>
+        <p:spPr>
+          <a:xfrm>
+            <a:off x="0" y="620688"/>
+            <a:ext cx="9144000" cy="0"/>
+          </a:xfrm>
+          <a:prstGeom prst="line">
+            <a:avLst/>
+          </a:prstGeom>
+        </p:spPr>
+        <p:style>
+          <a:lnRef idx="2">
+            <a:schemeClr val="dk1"/>
+          </a:lnRef>
+          <a:fillRef idx="0">
+            <a:schemeClr val="dk1"/>
+          </a:fillRef>
+          <a:effectRef idx="1">
+            <a:schemeClr val="dk1"/>
+          </a:effectRef>
+          <a:fontRef idx="minor">
+            <a:schemeClr val="tx1"/>
+          </a:fontRef>
+        </p:style>
+      </p:cxnSp>
+      <mc:AlternateContent xmlns:mc="http://schemas.openxmlformats.org/markup-compatibility/2006">
+        <mc:Choice xmlns:a14="http://schemas.microsoft.com/office/drawing/2010/main" Requires="a14">
+          <p:sp>
+            <p:nvSpPr>
+              <p:cNvPr id="176" name="Объект 2"/>
+              <p:cNvSpPr txBox="1">
+                <a:spLocks/>
+              </p:cNvSpPr>
+              <p:nvPr/>
+            </p:nvSpPr>
+            <p:spPr bwMode="auto">
+              <a:xfrm>
+                <a:off x="107504" y="836712"/>
+                <a:ext cx="8928992" cy="936104"/>
+              </a:xfrm>
+              <a:prstGeom prst="rect">
+                <a:avLst/>
+              </a:prstGeom>
+              <a:noFill/>
+              <a:ln>
+                <a:noFill/>
+              </a:ln>
+              <a:extLst>
+                <a:ext uri="{909E8E84-426E-40DD-AFC4-6F175D3DCCD1}">
+                  <a14:hiddenFill>
+                    <a:solidFill>
+                      <a:srgbClr val="FFFFFF"/>
+                    </a:solidFill>
+                  </a14:hiddenFill>
+                </a:ext>
+                <a:ext uri="{91240B29-F687-4F45-9708-019B960494DF}">
+                  <a14:hiddenLine w="9525">
+                    <a:solidFill>
+                      <a:srgbClr val="000000"/>
+                    </a:solidFill>
+                    <a:miter lim="800000"/>
+                    <a:headEnd/>
+                    <a:tailEnd/>
+                  </a14:hiddenLine>
+                </a:ext>
+              </a:extLst>
+            </p:spPr>
+            <p:txBody>
+              <a:bodyPr vert="horz" wrap="square" lIns="91440" tIns="45720" rIns="91440" bIns="45720" numCol="1" anchor="t" anchorCtr="0" compatLnSpc="1">
+                <a:prstTxWarp prst="textNoShape">
+                  <a:avLst/>
+                </a:prstTxWarp>
+              </a:bodyPr>
+              <a:lstStyle>
+                <a:lvl1pPr marL="342900" indent="-342900" algn="l" rtl="0" eaLnBrk="0" fontAlgn="base" hangingPunct="0">
+                  <a:spcBef>
+                    <a:spcPct val="20000"/>
+                  </a:spcBef>
+                  <a:spcAft>
+                    <a:spcPct val="0"/>
+                  </a:spcAft>
+                  <a:buFont typeface="Arial" charset="0"/>
+                  <a:buChar char="•"/>
+                  <a:defRPr sz="3200" kern="1200">
+                    <a:solidFill>
+                      <a:schemeClr val="tx1"/>
+                    </a:solidFill>
+                    <a:latin typeface="+mn-lt"/>
+                    <a:ea typeface="+mn-ea"/>
+                    <a:cs typeface="+mn-cs"/>
+                  </a:defRPr>
+                </a:lvl1pPr>
+                <a:lvl2pPr marL="742950" indent="-285750" algn="l" rtl="0" eaLnBrk="0" fontAlgn="base" hangingPunct="0">
+                  <a:spcBef>
+                    <a:spcPct val="20000"/>
+                  </a:spcBef>
+                  <a:spcAft>
+                    <a:spcPct val="0"/>
+                  </a:spcAft>
+                  <a:buFont typeface="Arial" charset="0"/>
+                  <a:buChar char="–"/>
+                  <a:defRPr sz="2800" kern="1200">
+                    <a:solidFill>
+                      <a:schemeClr val="tx1"/>
+                    </a:solidFill>
+                    <a:latin typeface="+mn-lt"/>
+                    <a:ea typeface="+mn-ea"/>
+                    <a:cs typeface="+mn-cs"/>
+                  </a:defRPr>
+                </a:lvl2pPr>
+                <a:lvl3pPr marL="1143000" indent="-228600" algn="l" rtl="0" eaLnBrk="0" fontAlgn="base" hangingPunct="0">
+                  <a:spcBef>
+                    <a:spcPct val="20000"/>
+                  </a:spcBef>
+                  <a:spcAft>
+                    <a:spcPct val="0"/>
+                  </a:spcAft>
+                  <a:buFont typeface="Arial" charset="0"/>
+                  <a:buChar char="•"/>
+                  <a:defRPr sz="2400" kern="1200">
+                    <a:solidFill>
+                      <a:schemeClr val="tx1"/>
+                    </a:solidFill>
+                    <a:latin typeface="+mn-lt"/>
+                    <a:ea typeface="+mn-ea"/>
+                    <a:cs typeface="+mn-cs"/>
+                  </a:defRPr>
+                </a:lvl3pPr>
+                <a:lvl4pPr marL="1600200" indent="-228600" algn="l" rtl="0" eaLnBrk="0" fontAlgn="base" hangingPunct="0">
+                  <a:spcBef>
+                    <a:spcPct val="20000"/>
+                  </a:spcBef>
+                  <a:spcAft>
+                    <a:spcPct val="0"/>
+                  </a:spcAft>
+                  <a:buFont typeface="Arial" charset="0"/>
+                  <a:buChar char="–"/>
+                  <a:defRPr sz="2000" kern="1200">
+                    <a:solidFill>
+                      <a:schemeClr val="tx1"/>
+                    </a:solidFill>
+                    <a:latin typeface="+mn-lt"/>
+                    <a:ea typeface="+mn-ea"/>
+                    <a:cs typeface="+mn-cs"/>
+                  </a:defRPr>
+                </a:lvl4pPr>
+                <a:lvl5pPr marL="2057400" indent="-228600" algn="l" rtl="0" eaLnBrk="0" fontAlgn="base" hangingPunct="0">
+                  <a:spcBef>
+                    <a:spcPct val="20000"/>
+                  </a:spcBef>
+                  <a:spcAft>
+                    <a:spcPct val="0"/>
+                  </a:spcAft>
+                  <a:buFont typeface="Arial" charset="0"/>
+                  <a:buChar char="»"/>
+                  <a:defRPr sz="2000" kern="1200">
+                    <a:solidFill>
+                      <a:schemeClr val="tx1"/>
+                    </a:solidFill>
+                    <a:latin typeface="+mn-lt"/>
+                    <a:ea typeface="+mn-ea"/>
+                    <a:cs typeface="+mn-cs"/>
+                  </a:defRPr>
+                </a:lvl5pPr>
+                <a:lvl6pPr marL="2514600" indent="-228600" algn="l" defTabSz="914400" rtl="0" eaLnBrk="1" latinLnBrk="0" hangingPunct="1">
+                  <a:spcBef>
+                    <a:spcPct val="20000"/>
+                  </a:spcBef>
+                  <a:buFont typeface="Arial" pitchFamily="34" charset="0"/>
+                  <a:buChar char="•"/>
+                  <a:defRPr sz="2000" kern="1200">
+                    <a:solidFill>
+                      <a:schemeClr val="tx1"/>
+                    </a:solidFill>
+                    <a:latin typeface="+mn-lt"/>
+                    <a:ea typeface="+mn-ea"/>
+                    <a:cs typeface="+mn-cs"/>
+                  </a:defRPr>
+                </a:lvl6pPr>
+                <a:lvl7pPr marL="2971800" indent="-228600" algn="l" defTabSz="914400" rtl="0" eaLnBrk="1" latinLnBrk="0" hangingPunct="1">
+                  <a:spcBef>
+                    <a:spcPct val="20000"/>
+                  </a:spcBef>
+                  <a:buFont typeface="Arial" pitchFamily="34" charset="0"/>
+                  <a:buChar char="•"/>
+                  <a:defRPr sz="2000" kern="1200">
+                    <a:solidFill>
+                      <a:schemeClr val="tx1"/>
+                    </a:solidFill>
+                    <a:latin typeface="+mn-lt"/>
+                    <a:ea typeface="+mn-ea"/>
+                    <a:cs typeface="+mn-cs"/>
+                  </a:defRPr>
+                </a:lvl7pPr>
+                <a:lvl8pPr marL="3429000" indent="-228600" algn="l" defTabSz="914400" rtl="0" eaLnBrk="1" latinLnBrk="0" hangingPunct="1">
+                  <a:spcBef>
+                    <a:spcPct val="20000"/>
+                  </a:spcBef>
+                  <a:buFont typeface="Arial" pitchFamily="34" charset="0"/>
+                  <a:buChar char="•"/>
+                  <a:defRPr sz="2000" kern="1200">
+                    <a:solidFill>
+                      <a:schemeClr val="tx1"/>
+                    </a:solidFill>
+                    <a:latin typeface="+mn-lt"/>
+                    <a:ea typeface="+mn-ea"/>
+                    <a:cs typeface="+mn-cs"/>
+                  </a:defRPr>
+                </a:lvl8pPr>
+                <a:lvl9pPr marL="3886200" indent="-228600" algn="l" defTabSz="914400" rtl="0" eaLnBrk="1" latinLnBrk="0" hangingPunct="1">
+                  <a:spcBef>
+                    <a:spcPct val="20000"/>
+                  </a:spcBef>
+                  <a:buFont typeface="Arial" pitchFamily="34" charset="0"/>
+                  <a:buChar char="•"/>
+                  <a:defRPr sz="2000" kern="1200">
+                    <a:solidFill>
+                      <a:schemeClr val="tx1"/>
+                    </a:solidFill>
+                    <a:latin typeface="+mn-lt"/>
+                    <a:ea typeface="+mn-ea"/>
+                    <a:cs typeface="+mn-cs"/>
+                  </a:defRPr>
+                </a:lvl9pPr>
+              </a:lstStyle>
+              <a:p>
+                <a:pPr marL="0" indent="0" algn="just">
+                  <a:buNone/>
+                </a:pPr>
+                <a14:m>
+                  <m:oMath xmlns:m="http://schemas.openxmlformats.org/officeDocument/2006/math">
+                    <m:r>
+                      <a:rPr lang="en-US" sz="1800" b="0" i="1" smtClean="0">
+                        <a:latin typeface="Cambria Math"/>
+                      </a:rPr>
+                      <m:t>𝑂𝑂𝐵</m:t>
+                    </m:r>
+                  </m:oMath>
+                </a14:m>
+                <a:r>
+                  <a:rPr lang="en-US" sz="1800" dirty="0" smtClean="0"/>
+                  <a:t> </a:t>
+                </a:r>
+                <a:r>
+                  <a:rPr lang="ru-RU" sz="1800" dirty="0" smtClean="0"/>
+                  <a:t>– метод оценки вероятности </a:t>
+                </a:r>
+                <a:r>
+                  <a:rPr lang="ru-RU" sz="1800" dirty="0" smtClean="0"/>
+                  <a:t>ошибочной </a:t>
+                </a:r>
+                <a:r>
+                  <a:rPr lang="ru-RU" sz="1800" dirty="0" smtClean="0"/>
+                  <a:t>классификации, основанный на классификации некоторого вектора </a:t>
+                </a:r>
+                <a14:m>
+                  <m:oMath xmlns:m="http://schemas.openxmlformats.org/officeDocument/2006/math">
+                    <m:r>
+                      <a:rPr lang="ru-RU" sz="1800" b="1" i="1">
+                        <a:latin typeface="Cambria Math"/>
+                      </a:rPr>
+                      <m:t>𝐱</m:t>
+                    </m:r>
+                    <m:r>
+                      <a:rPr lang="ru-RU" sz="1800" i="1">
+                        <a:latin typeface="Cambria Math"/>
+                      </a:rPr>
+                      <m:t>∈</m:t>
+                    </m:r>
+                    <m:r>
+                      <a:rPr lang="ru-RU" sz="1800" i="1">
+                        <a:latin typeface="Cambria Math"/>
+                      </a:rPr>
+                      <m:t>𝐷</m:t>
+                    </m:r>
+                  </m:oMath>
+                </a14:m>
+                <a:r>
+                  <a:rPr lang="ru-RU" sz="1800" dirty="0" smtClean="0"/>
+                  <a:t>, используя только те деревья случайного леса, которые строились по выборкам, не содержащим </a:t>
+                </a:r>
+                <a14:m>
+                  <m:oMath xmlns:m="http://schemas.openxmlformats.org/officeDocument/2006/math">
+                    <m:r>
+                      <a:rPr lang="ru-RU" sz="1800" b="1" i="1">
+                        <a:latin typeface="Cambria Math"/>
+                      </a:rPr>
+                      <m:t>𝐱</m:t>
+                    </m:r>
+                  </m:oMath>
+                </a14:m>
+                <a:r>
+                  <a:rPr lang="ru-RU" sz="1800" dirty="0" smtClean="0"/>
+                  <a:t>.</a:t>
+                </a:r>
+              </a:p>
+            </p:txBody>
+          </p:sp>
+        </mc:Choice>
+        <mc:Fallback>
+          <p:sp>
+            <p:nvSpPr>
+              <p:cNvPr id="176" name="Объект 2"/>
+              <p:cNvSpPr txBox="1">
+                <a:spLocks noRot="1" noChangeAspect="1" noMove="1" noResize="1" noEditPoints="1" noAdjustHandles="1" noChangeArrowheads="1" noChangeShapeType="1" noTextEdit="1"/>
+              </p:cNvSpPr>
+              <p:nvPr/>
+            </p:nvSpPr>
+            <p:spPr bwMode="auto">
+              <a:xfrm>
+                <a:off x="107504" y="836712"/>
+                <a:ext cx="8928992" cy="936104"/>
+              </a:xfrm>
+              <a:prstGeom prst="rect">
+                <a:avLst/>
+              </a:prstGeom>
+              <a:blipFill rotWithShape="1">
+                <a:blip r:embed="rId3"/>
+                <a:stretch>
+                  <a:fillRect l="-615" t="-3247" r="-615" b="-7792"/>
+                </a:stretch>
+              </a:blipFill>
+              <a:ln>
+                <a:noFill/>
+              </a:ln>
+              <a:extLst>
+                <a:ext uri="{909E8E84-426E-40DD-AFC4-6F175D3DCCD1}">
+                  <a14:hiddenFill xmlns:a14="http://schemas.microsoft.com/office/drawing/2010/main">
+                    <a:solidFill>
+                      <a:srgbClr val="FFFFFF"/>
+                    </a:solidFill>
+                  </a14:hiddenFill>
+                </a:ext>
+                <a:ext uri="{91240B29-F687-4F45-9708-019B960494DF}">
+                  <a14:hiddenLine xmlns:a14="http://schemas.microsoft.com/office/drawing/2010/main" w="9525">
+                    <a:solidFill>
+                      <a:srgbClr val="000000"/>
+                    </a:solidFill>
+                    <a:miter lim="800000"/>
+                    <a:headEnd/>
+                    <a:tailEnd/>
+                  </a14:hiddenLine>
+                </a:ext>
+              </a:extLst>
+            </p:spPr>
+            <p:txBody>
+              <a:bodyPr/>
+              <a:lstStyle/>
+              <a:p>
+                <a:r>
+                  <a:rPr lang="ru-RU">
+                    <a:noFill/>
+                  </a:rPr>
+                  <a:t> </a:t>
+                </a:r>
+              </a:p>
+            </p:txBody>
+          </p:sp>
+        </mc:Fallback>
+      </mc:AlternateContent>
+      <p:pic>
+        <p:nvPicPr>
+          <p:cNvPr id="10" name="Рисунок 9" descr="C:\Users\Vlad\Desktop\ВУЗ\4 курс\8 семестр\Диплом\cv2\ВКР\detector\trees num\1.emf"/>
+          <p:cNvPicPr/>
+          <p:nvPr/>
+        </p:nvPicPr>
+        <p:blipFill rotWithShape="1">
+          <a:blip r:embed="rId4">
+            <a:extLst>
+              <a:ext uri="{28A0092B-C50C-407E-A947-70E740481C1C}">
+                <a14:useLocalDpi xmlns:a14="http://schemas.microsoft.com/office/drawing/2010/main" val="0"/>
+              </a:ext>
+            </a:extLst>
+          </a:blip>
+          <a:srcRect l="4057" t="6444" r="5344"/>
+          <a:stretch/>
+        </p:blipFill>
+        <p:spPr bwMode="auto">
+          <a:xfrm>
+            <a:off x="180240" y="2996952"/>
+            <a:ext cx="4319752" cy="3343642"/>
+          </a:xfrm>
+          <a:prstGeom prst="rect">
+            <a:avLst/>
+          </a:prstGeom>
+          <a:noFill/>
+          <a:ln>
+            <a:noFill/>
+          </a:ln>
+          <a:extLst>
+            <a:ext uri="{53640926-AAD7-44D8-BBD7-CCE9431645EC}">
+              <a14:shadowObscured xmlns:a14="http://schemas.microsoft.com/office/drawing/2010/main"/>
+            </a:ext>
+          </a:extLst>
+        </p:spPr>
+      </p:pic>
+      <p:sp>
+        <p:nvSpPr>
+          <p:cNvPr id="3" name="Прямоугольник 2"/>
+          <p:cNvSpPr/>
+          <p:nvPr/>
+        </p:nvSpPr>
+        <p:spPr>
+          <a:xfrm>
+            <a:off x="395537" y="2093947"/>
+            <a:ext cx="4176463" cy="830997"/>
+          </a:xfrm>
+          <a:prstGeom prst="rect">
+            <a:avLst/>
+          </a:prstGeom>
+        </p:spPr>
+        <p:txBody>
+          <a:bodyPr wrap="square">
+            <a:spAutoFit/>
+          </a:bodyPr>
+          <a:lstStyle/>
+          <a:p>
+            <a:pPr algn="ctr"/>
+            <a:r>
+              <a:rPr lang="ru-RU" sz="1600" dirty="0">
+                <a:latin typeface="+mj-lt"/>
+              </a:rPr>
+              <a:t>Зависимость вероятности ошибочной классификации </a:t>
+            </a:r>
+            <a:r>
+              <a:rPr lang="ru-RU" sz="1600" dirty="0" smtClean="0">
+                <a:latin typeface="+mj-lt"/>
+              </a:rPr>
+              <a:t>от </a:t>
+            </a:r>
+            <a:r>
+              <a:rPr lang="ru-RU" sz="1600" dirty="0">
+                <a:latin typeface="+mj-lt"/>
+              </a:rPr>
+              <a:t>числа деревьев в ансамбле при обучении на однородных </a:t>
+            </a:r>
+            <a:r>
+              <a:rPr lang="ru-RU" sz="1600" dirty="0" smtClean="0">
+                <a:latin typeface="+mj-lt"/>
+              </a:rPr>
+              <a:t>примерах</a:t>
+            </a:r>
+            <a:endParaRPr lang="ru-RU" sz="1600" dirty="0">
+              <a:latin typeface="+mj-lt"/>
+            </a:endParaRPr>
+          </a:p>
+        </p:txBody>
+      </p:sp>
+      <p:pic>
+        <p:nvPicPr>
+          <p:cNvPr id="12" name="Рисунок 11" descr="C:\Users\Vlad\Desktop\ВУЗ\4 курс\8 семестр\Диплом\cv2\ВКР\detector\trees num\4.emf"/>
+          <p:cNvPicPr/>
+          <p:nvPr/>
+        </p:nvPicPr>
+        <p:blipFill rotWithShape="1">
+          <a:blip r:embed="rId5">
+            <a:extLst>
+              <a:ext uri="{28A0092B-C50C-407E-A947-70E740481C1C}">
+                <a14:useLocalDpi xmlns:a14="http://schemas.microsoft.com/office/drawing/2010/main" val="0"/>
+              </a:ext>
+            </a:extLst>
+          </a:blip>
+          <a:srcRect l="3459" t="5489" r="6742"/>
+          <a:stretch/>
+        </p:blipFill>
+        <p:spPr bwMode="auto">
+          <a:xfrm>
+            <a:off x="4572000" y="3004798"/>
+            <a:ext cx="4311101" cy="3335796"/>
+          </a:xfrm>
+          <a:prstGeom prst="rect">
+            <a:avLst/>
+          </a:prstGeom>
+          <a:noFill/>
+          <a:ln>
+            <a:noFill/>
+          </a:ln>
+          <a:extLst>
+            <a:ext uri="{53640926-AAD7-44D8-BBD7-CCE9431645EC}">
+              <a14:shadowObscured xmlns:a14="http://schemas.microsoft.com/office/drawing/2010/main"/>
+            </a:ext>
+          </a:extLst>
+        </p:spPr>
+      </p:pic>
+      <p:sp>
+        <p:nvSpPr>
+          <p:cNvPr id="5" name="Прямоугольник 4"/>
+          <p:cNvSpPr/>
+          <p:nvPr/>
+        </p:nvSpPr>
+        <p:spPr>
+          <a:xfrm>
+            <a:off x="4572000" y="2340169"/>
+            <a:ext cx="4572000" cy="584775"/>
+          </a:xfrm>
+          <a:prstGeom prst="rect">
+            <a:avLst/>
+          </a:prstGeom>
+        </p:spPr>
+        <p:txBody>
+          <a:bodyPr>
+            <a:spAutoFit/>
+          </a:bodyPr>
+          <a:lstStyle/>
+          <a:p>
+            <a:pPr algn="ctr"/>
+            <a:r>
+              <a:rPr lang="ru-RU" sz="1600" dirty="0">
+                <a:latin typeface="+mj-lt"/>
+              </a:rPr>
+              <a:t>Зависимость производительности алгоритма </a:t>
+            </a:r>
+            <a:r>
+              <a:rPr lang="ru-RU" sz="1600" dirty="0" smtClean="0">
+                <a:latin typeface="+mj-lt"/>
+              </a:rPr>
+              <a:t>классификации </a:t>
+            </a:r>
+            <a:r>
+              <a:rPr lang="ru-RU" sz="1600" dirty="0">
+                <a:latin typeface="+mj-lt"/>
+              </a:rPr>
+              <a:t>от числа деревьев в </a:t>
+            </a:r>
+            <a:r>
+              <a:rPr lang="ru-RU" sz="1600" dirty="0" smtClean="0">
+                <a:latin typeface="+mj-lt"/>
+              </a:rPr>
+              <a:t>ансамбле</a:t>
+            </a:r>
+            <a:endParaRPr lang="ru-RU" sz="1600" dirty="0">
+              <a:latin typeface="+mj-lt"/>
+            </a:endParaRPr>
+          </a:p>
+        </p:txBody>
+      </p:sp>
+    </p:spTree>
+    <p:extLst>
+      <p:ext uri="{BB962C8B-B14F-4D97-AF65-F5344CB8AC3E}">
+        <p14:creationId xmlns:p14="http://schemas.microsoft.com/office/powerpoint/2010/main" val="3539902032"/>
+      </p:ext>
+    </p:extLst>
+  </p:cSld>
+  <p:clrMapOvr>
+    <a:masterClrMapping/>
+  </p:clrMapOvr>
+  <mc:AlternateContent xmlns:mc="http://schemas.openxmlformats.org/markup-compatibility/2006" xmlns:p14="http://schemas.microsoft.com/office/powerpoint/2010/main">
+    <mc:Choice Requires="p14">
+      <p:transition p14:dur="0"/>
     </mc:Choice>
     <mc:Fallback xmlns="">
       <p:transition/>

--- a/ВКР/Презентация_Димаков_В.С._МП-40.pptx
+++ b/ВКР/Презентация_Димаков_В.С._МП-40.pptx
@@ -6528,25 +6528,12 @@
           <a:p>
             <a:r>
               <a:rPr lang="ru-RU" sz="2800" dirty="0" smtClean="0"/>
-              <a:t>Результаты </a:t>
-            </a:r>
-            <a:r>
-              <a:rPr lang="ru-RU" sz="2800" dirty="0" smtClean="0"/>
-              <a:t>использования </a:t>
-            </a:r>
-            <a:r>
-              <a:rPr lang="ru-RU" sz="2800" dirty="0" smtClean="0"/>
-              <a:t>детектора, в</a:t>
-            </a:r>
-            <a:r>
-              <a:rPr lang="ru-RU" sz="2800" dirty="0" smtClean="0"/>
-              <a:t>ыводы</a:t>
+              <a:t>Результаты использования детектора, выводы</a:t>
             </a:r>
             <a:r>
               <a:rPr lang="ru-RU" sz="2800" dirty="0"/>
               <a:t>.</a:t>
             </a:r>
-            <a:endParaRPr lang="ru-RU" sz="2800" dirty="0"/>
           </a:p>
         </p:txBody>
       </p:sp>
@@ -7087,25 +7074,16 @@
             </a:pPr>
             <a:r>
               <a:rPr lang="ru-RU" sz="1800" dirty="0" smtClean="0"/>
-              <a:t>Разработанный метод долгосрочного слежения показал </a:t>
-            </a:r>
-            <a:r>
-              <a:rPr lang="ru-RU" sz="1800" dirty="0" smtClean="0"/>
-              <a:t>устойчивость </a:t>
+              <a:t>Разработанный метод долгосрочного слежения показал устойчивость </a:t>
             </a:r>
             <a:r>
               <a:rPr lang="ru-RU" sz="1800" dirty="0"/>
-              <a:t>к изменениям окружающей обстановки сцены, перекрытию объекта слежения другими объектами и исчезновению отслеживаемого объекта из области наблюдения</a:t>
-            </a:r>
-            <a:r>
-              <a:rPr lang="ru-RU" sz="1800" dirty="0"/>
-              <a:t>. </a:t>
+              <a:t>к изменениям окружающей обстановки сцены, перекрытию объекта слежения другими объектами и исчезновению отслеживаемого объекта из области наблюдения. </a:t>
             </a:r>
             <a:r>
               <a:rPr lang="ru-RU" sz="1800" dirty="0" smtClean="0"/>
               <a:t>Данные результаты обусловлены интеграцией детектора, основанного на самообучающемся классификаторе, в алгоритм обнаружения и слежения.</a:t>
             </a:r>
-            <a:endParaRPr lang="ru-RU" sz="1800" dirty="0" smtClean="0"/>
           </a:p>
         </p:txBody>
       </p:sp>
@@ -7310,23 +7288,7 @@
             </a:pPr>
             <a:r>
               <a:rPr lang="ru-RU" sz="1900" dirty="0" smtClean="0"/>
-              <a:t>Одной из </a:t>
-            </a:r>
-            <a:r>
-              <a:rPr lang="ru-RU" sz="1900" dirty="0" smtClean="0"/>
-              <a:t>актуальных </a:t>
-            </a:r>
-            <a:r>
-              <a:rPr lang="ru-RU" sz="1900" dirty="0" smtClean="0"/>
-              <a:t>задач, требующих решения при </a:t>
-            </a:r>
-            <a:r>
-              <a:rPr lang="ru-RU" sz="1900" dirty="0" smtClean="0"/>
-              <a:t>создании </a:t>
-            </a:r>
-            <a:r>
-              <a:rPr lang="ru-RU" sz="1900" dirty="0" smtClean="0"/>
-              <a:t>подобных систем, является задача долгосрочного слежения, предполагающая корректную работу в условиях изменения окружающей обстановки сцены, перекрытия объекта слежения другими объектами или же в случае исчезновения отслеживаемого объекта из области видимости.</a:t>
+              <a:t>Одной из актуальных задач, требующих решения при создании подобных систем, является задача долгосрочного слежения, предполагающая корректную работу в условиях изменения окружающей обстановки сцены, перекрытия объекта слежения другими объектами или же в случае исчезновения отслеживаемого объекта из области видимости.</a:t>
             </a:r>
           </a:p>
         </p:txBody>
@@ -7737,11 +7699,11 @@
   <p:clrMapOvr>
     <a:masterClrMapping/>
   </p:clrMapOvr>
-  <mc:AlternateContent xmlns:mc="http://schemas.openxmlformats.org/markup-compatibility/2006">
-    <mc:Choice xmlns:p14="http://schemas.microsoft.com/office/powerpoint/2010/main" Requires="p14">
+  <mc:AlternateContent xmlns:mc="http://schemas.openxmlformats.org/markup-compatibility/2006" xmlns:p14="http://schemas.microsoft.com/office/powerpoint/2010/main">
+    <mc:Choice Requires="p14">
       <p:transition p14:dur="10"/>
     </mc:Choice>
-    <mc:Fallback>
+    <mc:Fallback xmlns="">
       <p:transition/>
     </mc:Fallback>
   </mc:AlternateContent>
@@ -7794,15 +7756,7 @@
           <a:p>
             <a:r>
               <a:rPr lang="ru-RU" sz="2800" dirty="0" smtClean="0"/>
-              <a:t>Цель </a:t>
-            </a:r>
-            <a:r>
-              <a:rPr lang="ru-RU" sz="2800" dirty="0" smtClean="0"/>
-              <a:t>работы</a:t>
-            </a:r>
-            <a:r>
-              <a:rPr lang="ru-RU" sz="2800" dirty="0" smtClean="0"/>
-              <a:t>.</a:t>
+              <a:t>Цель работы.</a:t>
             </a:r>
             <a:endParaRPr lang="ru-RU" sz="2800" dirty="0"/>
           </a:p>
@@ -8542,8 +8496,8 @@
           </a:p>
         </p:txBody>
       </p:sp>
-      <mc:AlternateContent xmlns:mc="http://schemas.openxmlformats.org/markup-compatibility/2006">
-        <mc:Choice xmlns:a14="http://schemas.microsoft.com/office/drawing/2010/main" Requires="a14">
+      <mc:AlternateContent xmlns:mc="http://schemas.openxmlformats.org/markup-compatibility/2006" xmlns:a14="http://schemas.microsoft.com/office/drawing/2010/main">
+        <mc:Choice Requires="a14">
           <p:sp>
             <p:nvSpPr>
               <p:cNvPr id="3" name="Объект 2"/>
@@ -9682,14 +9636,7 @@
                                   <m:nor/>
                                 </m:rPr>
                                 <a:rPr lang="ru-RU" sz="1800" b="0" i="0" smtClean="0"/>
-                                <m:t>  </m:t>
-                              </m:r>
-                              <m:r>
-                                <m:rPr>
-                                  <m:nor/>
-                                </m:rPr>
-                                <a:rPr lang="ru-RU" sz="1800" b="0" i="0" smtClean="0"/>
-                                <m:t>      </m:t>
+                                <m:t>        </m:t>
                               </m:r>
                             </m:e>
                           </m:eqArr>
@@ -10186,7 +10133,7 @@
             </p:txBody>
           </p:sp>
         </mc:Choice>
-        <mc:Fallback>
+        <mc:Fallback xmlns="">
           <p:sp>
             <p:nvSpPr>
               <p:cNvPr id="3" name="Объект 2"/>
@@ -11079,8 +11026,8 @@
           </a:p>
         </p:txBody>
       </p:sp>
-      <mc:AlternateContent xmlns:mc="http://schemas.openxmlformats.org/markup-compatibility/2006">
-        <mc:Choice xmlns:a14="http://schemas.microsoft.com/office/drawing/2010/main" Requires="a14">
+      <mc:AlternateContent xmlns:mc="http://schemas.openxmlformats.org/markup-compatibility/2006" xmlns:a14="http://schemas.microsoft.com/office/drawing/2010/main">
+        <mc:Choice Requires="a14">
           <p:sp>
             <p:nvSpPr>
               <p:cNvPr id="3" name="Объект 2"/>
@@ -11573,7 +11520,7 @@
             </p:txBody>
           </p:sp>
         </mc:Choice>
-        <mc:Fallback>
+        <mc:Fallback xmlns="">
           <p:sp>
             <p:nvSpPr>
               <p:cNvPr id="3" name="Объект 2"/>
@@ -13173,30 +13120,14 @@
             </a:pPr>
             <a:r>
               <a:rPr lang="ru-RU" sz="1800" dirty="0" smtClean="0"/>
-              <a:t>Использован м</a:t>
-            </a:r>
-            <a:r>
-              <a:rPr lang="ru-RU" sz="1800" dirty="0" smtClean="0"/>
-              <a:t>етод </a:t>
-            </a:r>
-            <a:r>
-              <a:rPr lang="ru-RU" sz="1800" dirty="0" smtClean="0"/>
-              <a:t>оценки параметров геометрических преобразование на основе опорных элементов: </a:t>
+              <a:t>Использован метод оценки параметров геометрических преобразование на основе опорных элементов: </a:t>
             </a:r>
           </a:p>
           <a:p>
             <a:pPr algn="just"/>
             <a:r>
               <a:rPr lang="ru-RU" sz="1800" dirty="0" smtClean="0"/>
-              <a:t>Опорные </a:t>
-            </a:r>
-            <a:r>
-              <a:rPr lang="ru-RU" sz="1800" dirty="0" smtClean="0"/>
-              <a:t>элементы – угловые </a:t>
-            </a:r>
-            <a:r>
-              <a:rPr lang="ru-RU" sz="1800" dirty="0" smtClean="0"/>
-              <a:t>особые точки, найденные детектором Харриса.</a:t>
+              <a:t>Опорные элементы – угловые особые точки, найденные детектором Харриса.</a:t>
             </a:r>
           </a:p>
           <a:p>
@@ -13973,13 +13904,8 @@
             </a:pPr>
             <a:r>
               <a:rPr lang="ru-RU" sz="1800" dirty="0" smtClean="0"/>
-              <a:t>Изменение положений опорных элементов при движении </a:t>
+              <a:t>Изменение положений опорных элементов при движении камеры</a:t>
             </a:r>
-            <a:r>
-              <a:rPr lang="ru-RU" sz="1800" dirty="0" smtClean="0"/>
-              <a:t>камеры</a:t>
-            </a:r>
-            <a:endParaRPr lang="ru-RU" sz="1800" dirty="0" smtClean="0"/>
           </a:p>
         </p:txBody>
       </p:sp>
@@ -18429,8 +18355,8 @@
           </p:grpSp>
         </p:grpSp>
       </p:grpSp>
-      <mc:AlternateContent xmlns:mc="http://schemas.openxmlformats.org/markup-compatibility/2006">
-        <mc:Choice xmlns:a14="http://schemas.microsoft.com/office/drawing/2010/main" Requires="a14">
+      <mc:AlternateContent xmlns:mc="http://schemas.openxmlformats.org/markup-compatibility/2006" xmlns:a14="http://schemas.microsoft.com/office/drawing/2010/main">
+        <mc:Choice Requires="a14">
           <p:sp>
             <p:nvSpPr>
               <p:cNvPr id="173" name="Объект 2"/>
@@ -18842,7 +18768,7 @@
             </p:txBody>
           </p:sp>
         </mc:Choice>
-        <mc:Fallback>
+        <mc:Fallback xmlns="">
           <p:sp>
             <p:nvSpPr>
               <p:cNvPr id="173" name="Объект 2"/>
@@ -18903,8 +18829,8 @@
           </p:sp>
         </mc:Fallback>
       </mc:AlternateContent>
-      <mc:AlternateContent xmlns:mc="http://schemas.openxmlformats.org/markup-compatibility/2006">
-        <mc:Choice xmlns:a14="http://schemas.microsoft.com/office/drawing/2010/main" Requires="a14">
+      <mc:AlternateContent xmlns:mc="http://schemas.openxmlformats.org/markup-compatibility/2006" xmlns:a14="http://schemas.microsoft.com/office/drawing/2010/main">
+        <mc:Choice Requires="a14">
           <p:sp>
             <p:nvSpPr>
               <p:cNvPr id="174" name="Объект 2"/>
@@ -19168,7 +19094,7 @@
             </p:txBody>
           </p:sp>
         </mc:Choice>
-        <mc:Fallback>
+        <mc:Fallback xmlns="">
           <p:sp>
             <p:nvSpPr>
               <p:cNvPr id="174" name="Объект 2"/>
@@ -19599,8 +19525,8 @@
           </a:p>
         </p:txBody>
       </p:sp>
-      <mc:AlternateContent xmlns:mc="http://schemas.openxmlformats.org/markup-compatibility/2006">
-        <mc:Choice xmlns:a14="http://schemas.microsoft.com/office/drawing/2010/main" Requires="a14">
+      <mc:AlternateContent xmlns:mc="http://schemas.openxmlformats.org/markup-compatibility/2006" xmlns:a14="http://schemas.microsoft.com/office/drawing/2010/main">
+        <mc:Choice Requires="a14">
           <p:sp>
             <p:nvSpPr>
               <p:cNvPr id="183" name="Объект 2"/>
@@ -19888,7 +19814,7 @@
             </p:txBody>
           </p:sp>
         </mc:Choice>
-        <mc:Fallback>
+        <mc:Fallback xmlns="">
           <p:sp>
             <p:nvSpPr>
               <p:cNvPr id="183" name="Объект 2"/>
@@ -20360,9 +20286,16 @@
                   </a:r>
                   <a:r>
                     <a:rPr lang="ru-RU" sz="1800" dirty="0" smtClean="0"/>
-                    <a:t>максимальное число прецедентов одного класса.  </a:t>
+                    <a:t>максимальное число прецедентов </a:t>
                   </a:r>
-                  <a:endParaRPr lang="ru-RU" sz="1800" dirty="0" smtClean="0"/>
+                  <a:r>
+                    <a:rPr lang="ru-RU" sz="1800" dirty="0" smtClean="0"/>
+                    <a:t>одного </a:t>
+                  </a:r>
+                  <a:r>
+                    <a:rPr lang="ru-RU" sz="1800" dirty="0" smtClean="0"/>
+                    <a:t>класса.  </a:t>
+                  </a:r>
                 </a:p>
                 <a:p>
                   <a:pPr marL="0" indent="0" algn="just">
@@ -21161,8 +21094,8 @@
             </p:style>
           </p:cxnSp>
         </p:grpSp>
-        <mc:AlternateContent xmlns:mc="http://schemas.openxmlformats.org/markup-compatibility/2006">
-          <mc:Choice xmlns:a14="http://schemas.microsoft.com/office/drawing/2010/main" Requires="a14">
+        <mc:AlternateContent xmlns:mc="http://schemas.openxmlformats.org/markup-compatibility/2006" xmlns:a14="http://schemas.microsoft.com/office/drawing/2010/main">
+          <mc:Choice Requires="a14">
             <p:sp>
               <p:nvSpPr>
                 <p:cNvPr id="241" name="Объект 2"/>
@@ -21858,7 +21791,7 @@
               </p:txBody>
             </p:sp>
           </mc:Choice>
-          <mc:Fallback>
+          <mc:Fallback xmlns="">
             <p:sp>
               <p:nvSpPr>
                 <p:cNvPr id="241" name="Объект 2"/>
@@ -21933,8 +21866,8 @@
               <a:chExt cx="3024336" cy="558062"/>
             </a:xfrm>
           </p:grpSpPr>
-          <mc:AlternateContent xmlns:mc="http://schemas.openxmlformats.org/markup-compatibility/2006">
-            <mc:Choice xmlns:a14="http://schemas.microsoft.com/office/drawing/2010/main" Requires="a14">
+          <mc:AlternateContent xmlns:mc="http://schemas.openxmlformats.org/markup-compatibility/2006" xmlns:a14="http://schemas.microsoft.com/office/drawing/2010/main">
+            <mc:Choice Requires="a14">
               <p:sp>
                 <p:nvSpPr>
                   <p:cNvPr id="185" name="Объект 2"/>
@@ -22157,7 +22090,7 @@
                 </p:txBody>
               </p:sp>
             </mc:Choice>
-            <mc:Fallback>
+            <mc:Fallback xmlns="">
               <p:sp>
                 <p:nvSpPr>
                   <p:cNvPr id="185" name="Объект 2"/>
@@ -22218,8 +22151,8 @@
               </p:sp>
             </mc:Fallback>
           </mc:AlternateContent>
-          <mc:AlternateContent xmlns:mc="http://schemas.openxmlformats.org/markup-compatibility/2006">
-            <mc:Choice xmlns:a14="http://schemas.microsoft.com/office/drawing/2010/main" Requires="a14">
+          <mc:AlternateContent xmlns:mc="http://schemas.openxmlformats.org/markup-compatibility/2006" xmlns:a14="http://schemas.microsoft.com/office/drawing/2010/main">
+            <mc:Choice Requires="a14">
               <p:sp>
                 <p:nvSpPr>
                   <p:cNvPr id="186" name="Объект 2"/>
@@ -22561,7 +22494,7 @@
                 </p:txBody>
               </p:sp>
             </mc:Choice>
-            <mc:Fallback>
+            <mc:Fallback xmlns="">
               <p:sp>
                 <p:nvSpPr>
                   <p:cNvPr id="186" name="Объект 2"/>
@@ -22704,8 +22637,8 @@
           </p:sp>
         </p:grpSp>
       </p:grpSp>
-      <mc:AlternateContent xmlns:mc="http://schemas.openxmlformats.org/markup-compatibility/2006">
-        <mc:Choice xmlns:a14="http://schemas.microsoft.com/office/drawing/2010/main" Requires="a14">
+      <mc:AlternateContent xmlns:mc="http://schemas.openxmlformats.org/markup-compatibility/2006" xmlns:a14="http://schemas.microsoft.com/office/drawing/2010/main">
+        <mc:Choice Requires="a14">
           <p:sp>
             <p:nvSpPr>
               <p:cNvPr id="253" name="Объект 2"/>
@@ -22913,11 +22846,7 @@
                 </a:pPr>
                 <a:r>
                   <a:rPr lang="ru-RU" sz="1800" dirty="0" smtClean="0"/>
-                  <a:t>На каждом шаге рекурсивного разбиения выборки используются </a:t>
-                </a:r>
-                <a:r>
-                  <a:rPr lang="ru-RU" sz="1800" dirty="0" smtClean="0"/>
-                  <a:t>не все </a:t>
+                  <a:t>На каждом шаге рекурсивного разбиения выборки используются не все </a:t>
                 </a:r>
                 <a14:m>
                   <m:oMath xmlns:m="http://schemas.openxmlformats.org/officeDocument/2006/math">
@@ -23020,7 +22949,7 @@
             </p:txBody>
           </p:sp>
         </mc:Choice>
-        <mc:Fallback>
+        <mc:Fallback xmlns="">
           <p:sp>
             <p:nvSpPr>
               <p:cNvPr id="253" name="Объект 2"/>
@@ -29111,8 +29040,8 @@
             </mc:AlternateContent>
           </p:grpSp>
         </p:grpSp>
-        <mc:AlternateContent xmlns:mc="http://schemas.openxmlformats.org/markup-compatibility/2006">
-          <mc:Choice xmlns:a14="http://schemas.microsoft.com/office/drawing/2010/main" Requires="a14">
+        <mc:AlternateContent xmlns:mc="http://schemas.openxmlformats.org/markup-compatibility/2006" xmlns:a14="http://schemas.microsoft.com/office/drawing/2010/main">
+          <mc:Choice Requires="a14">
             <p:sp>
               <p:nvSpPr>
                 <p:cNvPr id="82" name="Прямоугольник 81"/>
@@ -29250,7 +29179,7 @@
               </p:txBody>
             </p:sp>
           </mc:Choice>
-          <mc:Fallback>
+          <mc:Fallback xmlns="">
             <p:sp>
               <p:nvSpPr>
                 <p:cNvPr id="82" name="Прямоугольник 81"/>
@@ -29529,8 +29458,8 @@
           </a:fontRef>
         </p:style>
       </p:cxnSp>
-      <mc:AlternateContent xmlns:mc="http://schemas.openxmlformats.org/markup-compatibility/2006">
-        <mc:Choice xmlns:a14="http://schemas.microsoft.com/office/drawing/2010/main" Requires="a14">
+      <mc:AlternateContent xmlns:mc="http://schemas.openxmlformats.org/markup-compatibility/2006" xmlns:a14="http://schemas.microsoft.com/office/drawing/2010/main">
+        <mc:Choice Requires="a14">
           <p:sp>
             <p:nvSpPr>
               <p:cNvPr id="176" name="Объект 2"/>
@@ -29749,15 +29678,7 @@
                 </a:r>
                 <a:r>
                   <a:rPr lang="ru-RU" sz="1800" dirty="0" smtClean="0"/>
-                  <a:t>– метод оценки вероятности </a:t>
-                </a:r>
-                <a:r>
-                  <a:rPr lang="ru-RU" sz="1800" dirty="0" smtClean="0"/>
-                  <a:t>ошибочной </a:t>
-                </a:r>
-                <a:r>
-                  <a:rPr lang="ru-RU" sz="1800" dirty="0" smtClean="0"/>
-                  <a:t>классификации, основанный на классификации некоторого вектора </a:t>
+                  <a:t>– метод оценки вероятности ошибочной классификации, основанный на классификации некоторого вектора </a:t>
                 </a:r>
                 <a14:m>
                   <m:oMath xmlns:m="http://schemas.openxmlformats.org/officeDocument/2006/math">
@@ -29803,7 +29724,7 @@
             </p:txBody>
           </p:sp>
         </mc:Choice>
-        <mc:Fallback>
+        <mc:Fallback xmlns="">
           <p:sp>
             <p:nvSpPr>
               <p:cNvPr id="176" name="Объект 2"/>

--- a/ВКР/Презентация_Димаков_В.С._МП-40.pptx
+++ b/ВКР/Презентация_Димаков_В.С._МП-40.pptx
@@ -13134,7 +13134,15 @@
             <a:pPr algn="just"/>
             <a:r>
               <a:rPr lang="ru-RU" sz="1800" dirty="0" smtClean="0"/>
-              <a:t>Оценка смещений опорных элементов осуществляется с помощью вычисления оптического потока методом Лукаса-Канаде.</a:t>
+              <a:t>Оценка смещений опорных элементов </a:t>
+            </a:r>
+            <a:r>
+              <a:rPr lang="ru-RU" sz="1800" dirty="0" smtClean="0"/>
+              <a:t>осуществлялась </a:t>
+            </a:r>
+            <a:r>
+              <a:rPr lang="ru-RU" sz="1800" dirty="0" smtClean="0"/>
+              <a:t>с помощью вычисления оптического потока методом Лукаса-Канаде.</a:t>
             </a:r>
           </a:p>
           <a:p>
@@ -19889,8 +19897,8 @@
             <a:chExt cx="8568952" cy="1926214"/>
           </a:xfrm>
         </p:grpSpPr>
-        <mc:AlternateContent xmlns:mc="http://schemas.openxmlformats.org/markup-compatibility/2006">
-          <mc:Choice xmlns:a14="http://schemas.microsoft.com/office/drawing/2010/main" Requires="a14">
+        <mc:AlternateContent xmlns:mc="http://schemas.openxmlformats.org/markup-compatibility/2006" xmlns:a14="http://schemas.microsoft.com/office/drawing/2010/main">
+          <mc:Choice Requires="a14">
             <p:sp>
               <p:nvSpPr>
                 <p:cNvPr id="213" name="Объект 2"/>
@@ -20286,15 +20294,7 @@
                   </a:r>
                   <a:r>
                     <a:rPr lang="ru-RU" sz="1800" dirty="0" smtClean="0"/>
-                    <a:t>максимальное число прецедентов </a:t>
-                  </a:r>
-                  <a:r>
-                    <a:rPr lang="ru-RU" sz="1800" dirty="0" smtClean="0"/>
-                    <a:t>одного </a:t>
-                  </a:r>
-                  <a:r>
-                    <a:rPr lang="ru-RU" sz="1800" dirty="0" smtClean="0"/>
-                    <a:t>класса.  </a:t>
+                    <a:t>максимальное число прецедентов одного класса.  </a:t>
                   </a:r>
                 </a:p>
                 <a:p>
@@ -20318,7 +20318,7 @@
               </p:txBody>
             </p:sp>
           </mc:Choice>
-          <mc:Fallback>
+          <mc:Fallback xmlns="">
             <p:sp>
               <p:nvSpPr>
                 <p:cNvPr id="213" name="Объект 2"/>
@@ -23427,11 +23427,15 @@
             </a:pPr>
             <a:r>
               <a:rPr lang="ru-RU" sz="1800" dirty="0" smtClean="0"/>
-              <a:t>При обучении в режиме реального времени последовательно поступающие данные моделируются при помощи распределения Пуассона </a:t>
+              <a:t>При обучении в режиме реального времени последовательно поступающие данные моделируются при помощи </a:t>
             </a:r>
             <a:r>
-              <a:rPr lang="ru-RU" sz="1800" dirty="0"/>
-              <a:t>.</a:t>
+              <a:rPr lang="ru-RU" sz="1800" smtClean="0"/>
+              <a:t>распределения </a:t>
+            </a:r>
+            <a:r>
+              <a:rPr lang="ru-RU" sz="1800" smtClean="0"/>
+              <a:t>Пуассона.</a:t>
             </a:r>
             <a:endParaRPr lang="ru-RU" sz="1800" dirty="0" smtClean="0"/>
           </a:p>

--- a/ВКР/Презентация_Димаков_В.С._МП-40.pptx
+++ b/ВКР/Презентация_Димаков_В.С._МП-40.pptx
@@ -21,7 +21,7 @@
     <p:sldId id="272" r:id="rId12"/>
   </p:sldIdLst>
   <p:sldSz cx="9144000" cy="6858000" type="screen4x3"/>
-  <p:notesSz cx="6858000" cy="9144000"/>
+  <p:notesSz cx="6858000" cy="9947275"/>
   <p:defaultTextStyle>
     <a:defPPr>
       <a:defRPr lang="ru-RU"/>
@@ -188,7 +188,7 @@
         <p:spPr>
           <a:xfrm>
             <a:off x="0" y="0"/>
-            <a:ext cx="2971800" cy="457200"/>
+            <a:ext cx="2971800" cy="497364"/>
           </a:xfrm>
           <a:prstGeom prst="rect">
             <a:avLst/>
@@ -230,7 +230,7 @@
         <p:spPr>
           <a:xfrm>
             <a:off x="3884613" y="0"/>
-            <a:ext cx="2971800" cy="457200"/>
+            <a:ext cx="2971800" cy="497364"/>
           </a:xfrm>
           <a:prstGeom prst="rect">
             <a:avLst/>
@@ -260,7 +260,7 @@
               <a:pPr>
                 <a:defRPr/>
               </a:pPr>
-              <a:t>12.06.2017</a:t>
+              <a:t>13.06.2017</a:t>
             </a:fld>
             <a:endParaRPr lang="ru-RU" dirty="0"/>
           </a:p>
@@ -278,8 +278,8 @@
         </p:nvSpPr>
         <p:spPr>
           <a:xfrm>
-            <a:off x="1143000" y="685800"/>
-            <a:ext cx="4572000" cy="3429000"/>
+            <a:off x="942975" y="746125"/>
+            <a:ext cx="4972050" cy="3730625"/>
           </a:xfrm>
           <a:prstGeom prst="rect">
             <a:avLst/>
@@ -312,8 +312,8 @@
         </p:nvSpPr>
         <p:spPr>
           <a:xfrm>
-            <a:off x="685800" y="4343400"/>
-            <a:ext cx="5486400" cy="4114800"/>
+            <a:off x="685800" y="4724956"/>
+            <a:ext cx="5486400" cy="4476274"/>
           </a:xfrm>
           <a:prstGeom prst="rect">
             <a:avLst/>
@@ -373,8 +373,8 @@
         </p:nvSpPr>
         <p:spPr>
           <a:xfrm>
-            <a:off x="0" y="8685213"/>
-            <a:ext cx="2971800" cy="457200"/>
+            <a:off x="0" y="9448185"/>
+            <a:ext cx="2971800" cy="497364"/>
           </a:xfrm>
           <a:prstGeom prst="rect">
             <a:avLst/>
@@ -415,8 +415,8 @@
         </p:nvSpPr>
         <p:spPr>
           <a:xfrm>
-            <a:off x="3884613" y="8685213"/>
-            <a:ext cx="2971800" cy="457200"/>
+            <a:off x="3884613" y="9448185"/>
+            <a:ext cx="2971800" cy="497364"/>
           </a:xfrm>
           <a:prstGeom prst="rect">
             <a:avLst/>
@@ -1556,7 +1556,7 @@
               <a:pPr>
                 <a:defRPr/>
               </a:pPr>
-              <a:t>12.06.2017</a:t>
+              <a:t>13.06.2017</a:t>
             </a:fld>
             <a:endParaRPr lang="ru-RU" dirty="0"/>
           </a:p>
@@ -1756,7 +1756,7 @@
               <a:pPr>
                 <a:defRPr/>
               </a:pPr>
-              <a:t>12.06.2017</a:t>
+              <a:t>13.06.2017</a:t>
             </a:fld>
             <a:endParaRPr lang="ru-RU" dirty="0"/>
           </a:p>
@@ -1966,7 +1966,7 @@
               <a:pPr>
                 <a:defRPr/>
               </a:pPr>
-              <a:t>12.06.2017</a:t>
+              <a:t>13.06.2017</a:t>
             </a:fld>
             <a:endParaRPr lang="ru-RU" dirty="0"/>
           </a:p>
@@ -2166,7 +2166,7 @@
               <a:pPr>
                 <a:defRPr/>
               </a:pPr>
-              <a:t>12.06.2017</a:t>
+              <a:t>13.06.2017</a:t>
             </a:fld>
             <a:endParaRPr lang="ru-RU" dirty="0"/>
           </a:p>
@@ -2442,7 +2442,7 @@
               <a:pPr>
                 <a:defRPr/>
               </a:pPr>
-              <a:t>12.06.2017</a:t>
+              <a:t>13.06.2017</a:t>
             </a:fld>
             <a:endParaRPr lang="ru-RU" dirty="0"/>
           </a:p>
@@ -2760,7 +2760,7 @@
               <a:pPr>
                 <a:defRPr/>
               </a:pPr>
-              <a:t>12.06.2017</a:t>
+              <a:t>13.06.2017</a:t>
             </a:fld>
             <a:endParaRPr lang="ru-RU" dirty="0"/>
           </a:p>
@@ -3212,7 +3212,7 @@
               <a:pPr>
                 <a:defRPr/>
               </a:pPr>
-              <a:t>12.06.2017</a:t>
+              <a:t>13.06.2017</a:t>
             </a:fld>
             <a:endParaRPr lang="ru-RU" dirty="0"/>
           </a:p>
@@ -3360,7 +3360,7 @@
               <a:pPr>
                 <a:defRPr/>
               </a:pPr>
-              <a:t>12.06.2017</a:t>
+              <a:t>13.06.2017</a:t>
             </a:fld>
             <a:endParaRPr lang="ru-RU" dirty="0"/>
           </a:p>
@@ -3485,7 +3485,7 @@
               <a:pPr>
                 <a:defRPr/>
               </a:pPr>
-              <a:t>12.06.2017</a:t>
+              <a:t>13.06.2017</a:t>
             </a:fld>
             <a:endParaRPr lang="ru-RU" dirty="0"/>
           </a:p>
@@ -3792,7 +3792,7 @@
               <a:pPr>
                 <a:defRPr/>
               </a:pPr>
-              <a:t>12.06.2017</a:t>
+              <a:t>13.06.2017</a:t>
             </a:fld>
             <a:endParaRPr lang="ru-RU" dirty="0"/>
           </a:p>
@@ -4078,7 +4078,7 @@
               <a:pPr>
                 <a:defRPr/>
               </a:pPr>
-              <a:t>12.06.2017</a:t>
+              <a:t>13.06.2017</a:t>
             </a:fld>
             <a:endParaRPr lang="ru-RU" dirty="0"/>
           </a:p>
@@ -4370,7 +4370,7 @@
               <a:pPr>
                 <a:defRPr/>
               </a:pPr>
-              <a:t>12.06.2017</a:t>
+              <a:t>13.06.2017</a:t>
             </a:fld>
             <a:endParaRPr lang="ru-RU" dirty="0"/>
           </a:p>
@@ -4902,8 +4902,8 @@
         </p:nvSpPr>
         <p:spPr bwMode="auto">
           <a:xfrm>
-            <a:off x="258478" y="3645024"/>
-            <a:ext cx="8572500" cy="830997"/>
+            <a:off x="258478" y="3739679"/>
+            <a:ext cx="8572500" cy="769441"/>
           </a:xfrm>
           <a:prstGeom prst="rect">
             <a:avLst/>
@@ -5033,20 +5033,20 @@
           <a:p>
             <a:pPr algn="ctr" eaLnBrk="1" hangingPunct="1"/>
             <a:r>
-              <a:rPr lang="ru-RU" sz="2400" b="1" dirty="0" smtClean="0">
+              <a:rPr lang="ru-RU" sz="2200" b="1" dirty="0" smtClean="0">
                 <a:latin typeface="+mj-lt"/>
                 <a:cs typeface="Arial" charset="0"/>
               </a:rPr>
-              <a:t>Обнаружение и слежение за объектами в реальном времени на основе самообучающегося классификатора</a:t>
+              <a:t>«Обнаружение и слежение за объектами в реальном времени на основе самообучающегося классификатора»</a:t>
             </a:r>
             <a:r>
-              <a:rPr lang="en-US" sz="2400" b="1" dirty="0" smtClean="0">
+              <a:rPr lang="en-US" sz="2200" b="1" dirty="0" smtClean="0">
                 <a:latin typeface="+mj-lt"/>
                 <a:cs typeface="Arial" charset="0"/>
               </a:rPr>
               <a:t> </a:t>
             </a:r>
-            <a:endParaRPr lang="ru-RU" altLang="ru-RU" sz="2400" b="1" dirty="0">
+            <a:endParaRPr lang="ru-RU" altLang="ru-RU" sz="2200" b="1" dirty="0">
               <a:latin typeface="+mj-lt"/>
               <a:cs typeface="Arial" charset="0"/>
             </a:endParaRPr>
@@ -5063,8 +5063,8 @@
         </p:nvSpPr>
         <p:spPr bwMode="auto">
           <a:xfrm>
-            <a:off x="2195737" y="2564904"/>
-            <a:ext cx="4697982" cy="461665"/>
+            <a:off x="2195737" y="2708920"/>
+            <a:ext cx="4697982" cy="430887"/>
           </a:xfrm>
           <a:prstGeom prst="rect">
             <a:avLst/>
@@ -5194,27 +5194,27 @@
           <a:p>
             <a:pPr algn="ctr" eaLnBrk="1" hangingPunct="1"/>
             <a:r>
-              <a:rPr lang="ru-RU" sz="2400" dirty="0" smtClean="0">
+              <a:rPr lang="ru-RU" sz="2200" dirty="0" smtClean="0">
                 <a:latin typeface="+mj-lt"/>
                 <a:cs typeface="Arial" charset="0"/>
               </a:rPr>
               <a:t>Димаков </a:t>
             </a:r>
             <a:r>
-              <a:rPr lang="ru-RU" sz="2400" dirty="0">
+              <a:rPr lang="ru-RU" sz="2200" dirty="0">
                 <a:latin typeface="+mj-lt"/>
                 <a:cs typeface="Arial" charset="0"/>
               </a:rPr>
               <a:t>Владислав </a:t>
             </a:r>
             <a:r>
-              <a:rPr lang="ru-RU" sz="2400" dirty="0" smtClean="0">
+              <a:rPr lang="ru-RU" sz="2200" dirty="0" smtClean="0">
                 <a:latin typeface="+mj-lt"/>
                 <a:cs typeface="Arial" charset="0"/>
               </a:rPr>
               <a:t>Сергеевич</a:t>
             </a:r>
-            <a:endParaRPr lang="ru-RU" altLang="ru-RU" sz="2400" dirty="0">
+            <a:endParaRPr lang="ru-RU" altLang="ru-RU" sz="2200" dirty="0">
               <a:latin typeface="+mj-lt"/>
               <a:cs typeface="Arial" charset="0"/>
             </a:endParaRPr>
@@ -5223,7 +5223,7 @@
       </p:sp>
       <p:sp>
         <p:nvSpPr>
-          <p:cNvPr id="5124" name="TextBox 1"/>
+          <p:cNvPr id="5125" name="TextBox 1"/>
           <p:cNvSpPr txBox="1">
             <a:spLocks noChangeArrowheads="1"/>
           </p:cNvSpPr>
@@ -5231,8 +5231,8 @@
         </p:nvSpPr>
         <p:spPr bwMode="auto">
           <a:xfrm>
-            <a:off x="1317625" y="198780"/>
-            <a:ext cx="6553200" cy="323165"/>
+            <a:off x="107504" y="119534"/>
+            <a:ext cx="8928992" cy="1077218"/>
           </a:xfrm>
           <a:prstGeom prst="rect">
             <a:avLst/>
@@ -5244,7 +5244,7 @@
           <a:extLst/>
         </p:spPr>
         <p:txBody>
-          <a:bodyPr anchor="ctr" anchorCtr="1">
+          <a:bodyPr wrap="square" anchor="ctr" anchorCtr="1">
             <a:spAutoFit/>
           </a:bodyPr>
           <a:lstStyle>
@@ -5350,181 +5350,62 @@
               <a:defRPr/>
             </a:pPr>
             <a:r>
-              <a:rPr lang="ru-RU" sz="1500" cap="all" dirty="0" smtClean="0">
+              <a:rPr lang="ru-RU" sz="1600" cap="all" dirty="0">
                 <a:latin typeface="+mj-lt"/>
                 <a:cs typeface="Arial" pitchFamily="34" charset="0"/>
               </a:rPr>
-              <a:t>Минобрнауки России</a:t>
+              <a:t>Минобрнауки </a:t>
             </a:r>
-            <a:endParaRPr lang="ru-RU" sz="1500" dirty="0" smtClean="0">
+            <a:r>
+              <a:rPr lang="ru-RU" sz="1600" cap="all" dirty="0" smtClean="0">
+                <a:latin typeface="+mj-lt"/>
+                <a:cs typeface="Arial" pitchFamily="34" charset="0"/>
+              </a:rPr>
+              <a:t>России</a:t>
+            </a:r>
+            <a:endParaRPr lang="ru-RU" sz="1600" dirty="0" smtClean="0">
               <a:latin typeface="+mj-lt"/>
               <a:cs typeface="Arial" pitchFamily="34" charset="0"/>
             </a:endParaRPr>
           </a:p>
-        </p:txBody>
-      </p:sp>
-      <p:sp>
-        <p:nvSpPr>
-          <p:cNvPr id="5125" name="TextBox 1"/>
-          <p:cNvSpPr txBox="1">
-            <a:spLocks noChangeArrowheads="1"/>
-          </p:cNvSpPr>
-          <p:nvPr/>
-        </p:nvSpPr>
-        <p:spPr bwMode="auto">
-          <a:xfrm>
-            <a:off x="381000" y="522779"/>
-            <a:ext cx="8424863" cy="784830"/>
-          </a:xfrm>
-          <a:prstGeom prst="rect">
-            <a:avLst/>
-          </a:prstGeom>
-          <a:noFill/>
-          <a:ln>
-            <a:noFill/>
-          </a:ln>
-          <a:extLst/>
-        </p:spPr>
-        <p:txBody>
-          <a:bodyPr anchor="ctr" anchorCtr="1">
-            <a:spAutoFit/>
-          </a:bodyPr>
-          <a:lstStyle>
-            <a:lvl1pPr eaLnBrk="0" hangingPunct="0">
-              <a:defRPr>
-                <a:solidFill>
-                  <a:schemeClr val="tx1"/>
-                </a:solidFill>
-                <a:latin typeface="Arial" charset="0"/>
-              </a:defRPr>
-            </a:lvl1pPr>
-            <a:lvl2pPr marL="742950" indent="-285750" eaLnBrk="0" hangingPunct="0">
-              <a:defRPr>
-                <a:solidFill>
-                  <a:schemeClr val="tx1"/>
-                </a:solidFill>
-                <a:latin typeface="Arial" charset="0"/>
-              </a:defRPr>
-            </a:lvl2pPr>
-            <a:lvl3pPr marL="1143000" indent="-228600" eaLnBrk="0" hangingPunct="0">
-              <a:defRPr>
-                <a:solidFill>
-                  <a:schemeClr val="tx1"/>
-                </a:solidFill>
-                <a:latin typeface="Arial" charset="0"/>
-              </a:defRPr>
-            </a:lvl3pPr>
-            <a:lvl4pPr marL="1600200" indent="-228600" eaLnBrk="0" hangingPunct="0">
-              <a:defRPr>
-                <a:solidFill>
-                  <a:schemeClr val="tx1"/>
-                </a:solidFill>
-                <a:latin typeface="Arial" charset="0"/>
-              </a:defRPr>
-            </a:lvl4pPr>
-            <a:lvl5pPr marL="2057400" indent="-228600" eaLnBrk="0" hangingPunct="0">
-              <a:defRPr>
-                <a:solidFill>
-                  <a:schemeClr val="tx1"/>
-                </a:solidFill>
-                <a:latin typeface="Arial" charset="0"/>
-              </a:defRPr>
-            </a:lvl5pPr>
-            <a:lvl6pPr marL="2514600" indent="-228600" eaLnBrk="0" fontAlgn="base" hangingPunct="0">
-              <a:spcBef>
-                <a:spcPct val="0"/>
-              </a:spcBef>
-              <a:spcAft>
-                <a:spcPct val="0"/>
-              </a:spcAft>
-              <a:defRPr>
-                <a:solidFill>
-                  <a:schemeClr val="tx1"/>
-                </a:solidFill>
-                <a:latin typeface="Arial" charset="0"/>
-              </a:defRPr>
-            </a:lvl6pPr>
-            <a:lvl7pPr marL="2971800" indent="-228600" eaLnBrk="0" fontAlgn="base" hangingPunct="0">
-              <a:spcBef>
-                <a:spcPct val="0"/>
-              </a:spcBef>
-              <a:spcAft>
-                <a:spcPct val="0"/>
-              </a:spcAft>
-              <a:defRPr>
-                <a:solidFill>
-                  <a:schemeClr val="tx1"/>
-                </a:solidFill>
-                <a:latin typeface="Arial" charset="0"/>
-              </a:defRPr>
-            </a:lvl7pPr>
-            <a:lvl8pPr marL="3429000" indent="-228600" eaLnBrk="0" fontAlgn="base" hangingPunct="0">
-              <a:spcBef>
-                <a:spcPct val="0"/>
-              </a:spcBef>
-              <a:spcAft>
-                <a:spcPct val="0"/>
-              </a:spcAft>
-              <a:defRPr>
-                <a:solidFill>
-                  <a:schemeClr val="tx1"/>
-                </a:solidFill>
-                <a:latin typeface="Arial" charset="0"/>
-              </a:defRPr>
-            </a:lvl8pPr>
-            <a:lvl9pPr marL="3886200" indent="-228600" eaLnBrk="0" fontAlgn="base" hangingPunct="0">
-              <a:spcBef>
-                <a:spcPct val="0"/>
-              </a:spcBef>
-              <a:spcAft>
-                <a:spcPct val="0"/>
-              </a:spcAft>
-              <a:defRPr>
-                <a:solidFill>
-                  <a:schemeClr val="tx1"/>
-                </a:solidFill>
-                <a:latin typeface="Arial" charset="0"/>
-              </a:defRPr>
-            </a:lvl9pPr>
-          </a:lstStyle>
           <a:p>
             <a:pPr algn="ctr">
               <a:defRPr/>
             </a:pPr>
             <a:r>
-              <a:rPr lang="ru-RU" sz="1500" dirty="0" smtClean="0">
+              <a:rPr lang="ru-RU" sz="1600" dirty="0" smtClean="0">
                 <a:latin typeface="+mj-lt"/>
                 <a:cs typeface="Arial" pitchFamily="34" charset="0"/>
               </a:rPr>
               <a:t>Федеральное государственное автономное образовательное учреждение высшего образования </a:t>
             </a:r>
             <a:br>
-              <a:rPr lang="ru-RU" sz="1500" dirty="0" smtClean="0">
+              <a:rPr lang="ru-RU" sz="1600" dirty="0" smtClean="0">
                 <a:latin typeface="+mj-lt"/>
                 <a:cs typeface="Arial" pitchFamily="34" charset="0"/>
               </a:rPr>
             </a:br>
             <a:r>
-              <a:rPr lang="ru-RU" sz="1500" dirty="0" smtClean="0">
+              <a:rPr lang="ru-RU" sz="1600" dirty="0" smtClean="0">
                 <a:latin typeface="+mj-lt"/>
                 <a:cs typeface="Arial" pitchFamily="34" charset="0"/>
               </a:rPr>
               <a:t>«Национальный исследовательский университет </a:t>
             </a:r>
             <a:br>
-              <a:rPr lang="ru-RU" sz="1500" dirty="0" smtClean="0">
+              <a:rPr lang="ru-RU" sz="1600" dirty="0" smtClean="0">
                 <a:latin typeface="+mj-lt"/>
                 <a:cs typeface="Arial" pitchFamily="34" charset="0"/>
               </a:rPr>
             </a:br>
             <a:r>
-              <a:rPr lang="ru-RU" sz="1500" dirty="0" smtClean="0">
+              <a:rPr lang="ru-RU" sz="1600" dirty="0" smtClean="0">
                 <a:latin typeface="+mj-lt"/>
                 <a:cs typeface="Arial" pitchFamily="34" charset="0"/>
               </a:rPr>
               <a:t>«Московский институт электронной техники»</a:t>
             </a:r>
-            <a:endParaRPr lang="ru-RU" sz="1500" cap="all" dirty="0">
+            <a:endParaRPr lang="ru-RU" sz="1600" cap="all" dirty="0">
               <a:latin typeface="+mj-lt"/>
               <a:cs typeface="Arial" pitchFamily="34" charset="0"/>
             </a:endParaRPr>
@@ -5541,7 +5422,7 @@
         </p:nvSpPr>
         <p:spPr bwMode="auto">
           <a:xfrm>
-            <a:off x="1101725" y="1404065"/>
+            <a:off x="1101725" y="1260049"/>
             <a:ext cx="6985000" cy="584775"/>
           </a:xfrm>
           <a:prstGeom prst="rect">
@@ -5719,8 +5600,8 @@
         </p:nvSpPr>
         <p:spPr bwMode="auto">
           <a:xfrm>
-            <a:off x="4606676" y="4974267"/>
-            <a:ext cx="4141788" cy="830997"/>
+            <a:off x="6084168" y="5046275"/>
+            <a:ext cx="2520280" cy="830997"/>
           </a:xfrm>
           <a:prstGeom prst="rect">
             <a:avLst/>
@@ -5750,7 +5631,7 @@
           </a:extLst>
         </p:spPr>
         <p:txBody>
-          <a:bodyPr>
+          <a:bodyPr wrap="square">
             <a:spAutoFit/>
           </a:bodyPr>
           <a:lstStyle>
@@ -5848,44 +5729,34 @@
             </a:lvl9pPr>
           </a:lstStyle>
           <a:p>
-            <a:pPr algn="r" eaLnBrk="1" hangingPunct="1"/>
+            <a:pPr eaLnBrk="1" hangingPunct="1"/>
             <a:r>
               <a:rPr lang="ru-RU" altLang="ru-RU" sz="1600" dirty="0">
                 <a:latin typeface="+mj-lt"/>
                 <a:cs typeface="Arial" charset="0"/>
               </a:rPr>
-              <a:t>Научный руководитель: </a:t>
-            </a:r>
-          </a:p>
-          <a:p>
-            <a:pPr algn="r" eaLnBrk="1" hangingPunct="1"/>
-            <a:r>
-              <a:rPr lang="ru-RU" altLang="ru-RU" sz="1600" dirty="0">
-                <a:latin typeface="+mj-lt"/>
-                <a:cs typeface="Arial" charset="0"/>
-              </a:rPr>
-              <a:t>к.ф.-м.н., </a:t>
+              <a:t>Научный руководитель</a:t>
             </a:r>
             <a:r>
               <a:rPr lang="ru-RU" altLang="ru-RU" sz="1600" dirty="0" smtClean="0">
                 <a:latin typeface="+mj-lt"/>
                 <a:cs typeface="Arial" charset="0"/>
               </a:rPr>
-              <a:t>доцент</a:t>
+              <a:t>:</a:t>
             </a:r>
-            <a:r>
-              <a:rPr lang="en-US" altLang="ru-RU" sz="1600" dirty="0" smtClean="0">
-                <a:latin typeface="+mj-lt"/>
-                <a:cs typeface="Arial" charset="0"/>
-              </a:rPr>
-              <a:t> </a:t>
-            </a:r>
+            <a:endParaRPr lang="ru-RU" altLang="ru-RU" sz="1600" dirty="0">
+              <a:latin typeface="+mj-lt"/>
+              <a:cs typeface="Arial" charset="0"/>
+            </a:endParaRPr>
+          </a:p>
+          <a:p>
+            <a:pPr eaLnBrk="1" hangingPunct="1"/>
             <a:r>
               <a:rPr lang="ru-RU" altLang="ru-RU" sz="1600" dirty="0" smtClean="0">
                 <a:latin typeface="+mj-lt"/>
                 <a:cs typeface="Arial" charset="0"/>
               </a:rPr>
-              <a:t>кафедры ВМ-1 </a:t>
+              <a:t>к.ф.-м.н., доцент</a:t>
             </a:r>
             <a:endParaRPr lang="en-US" altLang="ru-RU" sz="1600" dirty="0" smtClean="0">
               <a:latin typeface="+mj-lt"/>
@@ -5893,7 +5764,7 @@
             </a:endParaRPr>
           </a:p>
           <a:p>
-            <a:pPr algn="r" eaLnBrk="1" hangingPunct="1"/>
+            <a:pPr eaLnBrk="1" hangingPunct="1"/>
             <a:r>
               <a:rPr lang="ru-RU" sz="1600" dirty="0" smtClean="0">
                 <a:latin typeface="+mj-lt"/>
@@ -5902,9 +5773,14 @@
               <a:t>Козлитин </a:t>
             </a:r>
             <a:r>
-              <a:rPr lang="ru-RU" sz="1600" dirty="0"/>
-              <a:t>Иван Алексеевич </a:t>
+              <a:rPr lang="ru-RU" sz="1600" dirty="0" smtClean="0">
+                <a:latin typeface="+mj-lt"/>
+              </a:rPr>
+              <a:t>Иван Алексеевич</a:t>
             </a:r>
+            <a:endParaRPr lang="ru-RU" sz="1600" dirty="0">
+              <a:latin typeface="+mj-lt"/>
+            </a:endParaRPr>
           </a:p>
         </p:txBody>
       </p:sp>
@@ -5919,7 +5795,7 @@
         <p:spPr bwMode="auto">
           <a:xfrm>
             <a:off x="1101725" y="6335713"/>
-            <a:ext cx="6985000" cy="323165"/>
+            <a:ext cx="6985000" cy="338554"/>
           </a:xfrm>
           <a:prstGeom prst="rect">
             <a:avLst/>
@@ -6049,20 +5925,20 @@
           <a:p>
             <a:pPr algn="ctr" eaLnBrk="1" hangingPunct="1"/>
             <a:r>
-              <a:rPr lang="ru-RU" altLang="ru-RU" sz="1500" dirty="0">
+              <a:rPr lang="ru-RU" altLang="ru-RU" sz="1600" dirty="0">
                 <a:latin typeface="+mj-lt"/>
                 <a:cs typeface="Arial" charset="0"/>
               </a:rPr>
               <a:t>Москва </a:t>
             </a:r>
             <a:r>
-              <a:rPr lang="en-US" altLang="ru-RU" sz="1500" dirty="0">
+              <a:rPr lang="en-US" altLang="ru-RU" sz="1600" dirty="0">
                 <a:latin typeface="+mj-lt"/>
                 <a:cs typeface="Arial" charset="0"/>
               </a:rPr>
               <a:t>2017</a:t>
             </a:r>
-            <a:endParaRPr lang="ru-RU" altLang="ru-RU" sz="1500" dirty="0">
+            <a:endParaRPr lang="ru-RU" altLang="ru-RU" sz="1600" dirty="0">
               <a:latin typeface="+mj-lt"/>
               <a:cs typeface="Arial" charset="0"/>
             </a:endParaRPr>
@@ -6079,7 +5955,7 @@
         </p:nvSpPr>
         <p:spPr bwMode="auto">
           <a:xfrm>
-            <a:off x="1027113" y="3068960"/>
+            <a:off x="1027113" y="3204265"/>
             <a:ext cx="6985000" cy="584775"/>
           </a:xfrm>
           <a:prstGeom prst="rect">
@@ -6210,15 +6086,45 @@
           <a:p>
             <a:pPr algn="ctr"/>
             <a:r>
-              <a:rPr lang="ru-RU" sz="1600" dirty="0"/>
+              <a:rPr lang="ru-RU" sz="1600" dirty="0">
+                <a:latin typeface="+mj-lt"/>
+              </a:rPr>
               <a:t>Бакалаврская работа </a:t>
             </a:r>
+            <a:r>
+              <a:rPr lang="ru-RU" sz="1600" dirty="0" smtClean="0">
+                <a:latin typeface="+mj-lt"/>
+              </a:rPr>
+              <a:t/>
+            </a:r>
             <a:br>
-              <a:rPr lang="ru-RU" sz="1600" dirty="0"/>
+              <a:rPr lang="ru-RU" sz="1600" dirty="0" smtClean="0">
+                <a:latin typeface="+mj-lt"/>
+              </a:rPr>
             </a:br>
             <a:r>
-              <a:rPr lang="ru-RU" sz="1600" dirty="0"/>
-              <a:t>по направлению 01.03.04 «Прикладная математика»</a:t>
+              <a:rPr lang="ru-RU" sz="1600" dirty="0" smtClean="0">
+                <a:latin typeface="+mj-lt"/>
+              </a:rPr>
+              <a:t>по </a:t>
+            </a:r>
+            <a:r>
+              <a:rPr lang="ru-RU" sz="1600" dirty="0">
+                <a:latin typeface="+mj-lt"/>
+              </a:rPr>
+              <a:t>направлению 01.03.04 </a:t>
+            </a:r>
+            <a:r>
+              <a:rPr lang="ru-RU" sz="1600" dirty="0" smtClean="0">
+                <a:latin typeface="+mj-lt"/>
+              </a:rPr>
+              <a:t>«Прикладная </a:t>
+            </a:r>
+            <a:r>
+              <a:rPr lang="ru-RU" sz="1600" dirty="0">
+                <a:latin typeface="+mj-lt"/>
+              </a:rPr>
+              <a:t>математика»</a:t>
             </a:r>
           </a:p>
         </p:txBody>
@@ -6278,11 +6184,11 @@
           <a:p>
             <a:r>
               <a:rPr lang="ru-RU" sz="2800" dirty="0"/>
-              <a:t>Сравнительная характеристика</a:t>
+              <a:t>Сравнительная </a:t>
             </a:r>
             <a:r>
               <a:rPr lang="ru-RU" sz="2800" dirty="0" smtClean="0"/>
-              <a:t>, выводы</a:t>
+              <a:t>характеристика, выводы</a:t>
             </a:r>
             <a:endParaRPr lang="ru-RU" sz="2800" dirty="0"/>
           </a:p>
@@ -6576,13 +6482,20 @@
             <a:pPr algn="just"/>
             <a:r>
               <a:rPr lang="ru-RU" sz="1800" dirty="0"/>
-              <a:t>Предложенные методы компенсации движений камеры и улучшения результатов сегментации позволяют расширить область применения разработанного алгоритма, сделав его устойчивым к движениям датчика изображений и повысив его точность</a:t>
+              <a:t>Предложенные методы компенсации движений камеры и улучшения результатов сегментации позволяют расширить область применения разработанного алгоритма, сделав его </a:t>
+            </a:r>
+            <a:r>
+              <a:rPr lang="ru-RU" sz="1800" dirty="0" smtClean="0"/>
+              <a:t>более устойчивым к внешним условиям и </a:t>
+            </a:r>
+            <a:r>
+              <a:rPr lang="ru-RU" sz="1800" dirty="0"/>
+              <a:t>повысив его точность</a:t>
             </a:r>
             <a:r>
               <a:rPr lang="ru-RU" sz="1800" dirty="0" smtClean="0"/>
               <a:t>.</a:t>
             </a:r>
-            <a:endParaRPr lang="ru-RU" sz="1800" dirty="0" smtClean="0"/>
           </a:p>
           <a:p>
             <a:pPr marL="0" indent="0">
@@ -6593,8 +6506,8 @@
           </a:p>
         </p:txBody>
       </p:sp>
-      <mc:AlternateContent xmlns:mc="http://schemas.openxmlformats.org/markup-compatibility/2006">
-        <mc:Choice xmlns:a14="http://schemas.microsoft.com/office/drawing/2010/main" Requires="a14">
+      <mc:AlternateContent xmlns:mc="http://schemas.openxmlformats.org/markup-compatibility/2006" xmlns:a14="http://schemas.microsoft.com/office/drawing/2010/main">
+        <mc:Choice Requires="a14">
           <p:graphicFrame>
             <p:nvGraphicFramePr>
               <p:cNvPr id="3" name="Таблица 2"/>
@@ -6611,7 +6524,7 @@
             </p:nvGraphicFramePr>
             <p:xfrm>
               <a:off x="323528" y="908720"/>
-              <a:ext cx="8496944" cy="1892174"/>
+              <a:ext cx="8496944" cy="1929892"/>
             </p:xfrm>
             <a:graphic>
               <a:graphicData uri="http://schemas.openxmlformats.org/drawingml/2006/table">
@@ -6754,6 +6667,7 @@
                                     <a:schemeClr val="tx1"/>
                                   </a:solidFill>
                                   <a:effectLst/>
+                                  <a:latin typeface="Cambria Math"/>
                                 </a:rPr>
                                 <m:t>%</m:t>
                               </m:r>
@@ -7160,6 +7074,7 @@
                                       <a:schemeClr val="tx1"/>
                                     </a:solidFill>
                                     <a:effectLst/>
+                                    <a:latin typeface="Cambria Math"/>
                                   </a:rPr>
                                   <m:t>18</m:t>
                                 </m:r>
@@ -7169,6 +7084,7 @@
                                       <a:schemeClr val="tx1"/>
                                     </a:solidFill>
                                     <a:effectLst/>
+                                    <a:latin typeface="Cambria Math"/>
                                   </a:rPr>
                                   <m:t>.</m:t>
                                 </m:r>
@@ -7178,6 +7094,7 @@
                                       <a:schemeClr val="tx1"/>
                                     </a:solidFill>
                                     <a:effectLst/>
+                                    <a:latin typeface="Cambria Math"/>
                                   </a:rPr>
                                   <m:t>23</m:t>
                                 </m:r>
@@ -7258,6 +7175,7 @@
                                       <a:schemeClr val="tx1"/>
                                     </a:solidFill>
                                     <a:effectLst/>
+                                    <a:latin typeface="Cambria Math"/>
                                   </a:rPr>
                                   <m:t>56</m:t>
                                 </m:r>
@@ -7267,6 +7185,7 @@
                                       <a:schemeClr val="tx1"/>
                                     </a:solidFill>
                                     <a:effectLst/>
+                                    <a:latin typeface="Cambria Math"/>
                                   </a:rPr>
                                   <m:t>.</m:t>
                                 </m:r>
@@ -7276,6 +7195,7 @@
                                       <a:schemeClr val="tx1"/>
                                     </a:solidFill>
                                     <a:effectLst/>
+                                    <a:latin typeface="Cambria Math"/>
                                   </a:rPr>
                                   <m:t>45</m:t>
                                 </m:r>
@@ -7356,6 +7276,7 @@
                                       <a:schemeClr val="tx1"/>
                                     </a:solidFill>
                                     <a:effectLst/>
+                                    <a:latin typeface="Cambria Math"/>
                                   </a:rPr>
                                   <m:t>100</m:t>
                                 </m:r>
@@ -7365,6 +7286,7 @@
                                       <a:schemeClr val="tx1"/>
                                     </a:solidFill>
                                     <a:effectLst/>
+                                    <a:latin typeface="Cambria Math"/>
                                   </a:rPr>
                                   <m:t>.</m:t>
                                 </m:r>
@@ -7374,6 +7296,7 @@
                                       <a:schemeClr val="tx1"/>
                                     </a:solidFill>
                                     <a:effectLst/>
+                                    <a:latin typeface="Cambria Math"/>
                                   </a:rPr>
                                   <m:t>00</m:t>
                                 </m:r>
@@ -7527,6 +7450,7 @@
                                       <a:schemeClr val="tx1"/>
                                     </a:solidFill>
                                     <a:effectLst/>
+                                    <a:latin typeface="Cambria Math"/>
                                   </a:rPr>
                                   <m:t>6</m:t>
                                 </m:r>
@@ -7536,6 +7460,7 @@
                                       <a:schemeClr val="tx1"/>
                                     </a:solidFill>
                                     <a:effectLst/>
+                                    <a:latin typeface="Cambria Math"/>
                                   </a:rPr>
                                   <m:t>.</m:t>
                                 </m:r>
@@ -7545,6 +7470,7 @@
                                       <a:schemeClr val="tx1"/>
                                     </a:solidFill>
                                     <a:effectLst/>
+                                    <a:latin typeface="Cambria Math"/>
                                   </a:rPr>
                                   <m:t>63</m:t>
                                 </m:r>
@@ -7625,6 +7551,7 @@
                                       <a:schemeClr val="tx1"/>
                                     </a:solidFill>
                                     <a:effectLst/>
+                                    <a:latin typeface="Cambria Math"/>
                                   </a:rPr>
                                   <m:t>8</m:t>
                                 </m:r>
@@ -7634,6 +7561,7 @@
                                       <a:schemeClr val="tx1"/>
                                     </a:solidFill>
                                     <a:effectLst/>
+                                    <a:latin typeface="Cambria Math"/>
                                   </a:rPr>
                                   <m:t>.</m:t>
                                 </m:r>
@@ -7643,6 +7571,7 @@
                                       <a:schemeClr val="tx1"/>
                                     </a:solidFill>
                                     <a:effectLst/>
+                                    <a:latin typeface="Cambria Math"/>
                                   </a:rPr>
                                   <m:t>03</m:t>
                                 </m:r>
@@ -7723,6 +7652,7 @@
                                       <a:schemeClr val="tx1"/>
                                     </a:solidFill>
                                     <a:effectLst/>
+                                    <a:latin typeface="Cambria Math"/>
                                   </a:rPr>
                                   <m:t>8</m:t>
                                 </m:r>
@@ -7732,6 +7662,7 @@
                                       <a:schemeClr val="tx1"/>
                                     </a:solidFill>
                                     <a:effectLst/>
+                                    <a:latin typeface="Cambria Math"/>
                                   </a:rPr>
                                   <m:t>.</m:t>
                                 </m:r>
@@ -7741,6 +7672,7 @@
                                       <a:schemeClr val="tx1"/>
                                     </a:solidFill>
                                     <a:effectLst/>
+                                    <a:latin typeface="Cambria Math"/>
                                   </a:rPr>
                                   <m:t>48</m:t>
                                 </m:r>
@@ -7802,7 +7734,7 @@
             </a:graphic>
           </p:graphicFrame>
         </mc:Choice>
-        <mc:Fallback>
+        <mc:Fallback xmlns="">
           <p:graphicFrame>
             <p:nvGraphicFramePr>
               <p:cNvPr id="3" name="Таблица 2"/>
@@ -8884,7 +8816,7 @@
             </a:pPr>
             <a:r>
               <a:rPr lang="ru-RU" sz="1900" dirty="0" smtClean="0"/>
-              <a:t>Одной из актуальных задач, требующих решения при создании подобных систем, является задача долгосрочного слежения, предполагающая корректную работу в условиях изменения окружающей обстановки сцены, перекрытия объекта слежения другими объектами или же в случае исчезновения отслеживаемого объекта из области видимости.</a:t>
+              <a:t>Одной из актуальных задач, требующих решения при создании подобных систем, является задача долгосрочного слежения, предполагающая корректную работу в условиях изменения окружающей обстановки сцены, перекрытия объекта слежения другими объектами или же в случае исчезновения отслеживаемого объекта из области наблюдения.</a:t>
             </a:r>
           </a:p>
         </p:txBody>
@@ -9395,15 +9327,7 @@
             </a:r>
             <a:r>
               <a:rPr lang="ru-RU" sz="2000" dirty="0" smtClean="0"/>
-              <a:t>азработка и </a:t>
-            </a:r>
-            <a:r>
-              <a:rPr lang="ru-RU" sz="2000" dirty="0" smtClean="0"/>
-              <a:t>программная реализация </a:t>
-            </a:r>
-            <a:r>
-              <a:rPr lang="ru-RU" sz="2000" dirty="0" smtClean="0"/>
-              <a:t>метода, способного </a:t>
+              <a:t>азработка и программная реализация метода, способного </a:t>
             </a:r>
             <a:r>
               <a:rPr lang="ru-RU" sz="2000" dirty="0"/>
@@ -9927,13 +9851,13 @@
                   <a:rPr lang="ru-RU" dirty="0" smtClean="0">
                     <a:latin typeface="+mj-lt"/>
                   </a:rPr>
-                  <a:t>тслеживание </a:t>
+                  <a:t>тслеживание траекторий </a:t>
                 </a:r>
                 <a:r>
                   <a:rPr lang="ru-RU" dirty="0">
                     <a:latin typeface="+mj-lt"/>
                   </a:rPr>
-                  <a:t>траекторий их движения</a:t>
+                  <a:t>движения объектов</a:t>
                 </a:r>
               </a:p>
             </p:txBody>
@@ -14021,7 +13945,7 @@
             <a:pPr algn="just"/>
             <a:r>
               <a:rPr lang="ru-RU" sz="1800" dirty="0" smtClean="0"/>
-              <a:t>Оценка смещений опорных элементов осуществлялась с помощью вычисления оптического потока методом Лукаса-Канаде.</a:t>
+              <a:t>Оценка смещений опорных элементов осуществлялась при помощи вычисления оптического потока методом Лукаса-Канаде.</a:t>
             </a:r>
           </a:p>
           <a:p>
@@ -14446,8 +14370,8 @@
             </a:ln>
           </p:spPr>
         </p:pic>
-        <mc:AlternateContent xmlns:mc="http://schemas.openxmlformats.org/markup-compatibility/2006">
-          <mc:Choice xmlns:a14="http://schemas.microsoft.com/office/drawing/2010/main" Requires="a14">
+        <mc:AlternateContent xmlns:mc="http://schemas.openxmlformats.org/markup-compatibility/2006" xmlns:a14="http://schemas.microsoft.com/office/drawing/2010/main">
+          <mc:Choice Requires="a14">
             <p:sp>
               <p:nvSpPr>
                 <p:cNvPr id="34" name="TextBox 33"/>
@@ -14553,7 +14477,7 @@
               </p:txBody>
             </p:sp>
           </mc:Choice>
-          <mc:Fallback>
+          <mc:Fallback xmlns="">
             <p:sp>
               <p:nvSpPr>
                 <p:cNvPr id="34" name="TextBox 33"/>
@@ -14593,562 +14517,444 @@
           </mc:Fallback>
         </mc:AlternateContent>
       </p:grpSp>
-      <p:grpSp>
-        <p:nvGrpSpPr>
-          <p:cNvPr id="32" name="Группа 31"/>
-          <p:cNvGrpSpPr/>
+      <p:sp>
+        <p:nvSpPr>
+          <p:cNvPr id="30" name="Прямоугольник 29"/>
+          <p:cNvSpPr/>
           <p:nvPr/>
-        </p:nvGrpSpPr>
-        <p:grpSpPr>
+        </p:nvSpPr>
+        <p:spPr>
           <a:xfrm>
-            <a:off x="6181492" y="3137966"/>
-            <a:ext cx="2663735" cy="1875210"/>
-            <a:chOff x="6228745" y="2420888"/>
-            <a:chExt cx="2663735" cy="1875210"/>
+            <a:off x="6565851" y="3209974"/>
+            <a:ext cx="1127248" cy="1471518"/>
           </a:xfrm>
-        </p:grpSpPr>
-        <p:sp>
-          <p:nvSpPr>
-            <p:cNvPr id="30" name="Прямоугольник 29"/>
-            <p:cNvSpPr/>
-            <p:nvPr/>
-          </p:nvSpPr>
-          <p:spPr>
-            <a:xfrm>
-              <a:off x="6613104" y="2492896"/>
-              <a:ext cx="1127248" cy="1471518"/>
-            </a:xfrm>
-            <a:prstGeom prst="rect">
-              <a:avLst/>
-            </a:prstGeom>
-            <a:ln>
-              <a:noFill/>
-            </a:ln>
-          </p:spPr>
-          <p:style>
-            <a:lnRef idx="2">
-              <a:schemeClr val="accent2">
-                <a:shade val="50000"/>
-              </a:schemeClr>
-            </a:lnRef>
-            <a:fillRef idx="1">
-              <a:schemeClr val="accent2"/>
-            </a:fillRef>
-            <a:effectRef idx="0">
-              <a:schemeClr val="accent2"/>
-            </a:effectRef>
-            <a:fontRef idx="minor">
-              <a:schemeClr val="lt1"/>
-            </a:fontRef>
-          </p:style>
-          <p:txBody>
-            <a:bodyPr rtlCol="0" anchor="ctr"/>
-            <a:lstStyle/>
-            <a:p>
-              <a:pPr algn="ctr"/>
-              <a:endParaRPr lang="ru-RU"/>
-            </a:p>
-          </p:txBody>
-        </p:sp>
-        <p:sp>
-          <p:nvSpPr>
-            <p:cNvPr id="27" name="Прямоугольник 26"/>
-            <p:cNvSpPr/>
-            <p:nvPr/>
-          </p:nvSpPr>
-          <p:spPr>
-            <a:xfrm>
-              <a:off x="7156800" y="2852936"/>
-              <a:ext cx="1591962" cy="1122474"/>
-            </a:xfrm>
-            <a:prstGeom prst="rect">
-              <a:avLst/>
-            </a:prstGeom>
-            <a:ln>
-              <a:noFill/>
-            </a:ln>
-          </p:spPr>
-          <p:style>
-            <a:lnRef idx="2">
-              <a:schemeClr val="accent1">
-                <a:shade val="50000"/>
-              </a:schemeClr>
-            </a:lnRef>
-            <a:fillRef idx="1">
-              <a:schemeClr val="accent1"/>
-            </a:fillRef>
-            <a:effectRef idx="0">
-              <a:schemeClr val="accent1"/>
-            </a:effectRef>
-            <a:fontRef idx="minor">
-              <a:schemeClr val="lt1"/>
-            </a:fontRef>
-          </p:style>
-          <p:txBody>
-            <a:bodyPr rtlCol="0" anchor="ctr"/>
-            <a:lstStyle/>
-            <a:p>
-              <a:pPr algn="ctr"/>
-              <a:endParaRPr lang="ru-RU"/>
-            </a:p>
-          </p:txBody>
-        </p:sp>
-        <p:grpSp>
-          <p:nvGrpSpPr>
-            <p:cNvPr id="31" name="Группа 30"/>
-            <p:cNvGrpSpPr/>
-            <p:nvPr/>
-          </p:nvGrpSpPr>
-          <p:grpSpPr>
-            <a:xfrm>
-              <a:off x="6228745" y="2420888"/>
-              <a:ext cx="2663735" cy="1875210"/>
-              <a:chOff x="6228745" y="2996952"/>
-              <a:chExt cx="2663735" cy="1875210"/>
-            </a:xfrm>
-          </p:grpSpPr>
-          <p:pic>
-            <p:nvPicPr>
-              <p:cNvPr id="1028" name="Picture 4" descr="C:\Users\Vlad\Desktop\ВУЗ\4 курс\8 семестр\Диплом\cv2\ВКР\images\Рисунок1.png"/>
-              <p:cNvPicPr>
-                <a:picLocks noChangeAspect="1" noChangeArrowheads="1"/>
-              </p:cNvPicPr>
+          <a:prstGeom prst="rect">
+            <a:avLst/>
+          </a:prstGeom>
+          <a:ln>
+            <a:noFill/>
+          </a:ln>
+        </p:spPr>
+        <p:style>
+          <a:lnRef idx="2">
+            <a:schemeClr val="accent2">
+              <a:shade val="50000"/>
+            </a:schemeClr>
+          </a:lnRef>
+          <a:fillRef idx="1">
+            <a:schemeClr val="accent2"/>
+          </a:fillRef>
+          <a:effectRef idx="0">
+            <a:schemeClr val="accent2"/>
+          </a:effectRef>
+          <a:fontRef idx="minor">
+            <a:schemeClr val="lt1"/>
+          </a:fontRef>
+        </p:style>
+        <p:txBody>
+          <a:bodyPr rtlCol="0" anchor="ctr"/>
+          <a:lstStyle/>
+          <a:p>
+            <a:pPr algn="ctr"/>
+            <a:endParaRPr lang="ru-RU"/>
+          </a:p>
+        </p:txBody>
+      </p:sp>
+      <p:sp>
+        <p:nvSpPr>
+          <p:cNvPr id="27" name="Прямоугольник 26"/>
+          <p:cNvSpPr/>
+          <p:nvPr/>
+        </p:nvSpPr>
+        <p:spPr>
+          <a:xfrm>
+            <a:off x="7109547" y="3570014"/>
+            <a:ext cx="1591962" cy="1122474"/>
+          </a:xfrm>
+          <a:prstGeom prst="rect">
+            <a:avLst/>
+          </a:prstGeom>
+          <a:ln>
+            <a:noFill/>
+          </a:ln>
+        </p:spPr>
+        <p:style>
+          <a:lnRef idx="2">
+            <a:schemeClr val="accent1">
+              <a:shade val="50000"/>
+            </a:schemeClr>
+          </a:lnRef>
+          <a:fillRef idx="1">
+            <a:schemeClr val="accent1"/>
+          </a:fillRef>
+          <a:effectRef idx="0">
+            <a:schemeClr val="accent1"/>
+          </a:effectRef>
+          <a:fontRef idx="minor">
+            <a:schemeClr val="lt1"/>
+          </a:fontRef>
+        </p:style>
+        <p:txBody>
+          <a:bodyPr rtlCol="0" anchor="ctr"/>
+          <a:lstStyle/>
+          <a:p>
+            <a:pPr algn="ctr"/>
+            <a:endParaRPr lang="ru-RU"/>
+          </a:p>
+        </p:txBody>
+      </p:sp>
+      <p:pic>
+        <p:nvPicPr>
+          <p:cNvPr id="1028" name="Picture 4" descr="C:\Users\Vlad\Desktop\ВУЗ\4 курс\8 семестр\Диплом\cv2\ВКР\images\Рисунок1.png"/>
+          <p:cNvPicPr>
+            <a:picLocks noChangeAspect="1" noChangeArrowheads="1"/>
+          </p:cNvPicPr>
+          <p:nvPr/>
+        </p:nvPicPr>
+        <p:blipFill>
+          <a:blip r:embed="rId4">
+            <a:extLst>
+              <a:ext uri="{28A0092B-C50C-407E-A947-70E740481C1C}">
+                <a14:useLocalDpi xmlns:a14="http://schemas.microsoft.com/office/drawing/2010/main" val="0"/>
+              </a:ext>
+            </a:extLst>
+          </a:blip>
+          <a:srcRect/>
+          <a:stretch>
+            <a:fillRect/>
+          </a:stretch>
+        </p:blipFill>
+        <p:spPr bwMode="auto">
+          <a:xfrm>
+            <a:off x="6540971" y="3203877"/>
+            <a:ext cx="2160538" cy="1474787"/>
+          </a:xfrm>
+          <a:prstGeom prst="rect">
+            <a:avLst/>
+          </a:prstGeom>
+          <a:noFill/>
+          <a:extLst>
+            <a:ext uri="{909E8E84-426E-40DD-AFC4-6F175D3DCCD1}">
+              <a14:hiddenFill xmlns:a14="http://schemas.microsoft.com/office/drawing/2010/main">
+                <a:solidFill>
+                  <a:srgbClr val="FFFFFF"/>
+                </a:solidFill>
+              </a14:hiddenFill>
+            </a:ext>
+          </a:extLst>
+        </p:spPr>
+      </p:pic>
+      <p:sp>
+        <p:nvSpPr>
+          <p:cNvPr id="16" name="Прямоугольник 15"/>
+          <p:cNvSpPr/>
+          <p:nvPr/>
+        </p:nvSpPr>
+        <p:spPr>
+          <a:xfrm>
+            <a:off x="6551752" y="3137966"/>
+            <a:ext cx="2149757" cy="1544277"/>
+          </a:xfrm>
+          <a:prstGeom prst="rect">
+            <a:avLst/>
+          </a:prstGeom>
+          <a:noFill/>
+        </p:spPr>
+        <p:style>
+          <a:lnRef idx="2">
+            <a:schemeClr val="dk1"/>
+          </a:lnRef>
+          <a:fillRef idx="1">
+            <a:schemeClr val="lt1"/>
+          </a:fillRef>
+          <a:effectRef idx="0">
+            <a:schemeClr val="dk1"/>
+          </a:effectRef>
+          <a:fontRef idx="minor">
+            <a:schemeClr val="dk1"/>
+          </a:fontRef>
+        </p:style>
+        <p:txBody>
+          <a:bodyPr rtlCol="0" anchor="ctr"/>
+          <a:lstStyle/>
+          <a:p>
+            <a:pPr algn="ctr"/>
+            <a:endParaRPr lang="ru-RU" dirty="0"/>
+          </a:p>
+        </p:txBody>
+      </p:sp>
+      <mc:AlternateContent xmlns:mc="http://schemas.openxmlformats.org/markup-compatibility/2006">
+        <mc:Choice xmlns:a14="http://schemas.microsoft.com/office/drawing/2010/main" Requires="a14">
+          <p:sp>
+            <p:nvSpPr>
+              <p:cNvPr id="35" name="TextBox 34"/>
+              <p:cNvSpPr txBox="1"/>
               <p:nvPr/>
-            </p:nvPicPr>
-            <p:blipFill>
-              <a:blip r:embed="rId4">
-                <a:extLst>
-                  <a:ext uri="{28A0092B-C50C-407E-A947-70E740481C1C}">
-                    <a14:useLocalDpi xmlns:a14="http://schemas.microsoft.com/office/drawing/2010/main" val="0"/>
-                  </a:ext>
-                </a:extLst>
-              </a:blip>
-              <a:srcRect/>
-              <a:stretch>
-                <a:fillRect/>
-              </a:stretch>
-            </p:blipFill>
-            <p:spPr bwMode="auto">
+            </p:nvSpPr>
+            <p:spPr>
               <a:xfrm>
-                <a:off x="6588224" y="3062863"/>
-                <a:ext cx="2160538" cy="1474787"/>
+                <a:off x="6397513" y="4632623"/>
+                <a:ext cx="2447714" cy="380553"/>
               </a:xfrm>
               <a:prstGeom prst="rect">
                 <a:avLst/>
               </a:prstGeom>
               <a:noFill/>
-              <a:extLst>
-                <a:ext uri="{909E8E84-426E-40DD-AFC4-6F175D3DCCD1}">
-                  <a14:hiddenFill xmlns:a14="http://schemas.microsoft.com/office/drawing/2010/main">
-                    <a:solidFill>
-                      <a:srgbClr val="FFFFFF"/>
-                    </a:solidFill>
-                  </a14:hiddenFill>
-                </a:ext>
-              </a:extLst>
             </p:spPr>
-          </p:pic>
-          <p:grpSp>
-            <p:nvGrpSpPr>
-              <p:cNvPr id="47" name="Группа 46"/>
-              <p:cNvGrpSpPr/>
+            <p:txBody>
+              <a:bodyPr wrap="square" rtlCol="0">
+                <a:spAutoFit/>
+              </a:bodyPr>
+              <a:lstStyle/>
+              <a:p>
+                <a:pPr algn="ctr"/>
+                <a:r>
+                  <a:rPr lang="ru-RU" sz="1700" dirty="0" smtClean="0">
+                    <a:latin typeface="+mj-lt"/>
+                  </a:rPr>
+                  <a:t>Гистограмма</a:t>
+                </a:r>
+                <a:r>
+                  <a:rPr lang="en-US" sz="1700" dirty="0" smtClean="0">
+                    <a:latin typeface="+mj-lt"/>
+                  </a:rPr>
+                  <a:t> </a:t>
+                </a:r>
+                <a14:m>
+                  <m:oMath xmlns:m="http://schemas.openxmlformats.org/officeDocument/2006/math">
+                    <m:sSub>
+                      <m:sSubPr>
+                        <m:ctrlPr>
+                          <a:rPr lang="en-US" sz="1700" i="1">
+                            <a:latin typeface="Cambria Math"/>
+                          </a:rPr>
+                        </m:ctrlPr>
+                      </m:sSubPr>
+                      <m:e>
+                        <m:r>
+                          <a:rPr lang="en-US" sz="1700" i="1">
+                            <a:latin typeface="Cambria Math"/>
+                          </a:rPr>
+                          <m:t>|</m:t>
+                        </m:r>
+                        <m:r>
+                          <a:rPr lang="en-US" sz="1700" i="1">
+                            <a:latin typeface="Cambria Math"/>
+                          </a:rPr>
+                          <m:t>𝐼</m:t>
+                        </m:r>
+                      </m:e>
+                      <m:sub>
+                        <m:r>
+                          <a:rPr lang="en-US" sz="1700" i="1">
+                            <a:latin typeface="Cambria Math"/>
+                          </a:rPr>
+                          <m:t>𝑡</m:t>
+                        </m:r>
+                      </m:sub>
+                    </m:sSub>
+                    <m:r>
+                      <a:rPr lang="en-US" sz="1700" i="1">
+                        <a:latin typeface="Cambria Math"/>
+                      </a:rPr>
+                      <m:t>−</m:t>
+                    </m:r>
+                    <m:sSub>
+                      <m:sSubPr>
+                        <m:ctrlPr>
+                          <a:rPr lang="en-US" sz="1700" i="1">
+                            <a:latin typeface="Cambria Math"/>
+                          </a:rPr>
+                        </m:ctrlPr>
+                      </m:sSubPr>
+                      <m:e>
+                        <m:r>
+                          <a:rPr lang="en-US" sz="1700" i="1">
+                            <a:latin typeface="Cambria Math"/>
+                          </a:rPr>
+                          <m:t>𝐵</m:t>
+                        </m:r>
+                      </m:e>
+                      <m:sub>
+                        <m:r>
+                          <a:rPr lang="en-US" sz="1700" i="1">
+                            <a:latin typeface="Cambria Math"/>
+                          </a:rPr>
+                          <m:t>𝑡</m:t>
+                        </m:r>
+                      </m:sub>
+                    </m:sSub>
+                    <m:r>
+                      <a:rPr lang="en-US" sz="1700" i="1">
+                        <a:latin typeface="Cambria Math"/>
+                      </a:rPr>
+                      <m:t>|</m:t>
+                    </m:r>
+                  </m:oMath>
+                </a14:m>
+                <a:endParaRPr lang="ru-RU" sz="1700" dirty="0">
+                  <a:latin typeface="+mj-lt"/>
+                </a:endParaRPr>
+              </a:p>
+            </p:txBody>
+          </p:sp>
+        </mc:Choice>
+        <mc:Fallback>
+          <p:sp>
+            <p:nvSpPr>
+              <p:cNvPr id="35" name="TextBox 34"/>
+              <p:cNvSpPr txBox="1">
+                <a:spLocks noRot="1" noChangeAspect="1" noMove="1" noResize="1" noEditPoints="1" noAdjustHandles="1" noChangeArrowheads="1" noChangeShapeType="1" noTextEdit="1"/>
+              </p:cNvSpPr>
               <p:nvPr/>
-            </p:nvGrpSpPr>
-            <p:grpSpPr>
+            </p:nvSpPr>
+            <p:spPr>
               <a:xfrm>
-                <a:off x="6228745" y="2996952"/>
-                <a:ext cx="2663735" cy="1875210"/>
-                <a:chOff x="2411763" y="4572027"/>
-                <a:chExt cx="2663735" cy="1875210"/>
+                <a:off x="6397513" y="4632623"/>
+                <a:ext cx="2447714" cy="380553"/>
               </a:xfrm>
-            </p:grpSpPr>
-            <p:grpSp>
-              <p:nvGrpSpPr>
-                <p:cNvPr id="38" name="Группа 37"/>
-                <p:cNvGrpSpPr/>
-                <p:nvPr/>
-              </p:nvGrpSpPr>
-              <p:grpSpPr>
-                <a:xfrm>
-                  <a:off x="2411763" y="4572027"/>
-                  <a:ext cx="2663735" cy="1875210"/>
-                  <a:chOff x="2411763" y="4572027"/>
-                  <a:chExt cx="2663735" cy="1875210"/>
-                </a:xfrm>
-              </p:grpSpPr>
-              <p:grpSp>
-                <p:nvGrpSpPr>
-                  <p:cNvPr id="17" name="Группа 16"/>
-                  <p:cNvGrpSpPr/>
-                  <p:nvPr/>
-                </p:nvGrpSpPr>
-                <p:grpSpPr>
-                  <a:xfrm>
-                    <a:off x="2411763" y="4572027"/>
-                    <a:ext cx="2520017" cy="1544277"/>
-                    <a:chOff x="3521533" y="2584893"/>
-                    <a:chExt cx="2520017" cy="1544277"/>
-                  </a:xfrm>
-                </p:grpSpPr>
-                <p:sp>
-                  <p:nvSpPr>
-                    <p:cNvPr id="14" name="Прямоугольник 13"/>
-                    <p:cNvSpPr/>
-                    <p:nvPr/>
-                  </p:nvSpPr>
-                  <p:spPr>
-                    <a:xfrm>
-                      <a:off x="3521533" y="2585480"/>
-                      <a:ext cx="73159" cy="593568"/>
-                    </a:xfrm>
-                    <a:prstGeom prst="rect">
-                      <a:avLst/>
-                    </a:prstGeom>
-                    <a:ln>
-                      <a:solidFill>
-                        <a:schemeClr val="bg1"/>
-                      </a:solidFill>
-                    </a:ln>
-                  </p:spPr>
-                  <p:style>
-                    <a:lnRef idx="2">
-                      <a:schemeClr val="dk1"/>
-                    </a:lnRef>
-                    <a:fillRef idx="1">
-                      <a:schemeClr val="lt1"/>
-                    </a:fillRef>
-                    <a:effectRef idx="0">
-                      <a:schemeClr val="dk1"/>
-                    </a:effectRef>
-                    <a:fontRef idx="minor">
-                      <a:schemeClr val="dk1"/>
-                    </a:fontRef>
-                  </p:style>
-                  <p:txBody>
-                    <a:bodyPr rtlCol="0" anchor="ctr"/>
-                    <a:lstStyle/>
-                    <a:p>
-                      <a:pPr algn="ctr"/>
-                      <a:endParaRPr lang="ru-RU" dirty="0"/>
-                    </a:p>
-                  </p:txBody>
-                </p:sp>
-                <p:sp>
-                  <p:nvSpPr>
-                    <p:cNvPr id="16" name="Прямоугольник 15"/>
-                    <p:cNvSpPr/>
-                    <p:nvPr/>
-                  </p:nvSpPr>
-                  <p:spPr>
-                    <a:xfrm>
-                      <a:off x="3891793" y="2584893"/>
-                      <a:ext cx="2149757" cy="1544277"/>
-                    </a:xfrm>
-                    <a:prstGeom prst="rect">
-                      <a:avLst/>
-                    </a:prstGeom>
+              <a:prstGeom prst="rect">
+                <a:avLst/>
+              </a:prstGeom>
+              <a:blipFill rotWithShape="1">
+                <a:blip r:embed="rId5"/>
+                <a:stretch>
+                  <a:fillRect t="-4839" b="-14516"/>
+                </a:stretch>
+              </a:blipFill>
+            </p:spPr>
+            <p:txBody>
+              <a:bodyPr/>
+              <a:lstStyle/>
+              <a:p>
+                <a:r>
+                  <a:rPr lang="ru-RU">
                     <a:noFill/>
-                  </p:spPr>
-                  <p:style>
-                    <a:lnRef idx="2">
-                      <a:schemeClr val="dk1"/>
-                    </a:lnRef>
-                    <a:fillRef idx="1">
-                      <a:schemeClr val="lt1"/>
-                    </a:fillRef>
-                    <a:effectRef idx="0">
-                      <a:schemeClr val="dk1"/>
-                    </a:effectRef>
-                    <a:fontRef idx="minor">
-                      <a:schemeClr val="dk1"/>
-                    </a:fontRef>
-                  </p:style>
-                  <p:txBody>
-                    <a:bodyPr rtlCol="0" anchor="ctr"/>
-                    <a:lstStyle/>
-                    <a:p>
-                      <a:pPr algn="ctr"/>
-                      <a:endParaRPr lang="ru-RU" dirty="0"/>
-                    </a:p>
-                  </p:txBody>
-                </p:sp>
-              </p:grpSp>
-              <mc:AlternateContent xmlns:mc="http://schemas.openxmlformats.org/markup-compatibility/2006">
-                <mc:Choice xmlns:a14="http://schemas.microsoft.com/office/drawing/2010/main" Requires="a14">
-                  <p:sp>
-                    <p:nvSpPr>
-                      <p:cNvPr id="35" name="TextBox 34"/>
-                      <p:cNvSpPr txBox="1"/>
-                      <p:nvPr/>
-                    </p:nvSpPr>
-                    <p:spPr>
-                      <a:xfrm>
-                        <a:off x="2627784" y="6066684"/>
-                        <a:ext cx="2447714" cy="380553"/>
-                      </a:xfrm>
-                      <a:prstGeom prst="rect">
-                        <a:avLst/>
-                      </a:prstGeom>
-                      <a:noFill/>
-                    </p:spPr>
-                    <p:txBody>
-                      <a:bodyPr wrap="square" rtlCol="0">
-                        <a:spAutoFit/>
-                      </a:bodyPr>
-                      <a:lstStyle/>
-                      <a:p>
-                        <a:pPr algn="ctr"/>
-                        <a:r>
-                          <a:rPr lang="ru-RU" sz="1700" dirty="0" smtClean="0">
-                            <a:latin typeface="+mj-lt"/>
-                          </a:rPr>
-                          <a:t>Гистограмма</a:t>
-                        </a:r>
-                        <a:r>
-                          <a:rPr lang="en-US" sz="1700" dirty="0" smtClean="0">
-                            <a:latin typeface="+mj-lt"/>
-                          </a:rPr>
-                          <a:t> </a:t>
-                        </a:r>
-                        <a14:m>
-                          <m:oMath xmlns:m="http://schemas.openxmlformats.org/officeDocument/2006/math">
-                            <m:sSub>
-                              <m:sSubPr>
-                                <m:ctrlPr>
-                                  <a:rPr lang="en-US" sz="1700" i="1">
-                                    <a:latin typeface="+mj-lt"/>
-                                  </a:rPr>
-                                </m:ctrlPr>
-                              </m:sSubPr>
-                              <m:e>
-                                <m:r>
-                                  <a:rPr lang="en-US" sz="1700" i="1">
-                                    <a:latin typeface="+mj-lt"/>
-                                  </a:rPr>
-                                  <m:t>|</m:t>
-                                </m:r>
-                                <m:r>
-                                  <a:rPr lang="en-US" sz="1700" i="1">
-                                    <a:latin typeface="+mj-lt"/>
-                                  </a:rPr>
-                                  <m:t>𝐼</m:t>
-                                </m:r>
-                              </m:e>
-                              <m:sub>
-                                <m:r>
-                                  <a:rPr lang="en-US" sz="1700" i="1">
-                                    <a:latin typeface="+mj-lt"/>
-                                  </a:rPr>
-                                  <m:t>𝑡</m:t>
-                                </m:r>
-                              </m:sub>
-                            </m:sSub>
-                            <m:r>
-                              <a:rPr lang="en-US" sz="1700" i="1">
-                                <a:latin typeface="+mj-lt"/>
-                              </a:rPr>
-                              <m:t>−</m:t>
-                            </m:r>
-                            <m:sSub>
-                              <m:sSubPr>
-                                <m:ctrlPr>
-                                  <a:rPr lang="en-US" sz="1700" i="1">
-                                    <a:latin typeface="+mj-lt"/>
-                                  </a:rPr>
-                                </m:ctrlPr>
-                              </m:sSubPr>
-                              <m:e>
-                                <m:r>
-                                  <a:rPr lang="en-US" sz="1700" i="1">
-                                    <a:latin typeface="+mj-lt"/>
-                                  </a:rPr>
-                                  <m:t>𝐵</m:t>
-                                </m:r>
-                              </m:e>
-                              <m:sub>
-                                <m:r>
-                                  <a:rPr lang="en-US" sz="1700" i="1">
-                                    <a:latin typeface="+mj-lt"/>
-                                  </a:rPr>
-                                  <m:t>𝑡</m:t>
-                                </m:r>
-                              </m:sub>
-                            </m:sSub>
-                            <m:r>
-                              <a:rPr lang="en-US" sz="1700" i="1">
-                                <a:latin typeface="+mj-lt"/>
-                              </a:rPr>
-                              <m:t>|</m:t>
-                            </m:r>
-                          </m:oMath>
-                        </a14:m>
-                        <a:endParaRPr lang="ru-RU" sz="1700" dirty="0">
-                          <a:latin typeface="+mj-lt"/>
-                        </a:endParaRPr>
-                      </a:p>
-                    </p:txBody>
-                  </p:sp>
-                </mc:Choice>
-                <mc:Fallback>
-                  <p:sp>
-                    <p:nvSpPr>
-                      <p:cNvPr id="35" name="TextBox 34"/>
-                      <p:cNvSpPr txBox="1">
-                        <a:spLocks noRot="1" noChangeAspect="1" noMove="1" noResize="1" noEditPoints="1" noAdjustHandles="1" noChangeArrowheads="1" noChangeShapeType="1" noTextEdit="1"/>
-                      </p:cNvSpPr>
-                      <p:nvPr/>
-                    </p:nvSpPr>
-                    <p:spPr>
-                      <a:xfrm>
-                        <a:off x="2627784" y="6066684"/>
-                        <a:ext cx="2447714" cy="380553"/>
-                      </a:xfrm>
-                      <a:prstGeom prst="rect">
-                        <a:avLst/>
-                      </a:prstGeom>
-                      <a:blipFill rotWithShape="1">
-                        <a:blip r:embed="rId5"/>
-                        <a:stretch>
-                          <a:fillRect t="-3226" b="-16129"/>
-                        </a:stretch>
-                      </a:blipFill>
-                    </p:spPr>
-                    <p:txBody>
-                      <a:bodyPr/>
-                      <a:lstStyle/>
-                      <a:p>
-                        <a:r>
-                          <a:rPr lang="ru-RU">
-                            <a:noFill/>
-                          </a:rPr>
-                          <a:t> </a:t>
-                        </a:r>
-                      </a:p>
-                    </p:txBody>
-                  </p:sp>
-                </mc:Fallback>
-              </mc:AlternateContent>
-            </p:grpSp>
-            <p:cxnSp>
-              <p:nvCxnSpPr>
-                <p:cNvPr id="45" name="Скругленная соединительная линия 44"/>
-                <p:cNvCxnSpPr/>
-                <p:nvPr/>
-              </p:nvCxnSpPr>
-              <p:spPr>
-                <a:xfrm rot="5400000">
-                  <a:off x="3185018" y="5500827"/>
-                  <a:ext cx="734689" cy="288031"/>
-                </a:xfrm>
-                <a:prstGeom prst="curvedConnector3">
-                  <a:avLst/>
-                </a:prstGeom>
-                <a:ln>
-                  <a:tailEnd type="arrow"/>
-                </a:ln>
-              </p:spPr>
-              <p:style>
-                <a:lnRef idx="2">
-                  <a:schemeClr val="dk1"/>
-                </a:lnRef>
-                <a:fillRef idx="0">
-                  <a:schemeClr val="dk1"/>
-                </a:fillRef>
-                <a:effectRef idx="1">
-                  <a:schemeClr val="dk1"/>
-                </a:effectRef>
-                <a:fontRef idx="minor">
-                  <a:schemeClr val="tx1"/>
-                </a:fontRef>
-              </p:style>
-            </p:cxnSp>
-            <mc:AlternateContent xmlns:mc="http://schemas.openxmlformats.org/markup-compatibility/2006">
-              <mc:Choice xmlns:a14="http://schemas.microsoft.com/office/drawing/2010/main" Requires="a14">
-                <p:sp>
-                  <p:nvSpPr>
-                    <p:cNvPr id="46" name="TextBox 45"/>
-                    <p:cNvSpPr txBox="1"/>
-                    <p:nvPr/>
-                  </p:nvSpPr>
-                  <p:spPr>
-                    <a:xfrm>
-                      <a:off x="3419314" y="4922775"/>
-                      <a:ext cx="576064" cy="353943"/>
-                    </a:xfrm>
-                    <a:prstGeom prst="rect">
-                      <a:avLst/>
-                    </a:prstGeom>
+                  </a:rPr>
+                  <a:t> </a:t>
+                </a:r>
+              </a:p>
+            </p:txBody>
+          </p:sp>
+        </mc:Fallback>
+      </mc:AlternateContent>
+      <p:cxnSp>
+        <p:nvCxnSpPr>
+          <p:cNvPr id="45" name="Скругленная соединительная линия 44"/>
+          <p:cNvCxnSpPr/>
+          <p:nvPr/>
+        </p:nvCxnSpPr>
+        <p:spPr>
+          <a:xfrm rot="5400000">
+            <a:off x="6954747" y="4066766"/>
+            <a:ext cx="734689" cy="288031"/>
+          </a:xfrm>
+          <a:prstGeom prst="curvedConnector3">
+            <a:avLst/>
+          </a:prstGeom>
+          <a:ln>
+            <a:tailEnd type="arrow"/>
+          </a:ln>
+        </p:spPr>
+        <p:style>
+          <a:lnRef idx="2">
+            <a:schemeClr val="dk1"/>
+          </a:lnRef>
+          <a:fillRef idx="0">
+            <a:schemeClr val="dk1"/>
+          </a:fillRef>
+          <a:effectRef idx="1">
+            <a:schemeClr val="dk1"/>
+          </a:effectRef>
+          <a:fontRef idx="minor">
+            <a:schemeClr val="tx1"/>
+          </a:fontRef>
+        </p:style>
+      </p:cxnSp>
+      <mc:AlternateContent xmlns:mc="http://schemas.openxmlformats.org/markup-compatibility/2006">
+        <mc:Choice xmlns:a14="http://schemas.microsoft.com/office/drawing/2010/main" Requires="a14">
+          <p:sp>
+            <p:nvSpPr>
+              <p:cNvPr id="46" name="TextBox 45"/>
+              <p:cNvSpPr txBox="1"/>
+              <p:nvPr/>
+            </p:nvSpPr>
+            <p:spPr>
+              <a:xfrm>
+                <a:off x="7189043" y="3488714"/>
+                <a:ext cx="576064" cy="353943"/>
+              </a:xfrm>
+              <a:prstGeom prst="rect">
+                <a:avLst/>
+              </a:prstGeom>
+              <a:noFill/>
+            </p:spPr>
+            <p:txBody>
+              <a:bodyPr wrap="square" rtlCol="0">
+                <a:spAutoFit/>
+              </a:bodyPr>
+              <a:lstStyle/>
+              <a:p>
+                <a:pPr/>
+                <a14:m>
+                  <m:oMathPara xmlns:m="http://schemas.openxmlformats.org/officeDocument/2006/math">
+                    <m:oMathParaPr>
+                      <m:jc m:val="centerGroup"/>
+                    </m:oMathParaPr>
+                    <m:oMath xmlns:m="http://schemas.openxmlformats.org/officeDocument/2006/math">
+                      <m:r>
+                        <a:rPr lang="ru-RU" sz="1700" b="1" i="1" smtClean="0">
+                          <a:latin typeface="Cambria Math"/>
+                        </a:rPr>
+                        <m:t>𝝎</m:t>
+                      </m:r>
+                    </m:oMath>
+                  </m:oMathPara>
+                </a14:m>
+                <a:endParaRPr lang="ru-RU" sz="1700" b="1" dirty="0"/>
+              </a:p>
+            </p:txBody>
+          </p:sp>
+        </mc:Choice>
+        <mc:Fallback>
+          <p:sp>
+            <p:nvSpPr>
+              <p:cNvPr id="46" name="TextBox 45"/>
+              <p:cNvSpPr txBox="1">
+                <a:spLocks noRot="1" noChangeAspect="1" noMove="1" noResize="1" noEditPoints="1" noAdjustHandles="1" noChangeArrowheads="1" noChangeShapeType="1" noTextEdit="1"/>
+              </p:cNvSpPr>
+              <p:nvPr/>
+            </p:nvSpPr>
+            <p:spPr>
+              <a:xfrm>
+                <a:off x="7189043" y="3488714"/>
+                <a:ext cx="576064" cy="353943"/>
+              </a:xfrm>
+              <a:prstGeom prst="rect">
+                <a:avLst/>
+              </a:prstGeom>
+              <a:blipFill rotWithShape="1">
+                <a:blip r:embed="rId6"/>
+                <a:stretch>
+                  <a:fillRect/>
+                </a:stretch>
+              </a:blipFill>
+            </p:spPr>
+            <p:txBody>
+              <a:bodyPr/>
+              <a:lstStyle/>
+              <a:p>
+                <a:r>
+                  <a:rPr lang="ru-RU">
                     <a:noFill/>
-                  </p:spPr>
-                  <p:txBody>
-                    <a:bodyPr wrap="square" rtlCol="0">
-                      <a:spAutoFit/>
-                    </a:bodyPr>
-                    <a:lstStyle/>
-                    <a:p>
-                      <a:pPr/>
-                      <a14:m>
-                        <m:oMathPara xmlns:m="http://schemas.openxmlformats.org/officeDocument/2006/math">
-                          <m:oMathParaPr>
-                            <m:jc m:val="centerGroup"/>
-                          </m:oMathParaPr>
-                          <m:oMath xmlns:m="http://schemas.openxmlformats.org/officeDocument/2006/math">
-                            <m:r>
-                              <a:rPr lang="ru-RU" sz="1700" b="1" i="1" smtClean="0">
-                                <a:latin typeface="Cambria Math"/>
-                              </a:rPr>
-                              <m:t>𝝎</m:t>
-                            </m:r>
-                          </m:oMath>
-                        </m:oMathPara>
-                      </a14:m>
-                      <a:endParaRPr lang="ru-RU" sz="1700" b="1" dirty="0"/>
-                    </a:p>
-                  </p:txBody>
-                </p:sp>
-              </mc:Choice>
-              <mc:Fallback>
-                <p:sp>
-                  <p:nvSpPr>
-                    <p:cNvPr id="46" name="TextBox 45"/>
-                    <p:cNvSpPr txBox="1">
-                      <a:spLocks noRot="1" noChangeAspect="1" noMove="1" noResize="1" noEditPoints="1" noAdjustHandles="1" noChangeArrowheads="1" noChangeShapeType="1" noTextEdit="1"/>
-                    </p:cNvSpPr>
-                    <p:nvPr/>
-                  </p:nvSpPr>
-                  <p:spPr>
-                    <a:xfrm>
-                      <a:off x="3419314" y="4922775"/>
-                      <a:ext cx="576064" cy="353943"/>
-                    </a:xfrm>
-                    <a:prstGeom prst="rect">
-                      <a:avLst/>
-                    </a:prstGeom>
-                    <a:blipFill rotWithShape="1">
-                      <a:blip r:embed="rId6"/>
-                      <a:stretch>
-                        <a:fillRect/>
-                      </a:stretch>
-                    </a:blipFill>
-                  </p:spPr>
-                  <p:txBody>
-                    <a:bodyPr/>
-                    <a:lstStyle/>
-                    <a:p>
-                      <a:r>
-                        <a:rPr lang="ru-RU">
-                          <a:noFill/>
-                        </a:rPr>
-                        <a:t> </a:t>
-                      </a:r>
-                    </a:p>
-                  </p:txBody>
-                </p:sp>
-              </mc:Fallback>
-            </mc:AlternateContent>
-          </p:grpSp>
-        </p:grpSp>
-      </p:grpSp>
+                  </a:rPr>
+                  <a:t> </a:t>
+                </a:r>
+              </a:p>
+            </p:txBody>
+          </p:sp>
+        </mc:Fallback>
+      </mc:AlternateContent>
       <p:grpSp>
         <p:nvGrpSpPr>
           <p:cNvPr id="19" name="Группа 18"/>
@@ -15222,8 +15028,8 @@
                 </a:ln>
               </p:spPr>
             </p:pic>
-            <mc:AlternateContent xmlns:mc="http://schemas.openxmlformats.org/markup-compatibility/2006">
-              <mc:Choice xmlns:a14="http://schemas.microsoft.com/office/drawing/2010/main" Requires="a14">
+            <mc:AlternateContent xmlns:mc="http://schemas.openxmlformats.org/markup-compatibility/2006" xmlns:a14="http://schemas.microsoft.com/office/drawing/2010/main">
+              <mc:Choice Requires="a14">
                 <p:sp>
                   <p:nvSpPr>
                     <p:cNvPr id="36" name="TextBox 35"/>
@@ -15286,7 +15092,7 @@
                   </p:txBody>
                 </p:sp>
               </mc:Choice>
-              <mc:Fallback>
+              <mc:Fallback xmlns="">
                 <p:sp>
                   <p:nvSpPr>
                     <p:cNvPr id="36" name="TextBox 35"/>
@@ -15426,8 +15232,8 @@
                 </p:spPr>
               </p:pic>
             </p:grpSp>
-            <mc:AlternateContent xmlns:mc="http://schemas.openxmlformats.org/markup-compatibility/2006">
-              <mc:Choice xmlns:a14="http://schemas.microsoft.com/office/drawing/2010/main" Requires="a14">
+            <mc:AlternateContent xmlns:mc="http://schemas.openxmlformats.org/markup-compatibility/2006" xmlns:a14="http://schemas.microsoft.com/office/drawing/2010/main">
+              <mc:Choice Requires="a14">
                 <p:sp>
                   <p:nvSpPr>
                     <p:cNvPr id="37" name="TextBox 36"/>
@@ -15502,7 +15308,7 @@
                   </p:txBody>
                 </p:sp>
               </mc:Choice>
-              <mc:Fallback>
+              <mc:Fallback xmlns="">
                 <p:sp>
                   <p:nvSpPr>
                     <p:cNvPr id="37" name="TextBox 36"/>
@@ -15746,15 +15552,7 @@
                 </a:pPr>
                 <a:r>
                   <a:rPr lang="ru-RU" sz="2000" dirty="0" smtClean="0"/>
-                  <a:t>Результат </a:t>
-                </a:r>
-                <a:r>
-                  <a:rPr lang="ru-RU" sz="2000" dirty="0" smtClean="0"/>
-                  <a:t>и</a:t>
-                </a:r>
-                <a:r>
-                  <a:rPr lang="ru-RU" sz="2000" dirty="0" smtClean="0"/>
-                  <a:t>спользования </a:t>
+                  <a:t>Результат использования </a:t>
                 </a:r>
                 <a:r>
                   <a:rPr lang="ru-RU" sz="2000" dirty="0"/>
@@ -15765,8 +15563,8 @@
             </p:txBody>
           </p:sp>
         </p:grpSp>
-        <mc:AlternateContent xmlns:mc="http://schemas.openxmlformats.org/markup-compatibility/2006">
-          <mc:Choice xmlns:a14="http://schemas.microsoft.com/office/drawing/2010/main" Requires="a14">
+        <mc:AlternateContent xmlns:mc="http://schemas.openxmlformats.org/markup-compatibility/2006" xmlns:a14="http://schemas.microsoft.com/office/drawing/2010/main">
+          <mc:Choice Requires="a14">
             <p:sp>
               <p:nvSpPr>
                 <p:cNvPr id="29" name="Объект 2"/>
@@ -16440,7 +16238,7 @@
               </p:txBody>
             </p:sp>
           </mc:Choice>
-          <mc:Fallback>
+          <mc:Fallback xmlns="">
             <p:sp>
               <p:nvSpPr>
                 <p:cNvPr id="29" name="Объект 2"/>
@@ -16571,7 +16369,6 @@
               <a:rPr lang="ru-RU" sz="2800" dirty="0"/>
               <a:t>Классификатор на основе случайного леса</a:t>
             </a:r>
-            <a:endParaRPr lang="ru-RU" sz="2800" dirty="0"/>
           </a:p>
         </p:txBody>
       </p:sp>
@@ -16728,8 +16525,8 @@
             <a:chExt cx="8856984" cy="4680520"/>
           </a:xfrm>
         </p:grpSpPr>
-        <mc:AlternateContent xmlns:mc="http://schemas.openxmlformats.org/markup-compatibility/2006">
-          <mc:Choice xmlns:a14="http://schemas.microsoft.com/office/drawing/2010/main" Requires="a14">
+        <mc:AlternateContent xmlns:mc="http://schemas.openxmlformats.org/markup-compatibility/2006" xmlns:a14="http://schemas.microsoft.com/office/drawing/2010/main">
+          <mc:Choice Requires="a14">
             <p:sp>
               <p:nvSpPr>
                 <p:cNvPr id="82" name="Прямоугольник 81"/>
@@ -16867,7 +16664,7 @@
               </p:txBody>
             </p:sp>
           </mc:Choice>
-          <mc:Fallback>
+          <mc:Fallback xmlns="">
             <p:sp>
               <p:nvSpPr>
                 <p:cNvPr id="82" name="Прямоугольник 81"/>
@@ -16920,8 +16717,8 @@
               <a:chExt cx="8784976" cy="4680520"/>
             </a:xfrm>
           </p:grpSpPr>
-          <mc:AlternateContent xmlns:mc="http://schemas.openxmlformats.org/markup-compatibility/2006">
-            <mc:Choice xmlns:a14="http://schemas.microsoft.com/office/drawing/2010/main" Requires="a14">
+          <mc:AlternateContent xmlns:mc="http://schemas.openxmlformats.org/markup-compatibility/2006" xmlns:a14="http://schemas.microsoft.com/office/drawing/2010/main">
+            <mc:Choice Requires="a14">
               <p:sp>
                 <p:nvSpPr>
                   <p:cNvPr id="83" name="TextBox 82"/>
@@ -16984,7 +16781,7 @@
                 </p:txBody>
               </p:sp>
             </mc:Choice>
-            <mc:Fallback>
+            <mc:Fallback xmlns="">
               <p:sp>
                 <p:nvSpPr>
                   <p:cNvPr id="83" name="TextBox 82"/>
@@ -17955,8 +17752,8 @@
                     </a:p>
                   </p:txBody>
                 </p:sp>
-                <mc:AlternateContent xmlns:mc="http://schemas.openxmlformats.org/markup-compatibility/2006">
-                  <mc:Choice xmlns:a14="http://schemas.microsoft.com/office/drawing/2010/main" Requires="a14">
+                <mc:AlternateContent xmlns:mc="http://schemas.openxmlformats.org/markup-compatibility/2006" xmlns:a14="http://schemas.microsoft.com/office/drawing/2010/main">
+                  <mc:Choice Requires="a14">
                     <p:sp>
                       <p:nvSpPr>
                         <p:cNvPr id="71" name="TextBox 70"/>
@@ -18019,7 +17816,7 @@
                       </p:txBody>
                     </p:sp>
                   </mc:Choice>
-                  <mc:Fallback>
+                  <mc:Fallback xmlns="">
                     <p:sp>
                       <p:nvSpPr>
                         <p:cNvPr id="71" name="TextBox 70"/>
@@ -18963,8 +18760,8 @@
                     </a:p>
                   </p:txBody>
                 </p:sp>
-                <mc:AlternateContent xmlns:mc="http://schemas.openxmlformats.org/markup-compatibility/2006">
-                  <mc:Choice xmlns:a14="http://schemas.microsoft.com/office/drawing/2010/main" Requires="a14">
+                <mc:AlternateContent xmlns:mc="http://schemas.openxmlformats.org/markup-compatibility/2006" xmlns:a14="http://schemas.microsoft.com/office/drawing/2010/main">
+                  <mc:Choice Requires="a14">
                     <p:sp>
                       <p:nvSpPr>
                         <p:cNvPr id="194" name="TextBox 193"/>
@@ -19027,7 +18824,7 @@
                       </p:txBody>
                     </p:sp>
                   </mc:Choice>
-                  <mc:Fallback>
+                  <mc:Fallback xmlns="">
                     <p:sp>
                       <p:nvSpPr>
                         <p:cNvPr id="194" name="TextBox 193"/>
@@ -19165,8 +18962,8 @@
                     </p:sp>
                   </mc:Fallback>
                 </mc:AlternateContent>
-                <mc:AlternateContent xmlns:mc="http://schemas.openxmlformats.org/markup-compatibility/2006">
-                  <mc:Choice xmlns:a14="http://schemas.microsoft.com/office/drawing/2010/main" Requires="a14">
+                <mc:AlternateContent xmlns:mc="http://schemas.openxmlformats.org/markup-compatibility/2006" xmlns:a14="http://schemas.microsoft.com/office/drawing/2010/main">
+                  <mc:Choice Requires="a14">
                     <p:sp>
                       <p:nvSpPr>
                         <p:cNvPr id="195" name="TextBox 194"/>
@@ -19218,7 +19015,7 @@
                       </p:txBody>
                     </p:sp>
                   </mc:Choice>
-                  <mc:Fallback>
+                  <mc:Fallback xmlns="">
                     <p:sp>
                       <p:nvSpPr>
                         <p:cNvPr id="195" name="TextBox 194"/>
@@ -21422,8 +21219,8 @@
                     </p:sp>
                   </p:grpSp>
                 </p:grpSp>
-                <mc:AlternateContent xmlns:mc="http://schemas.openxmlformats.org/markup-compatibility/2006">
-                  <mc:Choice xmlns:a14="http://schemas.microsoft.com/office/drawing/2010/main" Requires="a14">
+                <mc:AlternateContent xmlns:mc="http://schemas.openxmlformats.org/markup-compatibility/2006" xmlns:a14="http://schemas.microsoft.com/office/drawing/2010/main">
+                  <mc:Choice Requires="a14">
                     <p:sp>
                       <p:nvSpPr>
                         <p:cNvPr id="107" name="Объект 2"/>
@@ -21833,7 +21630,7 @@
                       </p:txBody>
                     </p:sp>
                   </mc:Choice>
-                  <mc:Fallback>
+                  <mc:Fallback xmlns="">
                     <p:sp>
                       <p:nvSpPr>
                         <p:cNvPr id="107" name="Объект 2"/>
@@ -21894,8 +21691,8 @@
                     </p:sp>
                   </mc:Fallback>
                 </mc:AlternateContent>
-                <mc:AlternateContent xmlns:mc="http://schemas.openxmlformats.org/markup-compatibility/2006">
-                  <mc:Choice xmlns:a14="http://schemas.microsoft.com/office/drawing/2010/main" Requires="a14">
+                <mc:AlternateContent xmlns:mc="http://schemas.openxmlformats.org/markup-compatibility/2006" xmlns:a14="http://schemas.microsoft.com/office/drawing/2010/main">
+                  <mc:Choice Requires="a14">
                     <p:sp>
                       <p:nvSpPr>
                         <p:cNvPr id="112" name="Объект 2"/>
@@ -22305,7 +22102,7 @@
                       </p:txBody>
                     </p:sp>
                   </mc:Choice>
-                  <mc:Fallback>
+                  <mc:Fallback xmlns="">
                     <p:sp>
                       <p:nvSpPr>
                         <p:cNvPr id="112" name="Объект 2"/>
@@ -22447,8 +22244,8 @@
                   </p:txBody>
                 </p:sp>
               </p:grpSp>
-              <mc:AlternateContent xmlns:mc="http://schemas.openxmlformats.org/markup-compatibility/2006">
-                <mc:Choice xmlns:a14="http://schemas.microsoft.com/office/drawing/2010/main" Requires="a14">
+              <mc:AlternateContent xmlns:mc="http://schemas.openxmlformats.org/markup-compatibility/2006" xmlns:a14="http://schemas.microsoft.com/office/drawing/2010/main">
+                <mc:Choice Requires="a14">
                   <p:sp>
                     <p:nvSpPr>
                       <p:cNvPr id="74" name="TextBox 73"/>
@@ -22519,7 +22316,7 @@
                     </p:txBody>
                   </p:sp>
                 </mc:Choice>
-                <mc:Fallback>
+                <mc:Fallback xmlns="">
                   <p:sp>
                     <p:nvSpPr>
                       <p:cNvPr id="74" name="TextBox 73"/>
@@ -22558,8 +22355,8 @@
                   </p:sp>
                 </mc:Fallback>
               </mc:AlternateContent>
-              <mc:AlternateContent xmlns:mc="http://schemas.openxmlformats.org/markup-compatibility/2006">
-                <mc:Choice xmlns:a14="http://schemas.microsoft.com/office/drawing/2010/main" Requires="a14">
+              <mc:AlternateContent xmlns:mc="http://schemas.openxmlformats.org/markup-compatibility/2006" xmlns:a14="http://schemas.microsoft.com/office/drawing/2010/main">
+                <mc:Choice Requires="a14">
                   <p:sp>
                     <p:nvSpPr>
                       <p:cNvPr id="197" name="TextBox 196"/>
@@ -22630,7 +22427,7 @@
                     </p:txBody>
                   </p:sp>
                 </mc:Choice>
-                <mc:Fallback>
+                <mc:Fallback xmlns="">
                   <p:sp>
                     <p:nvSpPr>
                       <p:cNvPr id="197" name="TextBox 196"/>
@@ -22719,8 +22516,8 @@
           </p:grpSp>
         </p:grpSp>
       </p:grpSp>
-      <mc:AlternateContent xmlns:mc="http://schemas.openxmlformats.org/markup-compatibility/2006">
-        <mc:Choice xmlns:a14="http://schemas.microsoft.com/office/drawing/2010/main" Requires="a14">
+      <mc:AlternateContent xmlns:mc="http://schemas.openxmlformats.org/markup-compatibility/2006" xmlns:a14="http://schemas.microsoft.com/office/drawing/2010/main">
+        <mc:Choice Requires="a14">
           <p:sp>
             <p:nvSpPr>
               <p:cNvPr id="144" name="Объект 2"/>
@@ -22942,7 +22739,7 @@
                   <m:oMath xmlns:m="http://schemas.openxmlformats.org/officeDocument/2006/math">
                     <m:r>
                       <a:rPr lang="en-US" sz="1800" b="0" i="1" smtClean="0">
-                        <a:latin typeface="+mj-lt"/>
+                        <a:latin typeface="Cambria Math"/>
                       </a:rPr>
                       <m:t>𝑀</m:t>
                     </m:r>
@@ -22979,7 +22776,7 @@
                       <m:e>
                         <m:r>
                           <a:rPr lang="ru-RU" sz="1800" b="1" i="1">
-                            <a:latin typeface="+mj-lt"/>
+                            <a:latin typeface="Cambria Math"/>
                           </a:rPr>
                           <m:t>𝐱</m:t>
                         </m:r>
@@ -22987,7 +22784,7 @@
                       <m:sub>
                         <m:r>
                           <a:rPr lang="en-US" sz="1800" i="1">
-                            <a:latin typeface="+mj-lt"/>
+                            <a:latin typeface="Cambria Math"/>
                           </a:rPr>
                           <m:t>𝑖</m:t>
                         </m:r>
@@ -23019,13 +22816,13 @@
                   <m:oMath xmlns:m="http://schemas.openxmlformats.org/officeDocument/2006/math">
                     <m:r>
                       <a:rPr lang="en-US" sz="1800" b="0" i="1" smtClean="0">
-                        <a:latin typeface="+mj-lt"/>
+                        <a:latin typeface="Cambria Math"/>
                       </a:rPr>
                       <m:t>𝐿</m:t>
                     </m:r>
                     <m:r>
                       <a:rPr lang="en-US" sz="1800" i="1">
-                        <a:latin typeface="+mj-lt"/>
+                        <a:latin typeface="Cambria Math"/>
                         <a:ea typeface="Cambria Math"/>
                       </a:rPr>
                       <m:t>=</m:t>
@@ -23035,7 +22832,7 @@
                         <m:degHide m:val="on"/>
                         <m:ctrlPr>
                           <a:rPr lang="en-US" sz="1800" i="1">
-                            <a:latin typeface="+mj-lt"/>
+                            <a:latin typeface="Cambria Math"/>
                             <a:ea typeface="Cambria Math"/>
                           </a:rPr>
                         </m:ctrlPr>
@@ -23044,7 +22841,7 @@
                       <m:e>
                         <m:r>
                           <a:rPr lang="en-US" sz="1800" b="0" i="1" smtClean="0">
-                            <a:latin typeface="+mj-lt"/>
+                            <a:latin typeface="Cambria Math"/>
                             <a:ea typeface="Cambria Math"/>
                           </a:rPr>
                           <m:t>𝑀</m:t>
@@ -23072,7 +22869,7 @@
             </p:txBody>
           </p:sp>
         </mc:Choice>
-        <mc:Fallback>
+        <mc:Fallback xmlns="">
           <p:sp>
             <p:nvSpPr>
               <p:cNvPr id="144" name="Объект 2"/>
@@ -23273,8 +23070,8 @@
           </a:fontRef>
         </p:style>
       </p:cxnSp>
-      <mc:AlternateContent xmlns:mc="http://schemas.openxmlformats.org/markup-compatibility/2006">
-        <mc:Choice xmlns:a14="http://schemas.microsoft.com/office/drawing/2010/main" Requires="a14">
+      <mc:AlternateContent xmlns:mc="http://schemas.openxmlformats.org/markup-compatibility/2006" xmlns:a14="http://schemas.microsoft.com/office/drawing/2010/main">
+        <mc:Choice Requires="a14">
           <p:sp>
             <p:nvSpPr>
               <p:cNvPr id="176" name="Объект 2"/>
@@ -23497,22 +23294,14 @@
                 </a:r>
                 <a:r>
                   <a:rPr lang="ru-RU" sz="1800" dirty="0"/>
-                  <a:t>доля примеров обучающей выборки, неправильно классифицируемых ансамблем, если не учитывать голоса деревьев на примерах, входящих в их собственную обучающую </a:t>
-                </a:r>
-                <a:r>
-                  <a:rPr lang="ru-RU" sz="1800" dirty="0" err="1"/>
-                  <a:t>подвыборку</a:t>
-                </a:r>
-                <a:r>
-                  <a:rPr lang="ru-RU" sz="1800" dirty="0"/>
-                  <a:t>.</a:t>
+                  <a:t>доля примеров обучающей выборки, неверно классифицируемых ансамблем, если не учитывать голоса деревьев на тех примерах, которые входят в их собственные обучающие подвыборки.</a:t>
                 </a:r>
                 <a:endParaRPr lang="ru-RU" sz="1800" dirty="0" smtClean="0"/>
               </a:p>
             </p:txBody>
           </p:sp>
         </mc:Choice>
-        <mc:Fallback>
+        <mc:Fallback xmlns="">
           <p:sp>
             <p:nvSpPr>
               <p:cNvPr id="176" name="Объект 2"/>

--- a/ВКР/Презентация_Димаков_В.С._МП-40.pptx
+++ b/ВКР/Презентация_Димаков_В.С._МП-40.pptx
@@ -8816,7 +8816,15 @@
             </a:pPr>
             <a:r>
               <a:rPr lang="ru-RU" sz="1900" dirty="0" smtClean="0"/>
-              <a:t>Одной из актуальных задач, требующих решения при создании подобных систем, является задача долгосрочного слежения, предполагающая корректную работу в условиях изменения окружающей обстановки сцены, перекрытия объекта слежения другими объектами или же в случае исчезновения отслеживаемого объекта из области наблюдения.</a:t>
+              <a:t>Одной из актуальных задач, требующих решения при создании подобных </a:t>
+            </a:r>
+            <a:r>
+              <a:rPr lang="ru-RU" sz="1900" dirty="0"/>
+              <a:t>систем, является задача долгосрочного слежения, предполагающая корректные результаты в условиях изменения окружающей обстановки сцены, перекрытия </a:t>
+            </a:r>
+            <a:r>
+              <a:rPr lang="ru-RU" sz="1900" dirty="0" smtClean="0"/>
+              <a:t>объекта слежения другими объектами или же в случае исчезновения отслеживаемого объекта из области наблюдения.</a:t>
             </a:r>
           </a:p>
         </p:txBody>
@@ -14683,8 +14691,8 @@
           </a:p>
         </p:txBody>
       </p:sp>
-      <mc:AlternateContent xmlns:mc="http://schemas.openxmlformats.org/markup-compatibility/2006">
-        <mc:Choice xmlns:a14="http://schemas.microsoft.com/office/drawing/2010/main" Requires="a14">
+      <mc:AlternateContent xmlns:mc="http://schemas.openxmlformats.org/markup-compatibility/2006" xmlns:a14="http://schemas.microsoft.com/office/drawing/2010/main">
+        <mc:Choice Requires="a14">
           <p:sp>
             <p:nvSpPr>
               <p:cNvPr id="35" name="TextBox 34"/>
@@ -14799,7 +14807,7 @@
             </p:txBody>
           </p:sp>
         </mc:Choice>
-        <mc:Fallback>
+        <mc:Fallback xmlns="">
           <p:sp>
             <p:nvSpPr>
               <p:cNvPr id="35" name="TextBox 34"/>
@@ -14871,8 +14879,8 @@
           </a:fontRef>
         </p:style>
       </p:cxnSp>
-      <mc:AlternateContent xmlns:mc="http://schemas.openxmlformats.org/markup-compatibility/2006">
-        <mc:Choice xmlns:a14="http://schemas.microsoft.com/office/drawing/2010/main" Requires="a14">
+      <mc:AlternateContent xmlns:mc="http://schemas.openxmlformats.org/markup-compatibility/2006" xmlns:a14="http://schemas.microsoft.com/office/drawing/2010/main">
+        <mc:Choice Requires="a14">
           <p:sp>
             <p:nvSpPr>
               <p:cNvPr id="46" name="TextBox 45"/>
@@ -14916,7 +14924,7 @@
             </p:txBody>
           </p:sp>
         </mc:Choice>
-        <mc:Fallback>
+        <mc:Fallback xmlns="">
           <p:sp>
             <p:nvSpPr>
               <p:cNvPr id="46" name="TextBox 45"/>
@@ -22516,8 +22524,8 @@
           </p:grpSp>
         </p:grpSp>
       </p:grpSp>
-      <mc:AlternateContent xmlns:mc="http://schemas.openxmlformats.org/markup-compatibility/2006" xmlns:a14="http://schemas.microsoft.com/office/drawing/2010/main">
-        <mc:Choice Requires="a14">
+      <mc:AlternateContent xmlns:mc="http://schemas.openxmlformats.org/markup-compatibility/2006">
+        <mc:Choice xmlns:a14="http://schemas.microsoft.com/office/drawing/2010/main" Requires="a14">
           <p:sp>
             <p:nvSpPr>
               <p:cNvPr id="144" name="Объект 2"/>
@@ -22529,7 +22537,7 @@
             <p:spPr bwMode="auto">
               <a:xfrm>
                 <a:off x="179512" y="5694999"/>
-                <a:ext cx="8935330" cy="758337"/>
+                <a:ext cx="8856984" cy="758337"/>
               </a:xfrm>
               <a:prstGeom prst="rect">
                 <a:avLst/>
@@ -22869,7 +22877,7 @@
             </p:txBody>
           </p:sp>
         </mc:Choice>
-        <mc:Fallback xmlns="">
+        <mc:Fallback>
           <p:sp>
             <p:nvSpPr>
               <p:cNvPr id="144" name="Объект 2"/>
@@ -22881,7 +22889,7 @@
             <p:spPr bwMode="auto">
               <a:xfrm>
                 <a:off x="179512" y="5694999"/>
-                <a:ext cx="8935330" cy="758337"/>
+                <a:ext cx="8856984" cy="758337"/>
               </a:xfrm>
               <a:prstGeom prst="rect">
                 <a:avLst/>
@@ -22889,7 +22897,7 @@
               <a:blipFill rotWithShape="1">
                 <a:blip r:embed="rId16"/>
                 <a:stretch>
-                  <a:fillRect l="-546" t="-4000" r="-614" b="-800"/>
+                  <a:fillRect l="-551" t="-4000" r="-619" b="-800"/>
                 </a:stretch>
               </a:blipFill>
               <a:ln>
